--- a/The Raft Consensus Algorithm.pptx
+++ b/The Raft Consensus Algorithm.pptx
@@ -15,9 +15,12 @@
     <p:sldId id="264" r:id="rId9"/>
     <p:sldId id="266" r:id="rId10"/>
     <p:sldId id="263" r:id="rId11"/>
-    <p:sldId id="265" r:id="rId12"/>
-    <p:sldId id="267" r:id="rId13"/>
+    <p:sldId id="267" r:id="rId12"/>
+    <p:sldId id="270" r:id="rId13"/>
     <p:sldId id="268" r:id="rId14"/>
+    <p:sldId id="271" r:id="rId15"/>
+    <p:sldId id="272" r:id="rId16"/>
+    <p:sldId id="269" r:id="rId17"/>
   </p:sldIdLst>
   <p:sldSz cx="12192000" cy="6858000"/>
   <p:notesSz cx="6858000" cy="9144000"/>
@@ -139,12 +142,22 @@
           <p14:sldIdLst>
             <p14:sldId id="266"/>
             <p14:sldId id="263"/>
-            <p14:sldId id="265"/>
             <p14:sldId id="267"/>
+            <p14:sldId id="270"/>
             <p14:sldId id="268"/>
+            <p14:sldId id="271"/>
+            <p14:sldId id="272"/>
+          </p14:sldIdLst>
+        </p14:section>
+        <p14:section name="LOG COMPACTION" id="{6A335E5F-F743-46F4-98BE-8CC18CCD2F8B}">
+          <p14:sldIdLst>
+            <p14:sldId id="269"/>
           </p14:sldIdLst>
         </p14:section>
       </p14:sectionLst>
+    </p:ext>
+    <p:ext uri="{EFAFB233-063F-42B5-8137-9DF3F51BA10A}">
+      <p15:sldGuideLst xmlns:p15="http://schemas.microsoft.com/office/powerpoint/2012/main"/>
     </p:ext>
   </p:extLst>
 </p:presentation>
@@ -281,7 +294,7 @@
           <a:p>
             <a:fld id="{2F74EE6C-B5A5-439C-9100-DE43D17B0A18}" type="datetimeFigureOut">
               <a:rPr lang="en-US" smtClean="0"/>
-              <a:t>10/28/2018</a:t>
+              <a:t>10/29/2018</a:t>
             </a:fld>
             <a:endParaRPr lang="en-US"/>
           </a:p>
@@ -451,7 +464,7 @@
           <a:p>
             <a:fld id="{2F74EE6C-B5A5-439C-9100-DE43D17B0A18}" type="datetimeFigureOut">
               <a:rPr lang="en-US" smtClean="0"/>
-              <a:t>10/28/2018</a:t>
+              <a:t>10/29/2018</a:t>
             </a:fld>
             <a:endParaRPr lang="en-US"/>
           </a:p>
@@ -631,7 +644,7 @@
           <a:p>
             <a:fld id="{2F74EE6C-B5A5-439C-9100-DE43D17B0A18}" type="datetimeFigureOut">
               <a:rPr lang="en-US" smtClean="0"/>
-              <a:t>10/28/2018</a:t>
+              <a:t>10/29/2018</a:t>
             </a:fld>
             <a:endParaRPr lang="en-US"/>
           </a:p>
@@ -801,7 +814,7 @@
           <a:p>
             <a:fld id="{2F74EE6C-B5A5-439C-9100-DE43D17B0A18}" type="datetimeFigureOut">
               <a:rPr lang="en-US" smtClean="0"/>
-              <a:t>10/28/2018</a:t>
+              <a:t>10/29/2018</a:t>
             </a:fld>
             <a:endParaRPr lang="en-US"/>
           </a:p>
@@ -1047,7 +1060,7 @@
           <a:p>
             <a:fld id="{2F74EE6C-B5A5-439C-9100-DE43D17B0A18}" type="datetimeFigureOut">
               <a:rPr lang="en-US" smtClean="0"/>
-              <a:t>10/28/2018</a:t>
+              <a:t>10/29/2018</a:t>
             </a:fld>
             <a:endParaRPr lang="en-US"/>
           </a:p>
@@ -1279,7 +1292,7 @@
           <a:p>
             <a:fld id="{2F74EE6C-B5A5-439C-9100-DE43D17B0A18}" type="datetimeFigureOut">
               <a:rPr lang="en-US" smtClean="0"/>
-              <a:t>10/28/2018</a:t>
+              <a:t>10/29/2018</a:t>
             </a:fld>
             <a:endParaRPr lang="en-US"/>
           </a:p>
@@ -1646,7 +1659,7 @@
           <a:p>
             <a:fld id="{2F74EE6C-B5A5-439C-9100-DE43D17B0A18}" type="datetimeFigureOut">
               <a:rPr lang="en-US" smtClean="0"/>
-              <a:t>10/28/2018</a:t>
+              <a:t>10/29/2018</a:t>
             </a:fld>
             <a:endParaRPr lang="en-US"/>
           </a:p>
@@ -1764,7 +1777,7 @@
           <a:p>
             <a:fld id="{2F74EE6C-B5A5-439C-9100-DE43D17B0A18}" type="datetimeFigureOut">
               <a:rPr lang="en-US" smtClean="0"/>
-              <a:t>10/28/2018</a:t>
+              <a:t>10/29/2018</a:t>
             </a:fld>
             <a:endParaRPr lang="en-US"/>
           </a:p>
@@ -1859,7 +1872,7 @@
           <a:p>
             <a:fld id="{2F74EE6C-B5A5-439C-9100-DE43D17B0A18}" type="datetimeFigureOut">
               <a:rPr lang="en-US" smtClean="0"/>
-              <a:t>10/28/2018</a:t>
+              <a:t>10/29/2018</a:t>
             </a:fld>
             <a:endParaRPr lang="en-US"/>
           </a:p>
@@ -2136,7 +2149,7 @@
           <a:p>
             <a:fld id="{2F74EE6C-B5A5-439C-9100-DE43D17B0A18}" type="datetimeFigureOut">
               <a:rPr lang="en-US" smtClean="0"/>
-              <a:t>10/28/2018</a:t>
+              <a:t>10/29/2018</a:t>
             </a:fld>
             <a:endParaRPr lang="en-US"/>
           </a:p>
@@ -2389,7 +2402,7 @@
           <a:p>
             <a:fld id="{2F74EE6C-B5A5-439C-9100-DE43D17B0A18}" type="datetimeFigureOut">
               <a:rPr lang="en-US" smtClean="0"/>
-              <a:t>10/28/2018</a:t>
+              <a:t>10/29/2018</a:t>
             </a:fld>
             <a:endParaRPr lang="en-US"/>
           </a:p>
@@ -2602,7 +2615,7 @@
           <a:p>
             <a:fld id="{2F74EE6C-B5A5-439C-9100-DE43D17B0A18}" type="datetimeFigureOut">
               <a:rPr lang="en-US" smtClean="0"/>
-              <a:t>10/28/2018</a:t>
+              <a:t>10/29/2018</a:t>
             </a:fld>
             <a:endParaRPr lang="en-US"/>
           </a:p>
@@ -3317,7 +3330,19 @@
             </a:r>
             <a:r>
               <a:rPr lang="en-US" dirty="0" smtClean="0"/>
-              <a:t>entry is written to the </a:t>
+              <a:t>entry is </a:t>
+            </a:r>
+            <a:r>
+              <a:rPr lang="en-US" dirty="0" smtClean="0">
+                <a:solidFill>
+                  <a:srgbClr val="00B050"/>
+                </a:solidFill>
+              </a:rPr>
+              <a:t>written to </a:t>
+            </a:r>
+            <a:r>
+              <a:rPr lang="en-US" dirty="0" smtClean="0"/>
+              <a:t>the </a:t>
             </a:r>
             <a:r>
               <a:rPr lang="en-US" dirty="0" smtClean="0">
@@ -3409,13 +3434,8 @@
             </a:r>
             <a:r>
               <a:rPr lang="en-US" dirty="0" smtClean="0"/>
-              <a:t> </a:t>
-            </a:r>
-            <a:r>
-              <a:rPr lang="en-US" dirty="0" smtClean="0"/>
-              <a:t> </a:t>
-            </a:r>
-            <a:endParaRPr lang="en-US" dirty="0" smtClean="0"/>
+              <a:t>  </a:t>
+            </a:r>
           </a:p>
           <a:p>
             <a:endParaRPr lang="en-US" dirty="0" smtClean="0"/>
@@ -3490,12 +3510,14 @@
         </p:nvSpPr>
         <p:spPr>
           <a:xfrm>
-            <a:off x="838200" y="1825624"/>
-            <a:ext cx="10515600" cy="4790835"/>
+            <a:off x="838200" y="1690688"/>
+            <a:ext cx="10515600" cy="4891266"/>
           </a:xfrm>
         </p:spPr>
         <p:txBody>
-          <a:bodyPr/>
+          <a:bodyPr>
+            <a:normAutofit/>
+          </a:bodyPr>
           <a:lstStyle/>
           <a:p>
             <a:r>
@@ -3521,10 +3543,42 @@
             <a:r>
               <a:rPr lang="en-US" dirty="0" err="1" smtClean="0">
                 <a:solidFill>
+                  <a:srgbClr val="00B0F0"/>
+                </a:solidFill>
+              </a:rPr>
+              <a:t>AppendEntries</a:t>
+            </a:r>
+            <a:r>
+              <a:rPr lang="en-US" dirty="0" smtClean="0">
+                <a:solidFill>
+                  <a:srgbClr val="00B0F0"/>
+                </a:solidFill>
+              </a:rPr>
+              <a:t> </a:t>
+            </a:r>
+            <a:r>
+              <a:rPr lang="en-US" dirty="0" smtClean="0">
+                <a:solidFill>
+                  <a:srgbClr val="00B0F0"/>
+                </a:solidFill>
+              </a:rPr>
+              <a:t>RPCs </a:t>
+            </a:r>
+            <a:r>
+              <a:rPr lang="en-US" dirty="0" smtClean="0"/>
+              <a:t>with </a:t>
+            </a:r>
+            <a:r>
+              <a:rPr lang="en-US" dirty="0" smtClean="0">
+                <a:solidFill>
                   <a:srgbClr val="00B050"/>
                 </a:solidFill>
               </a:rPr>
-              <a:t>AppendEntries</a:t>
+              <a:t>new log entries </a:t>
+            </a:r>
+            <a:r>
+              <a:rPr lang="en-US" dirty="0" smtClean="0"/>
+              <a:t>contain the index and term of the </a:t>
             </a:r>
             <a:r>
               <a:rPr lang="en-US" dirty="0" smtClean="0">
@@ -3532,11 +3586,7 @@
                   <a:srgbClr val="00B050"/>
                 </a:solidFill>
               </a:rPr>
-              <a:t> RPCs</a:t>
-            </a:r>
-            <a:r>
-              <a:rPr lang="en-US" dirty="0" smtClean="0"/>
-              <a:t> with </a:t>
+              <a:t>previous </a:t>
             </a:r>
             <a:r>
               <a:rPr lang="en-US" dirty="0" smtClean="0">
@@ -3544,11 +3594,7 @@
                   <a:srgbClr val="00B050"/>
                 </a:solidFill>
               </a:rPr>
-              <a:t>new log entries </a:t>
-            </a:r>
-            <a:r>
-              <a:rPr lang="en-US" dirty="0" smtClean="0"/>
-              <a:t>contain the index and term of the </a:t>
+              <a:t>entry (</a:t>
             </a:r>
             <a:r>
               <a:rPr lang="en-US" dirty="0" smtClean="0">
@@ -3556,7 +3602,35 @@
                   <a:srgbClr val="00B050"/>
                 </a:solidFill>
               </a:rPr>
-              <a:t>previous entry (X) in the Leader’s log</a:t>
+              <a:t>X</a:t>
+            </a:r>
+            <a:r>
+              <a:rPr lang="en-US" dirty="0" smtClean="0">
+                <a:solidFill>
+                  <a:srgbClr val="00B050"/>
+                </a:solidFill>
+              </a:rPr>
+              <a:t>) </a:t>
+            </a:r>
+            <a:r>
+              <a:rPr lang="en-US" i="1" dirty="0" smtClean="0"/>
+              <a:t>(i.e., entry at nextIndex-1)</a:t>
+            </a:r>
+            <a:r>
+              <a:rPr lang="en-US" dirty="0" smtClean="0">
+                <a:solidFill>
+                  <a:srgbClr val="00B050"/>
+                </a:solidFill>
+              </a:rPr>
+              <a:t> in </a:t>
+            </a:r>
+            <a:r>
+              <a:rPr lang="en-US" dirty="0" smtClean="0">
+                <a:solidFill>
+                  <a:srgbClr val="00B050"/>
+                </a:solidFill>
+              </a:rPr>
+              <a:t>the Leader’s log</a:t>
             </a:r>
             <a:r>
               <a:rPr lang="en-US" dirty="0" smtClean="0"/>
@@ -3592,7 +3666,15 @@
             </a:r>
             <a:r>
               <a:rPr lang="en-US" dirty="0" smtClean="0"/>
-              <a:t>checks if the follower’s log contains an entry with X’s index and term. </a:t>
+              <a:t>checks if the follower’s </a:t>
+            </a:r>
+            <a:r>
+              <a:rPr lang="en-US" dirty="0" smtClean="0"/>
+              <a:t>log contains </a:t>
+            </a:r>
+            <a:r>
+              <a:rPr lang="en-US" dirty="0" smtClean="0"/>
+              <a:t>an entry with X’s index and term. </a:t>
             </a:r>
           </a:p>
           <a:p>
@@ -3665,10 +3747,34 @@
             <a:r>
               <a:rPr lang="en-US" dirty="0" err="1" smtClean="0">
                 <a:solidFill>
+                  <a:srgbClr val="00B0F0"/>
+                </a:solidFill>
+              </a:rPr>
+              <a:t>nextIndex</a:t>
+            </a:r>
+            <a:r>
+              <a:rPr lang="en-US" dirty="0" smtClean="0">
+                <a:solidFill>
                   <a:srgbClr val="00B050"/>
                 </a:solidFill>
               </a:rPr>
-              <a:t>nextIndex</a:t>
+              <a:t> and retries </a:t>
+            </a:r>
+            <a:r>
+              <a:rPr lang="en-US" dirty="0" err="1" smtClean="0">
+                <a:solidFill>
+                  <a:srgbClr val="00B0F0"/>
+                </a:solidFill>
+              </a:rPr>
+              <a:t>AppendEntries</a:t>
+            </a:r>
+            <a:r>
+              <a:rPr lang="en-US" dirty="0" smtClean="0">
+                <a:solidFill>
+                  <a:srgbClr val="00B0F0"/>
+                </a:solidFill>
+              </a:rPr>
+              <a:t> RPC </a:t>
             </a:r>
             <a:r>
               <a:rPr lang="en-US" dirty="0" smtClean="0">
@@ -3676,23 +3782,7 @@
                   <a:srgbClr val="00B050"/>
                 </a:solidFill>
               </a:rPr>
-              <a:t> and retries </a:t>
-            </a:r>
-            <a:r>
-              <a:rPr lang="en-US" dirty="0" err="1" smtClean="0">
-                <a:solidFill>
-                  <a:srgbClr val="00B050"/>
-                </a:solidFill>
-              </a:rPr>
-              <a:t>AppendEntries</a:t>
-            </a:r>
-            <a:r>
-              <a:rPr lang="en-US" dirty="0" smtClean="0">
-                <a:solidFill>
-                  <a:srgbClr val="00B050"/>
-                </a:solidFill>
-              </a:rPr>
-              <a:t> RPC for that follower, until a point reaches where the logs match.</a:t>
+              <a:t>for that follower, until a point reaches where the logs match.</a:t>
             </a:r>
             <a:r>
               <a:rPr lang="en-US" dirty="0" smtClean="0"/>
@@ -3711,13 +3801,22 @@
               <a:t> When an </a:t>
             </a:r>
             <a:r>
-              <a:rPr lang="en-US" dirty="0" err="1" smtClean="0"/>
+              <a:rPr lang="en-US" dirty="0" err="1" smtClean="0">
+                <a:solidFill>
+                  <a:srgbClr val="00B0F0"/>
+                </a:solidFill>
+              </a:rPr>
               <a:t>AppendEntries</a:t>
             </a:r>
             <a:r>
               <a:rPr lang="en-US" dirty="0" smtClean="0"/>
-              <a:t> succeeds, the follower’s log is consistent with the leader’s </a:t>
-            </a:r>
+              <a:t> succeeds, the follower’s log is consistent with the leader’s up to that entry</a:t>
+            </a:r>
+            <a:r>
+              <a:rPr lang="en-US" dirty="0" smtClean="0"/>
+              <a:t>.</a:t>
+            </a:r>
+            <a:endParaRPr lang="en-US" dirty="0" smtClean="0"/>
           </a:p>
           <a:p>
             <a:pPr lvl="2">
@@ -3763,7 +3862,7 @@
     </p:spTree>
     <p:extLst>
       <p:ext uri="{BB962C8B-B14F-4D97-AF65-F5344CB8AC3E}">
-        <p14:creationId xmlns:p14="http://schemas.microsoft.com/office/powerpoint/2010/main" val="2321125435"/>
+        <p14:creationId xmlns:p14="http://schemas.microsoft.com/office/powerpoint/2010/main" val="3811900838"/>
       </p:ext>
     </p:extLst>
   </p:cSld>
@@ -3825,12 +3924,14 @@
         </p:nvSpPr>
         <p:spPr>
           <a:xfrm>
-            <a:off x="838200" y="1825624"/>
-            <a:ext cx="10515600" cy="4790835"/>
+            <a:off x="838200" y="1388854"/>
+            <a:ext cx="10515600" cy="5193100"/>
           </a:xfrm>
         </p:spPr>
         <p:txBody>
-          <a:bodyPr/>
+          <a:bodyPr>
+            <a:normAutofit/>
+          </a:bodyPr>
           <a:lstStyle/>
           <a:p>
             <a:r>
@@ -3839,8 +3940,90 @@
                   <a:srgbClr val="00B050"/>
                 </a:solidFill>
               </a:rPr>
-              <a:t>Follower Side:</a:t>
-            </a:r>
+              <a:t>Follower </a:t>
+            </a:r>
+            <a:r>
+              <a:rPr lang="en-US" dirty="0" smtClean="0">
+                <a:solidFill>
+                  <a:srgbClr val="00B050"/>
+                </a:solidFill>
+              </a:rPr>
+              <a:t>Side:</a:t>
+            </a:r>
+          </a:p>
+          <a:p>
+            <a:pPr lvl="1">
+              <a:buSzPct val="70000"/>
+            </a:pPr>
+            <a:r>
+              <a:rPr lang="en-US" dirty="0" smtClean="0"/>
+              <a:t>If an </a:t>
+            </a:r>
+            <a:r>
+              <a:rPr lang="en-US" dirty="0" smtClean="0">
+                <a:solidFill>
+                  <a:srgbClr val="FF0000"/>
+                </a:solidFill>
+              </a:rPr>
+              <a:t>existing entry conflicts with a new entry </a:t>
+            </a:r>
+            <a:r>
+              <a:rPr lang="en-US" dirty="0" smtClean="0"/>
+              <a:t>(the result of an uncommitted log entry), the follower </a:t>
+            </a:r>
+            <a:r>
+              <a:rPr lang="en-US" dirty="0" smtClean="0">
+                <a:solidFill>
+                  <a:srgbClr val="00B050"/>
+                </a:solidFill>
+              </a:rPr>
+              <a:t>deletes the existing entry and all that follow</a:t>
+            </a:r>
+            <a:r>
+              <a:rPr lang="en-US" dirty="0" smtClean="0"/>
+              <a:t> - </a:t>
+            </a:r>
+          </a:p>
+          <a:p>
+            <a:pPr lvl="1">
+              <a:buSzPct val="70000"/>
+            </a:pPr>
+            <a:endParaRPr lang="en-US" dirty="0" smtClean="0"/>
+          </a:p>
+          <a:p>
+            <a:pPr lvl="1">
+              <a:buSzPct val="70000"/>
+            </a:pPr>
+            <a:r>
+              <a:rPr lang="en-US" dirty="0" smtClean="0"/>
+              <a:t>The follower then </a:t>
+            </a:r>
+            <a:r>
+              <a:rPr lang="en-US" dirty="0" smtClean="0">
+                <a:solidFill>
+                  <a:srgbClr val="00B050"/>
+                </a:solidFill>
+              </a:rPr>
+              <a:t>a</a:t>
+            </a:r>
+            <a:r>
+              <a:rPr lang="en-US" dirty="0" smtClean="0">
+                <a:solidFill>
+                  <a:srgbClr val="00B050"/>
+                </a:solidFill>
+              </a:rPr>
+              <a:t>ppends any new entries already not in the log </a:t>
+            </a:r>
+            <a:r>
+              <a:rPr lang="en-US" dirty="0" smtClean="0"/>
+              <a:t>– (this is because the leader is guaranteed to have all previously committed log entries)</a:t>
+            </a:r>
+          </a:p>
+          <a:p>
+            <a:pPr lvl="1">
+              <a:buSzPct val="70000"/>
+            </a:pPr>
+            <a:endParaRPr lang="en-US" dirty="0" smtClean="0"/>
           </a:p>
           <a:p>
             <a:pPr lvl="1">
@@ -3850,11 +4033,27 @@
               <a:buSzPct val="70000"/>
             </a:pPr>
             <a:r>
-              <a:rPr lang="en-US" dirty="0" smtClean="0"/>
-              <a:t>The </a:t>
-            </a:r>
-            <a:r>
-              <a:rPr lang="en-US" dirty="0" err="1" smtClean="0">
+              <a:rPr lang="en-US" dirty="0"/>
+              <a:t>If </a:t>
+            </a:r>
+            <a:r>
+              <a:rPr lang="en-US" dirty="0" smtClean="0"/>
+              <a:t>a </a:t>
+            </a:r>
+            <a:r>
+              <a:rPr lang="en-US" dirty="0" smtClean="0">
+                <a:solidFill>
+                  <a:srgbClr val="00B050"/>
+                </a:solidFill>
+              </a:rPr>
+              <a:t>future</a:t>
+            </a:r>
+            <a:r>
+              <a:rPr lang="en-US" dirty="0" smtClean="0"/>
+              <a:t> </a:t>
+            </a:r>
+            <a:r>
+              <a:rPr lang="en-US" dirty="0" err="1">
                 <a:solidFill>
                   <a:srgbClr val="00B0F0"/>
                 </a:solidFill>
@@ -3862,40 +4061,24 @@
               <a:t>AppendEntries</a:t>
             </a:r>
             <a:r>
-              <a:rPr lang="en-US" dirty="0" smtClean="0">
+              <a:rPr lang="en-US" dirty="0">
                 <a:solidFill>
                   <a:srgbClr val="00B0F0"/>
                 </a:solidFill>
               </a:rPr>
-              <a:t> RPCs </a:t>
-            </a:r>
-            <a:r>
-              <a:rPr lang="en-US" dirty="0" smtClean="0"/>
-              <a:t>with </a:t>
-            </a:r>
-            <a:r>
-              <a:rPr lang="en-US" dirty="0" smtClean="0">
+              <a:t> RPC</a:t>
+            </a:r>
+            <a:r>
+              <a:rPr lang="en-US" dirty="0"/>
+              <a:t> says that an entry has been committed, it </a:t>
+            </a:r>
+            <a:r>
+              <a:rPr lang="en-US" dirty="0">
                 <a:solidFill>
                   <a:srgbClr val="00B050"/>
                 </a:solidFill>
               </a:rPr>
-              <a:t>new log entries </a:t>
-            </a:r>
-            <a:r>
-              <a:rPr lang="en-US" dirty="0" smtClean="0"/>
-              <a:t>contain the index and term of the </a:t>
-            </a:r>
-            <a:r>
-              <a:rPr lang="en-US" dirty="0" smtClean="0">
-                <a:solidFill>
-                  <a:srgbClr val="00B050"/>
-                </a:solidFill>
-              </a:rPr>
-              <a:t>previous entry (X) in the Leader’s log</a:t>
-            </a:r>
-            <a:r>
-              <a:rPr lang="en-US" dirty="0" smtClean="0"/>
-              <a:t>. </a:t>
+              <a:t>writes it to the State Machine</a:t>
             </a:r>
           </a:p>
           <a:p>
@@ -3905,166 +4088,7 @@
               </a:buClr>
               <a:buSzPct val="70000"/>
             </a:pPr>
-            <a:r>
-              <a:rPr lang="en-US" dirty="0" smtClean="0"/>
-              <a:t>The </a:t>
-            </a:r>
-            <a:r>
-              <a:rPr lang="en-US" dirty="0" err="1" smtClean="0">
-                <a:solidFill>
-                  <a:srgbClr val="00B0F0"/>
-                </a:solidFill>
-              </a:rPr>
-              <a:t>AppendEntries</a:t>
-            </a:r>
-            <a:r>
-              <a:rPr lang="en-US" dirty="0" smtClean="0">
-                <a:solidFill>
-                  <a:srgbClr val="00B0F0"/>
-                </a:solidFill>
-              </a:rPr>
-              <a:t> Consistency Check </a:t>
-            </a:r>
-            <a:r>
-              <a:rPr lang="en-US" dirty="0" smtClean="0"/>
-              <a:t>checks if the follower’s log contains an entry with X’s index and term. </a:t>
-            </a:r>
-          </a:p>
-          <a:p>
-            <a:pPr lvl="1">
-              <a:buClr>
-                <a:srgbClr val="FF0000"/>
-              </a:buClr>
-              <a:buSzPct val="70000"/>
-            </a:pPr>
-            <a:r>
-              <a:rPr lang="en-US" dirty="0" smtClean="0"/>
-              <a:t>If the </a:t>
-            </a:r>
-            <a:r>
-              <a:rPr lang="en-US" dirty="0" smtClean="0">
-                <a:solidFill>
-                  <a:srgbClr val="00B050"/>
-                </a:solidFill>
-              </a:rPr>
-              <a:t>Consistency check does not fail</a:t>
-            </a:r>
-            <a:r>
-              <a:rPr lang="en-US" dirty="0" smtClean="0"/>
-              <a:t>, the new entry is written to the follower’s log. </a:t>
-            </a:r>
-          </a:p>
-          <a:p>
-            <a:pPr lvl="1">
-              <a:buClr>
-                <a:srgbClr val="FF0000"/>
-              </a:buClr>
-              <a:buSzPct val="70000"/>
-            </a:pPr>
-            <a:r>
-              <a:rPr lang="en-US" dirty="0" smtClean="0"/>
-              <a:t>If the </a:t>
-            </a:r>
-            <a:r>
-              <a:rPr lang="en-US" dirty="0" smtClean="0">
-                <a:solidFill>
-                  <a:srgbClr val="FF0000"/>
-                </a:solidFill>
-              </a:rPr>
-              <a:t>consistency check fails</a:t>
-            </a:r>
-            <a:r>
-              <a:rPr lang="en-US" dirty="0" smtClean="0"/>
-              <a:t>, then:</a:t>
-            </a:r>
-          </a:p>
-          <a:p>
-            <a:pPr lvl="2">
-              <a:buClr>
-                <a:srgbClr val="FF0000"/>
-              </a:buClr>
-              <a:buSzPct val="70000"/>
-            </a:pPr>
-            <a:r>
-              <a:rPr lang="en-US" dirty="0" smtClean="0"/>
-              <a:t>The </a:t>
-            </a:r>
-            <a:r>
-              <a:rPr lang="en-US" dirty="0" smtClean="0">
-                <a:solidFill>
-                  <a:srgbClr val="00B050"/>
-                </a:solidFill>
-              </a:rPr>
-              <a:t>Leader decrements </a:t>
-            </a:r>
-            <a:r>
-              <a:rPr lang="en-US" dirty="0" err="1" smtClean="0">
-                <a:solidFill>
-                  <a:srgbClr val="00B0F0"/>
-                </a:solidFill>
-              </a:rPr>
-              <a:t>nextIndex</a:t>
-            </a:r>
-            <a:r>
-              <a:rPr lang="en-US" dirty="0" smtClean="0">
-                <a:solidFill>
-                  <a:srgbClr val="00B050"/>
-                </a:solidFill>
-              </a:rPr>
-              <a:t> and retries </a:t>
-            </a:r>
-            <a:r>
-              <a:rPr lang="en-US" dirty="0" err="1" smtClean="0">
-                <a:solidFill>
-                  <a:srgbClr val="00B0F0"/>
-                </a:solidFill>
-              </a:rPr>
-              <a:t>AppendEntries</a:t>
-            </a:r>
-            <a:r>
-              <a:rPr lang="en-US" dirty="0" smtClean="0">
-                <a:solidFill>
-                  <a:srgbClr val="00B0F0"/>
-                </a:solidFill>
-              </a:rPr>
-              <a:t> RPC </a:t>
-            </a:r>
-            <a:r>
-              <a:rPr lang="en-US" dirty="0" smtClean="0">
-                <a:solidFill>
-                  <a:srgbClr val="00B050"/>
-                </a:solidFill>
-              </a:rPr>
-              <a:t>for that follower, until a point reaches where the logs match.</a:t>
-            </a:r>
-            <a:r>
-              <a:rPr lang="en-US" dirty="0" smtClean="0"/>
-              <a:t> (one failure of Consistency Check for each mismatching entry)</a:t>
-            </a:r>
-          </a:p>
-          <a:p>
-            <a:pPr lvl="2">
-              <a:buClr>
-                <a:srgbClr val="FF0000"/>
-              </a:buClr>
-              <a:buSzPct val="70000"/>
-            </a:pPr>
-            <a:r>
-              <a:rPr lang="en-US" dirty="0" smtClean="0"/>
-              <a:t> When an </a:t>
-            </a:r>
-            <a:r>
-              <a:rPr lang="en-US" dirty="0" err="1" smtClean="0">
-                <a:solidFill>
-                  <a:srgbClr val="00B0F0"/>
-                </a:solidFill>
-              </a:rPr>
-              <a:t>AppendEntries</a:t>
-            </a:r>
-            <a:r>
-              <a:rPr lang="en-US" dirty="0" smtClean="0"/>
-              <a:t> succeeds, the follower’s log is consistent with the leader’s up to that entry.</a:t>
-            </a:r>
+            <a:endParaRPr lang="en-US" dirty="0" smtClean="0"/>
           </a:p>
           <a:p>
             <a:pPr lvl="2">
@@ -4110,7 +4134,7 @@
     </p:spTree>
     <p:extLst>
       <p:ext uri="{BB962C8B-B14F-4D97-AF65-F5344CB8AC3E}">
-        <p14:creationId xmlns:p14="http://schemas.microsoft.com/office/powerpoint/2010/main" val="3811900838"/>
+        <p14:creationId xmlns:p14="http://schemas.microsoft.com/office/powerpoint/2010/main" val="3718338715"/>
       </p:ext>
     </p:extLst>
   </p:cSld>
@@ -4182,7 +4206,7 @@
           <a:p>
             <a:r>
               <a:rPr lang="en-US" dirty="0" smtClean="0"/>
-              <a:t>Therefore the leader does not have to take any special action to ensure </a:t>
+              <a:t>Therefore the leader </a:t>
             </a:r>
             <a:r>
               <a:rPr lang="en-US" dirty="0" smtClean="0">
@@ -4190,7 +4214,27 @@
                   <a:srgbClr val="00B050"/>
                 </a:solidFill>
               </a:rPr>
-              <a:t>Log Consistency</a:t>
+              <a:t>does not have to take any special action</a:t>
+            </a:r>
+            <a:r>
+              <a:rPr lang="en-US" dirty="0" smtClean="0"/>
+              <a:t> to ensure </a:t>
+            </a:r>
+            <a:r>
+              <a:rPr lang="en-US" dirty="0">
+                <a:solidFill>
+                  <a:srgbClr val="00B050"/>
+                </a:solidFill>
+              </a:rPr>
+              <a:t>l</a:t>
+            </a:r>
+            <a:r>
+              <a:rPr lang="en-US" dirty="0" smtClean="0">
+                <a:solidFill>
+                  <a:srgbClr val="00B050"/>
+                </a:solidFill>
+              </a:rPr>
+              <a:t>og consistency</a:t>
             </a:r>
             <a:r>
               <a:rPr lang="en-US" dirty="0" smtClean="0"/>
@@ -4228,8 +4272,13 @@
             </a:r>
             <a:r>
               <a:rPr lang="en-US" dirty="0" smtClean="0"/>
-              <a:t>take care of maintaining consistency.</a:t>
-            </a:r>
+              <a:t>take care of maintaining </a:t>
+            </a:r>
+            <a:r>
+              <a:rPr lang="en-US" dirty="0" smtClean="0"/>
+              <a:t>consistency if logs don’t match.</a:t>
+            </a:r>
+            <a:endParaRPr lang="en-US" dirty="0" smtClean="0"/>
           </a:p>
           <a:p>
             <a:pPr lvl="2">
@@ -4276,6 +4325,383 @@
     <p:extLst>
       <p:ext uri="{BB962C8B-B14F-4D97-AF65-F5344CB8AC3E}">
         <p14:creationId xmlns:p14="http://schemas.microsoft.com/office/powerpoint/2010/main" val="422927626"/>
+      </p:ext>
+    </p:extLst>
+  </p:cSld>
+  <p:clrMapOvr>
+    <a:masterClrMapping/>
+  </p:clrMapOvr>
+</p:sld>
+</file>
+
+<file path=ppt/slides/slide14.xml><?xml version="1.0" encoding="utf-8"?>
+<p:sld xmlns:a="http://schemas.openxmlformats.org/drawingml/2006/main" xmlns:r="http://schemas.openxmlformats.org/officeDocument/2006/relationships" xmlns:p="http://schemas.openxmlformats.org/presentationml/2006/main">
+  <p:cSld>
+    <p:spTree>
+      <p:nvGrpSpPr>
+        <p:cNvPr id="1" name=""/>
+        <p:cNvGrpSpPr/>
+        <p:nvPr/>
+      </p:nvGrpSpPr>
+      <p:grpSpPr>
+        <a:xfrm>
+          <a:off x="0" y="0"/>
+          <a:ext cx="0" cy="0"/>
+          <a:chOff x="0" y="0"/>
+          <a:chExt cx="0" cy="0"/>
+        </a:xfrm>
+      </p:grpSpPr>
+      <p:sp>
+        <p:nvSpPr>
+          <p:cNvPr id="2" name="Title 1"/>
+          <p:cNvSpPr>
+            <a:spLocks noGrp="1"/>
+          </p:cNvSpPr>
+          <p:nvPr>
+            <p:ph type="title"/>
+          </p:nvPr>
+        </p:nvSpPr>
+        <p:spPr/>
+        <p:txBody>
+          <a:bodyPr/>
+          <a:lstStyle/>
+          <a:p>
+            <a:r>
+              <a:rPr lang="en-US" b="1" dirty="0" smtClean="0"/>
+              <a:t>Safety</a:t>
+            </a:r>
+            <a:endParaRPr lang="en-US" b="1" dirty="0"/>
+          </a:p>
+        </p:txBody>
+      </p:sp>
+      <p:sp>
+        <p:nvSpPr>
+          <p:cNvPr id="3" name="Content Placeholder 2"/>
+          <p:cNvSpPr>
+            <a:spLocks noGrp="1"/>
+          </p:cNvSpPr>
+          <p:nvPr>
+            <p:ph idx="1"/>
+          </p:nvPr>
+        </p:nvSpPr>
+        <p:spPr/>
+        <p:txBody>
+          <a:bodyPr/>
+          <a:lstStyle/>
+          <a:p>
+            <a:r>
+              <a:rPr lang="en-US" dirty="0" smtClean="0">
+                <a:solidFill>
+                  <a:srgbClr val="00B0F0"/>
+                </a:solidFill>
+              </a:rPr>
+              <a:t>State Machine Safety Property</a:t>
+            </a:r>
+            <a:r>
+              <a:rPr lang="en-US" dirty="0" smtClean="0"/>
+              <a:t> – if a server has applied a log entry at a given index in its state machine, no other server will apply a different entry in the same index.</a:t>
+            </a:r>
+          </a:p>
+          <a:p>
+            <a:r>
+              <a:rPr lang="en-US" dirty="0" smtClean="0"/>
+              <a:t>Ensured by the following:</a:t>
+            </a:r>
+          </a:p>
+          <a:p>
+            <a:pPr lvl="1"/>
+            <a:r>
+              <a:rPr lang="en-US" dirty="0" smtClean="0"/>
+              <a:t>A leader always contains all committed entries from previous terms</a:t>
+            </a:r>
+          </a:p>
+          <a:p>
+            <a:pPr lvl="1"/>
+            <a:r>
+              <a:rPr lang="en-US" dirty="0" smtClean="0"/>
+              <a:t>Log entries from older terms are never committed by counting replicas </a:t>
+            </a:r>
+          </a:p>
+        </p:txBody>
+      </p:sp>
+    </p:spTree>
+    <p:extLst>
+      <p:ext uri="{BB962C8B-B14F-4D97-AF65-F5344CB8AC3E}">
+        <p14:creationId xmlns:p14="http://schemas.microsoft.com/office/powerpoint/2010/main" val="2965944169"/>
+      </p:ext>
+    </p:extLst>
+  </p:cSld>
+  <p:clrMapOvr>
+    <a:masterClrMapping/>
+  </p:clrMapOvr>
+</p:sld>
+</file>
+
+<file path=ppt/slides/slide15.xml><?xml version="1.0" encoding="utf-8"?>
+<p:sld xmlns:a="http://schemas.openxmlformats.org/drawingml/2006/main" xmlns:r="http://schemas.openxmlformats.org/officeDocument/2006/relationships" xmlns:p="http://schemas.openxmlformats.org/presentationml/2006/main">
+  <p:cSld>
+    <p:spTree>
+      <p:nvGrpSpPr>
+        <p:cNvPr id="1" name=""/>
+        <p:cNvGrpSpPr/>
+        <p:nvPr/>
+      </p:nvGrpSpPr>
+      <p:grpSpPr>
+        <a:xfrm>
+          <a:off x="0" y="0"/>
+          <a:ext cx="0" cy="0"/>
+          <a:chOff x="0" y="0"/>
+          <a:chExt cx="0" cy="0"/>
+        </a:xfrm>
+      </p:grpSpPr>
+      <p:sp>
+        <p:nvSpPr>
+          <p:cNvPr id="2" name="Title 1"/>
+          <p:cNvSpPr>
+            <a:spLocks noGrp="1"/>
+          </p:cNvSpPr>
+          <p:nvPr>
+            <p:ph type="title"/>
+          </p:nvPr>
+        </p:nvSpPr>
+        <p:spPr/>
+        <p:txBody>
+          <a:bodyPr/>
+          <a:lstStyle/>
+          <a:p>
+            <a:r>
+              <a:rPr lang="en-US" b="1" dirty="0" smtClean="0"/>
+              <a:t>Safety</a:t>
+            </a:r>
+            <a:endParaRPr lang="en-US" b="1" dirty="0"/>
+          </a:p>
+        </p:txBody>
+      </p:sp>
+      <p:sp>
+        <p:nvSpPr>
+          <p:cNvPr id="3" name="Content Placeholder 2"/>
+          <p:cNvSpPr>
+            <a:spLocks noGrp="1"/>
+          </p:cNvSpPr>
+          <p:nvPr>
+            <p:ph idx="1"/>
+          </p:nvPr>
+        </p:nvSpPr>
+        <p:spPr/>
+        <p:txBody>
+          <a:bodyPr/>
+          <a:lstStyle/>
+          <a:p>
+            <a:r>
+              <a:rPr lang="en-US" dirty="0" smtClean="0"/>
+              <a:t>Leader Crash Scenarios:</a:t>
+            </a:r>
+          </a:p>
+          <a:p>
+            <a:pPr marL="914400" lvl="1" indent="-457200">
+              <a:buFont typeface="+mj-lt"/>
+              <a:buAutoNum type="alphaUcPeriod"/>
+            </a:pPr>
+            <a:r>
+              <a:rPr lang="en-US" dirty="0" smtClean="0"/>
+              <a:t>Leader crashes before committing an entry:</a:t>
+            </a:r>
+          </a:p>
+          <a:p>
+            <a:pPr lvl="2"/>
+            <a:r>
+              <a:rPr lang="en-US" dirty="0" smtClean="0"/>
+              <a:t>The new leader may not contain all the log entries as the majority may not have replicated</a:t>
+            </a:r>
+          </a:p>
+          <a:p>
+            <a:pPr lvl="2"/>
+            <a:r>
+              <a:rPr lang="en-US" dirty="0" smtClean="0"/>
+              <a:t>The client request is lost, but there is still consensus </a:t>
+            </a:r>
+          </a:p>
+          <a:p>
+            <a:pPr lvl="1"/>
+            <a:r>
+              <a:rPr lang="en-US" dirty="0"/>
+              <a:t> Leader crashes after committing an entry, but before sending any future </a:t>
+            </a:r>
+            <a:r>
+              <a:rPr lang="en-US" dirty="0" err="1" smtClean="0"/>
+              <a:t>AppendEntries</a:t>
+            </a:r>
+            <a:r>
+              <a:rPr lang="en-US" dirty="0" smtClean="0"/>
+              <a:t> </a:t>
+            </a:r>
+            <a:r>
+              <a:rPr lang="en-US" dirty="0"/>
+              <a:t>RPC </a:t>
+            </a:r>
+            <a:r>
+              <a:rPr lang="en-US" dirty="0" smtClean="0"/>
+              <a:t>with commit information:</a:t>
+            </a:r>
+          </a:p>
+          <a:p>
+            <a:pPr lvl="2"/>
+            <a:r>
+              <a:rPr lang="en-US" dirty="0" smtClean="0"/>
+              <a:t>The majority of followers already have the entry in log</a:t>
+            </a:r>
+          </a:p>
+          <a:p>
+            <a:pPr lvl="2"/>
+            <a:r>
+              <a:rPr lang="en-US" dirty="0" smtClean="0"/>
+              <a:t>So the new leader will have the entry in its log</a:t>
+            </a:r>
+          </a:p>
+          <a:p>
+            <a:pPr lvl="2"/>
+            <a:r>
+              <a:rPr lang="en-US" dirty="0" smtClean="0"/>
+              <a:t>The new leader will try to commit it </a:t>
+            </a:r>
+          </a:p>
+          <a:p>
+            <a:pPr lvl="2"/>
+            <a:r>
+              <a:rPr lang="en-US" dirty="0" smtClean="0"/>
+              <a:t>The client request is not lost </a:t>
+            </a:r>
+            <a:r>
+              <a:rPr lang="en-US" smtClean="0"/>
+              <a:t>and there is Consensus </a:t>
+            </a:r>
+            <a:endParaRPr lang="en-US" dirty="0" smtClean="0"/>
+          </a:p>
+          <a:p>
+            <a:endParaRPr lang="en-US" dirty="0" smtClean="0"/>
+          </a:p>
+          <a:p>
+            <a:pPr lvl="2"/>
+            <a:endParaRPr lang="en-US" dirty="0" smtClean="0"/>
+          </a:p>
+        </p:txBody>
+      </p:sp>
+    </p:spTree>
+    <p:extLst>
+      <p:ext uri="{BB962C8B-B14F-4D97-AF65-F5344CB8AC3E}">
+        <p14:creationId xmlns:p14="http://schemas.microsoft.com/office/powerpoint/2010/main" val="3739259691"/>
+      </p:ext>
+    </p:extLst>
+  </p:cSld>
+  <p:clrMapOvr>
+    <a:masterClrMapping/>
+  </p:clrMapOvr>
+</p:sld>
+</file>
+
+<file path=ppt/slides/slide16.xml><?xml version="1.0" encoding="utf-8"?>
+<p:sld xmlns:a="http://schemas.openxmlformats.org/drawingml/2006/main" xmlns:r="http://schemas.openxmlformats.org/officeDocument/2006/relationships" xmlns:p="http://schemas.openxmlformats.org/presentationml/2006/main">
+  <p:cSld>
+    <p:spTree>
+      <p:nvGrpSpPr>
+        <p:cNvPr id="1" name=""/>
+        <p:cNvGrpSpPr/>
+        <p:nvPr/>
+      </p:nvGrpSpPr>
+      <p:grpSpPr>
+        <a:xfrm>
+          <a:off x="0" y="0"/>
+          <a:ext cx="0" cy="0"/>
+          <a:chOff x="0" y="0"/>
+          <a:chExt cx="0" cy="0"/>
+        </a:xfrm>
+      </p:grpSpPr>
+      <p:sp>
+        <p:nvSpPr>
+          <p:cNvPr id="2" name="Title 1"/>
+          <p:cNvSpPr>
+            <a:spLocks noGrp="1"/>
+          </p:cNvSpPr>
+          <p:nvPr>
+            <p:ph type="title"/>
+          </p:nvPr>
+        </p:nvSpPr>
+        <p:spPr/>
+        <p:txBody>
+          <a:bodyPr/>
+          <a:lstStyle/>
+          <a:p>
+            <a:r>
+              <a:rPr lang="en-US" b="1" dirty="0" smtClean="0"/>
+              <a:t>Log Compaction</a:t>
+            </a:r>
+            <a:endParaRPr lang="en-US" b="1" dirty="0"/>
+          </a:p>
+        </p:txBody>
+      </p:sp>
+      <p:sp>
+        <p:nvSpPr>
+          <p:cNvPr id="3" name="Content Placeholder 2"/>
+          <p:cNvSpPr>
+            <a:spLocks noGrp="1"/>
+          </p:cNvSpPr>
+          <p:nvPr>
+            <p:ph idx="1"/>
+          </p:nvPr>
+        </p:nvSpPr>
+        <p:spPr/>
+        <p:txBody>
+          <a:bodyPr/>
+          <a:lstStyle/>
+          <a:p>
+            <a:r>
+              <a:rPr lang="en-US" dirty="0" smtClean="0"/>
+              <a:t>They use </a:t>
+            </a:r>
+            <a:r>
+              <a:rPr lang="en-US" dirty="0" smtClean="0">
+                <a:solidFill>
+                  <a:srgbClr val="00B0F0"/>
+                </a:solidFill>
+              </a:rPr>
+              <a:t>Snapshotting</a:t>
+            </a:r>
+          </a:p>
+          <a:p>
+            <a:r>
+              <a:rPr lang="en-US" dirty="0" smtClean="0"/>
+              <a:t>Each server takes snapshots independently – </a:t>
+            </a:r>
+            <a:r>
+              <a:rPr lang="en-US" dirty="0" smtClean="0">
+                <a:solidFill>
+                  <a:srgbClr val="00B050"/>
+                </a:solidFill>
+              </a:rPr>
+              <a:t>When the log reaches a fixed size</a:t>
+            </a:r>
+            <a:r>
+              <a:rPr lang="en-US" dirty="0" smtClean="0"/>
+              <a:t> (</a:t>
+            </a:r>
+            <a:r>
+              <a:rPr lang="en-US" dirty="0" err="1" smtClean="0"/>
+              <a:t>predecided</a:t>
+            </a:r>
+            <a:r>
+              <a:rPr lang="en-US" dirty="0" smtClean="0"/>
+              <a:t>)</a:t>
+            </a:r>
+          </a:p>
+          <a:p>
+            <a:endParaRPr lang="en-US" dirty="0"/>
+          </a:p>
+        </p:txBody>
+      </p:sp>
+    </p:spTree>
+    <p:extLst>
+      <p:ext uri="{BB962C8B-B14F-4D97-AF65-F5344CB8AC3E}">
+        <p14:creationId xmlns:p14="http://schemas.microsoft.com/office/powerpoint/2010/main" val="1778850710"/>
       </p:ext>
     </p:extLst>
   </p:cSld>
@@ -4821,7 +5247,15 @@
           <a:p>
             <a:r>
               <a:rPr lang="en-US" dirty="0" smtClean="0"/>
-              <a:t>Each term </a:t>
+              <a:t>Each</a:t>
+            </a:r>
+            <a:r>
+              <a:rPr lang="en-US" dirty="0" smtClean="0">
+                <a:solidFill>
+                  <a:srgbClr val="00B0F0"/>
+                </a:solidFill>
+              </a:rPr>
+              <a:t> term </a:t>
             </a:r>
             <a:r>
               <a:rPr lang="en-US" dirty="0" smtClean="0">
@@ -4835,7 +5269,19 @@
           <a:p>
             <a:r>
               <a:rPr lang="en-US" dirty="0" smtClean="0"/>
-              <a:t>In a term, either a node becomes a leader or there is no leader for that term (no log entries are written)</a:t>
+              <a:t>In a </a:t>
+            </a:r>
+            <a:r>
+              <a:rPr lang="en-US" dirty="0" smtClean="0">
+                <a:solidFill>
+                  <a:srgbClr val="00B0F0"/>
+                </a:solidFill>
+              </a:rPr>
+              <a:t>term</a:t>
+            </a:r>
+            <a:r>
+              <a:rPr lang="en-US" dirty="0" smtClean="0"/>
+              <a:t>, either a node becomes a leader or there is no leader for that term (no log entries are written)</a:t>
             </a:r>
           </a:p>
           <a:p>
@@ -5592,15 +6038,7 @@
                   <a:srgbClr val="00B050"/>
                 </a:solidFill>
               </a:rPr>
-              <a:t>If two entries in </a:t>
-            </a:r>
-            <a:r>
-              <a:rPr lang="en-US" dirty="0" smtClean="0">
-                <a:solidFill>
-                  <a:srgbClr val="00B050"/>
-                </a:solidFill>
-              </a:rPr>
-              <a:t>different logs have same index and term, then the logs are identical in all preceding entries-</a:t>
+              <a:t>If two entries in different logs have same index and term, then the logs are identical in all preceding entries-</a:t>
             </a:r>
             <a:r>
               <a:rPr lang="en-US" dirty="0"/>
@@ -5608,19 +6046,7 @@
             </a:r>
             <a:r>
               <a:rPr lang="en-US" dirty="0" smtClean="0"/>
-              <a:t>ensured on the </a:t>
-            </a:r>
-            <a:r>
-              <a:rPr lang="en-US" dirty="0" smtClean="0">
-                <a:solidFill>
-                  <a:srgbClr val="00B050"/>
-                </a:solidFill>
-              </a:rPr>
-              <a:t>follower sides</a:t>
-            </a:r>
-            <a:r>
-              <a:rPr lang="en-US" dirty="0" smtClean="0"/>
-              <a:t> with a simple </a:t>
+              <a:t>ensured on the follower sides with a simple </a:t>
             </a:r>
             <a:r>
               <a:rPr lang="en-US" dirty="0" smtClean="0">

--- a/The Raft Consensus Algorithm.pptx
+++ b/The Raft Consensus Algorithm.pptx
@@ -7,20 +7,21 @@
   <p:sldIdLst>
     <p:sldId id="256" r:id="rId2"/>
     <p:sldId id="257" r:id="rId3"/>
-    <p:sldId id="258" r:id="rId4"/>
-    <p:sldId id="259" r:id="rId5"/>
-    <p:sldId id="260" r:id="rId6"/>
-    <p:sldId id="261" r:id="rId7"/>
-    <p:sldId id="262" r:id="rId8"/>
-    <p:sldId id="264" r:id="rId9"/>
-    <p:sldId id="266" r:id="rId10"/>
-    <p:sldId id="263" r:id="rId11"/>
-    <p:sldId id="267" r:id="rId12"/>
-    <p:sldId id="270" r:id="rId13"/>
-    <p:sldId id="268" r:id="rId14"/>
-    <p:sldId id="271" r:id="rId15"/>
-    <p:sldId id="272" r:id="rId16"/>
+    <p:sldId id="259" r:id="rId4"/>
+    <p:sldId id="260" r:id="rId5"/>
+    <p:sldId id="261" r:id="rId6"/>
+    <p:sldId id="262" r:id="rId7"/>
+    <p:sldId id="264" r:id="rId8"/>
+    <p:sldId id="266" r:id="rId9"/>
+    <p:sldId id="263" r:id="rId10"/>
+    <p:sldId id="267" r:id="rId11"/>
+    <p:sldId id="270" r:id="rId12"/>
+    <p:sldId id="268" r:id="rId13"/>
+    <p:sldId id="271" r:id="rId14"/>
+    <p:sldId id="272" r:id="rId15"/>
+    <p:sldId id="273" r:id="rId16"/>
     <p:sldId id="269" r:id="rId17"/>
+    <p:sldId id="258" r:id="rId18"/>
   </p:sldIdLst>
   <p:sldSz cx="12192000" cy="6858000"/>
   <p:notesSz cx="6858000" cy="9144000"/>
@@ -126,7 +127,6 @@
           <p14:sldIdLst>
             <p14:sldId id="256"/>
             <p14:sldId id="257"/>
-            <p14:sldId id="258"/>
             <p14:sldId id="259"/>
           </p14:sldIdLst>
         </p14:section>
@@ -147,11 +147,13 @@
             <p14:sldId id="268"/>
             <p14:sldId id="271"/>
             <p14:sldId id="272"/>
+            <p14:sldId id="273"/>
           </p14:sldIdLst>
         </p14:section>
         <p14:section name="LOG COMPACTION" id="{6A335E5F-F743-46F4-98BE-8CC18CCD2F8B}">
           <p14:sldIdLst>
             <p14:sldId id="269"/>
+            <p14:sldId id="258"/>
           </p14:sldIdLst>
         </p14:section>
       </p14:sectionLst>
@@ -3219,9 +3221,16 @@
             <p:ph idx="1"/>
           </p:nvPr>
         </p:nvSpPr>
-        <p:spPr/>
-        <p:txBody>
-          <a:bodyPr/>
+        <p:spPr>
+          <a:xfrm>
+            <a:off x="838200" y="1690688"/>
+            <a:ext cx="10515600" cy="4891266"/>
+          </a:xfrm>
+        </p:spPr>
+        <p:txBody>
+          <a:bodyPr>
+            <a:normAutofit/>
+          </a:bodyPr>
           <a:lstStyle/>
           <a:p>
             <a:r>
@@ -3230,7 +3239,7 @@
                   <a:srgbClr val="00B050"/>
                 </a:solidFill>
               </a:rPr>
-              <a:t>Leader Side:</a:t>
+              <a:t>Follower Side:</a:t>
             </a:r>
           </a:p>
           <a:p>
@@ -3242,7 +3251,63 @@
             </a:pPr>
             <a:r>
               <a:rPr lang="en-US" dirty="0" smtClean="0"/>
-              <a:t>After a leader is elected for a term, it can handle client requests.</a:t>
+              <a:t>The </a:t>
+            </a:r>
+            <a:r>
+              <a:rPr lang="en-US" dirty="0" err="1" smtClean="0">
+                <a:solidFill>
+                  <a:srgbClr val="00B0F0"/>
+                </a:solidFill>
+              </a:rPr>
+              <a:t>AppendEntries</a:t>
+            </a:r>
+            <a:r>
+              <a:rPr lang="en-US" dirty="0" smtClean="0">
+                <a:solidFill>
+                  <a:srgbClr val="00B0F0"/>
+                </a:solidFill>
+              </a:rPr>
+              <a:t> RPCs </a:t>
+            </a:r>
+            <a:r>
+              <a:rPr lang="en-US" dirty="0" smtClean="0"/>
+              <a:t>with </a:t>
+            </a:r>
+            <a:r>
+              <a:rPr lang="en-US" dirty="0" smtClean="0">
+                <a:solidFill>
+                  <a:srgbClr val="00B050"/>
+                </a:solidFill>
+              </a:rPr>
+              <a:t>new log entries </a:t>
+            </a:r>
+            <a:r>
+              <a:rPr lang="en-US" dirty="0" smtClean="0"/>
+              <a:t>contain the index and term of the </a:t>
+            </a:r>
+            <a:r>
+              <a:rPr lang="en-US" dirty="0" smtClean="0">
+                <a:solidFill>
+                  <a:srgbClr val="00B050"/>
+                </a:solidFill>
+              </a:rPr>
+              <a:t>previous entry (X) </a:t>
+            </a:r>
+            <a:r>
+              <a:rPr lang="en-US" i="1" dirty="0" smtClean="0"/>
+              <a:t>(i.e., entry at nextIndex-1)</a:t>
+            </a:r>
+            <a:r>
+              <a:rPr lang="en-US" dirty="0" smtClean="0">
+                <a:solidFill>
+                  <a:srgbClr val="00B050"/>
+                </a:solidFill>
+              </a:rPr>
+              <a:t> in the Leader’s log</a:t>
+            </a:r>
+            <a:r>
+              <a:rPr lang="en-US" dirty="0" smtClean="0"/>
+              <a:t>. </a:t>
             </a:r>
           </a:p>
           <a:p>
@@ -3254,19 +3319,7 @@
             </a:pPr>
             <a:r>
               <a:rPr lang="en-US" dirty="0" smtClean="0"/>
-              <a:t>On receiving a client request, the leader </a:t>
-            </a:r>
-            <a:r>
-              <a:rPr lang="en-US" dirty="0" smtClean="0">
-                <a:solidFill>
-                  <a:srgbClr val="00B050"/>
-                </a:solidFill>
-              </a:rPr>
-              <a:t>appends it to its own log </a:t>
-            </a:r>
-            <a:r>
-              <a:rPr lang="en-US" dirty="0" smtClean="0"/>
-              <a:t>and sends out an </a:t>
+              <a:t>The </a:t>
             </a:r>
             <a:r>
               <a:rPr lang="en-US" dirty="0" err="1" smtClean="0">
@@ -3282,11 +3335,11 @@
                   <a:srgbClr val="00B0F0"/>
                 </a:solidFill>
               </a:rPr>
-              <a:t> RPC </a:t>
-            </a:r>
-            <a:r>
-              <a:rPr lang="en-US" dirty="0" smtClean="0"/>
-              <a:t>in parallel to all other nodes.</a:t>
+              <a:t> Consistency Check </a:t>
+            </a:r>
+            <a:r>
+              <a:rPr lang="en-US" dirty="0" smtClean="0"/>
+              <a:t>checks if the follower’s log contains an entry with X’s index and term. </a:t>
             </a:r>
           </a:p>
           <a:p>
@@ -3298,23 +3351,19 @@
             </a:pPr>
             <a:r>
               <a:rPr lang="en-US" dirty="0" smtClean="0"/>
-              <a:t>Once the entry is replicated on a majority of servers, the entry is </a:t>
-            </a:r>
-            <a:r>
-              <a:rPr lang="en-US" i="1" dirty="0" err="1" smtClean="0">
-                <a:solidFill>
-                  <a:srgbClr val="00B0F0"/>
-                </a:solidFill>
-              </a:rPr>
-              <a:t>commited</a:t>
-            </a:r>
-            <a:r>
-              <a:rPr lang="en-US" i="1" dirty="0" smtClean="0">
-                <a:solidFill>
-                  <a:srgbClr val="00B0F0"/>
-                </a:solidFill>
-              </a:rPr>
-              <a:t>.</a:t>
+              <a:t>If the </a:t>
+            </a:r>
+            <a:r>
+              <a:rPr lang="en-US" dirty="0" smtClean="0">
+                <a:solidFill>
+                  <a:srgbClr val="00B050"/>
+                </a:solidFill>
+              </a:rPr>
+              <a:t>Consistency check does not fail</a:t>
+            </a:r>
+            <a:r>
+              <a:rPr lang="en-US" dirty="0" smtClean="0"/>
+              <a:t>, the new entry is written to the follower’s log. </a:t>
             </a:r>
           </a:p>
           <a:p>
@@ -3325,51 +3374,63 @@
               <a:buSzPct val="70000"/>
             </a:pPr>
             <a:r>
-              <a:rPr lang="en-US" i="1" dirty="0" smtClean="0"/>
-              <a:t>A committed </a:t>
-            </a:r>
-            <a:r>
-              <a:rPr lang="en-US" dirty="0" smtClean="0"/>
-              <a:t>entry is </a:t>
-            </a:r>
-            <a:r>
-              <a:rPr lang="en-US" dirty="0" smtClean="0">
-                <a:solidFill>
-                  <a:srgbClr val="00B050"/>
-                </a:solidFill>
-              </a:rPr>
-              <a:t>written to </a:t>
-            </a:r>
-            <a:r>
-              <a:rPr lang="en-US" dirty="0" smtClean="0"/>
-              <a:t>the </a:t>
-            </a:r>
-            <a:r>
-              <a:rPr lang="en-US" dirty="0" smtClean="0">
-                <a:solidFill>
-                  <a:srgbClr val="00B0F0"/>
-                </a:solidFill>
-              </a:rPr>
-              <a:t>state machine</a:t>
-            </a:r>
-            <a:r>
-              <a:rPr lang="en-US" dirty="0" smtClean="0"/>
-              <a:t>.</a:t>
-            </a:r>
-          </a:p>
-          <a:p>
-            <a:pPr lvl="1">
+              <a:rPr lang="en-US" dirty="0" smtClean="0"/>
+              <a:t>If the </a:t>
+            </a:r>
+            <a:r>
+              <a:rPr lang="en-US" dirty="0" smtClean="0">
+                <a:solidFill>
+                  <a:srgbClr val="FF0000"/>
+                </a:solidFill>
+              </a:rPr>
+              <a:t>consistency check fails</a:t>
+            </a:r>
+            <a:r>
+              <a:rPr lang="en-US" dirty="0" smtClean="0"/>
+              <a:t>, then:</a:t>
+            </a:r>
+          </a:p>
+          <a:p>
+            <a:pPr lvl="2">
               <a:buClr>
                 <a:srgbClr val="FF0000"/>
               </a:buClr>
               <a:buSzPct val="70000"/>
             </a:pPr>
             <a:r>
+              <a:rPr lang="en-US" dirty="0" smtClean="0"/>
+              <a:t>The </a:t>
+            </a:r>
+            <a:r>
+              <a:rPr lang="en-US" dirty="0" smtClean="0">
+                <a:solidFill>
+                  <a:srgbClr val="00B050"/>
+                </a:solidFill>
+              </a:rPr>
+              <a:t>Leader decrements </a:t>
+            </a:r>
+            <a:r>
               <a:rPr lang="en-US" dirty="0" err="1" smtClean="0">
                 <a:solidFill>
                   <a:srgbClr val="00B0F0"/>
                 </a:solidFill>
               </a:rPr>
+              <a:t>nextIndex</a:t>
+            </a:r>
+            <a:r>
+              <a:rPr lang="en-US" dirty="0" smtClean="0">
+                <a:solidFill>
+                  <a:srgbClr val="00B050"/>
+                </a:solidFill>
+              </a:rPr>
+              <a:t> and retries </a:t>
+            </a:r>
+            <a:r>
+              <a:rPr lang="en-US" dirty="0" err="1" smtClean="0">
+                <a:solidFill>
+                  <a:srgbClr val="00B0F0"/>
+                </a:solidFill>
+              </a:rPr>
               <a:t>AppendEntries</a:t>
             </a:r>
             <a:r>
@@ -3378,15 +3439,23 @@
                   <a:srgbClr val="00B0F0"/>
                 </a:solidFill>
               </a:rPr>
-              <a:t> RPCs </a:t>
-            </a:r>
-            <a:r>
-              <a:rPr lang="en-US" dirty="0" smtClean="0"/>
-              <a:t>are also used as heartbeats when sent with no new log entries. </a:t>
-            </a:r>
-          </a:p>
-          <a:p>
-            <a:pPr lvl="1">
+              <a:t> RPC </a:t>
+            </a:r>
+            <a:r>
+              <a:rPr lang="en-US" dirty="0" smtClean="0">
+                <a:solidFill>
+                  <a:srgbClr val="00B050"/>
+                </a:solidFill>
+              </a:rPr>
+              <a:t>for that follower, until a point reaches where the logs match.</a:t>
+            </a:r>
+            <a:r>
+              <a:rPr lang="en-US" dirty="0" smtClean="0"/>
+              <a:t> (one failure of Consistency Check for each mismatching entry)</a:t>
+            </a:r>
+          </a:p>
+          <a:p>
+            <a:pPr lvl="2">
               <a:buClr>
                 <a:srgbClr val="FF0000"/>
               </a:buClr>
@@ -3394,50 +3463,55 @@
             </a:pPr>
             <a:r>
               <a:rPr lang="en-US" dirty="0" smtClean="0"/>
-              <a:t>The leader sends out the </a:t>
-            </a:r>
-            <a:r>
-              <a:rPr lang="en-US" dirty="0" smtClean="0">
+              <a:t> When an </a:t>
+            </a:r>
+            <a:r>
+              <a:rPr lang="en-US" dirty="0" err="1" smtClean="0">
                 <a:solidFill>
                   <a:srgbClr val="00B0F0"/>
                 </a:solidFill>
               </a:rPr>
-              <a:t>index number</a:t>
-            </a:r>
-            <a:r>
-              <a:rPr lang="en-US" dirty="0" smtClean="0"/>
-              <a:t> of the last committed entry with every </a:t>
-            </a:r>
-            <a:r>
-              <a:rPr lang="en-US" dirty="0" err="1" smtClean="0">
-                <a:solidFill>
-                  <a:srgbClr val="00B0F0"/>
-                </a:solidFill>
-              </a:rPr>
               <a:t>AppendEntries</a:t>
             </a:r>
             <a:r>
-              <a:rPr lang="en-US" dirty="0" smtClean="0">
-                <a:solidFill>
-                  <a:srgbClr val="00B0F0"/>
-                </a:solidFill>
-              </a:rPr>
-              <a:t> RPC, </a:t>
-            </a:r>
-            <a:r>
-              <a:rPr lang="en-US" dirty="0" smtClean="0">
-                <a:solidFill>
-                  <a:srgbClr val="00B050"/>
-                </a:solidFill>
-              </a:rPr>
-              <a:t>which ensures that all followers eventually learn about the commit.</a:t>
-            </a:r>
-            <a:r>
-              <a:rPr lang="en-US" dirty="0" smtClean="0"/>
-              <a:t>  </a:t>
-            </a:r>
-          </a:p>
-          <a:p>
+              <a:rPr lang="en-US" dirty="0" smtClean="0"/>
+              <a:t> succeeds, the follower’s log is consistent with the leader’s up to that entry.</a:t>
+            </a:r>
+          </a:p>
+          <a:p>
+            <a:pPr lvl="2">
+              <a:buClr>
+                <a:srgbClr val="FF0000"/>
+              </a:buClr>
+              <a:buSzPct val="70000"/>
+            </a:pPr>
+            <a:endParaRPr lang="en-US" dirty="0" smtClean="0"/>
+          </a:p>
+          <a:p>
+            <a:pPr lvl="2">
+              <a:buClr>
+                <a:srgbClr val="FF0000"/>
+              </a:buClr>
+              <a:buSzPct val="70000"/>
+            </a:pPr>
+            <a:endParaRPr lang="en-US" dirty="0" smtClean="0"/>
+          </a:p>
+          <a:p>
+            <a:pPr lvl="2">
+              <a:buClr>
+                <a:srgbClr val="FF0000"/>
+              </a:buClr>
+              <a:buSzPct val="70000"/>
+              <a:buFont typeface="Courier New" panose="02070309020205020404" pitchFamily="49" charset="0"/>
+              <a:buChar char="o"/>
+            </a:pPr>
+            <a:endParaRPr lang="en-US" dirty="0" smtClean="0"/>
+          </a:p>
+          <a:p>
+            <a:pPr marL="1371600" lvl="2" indent="-457200">
+              <a:buFont typeface="+mj-lt"/>
+              <a:buAutoNum type="alphaUcPeriod"/>
+            </a:pPr>
             <a:endParaRPr lang="en-US" dirty="0" smtClean="0"/>
           </a:p>
           <a:p>
@@ -3448,7 +3522,7 @@
     </p:spTree>
     <p:extLst>
       <p:ext uri="{BB962C8B-B14F-4D97-AF65-F5344CB8AC3E}">
-        <p14:creationId xmlns:p14="http://schemas.microsoft.com/office/powerpoint/2010/main" val="712710966"/>
+        <p14:creationId xmlns:p14="http://schemas.microsoft.com/office/powerpoint/2010/main" val="3811900838"/>
       </p:ext>
     </p:extLst>
   </p:cSld>
@@ -3510,8 +3584,8 @@
         </p:nvSpPr>
         <p:spPr>
           <a:xfrm>
-            <a:off x="838200" y="1690688"/>
-            <a:ext cx="10515600" cy="4891266"/>
+            <a:off x="838200" y="1388854"/>
+            <a:ext cx="10515600" cy="5193100"/>
           </a:xfrm>
         </p:spPr>
         <p:txBody>
@@ -3528,6 +3602,72 @@
               </a:rPr>
               <a:t>Follower Side:</a:t>
             </a:r>
+          </a:p>
+          <a:p>
+            <a:pPr lvl="1">
+              <a:buSzPct val="70000"/>
+            </a:pPr>
+            <a:r>
+              <a:rPr lang="en-US" dirty="0" smtClean="0"/>
+              <a:t>If an </a:t>
+            </a:r>
+            <a:r>
+              <a:rPr lang="en-US" dirty="0" smtClean="0">
+                <a:solidFill>
+                  <a:srgbClr val="FF0000"/>
+                </a:solidFill>
+              </a:rPr>
+              <a:t>existing entry conflicts with a new entry </a:t>
+            </a:r>
+            <a:r>
+              <a:rPr lang="en-US" dirty="0" smtClean="0"/>
+              <a:t>(the result of an uncommitted log entry), the follower </a:t>
+            </a:r>
+            <a:r>
+              <a:rPr lang="en-US" dirty="0" smtClean="0">
+                <a:solidFill>
+                  <a:srgbClr val="00B050"/>
+                </a:solidFill>
+              </a:rPr>
+              <a:t>deletes the existing entry and all that follow</a:t>
+            </a:r>
+            <a:r>
+              <a:rPr lang="en-US" dirty="0" smtClean="0"/>
+              <a:t> - </a:t>
+            </a:r>
+          </a:p>
+          <a:p>
+            <a:pPr lvl="1">
+              <a:buSzPct val="70000"/>
+            </a:pPr>
+            <a:endParaRPr lang="en-US" dirty="0" smtClean="0"/>
+          </a:p>
+          <a:p>
+            <a:pPr lvl="1">
+              <a:buSzPct val="70000"/>
+            </a:pPr>
+            <a:r>
+              <a:rPr lang="en-US" dirty="0" smtClean="0"/>
+              <a:t>The follower then </a:t>
+            </a:r>
+            <a:r>
+              <a:rPr lang="en-US" dirty="0" smtClean="0">
+                <a:solidFill>
+                  <a:srgbClr val="00B050"/>
+                </a:solidFill>
+              </a:rPr>
+              <a:t>appends any new entries already not in the log </a:t>
+            </a:r>
+            <a:r>
+              <a:rPr lang="en-US" dirty="0" smtClean="0"/>
+              <a:t>– (this is because the leader is guaranteed to have all previously committed log entries)</a:t>
+            </a:r>
+          </a:p>
+          <a:p>
+            <a:pPr lvl="1">
+              <a:buSzPct val="70000"/>
+            </a:pPr>
+            <a:endParaRPr lang="en-US" dirty="0" smtClean="0"/>
           </a:p>
           <a:p>
             <a:pPr lvl="1">
@@ -3537,11 +3677,27 @@
               <a:buSzPct val="70000"/>
             </a:pPr>
             <a:r>
-              <a:rPr lang="en-US" dirty="0" smtClean="0"/>
-              <a:t>The </a:t>
-            </a:r>
-            <a:r>
-              <a:rPr lang="en-US" dirty="0" err="1" smtClean="0">
+              <a:rPr lang="en-US" dirty="0"/>
+              <a:t>If </a:t>
+            </a:r>
+            <a:r>
+              <a:rPr lang="en-US" dirty="0" smtClean="0"/>
+              <a:t>a </a:t>
+            </a:r>
+            <a:r>
+              <a:rPr lang="en-US" dirty="0" smtClean="0">
+                <a:solidFill>
+                  <a:srgbClr val="00B050"/>
+                </a:solidFill>
+              </a:rPr>
+              <a:t>future</a:t>
+            </a:r>
+            <a:r>
+              <a:rPr lang="en-US" dirty="0" smtClean="0"/>
+              <a:t> </a:t>
+            </a:r>
+            <a:r>
+              <a:rPr lang="en-US" dirty="0" err="1">
                 <a:solidFill>
                   <a:srgbClr val="00B0F0"/>
                 </a:solidFill>
@@ -3549,92 +3705,24 @@
               <a:t>AppendEntries</a:t>
             </a:r>
             <a:r>
-              <a:rPr lang="en-US" dirty="0" smtClean="0">
+              <a:rPr lang="en-US" dirty="0">
                 <a:solidFill>
                   <a:srgbClr val="00B0F0"/>
                 </a:solidFill>
               </a:rPr>
-              <a:t> </a:t>
-            </a:r>
-            <a:r>
-              <a:rPr lang="en-US" dirty="0" smtClean="0">
-                <a:solidFill>
-                  <a:srgbClr val="00B0F0"/>
-                </a:solidFill>
-              </a:rPr>
-              <a:t>RPCs </a:t>
-            </a:r>
-            <a:r>
-              <a:rPr lang="en-US" dirty="0" smtClean="0"/>
-              <a:t>with </a:t>
-            </a:r>
-            <a:r>
-              <a:rPr lang="en-US" dirty="0" smtClean="0">
+              <a:t> RPC</a:t>
+            </a:r>
+            <a:r>
+              <a:rPr lang="en-US" dirty="0"/>
+              <a:t> says that an entry has been committed, it </a:t>
+            </a:r>
+            <a:r>
+              <a:rPr lang="en-US" dirty="0">
                 <a:solidFill>
                   <a:srgbClr val="00B050"/>
                 </a:solidFill>
               </a:rPr>
-              <a:t>new log entries </a:t>
-            </a:r>
-            <a:r>
-              <a:rPr lang="en-US" dirty="0" smtClean="0"/>
-              <a:t>contain the index and term of the </a:t>
-            </a:r>
-            <a:r>
-              <a:rPr lang="en-US" dirty="0" smtClean="0">
-                <a:solidFill>
-                  <a:srgbClr val="00B050"/>
-                </a:solidFill>
-              </a:rPr>
-              <a:t>previous </a:t>
-            </a:r>
-            <a:r>
-              <a:rPr lang="en-US" dirty="0" smtClean="0">
-                <a:solidFill>
-                  <a:srgbClr val="00B050"/>
-                </a:solidFill>
-              </a:rPr>
-              <a:t>entry (</a:t>
-            </a:r>
-            <a:r>
-              <a:rPr lang="en-US" dirty="0" smtClean="0">
-                <a:solidFill>
-                  <a:srgbClr val="00B050"/>
-                </a:solidFill>
-              </a:rPr>
-              <a:t>X</a:t>
-            </a:r>
-            <a:r>
-              <a:rPr lang="en-US" dirty="0" smtClean="0">
-                <a:solidFill>
-                  <a:srgbClr val="00B050"/>
-                </a:solidFill>
-              </a:rPr>
-              <a:t>) </a:t>
-            </a:r>
-            <a:r>
-              <a:rPr lang="en-US" i="1" dirty="0" smtClean="0"/>
-              <a:t>(i.e., entry at nextIndex-1)</a:t>
-            </a:r>
-            <a:r>
-              <a:rPr lang="en-US" dirty="0" smtClean="0">
-                <a:solidFill>
-                  <a:srgbClr val="00B050"/>
-                </a:solidFill>
-              </a:rPr>
-              <a:t> in </a:t>
-            </a:r>
-            <a:r>
-              <a:rPr lang="en-US" dirty="0" smtClean="0">
-                <a:solidFill>
-                  <a:srgbClr val="00B050"/>
-                </a:solidFill>
-              </a:rPr>
-              <a:t>the Leader’s log</a:t>
-            </a:r>
-            <a:r>
-              <a:rPr lang="en-US" dirty="0" smtClean="0"/>
-              <a:t>. </a:t>
+              <a:t>writes it to the State Machine</a:t>
             </a:r>
           </a:p>
           <a:p>
@@ -3644,178 +3732,6 @@
               </a:buClr>
               <a:buSzPct val="70000"/>
             </a:pPr>
-            <a:r>
-              <a:rPr lang="en-US" dirty="0" smtClean="0"/>
-              <a:t>The </a:t>
-            </a:r>
-            <a:r>
-              <a:rPr lang="en-US" dirty="0" err="1" smtClean="0">
-                <a:solidFill>
-                  <a:srgbClr val="00B0F0"/>
-                </a:solidFill>
-              </a:rPr>
-              <a:t>AppendEntries</a:t>
-            </a:r>
-            <a:r>
-              <a:rPr lang="en-US" dirty="0" smtClean="0">
-                <a:solidFill>
-                  <a:srgbClr val="00B0F0"/>
-                </a:solidFill>
-              </a:rPr>
-              <a:t> Consistency Check </a:t>
-            </a:r>
-            <a:r>
-              <a:rPr lang="en-US" dirty="0" smtClean="0"/>
-              <a:t>checks if the follower’s </a:t>
-            </a:r>
-            <a:r>
-              <a:rPr lang="en-US" dirty="0" smtClean="0"/>
-              <a:t>log contains </a:t>
-            </a:r>
-            <a:r>
-              <a:rPr lang="en-US" dirty="0" smtClean="0"/>
-              <a:t>an entry with X’s index and term. </a:t>
-            </a:r>
-          </a:p>
-          <a:p>
-            <a:pPr lvl="1">
-              <a:buClr>
-                <a:srgbClr val="FF0000"/>
-              </a:buClr>
-              <a:buSzPct val="70000"/>
-            </a:pPr>
-            <a:r>
-              <a:rPr lang="en-US" dirty="0" smtClean="0"/>
-              <a:t>If the </a:t>
-            </a:r>
-            <a:r>
-              <a:rPr lang="en-US" dirty="0" smtClean="0">
-                <a:solidFill>
-                  <a:srgbClr val="00B050"/>
-                </a:solidFill>
-              </a:rPr>
-              <a:t>Consistency check does not fail</a:t>
-            </a:r>
-            <a:r>
-              <a:rPr lang="en-US" dirty="0" smtClean="0"/>
-              <a:t>, the new entry is written to the follower’s log. </a:t>
-            </a:r>
-          </a:p>
-          <a:p>
-            <a:pPr lvl="1">
-              <a:buClr>
-                <a:srgbClr val="FF0000"/>
-              </a:buClr>
-              <a:buSzPct val="70000"/>
-            </a:pPr>
-            <a:r>
-              <a:rPr lang="en-US" dirty="0" smtClean="0"/>
-              <a:t>If the </a:t>
-            </a:r>
-            <a:r>
-              <a:rPr lang="en-US" dirty="0" smtClean="0">
-                <a:solidFill>
-                  <a:srgbClr val="FF0000"/>
-                </a:solidFill>
-              </a:rPr>
-              <a:t>consistency check fails</a:t>
-            </a:r>
-            <a:r>
-              <a:rPr lang="en-US" dirty="0" smtClean="0"/>
-              <a:t>, then:</a:t>
-            </a:r>
-          </a:p>
-          <a:p>
-            <a:pPr lvl="2">
-              <a:buClr>
-                <a:srgbClr val="FF0000"/>
-              </a:buClr>
-              <a:buSzPct val="70000"/>
-            </a:pPr>
-            <a:r>
-              <a:rPr lang="en-US" dirty="0" smtClean="0"/>
-              <a:t>The </a:t>
-            </a:r>
-            <a:r>
-              <a:rPr lang="en-US" dirty="0" smtClean="0">
-                <a:solidFill>
-                  <a:srgbClr val="00B050"/>
-                </a:solidFill>
-              </a:rPr>
-              <a:t>Leader decrements </a:t>
-            </a:r>
-            <a:r>
-              <a:rPr lang="en-US" dirty="0" err="1" smtClean="0">
-                <a:solidFill>
-                  <a:srgbClr val="00B0F0"/>
-                </a:solidFill>
-              </a:rPr>
-              <a:t>nextIndex</a:t>
-            </a:r>
-            <a:r>
-              <a:rPr lang="en-US" dirty="0" smtClean="0">
-                <a:solidFill>
-                  <a:srgbClr val="00B050"/>
-                </a:solidFill>
-              </a:rPr>
-              <a:t> and retries </a:t>
-            </a:r>
-            <a:r>
-              <a:rPr lang="en-US" dirty="0" err="1" smtClean="0">
-                <a:solidFill>
-                  <a:srgbClr val="00B0F0"/>
-                </a:solidFill>
-              </a:rPr>
-              <a:t>AppendEntries</a:t>
-            </a:r>
-            <a:r>
-              <a:rPr lang="en-US" dirty="0" smtClean="0">
-                <a:solidFill>
-                  <a:srgbClr val="00B0F0"/>
-                </a:solidFill>
-              </a:rPr>
-              <a:t> RPC </a:t>
-            </a:r>
-            <a:r>
-              <a:rPr lang="en-US" dirty="0" smtClean="0">
-                <a:solidFill>
-                  <a:srgbClr val="00B050"/>
-                </a:solidFill>
-              </a:rPr>
-              <a:t>for that follower, until a point reaches where the logs match.</a:t>
-            </a:r>
-            <a:r>
-              <a:rPr lang="en-US" dirty="0" smtClean="0"/>
-              <a:t> (one failure of Consistency Check for each mismatching entry)</a:t>
-            </a:r>
-          </a:p>
-          <a:p>
-            <a:pPr lvl="2">
-              <a:buClr>
-                <a:srgbClr val="FF0000"/>
-              </a:buClr>
-              <a:buSzPct val="70000"/>
-            </a:pPr>
-            <a:r>
-              <a:rPr lang="en-US" dirty="0" smtClean="0"/>
-              <a:t> When an </a:t>
-            </a:r>
-            <a:r>
-              <a:rPr lang="en-US" dirty="0" err="1" smtClean="0">
-                <a:solidFill>
-                  <a:srgbClr val="00B0F0"/>
-                </a:solidFill>
-              </a:rPr>
-              <a:t>AppendEntries</a:t>
-            </a:r>
-            <a:r>
-              <a:rPr lang="en-US" dirty="0" smtClean="0"/>
-              <a:t> succeeds, the follower’s log is consistent with the leader’s up to that entry</a:t>
-            </a:r>
-            <a:r>
-              <a:rPr lang="en-US" dirty="0" smtClean="0"/>
-              <a:t>.</a:t>
-            </a:r>
             <a:endParaRPr lang="en-US" dirty="0" smtClean="0"/>
           </a:p>
           <a:p>
@@ -3862,7 +3778,7 @@
     </p:spTree>
     <p:extLst>
       <p:ext uri="{BB962C8B-B14F-4D97-AF65-F5344CB8AC3E}">
-        <p14:creationId xmlns:p14="http://schemas.microsoft.com/office/powerpoint/2010/main" val="3811900838"/>
+        <p14:creationId xmlns:p14="http://schemas.microsoft.com/office/powerpoint/2010/main" val="3718338715"/>
       </p:ext>
     </p:extLst>
   </p:cSld>
@@ -3924,52 +3840,37 @@
         </p:nvSpPr>
         <p:spPr>
           <a:xfrm>
-            <a:off x="838200" y="1388854"/>
-            <a:ext cx="10515600" cy="5193100"/>
+            <a:off x="838200" y="1825624"/>
+            <a:ext cx="10515600" cy="4790835"/>
           </a:xfrm>
         </p:spPr>
         <p:txBody>
-          <a:bodyPr>
-            <a:normAutofit/>
-          </a:bodyPr>
-          <a:lstStyle/>
-          <a:p>
+          <a:bodyPr/>
+          <a:lstStyle/>
+          <a:p>
+            <a:r>
+              <a:rPr lang="en-US" dirty="0" smtClean="0"/>
+              <a:t>Therefore the leader </a:t>
+            </a:r>
             <a:r>
               <a:rPr lang="en-US" dirty="0" smtClean="0">
                 <a:solidFill>
                   <a:srgbClr val="00B050"/>
                 </a:solidFill>
               </a:rPr>
-              <a:t>Follower </a:t>
-            </a:r>
-            <a:r>
-              <a:rPr lang="en-US" dirty="0" smtClean="0">
+              <a:t>does not have to take any special action</a:t>
+            </a:r>
+            <a:r>
+              <a:rPr lang="en-US" dirty="0" smtClean="0"/>
+              <a:t> to ensure </a:t>
+            </a:r>
+            <a:r>
+              <a:rPr lang="en-US" dirty="0">
                 <a:solidFill>
                   <a:srgbClr val="00B050"/>
                 </a:solidFill>
               </a:rPr>
-              <a:t>Side:</a:t>
-            </a:r>
-          </a:p>
-          <a:p>
-            <a:pPr lvl="1">
-              <a:buSzPct val="70000"/>
-            </a:pPr>
-            <a:r>
-              <a:rPr lang="en-US" dirty="0" smtClean="0"/>
-              <a:t>If an </a:t>
-            </a:r>
-            <a:r>
-              <a:rPr lang="en-US" dirty="0" smtClean="0">
-                <a:solidFill>
-                  <a:srgbClr val="FF0000"/>
-                </a:solidFill>
-              </a:rPr>
-              <a:t>existing entry conflicts with a new entry </a:t>
-            </a:r>
-            <a:r>
-              <a:rPr lang="en-US" dirty="0" smtClean="0"/>
-              <a:t>(the result of an uncommitted log entry), the follower </a:t>
+              <a:t>l</a:t>
             </a:r>
             <a:r>
               <a:rPr lang="en-US" dirty="0" smtClean="0">
@@ -3977,26 +3878,17 @@
                   <a:srgbClr val="00B050"/>
                 </a:solidFill>
               </a:rPr>
-              <a:t>deletes the existing entry and all that follow</a:t>
-            </a:r>
-            <a:r>
-              <a:rPr lang="en-US" dirty="0" smtClean="0"/>
-              <a:t> - </a:t>
-            </a:r>
-          </a:p>
-          <a:p>
-            <a:pPr lvl="1">
-              <a:buSzPct val="70000"/>
-            </a:pPr>
-            <a:endParaRPr lang="en-US" dirty="0" smtClean="0"/>
-          </a:p>
-          <a:p>
-            <a:pPr lvl="1">
-              <a:buSzPct val="70000"/>
-            </a:pPr>
-            <a:r>
-              <a:rPr lang="en-US" dirty="0" smtClean="0"/>
-              <a:t>The follower then </a:t>
+              <a:t>og consistency</a:t>
+            </a:r>
+            <a:r>
+              <a:rPr lang="en-US" dirty="0" smtClean="0"/>
+              <a:t>.</a:t>
+            </a:r>
+          </a:p>
+          <a:p>
+            <a:r>
+              <a:rPr lang="en-US" dirty="0" smtClean="0"/>
+              <a:t>The </a:t>
             </a:r>
             <a:r>
               <a:rPr lang="en-US" dirty="0" smtClean="0">
@@ -4004,41 +3896,15 @@
                   <a:srgbClr val="00B050"/>
                 </a:solidFill>
               </a:rPr>
-              <a:t>a</a:t>
-            </a:r>
-            <a:r>
-              <a:rPr lang="en-US" dirty="0" smtClean="0">
+              <a:t>failed </a:t>
+            </a:r>
+            <a:r>
+              <a:rPr lang="en-US" dirty="0" err="1" smtClean="0">
                 <a:solidFill>
                   <a:srgbClr val="00B050"/>
                 </a:solidFill>
               </a:rPr>
-              <a:t>ppends any new entries already not in the log </a:t>
-            </a:r>
-            <a:r>
-              <a:rPr lang="en-US" dirty="0" smtClean="0"/>
-              <a:t>– (this is because the leader is guaranteed to have all previously committed log entries)</a:t>
-            </a:r>
-          </a:p>
-          <a:p>
-            <a:pPr lvl="1">
-              <a:buSzPct val="70000"/>
-            </a:pPr>
-            <a:endParaRPr lang="en-US" dirty="0" smtClean="0"/>
-          </a:p>
-          <a:p>
-            <a:pPr lvl="1">
-              <a:buClr>
-                <a:srgbClr val="FF0000"/>
-              </a:buClr>
-              <a:buSzPct val="70000"/>
-            </a:pPr>
-            <a:r>
-              <a:rPr lang="en-US" dirty="0"/>
-              <a:t>If </a:t>
-            </a:r>
-            <a:r>
-              <a:rPr lang="en-US" dirty="0" smtClean="0"/>
-              <a:t>a </a:t>
+              <a:t>AppendEntries</a:t>
             </a:r>
             <a:r>
               <a:rPr lang="en-US" dirty="0" smtClean="0">
@@ -4046,49 +3912,12 @@
                   <a:srgbClr val="00B050"/>
                 </a:solidFill>
               </a:rPr>
-              <a:t>future</a:t>
-            </a:r>
-            <a:r>
-              <a:rPr lang="en-US" dirty="0" smtClean="0"/>
-              <a:t> </a:t>
-            </a:r>
-            <a:r>
-              <a:rPr lang="en-US" dirty="0" err="1">
-                <a:solidFill>
-                  <a:srgbClr val="00B0F0"/>
-                </a:solidFill>
-              </a:rPr>
-              <a:t>AppendEntries</a:t>
-            </a:r>
-            <a:r>
-              <a:rPr lang="en-US" dirty="0">
-                <a:solidFill>
-                  <a:srgbClr val="00B0F0"/>
-                </a:solidFill>
-              </a:rPr>
-              <a:t> RPC</a:t>
-            </a:r>
-            <a:r>
-              <a:rPr lang="en-US" dirty="0"/>
-              <a:t> says that an entry has been committed, it </a:t>
-            </a:r>
-            <a:r>
-              <a:rPr lang="en-US" dirty="0">
-                <a:solidFill>
-                  <a:srgbClr val="00B050"/>
-                </a:solidFill>
-              </a:rPr>
-              <a:t>writes it to the State Machine</a:t>
-            </a:r>
-          </a:p>
-          <a:p>
-            <a:pPr lvl="1">
-              <a:buClr>
-                <a:srgbClr val="FF0000"/>
-              </a:buClr>
-              <a:buSzPct val="70000"/>
-            </a:pPr>
-            <a:endParaRPr lang="en-US" dirty="0" smtClean="0"/>
+              <a:t> Consistency checks </a:t>
+            </a:r>
+            <a:r>
+              <a:rPr lang="en-US" dirty="0" smtClean="0"/>
+              <a:t>take care of maintaining consistency if logs don’t match.</a:t>
+            </a:r>
           </a:p>
           <a:p>
             <a:pPr lvl="2">
@@ -4134,7 +3963,7 @@
     </p:spTree>
     <p:extLst>
       <p:ext uri="{BB962C8B-B14F-4D97-AF65-F5344CB8AC3E}">
-        <p14:creationId xmlns:p14="http://schemas.microsoft.com/office/powerpoint/2010/main" val="3718338715"/>
+        <p14:creationId xmlns:p14="http://schemas.microsoft.com/office/powerpoint/2010/main" val="422927626"/>
       </p:ext>
     </p:extLst>
   </p:cSld>
@@ -4178,7 +4007,7 @@
           <a:p>
             <a:r>
               <a:rPr lang="en-US" b="1" dirty="0" smtClean="0"/>
-              <a:t>Log Replication</a:t>
+              <a:t>Safety</a:t>
             </a:r>
             <a:endParaRPr lang="en-US" b="1" dirty="0"/>
           </a:p>
@@ -4194,137 +4023,50 @@
             <p:ph idx="1"/>
           </p:nvPr>
         </p:nvSpPr>
-        <p:spPr>
-          <a:xfrm>
-            <a:off x="838200" y="1825624"/>
-            <a:ext cx="10515600" cy="4790835"/>
-          </a:xfrm>
-        </p:spPr>
-        <p:txBody>
-          <a:bodyPr/>
-          <a:lstStyle/>
-          <a:p>
-            <a:r>
-              <a:rPr lang="en-US" dirty="0" smtClean="0"/>
-              <a:t>Therefore the leader </a:t>
-            </a:r>
-            <a:r>
-              <a:rPr lang="en-US" dirty="0" smtClean="0">
-                <a:solidFill>
-                  <a:srgbClr val="00B050"/>
-                </a:solidFill>
-              </a:rPr>
-              <a:t>does not have to take any special action</a:t>
-            </a:r>
-            <a:r>
-              <a:rPr lang="en-US" dirty="0" smtClean="0"/>
-              <a:t> to ensure </a:t>
-            </a:r>
-            <a:r>
-              <a:rPr lang="en-US" dirty="0">
-                <a:solidFill>
-                  <a:srgbClr val="00B050"/>
-                </a:solidFill>
-              </a:rPr>
-              <a:t>l</a:t>
-            </a:r>
-            <a:r>
-              <a:rPr lang="en-US" dirty="0" smtClean="0">
-                <a:solidFill>
-                  <a:srgbClr val="00B050"/>
-                </a:solidFill>
-              </a:rPr>
-              <a:t>og consistency</a:t>
-            </a:r>
-            <a:r>
-              <a:rPr lang="en-US" dirty="0" smtClean="0"/>
-              <a:t>.</a:t>
-            </a:r>
-          </a:p>
-          <a:p>
-            <a:r>
-              <a:rPr lang="en-US" dirty="0" smtClean="0"/>
-              <a:t>The </a:t>
-            </a:r>
-            <a:r>
-              <a:rPr lang="en-US" dirty="0" smtClean="0">
-                <a:solidFill>
-                  <a:srgbClr val="00B050"/>
-                </a:solidFill>
-              </a:rPr>
-              <a:t>failed </a:t>
-            </a:r>
-            <a:r>
-              <a:rPr lang="en-US" dirty="0" err="1" smtClean="0">
-                <a:solidFill>
-                  <a:srgbClr val="00B050"/>
-                </a:solidFill>
-              </a:rPr>
-              <a:t>AppendEntries</a:t>
-            </a:r>
-            <a:r>
-              <a:rPr lang="en-US" dirty="0" smtClean="0">
-                <a:solidFill>
-                  <a:srgbClr val="00B050"/>
-                </a:solidFill>
-              </a:rPr>
-              <a:t> Consistency checks </a:t>
-            </a:r>
-            <a:r>
-              <a:rPr lang="en-US" dirty="0" smtClean="0"/>
-              <a:t>take care of maintaining </a:t>
-            </a:r>
-            <a:r>
-              <a:rPr lang="en-US" dirty="0" smtClean="0"/>
-              <a:t>consistency if logs don’t match.</a:t>
-            </a:r>
-            <a:endParaRPr lang="en-US" dirty="0" smtClean="0"/>
-          </a:p>
-          <a:p>
-            <a:pPr lvl="2">
-              <a:buClr>
-                <a:srgbClr val="FF0000"/>
-              </a:buClr>
-              <a:buSzPct val="70000"/>
-            </a:pPr>
-            <a:endParaRPr lang="en-US" dirty="0" smtClean="0"/>
-          </a:p>
-          <a:p>
-            <a:pPr lvl="2">
-              <a:buClr>
-                <a:srgbClr val="FF0000"/>
-              </a:buClr>
-              <a:buSzPct val="70000"/>
-            </a:pPr>
-            <a:endParaRPr lang="en-US" dirty="0" smtClean="0"/>
-          </a:p>
-          <a:p>
-            <a:pPr lvl="2">
-              <a:buClr>
-                <a:srgbClr val="FF0000"/>
-              </a:buClr>
-              <a:buSzPct val="70000"/>
-              <a:buFont typeface="Courier New" panose="02070309020205020404" pitchFamily="49" charset="0"/>
-              <a:buChar char="o"/>
-            </a:pPr>
-            <a:endParaRPr lang="en-US" dirty="0" smtClean="0"/>
-          </a:p>
-          <a:p>
-            <a:pPr marL="1371600" lvl="2" indent="-457200">
-              <a:buFont typeface="+mj-lt"/>
-              <a:buAutoNum type="alphaUcPeriod"/>
-            </a:pPr>
-            <a:endParaRPr lang="en-US" dirty="0" smtClean="0"/>
-          </a:p>
-          <a:p>
-            <a:endParaRPr lang="en-US" dirty="0"/>
+        <p:spPr/>
+        <p:txBody>
+          <a:bodyPr/>
+          <a:lstStyle/>
+          <a:p>
+            <a:r>
+              <a:rPr lang="en-US" dirty="0" smtClean="0">
+                <a:solidFill>
+                  <a:srgbClr val="00B0F0"/>
+                </a:solidFill>
+              </a:rPr>
+              <a:t>State Machine Safety Property</a:t>
+            </a:r>
+            <a:r>
+              <a:rPr lang="en-US" dirty="0" smtClean="0"/>
+              <a:t> – if a server has applied a log entry at a given index in its state machine, no other server will apply a different entry in the same index.</a:t>
+            </a:r>
+          </a:p>
+          <a:p>
+            <a:r>
+              <a:rPr lang="en-US" dirty="0" smtClean="0"/>
+              <a:t>Ensured by the following:</a:t>
+            </a:r>
+          </a:p>
+          <a:p>
+            <a:pPr lvl="1"/>
+            <a:r>
+              <a:rPr lang="en-US" dirty="0" smtClean="0"/>
+              <a:t>A leader always contains all committed entries from previous terms</a:t>
+            </a:r>
+          </a:p>
+          <a:p>
+            <a:pPr lvl="1"/>
+            <a:r>
+              <a:rPr lang="en-US" dirty="0" smtClean="0"/>
+              <a:t>Log entries from older terms are never committed by counting replicas </a:t>
+            </a:r>
           </a:p>
         </p:txBody>
       </p:sp>
     </p:spTree>
     <p:extLst>
       <p:ext uri="{BB962C8B-B14F-4D97-AF65-F5344CB8AC3E}">
-        <p14:creationId xmlns:p14="http://schemas.microsoft.com/office/powerpoint/2010/main" val="422927626"/>
+        <p14:creationId xmlns:p14="http://schemas.microsoft.com/office/powerpoint/2010/main" val="2965944169"/>
       </p:ext>
     </p:extLst>
   </p:cSld>
@@ -4390,44 +4132,172 @@
           <a:lstStyle/>
           <a:p>
             <a:r>
-              <a:rPr lang="en-US" dirty="0" smtClean="0">
+              <a:rPr lang="en-US" dirty="0" smtClean="0"/>
+              <a:t>Leader Crash Scenarios:</a:t>
+            </a:r>
+          </a:p>
+          <a:p>
+            <a:pPr marL="914400" lvl="1" indent="-457200">
+              <a:buFont typeface="+mj-lt"/>
+              <a:buAutoNum type="alphaUcPeriod"/>
+            </a:pPr>
+            <a:r>
+              <a:rPr lang="en-US" dirty="0" smtClean="0">
+                <a:solidFill>
+                  <a:srgbClr val="00B050"/>
+                </a:solidFill>
+              </a:rPr>
+              <a:t>Leader crashes before committing an entry</a:t>
+            </a:r>
+            <a:r>
+              <a:rPr lang="en-US" dirty="0" smtClean="0"/>
+              <a:t>:</a:t>
+            </a:r>
+          </a:p>
+          <a:p>
+            <a:pPr lvl="2"/>
+            <a:r>
+              <a:rPr lang="en-US" dirty="0" smtClean="0"/>
+              <a:t>The new leader may not contain all the log entries as the majority may not have replicated</a:t>
+            </a:r>
+          </a:p>
+          <a:p>
+            <a:pPr lvl="2"/>
+            <a:r>
+              <a:rPr lang="en-US" dirty="0" smtClean="0"/>
+              <a:t>The client request is lost, but there is still consensus </a:t>
+            </a:r>
+          </a:p>
+          <a:p>
+            <a:pPr marL="914400" lvl="1" indent="-457200">
+              <a:buFont typeface="+mj-lt"/>
+              <a:buAutoNum type="alphaUcPeriod"/>
+            </a:pPr>
+            <a:r>
+              <a:rPr lang="en-US" dirty="0"/>
+              <a:t> </a:t>
+            </a:r>
+            <a:r>
+              <a:rPr lang="en-US" dirty="0">
+                <a:solidFill>
+                  <a:srgbClr val="00B050"/>
+                </a:solidFill>
+              </a:rPr>
+              <a:t>Leader crashes after committing an entry, but before sending </a:t>
+            </a:r>
+            <a:r>
+              <a:rPr lang="en-US" dirty="0">
                 <a:solidFill>
                   <a:srgbClr val="00B0F0"/>
                 </a:solidFill>
               </a:rPr>
-              <a:t>State Machine Safety Property</a:t>
-            </a:r>
-            <a:r>
-              <a:rPr lang="en-US" dirty="0" smtClean="0"/>
-              <a:t> – if a server has applied a log entry at a given index in its state machine, no other server will apply a different entry in the same index.</a:t>
-            </a:r>
-          </a:p>
-          <a:p>
-            <a:r>
-              <a:rPr lang="en-US" dirty="0" smtClean="0"/>
-              <a:t>Ensured by the following:</a:t>
-            </a:r>
-          </a:p>
-          <a:p>
-            <a:pPr lvl="1"/>
-            <a:r>
-              <a:rPr lang="en-US" dirty="0" smtClean="0"/>
-              <a:t>A leader always contains all committed entries from previous terms</a:t>
-            </a:r>
-          </a:p>
-          <a:p>
-            <a:pPr lvl="1"/>
-            <a:r>
-              <a:rPr lang="en-US" dirty="0" smtClean="0"/>
-              <a:t>Log entries from older terms are never committed by counting replicas </a:t>
-            </a:r>
+              <a:t>any future </a:t>
+            </a:r>
+            <a:r>
+              <a:rPr lang="en-US" dirty="0" err="1" smtClean="0">
+                <a:solidFill>
+                  <a:srgbClr val="00B0F0"/>
+                </a:solidFill>
+              </a:rPr>
+              <a:t>AppendEntries</a:t>
+            </a:r>
+            <a:r>
+              <a:rPr lang="en-US" dirty="0" smtClean="0">
+                <a:solidFill>
+                  <a:srgbClr val="00B0F0"/>
+                </a:solidFill>
+              </a:rPr>
+              <a:t> </a:t>
+            </a:r>
+            <a:r>
+              <a:rPr lang="en-US" dirty="0">
+                <a:solidFill>
+                  <a:srgbClr val="00B0F0"/>
+                </a:solidFill>
+              </a:rPr>
+              <a:t>RPC</a:t>
+            </a:r>
+            <a:r>
+              <a:rPr lang="en-US" dirty="0">
+                <a:solidFill>
+                  <a:srgbClr val="00B050"/>
+                </a:solidFill>
+              </a:rPr>
+              <a:t> </a:t>
+            </a:r>
+            <a:r>
+              <a:rPr lang="en-US" dirty="0" smtClean="0">
+                <a:solidFill>
+                  <a:srgbClr val="00B050"/>
+                </a:solidFill>
+              </a:rPr>
+              <a:t>with commit information</a:t>
+            </a:r>
+            <a:r>
+              <a:rPr lang="en-US" dirty="0" smtClean="0">
+                <a:solidFill>
+                  <a:srgbClr val="FF0000"/>
+                </a:solidFill>
+              </a:rPr>
+              <a:t>:</a:t>
+            </a:r>
+          </a:p>
+          <a:p>
+            <a:pPr lvl="2"/>
+            <a:r>
+              <a:rPr lang="en-US" dirty="0" smtClean="0"/>
+              <a:t>The majority of followers already have the entry in log</a:t>
+            </a:r>
+          </a:p>
+          <a:p>
+            <a:pPr lvl="2"/>
+            <a:r>
+              <a:rPr lang="en-US" dirty="0" smtClean="0"/>
+              <a:t>So the new leader will have the entry in its log</a:t>
+            </a:r>
+          </a:p>
+          <a:p>
+            <a:pPr lvl="2"/>
+            <a:r>
+              <a:rPr lang="en-US" dirty="0" smtClean="0"/>
+              <a:t>The new leader will try to commit it </a:t>
+            </a:r>
+          </a:p>
+          <a:p>
+            <a:pPr lvl="2"/>
+            <a:r>
+              <a:rPr lang="en-US" dirty="0" smtClean="0"/>
+              <a:t>The client request </a:t>
+            </a:r>
+            <a:r>
+              <a:rPr lang="en-US" dirty="0" smtClean="0"/>
+              <a:t>may not be</a:t>
+            </a:r>
+            <a:r>
+              <a:rPr lang="en-US" dirty="0" smtClean="0"/>
+              <a:t> lost </a:t>
+            </a:r>
+            <a:r>
+              <a:rPr lang="en-US" dirty="0" smtClean="0"/>
+              <a:t>and there is Consensus </a:t>
+            </a:r>
+          </a:p>
+          <a:p>
+            <a:endParaRPr lang="en-US" dirty="0" smtClean="0"/>
+          </a:p>
+          <a:p>
+            <a:pPr marL="1371600" lvl="2" indent="-457200">
+              <a:buFont typeface="+mj-lt"/>
+              <a:buAutoNum type="alphaUcPeriod"/>
+            </a:pPr>
+            <a:endParaRPr lang="en-US" dirty="0" smtClean="0"/>
           </a:p>
         </p:txBody>
       </p:sp>
     </p:spTree>
     <p:extLst>
       <p:ext uri="{BB962C8B-B14F-4D97-AF65-F5344CB8AC3E}">
-        <p14:creationId xmlns:p14="http://schemas.microsoft.com/office/powerpoint/2010/main" val="2965944169"/>
+        <p14:creationId xmlns:p14="http://schemas.microsoft.com/office/powerpoint/2010/main" val="3739259691"/>
       </p:ext>
     </p:extLst>
   </p:cSld>
@@ -4494,94 +4364,50 @@
           <a:p>
             <a:r>
               <a:rPr lang="en-US" dirty="0" smtClean="0"/>
-              <a:t>Leader Crash Scenarios:</a:t>
-            </a:r>
-          </a:p>
-          <a:p>
-            <a:pPr marL="914400" lvl="1" indent="-457200">
-              <a:buFont typeface="+mj-lt"/>
-              <a:buAutoNum type="alphaUcPeriod"/>
-            </a:pPr>
-            <a:r>
-              <a:rPr lang="en-US" dirty="0" smtClean="0"/>
-              <a:t>Leader crashes before committing an entry:</a:t>
-            </a:r>
-          </a:p>
-          <a:p>
-            <a:pPr lvl="2"/>
-            <a:r>
-              <a:rPr lang="en-US" dirty="0" smtClean="0"/>
-              <a:t>The new leader may not contain all the log entries as the majority may not have replicated</a:t>
-            </a:r>
-          </a:p>
-          <a:p>
-            <a:pPr lvl="2"/>
-            <a:r>
-              <a:rPr lang="en-US" dirty="0" smtClean="0"/>
-              <a:t>The client request is lost, but there is still consensus </a:t>
-            </a:r>
+              <a:t>Follower/Candidate Crash Scenario:</a:t>
+            </a:r>
+            <a:endParaRPr lang="en-US" dirty="0" smtClean="0"/>
           </a:p>
           <a:p>
             <a:pPr lvl="1"/>
             <a:r>
-              <a:rPr lang="en-US" dirty="0"/>
-              <a:t> Leader crashes after committing an entry, but before sending any future </a:t>
-            </a:r>
-            <a:r>
-              <a:rPr lang="en-US" dirty="0" err="1" smtClean="0"/>
-              <a:t>AppendEntries</a:t>
-            </a:r>
-            <a:r>
-              <a:rPr lang="en-US" dirty="0" smtClean="0"/>
-              <a:t> </a:t>
-            </a:r>
-            <a:r>
-              <a:rPr lang="en-US" dirty="0"/>
-              <a:t>RPC </a:t>
-            </a:r>
-            <a:r>
-              <a:rPr lang="en-US" dirty="0" smtClean="0"/>
-              <a:t>with commit information:</a:t>
-            </a:r>
-          </a:p>
-          <a:p>
-            <a:pPr lvl="2"/>
-            <a:r>
-              <a:rPr lang="en-US" dirty="0" smtClean="0"/>
-              <a:t>The majority of followers already have the entry in log</a:t>
-            </a:r>
-          </a:p>
-          <a:p>
-            <a:pPr lvl="2"/>
-            <a:r>
-              <a:rPr lang="en-US" dirty="0" smtClean="0"/>
-              <a:t>So the new leader will have the entry in its log</a:t>
-            </a:r>
-          </a:p>
-          <a:p>
-            <a:pPr lvl="2"/>
-            <a:r>
-              <a:rPr lang="en-US" dirty="0" smtClean="0"/>
-              <a:t>The new leader will try to commit it </a:t>
-            </a:r>
-          </a:p>
-          <a:p>
-            <a:pPr lvl="2"/>
-            <a:r>
-              <a:rPr lang="en-US" dirty="0" smtClean="0"/>
-              <a:t>The client request is not lost </a:t>
-            </a:r>
-            <a:r>
-              <a:rPr lang="en-US" smtClean="0"/>
-              <a:t>and there is Consensus </a:t>
-            </a:r>
-            <a:endParaRPr lang="en-US" dirty="0" smtClean="0"/>
-          </a:p>
-          <a:p>
-            <a:endParaRPr lang="en-US" dirty="0" smtClean="0"/>
-          </a:p>
-          <a:p>
-            <a:pPr lvl="2"/>
+              <a:rPr lang="en-US" dirty="0" smtClean="0"/>
+              <a:t>The RPCs are sent </a:t>
+            </a:r>
+            <a:r>
+              <a:rPr lang="en-US" dirty="0" smtClean="0">
+                <a:solidFill>
+                  <a:srgbClr val="00B050"/>
+                </a:solidFill>
+              </a:rPr>
+              <a:t>indefinitely</a:t>
+            </a:r>
+            <a:r>
+              <a:rPr lang="en-US" dirty="0" smtClean="0"/>
+              <a:t> by the Leader </a:t>
+            </a:r>
+          </a:p>
+          <a:p>
+            <a:pPr lvl="1"/>
+            <a:r>
+              <a:rPr lang="en-US" dirty="0" smtClean="0"/>
+              <a:t>They respond on starting</a:t>
+            </a:r>
+          </a:p>
+          <a:p>
+            <a:pPr lvl="1"/>
+            <a:r>
+              <a:rPr lang="en-US" dirty="0" smtClean="0">
+                <a:solidFill>
+                  <a:srgbClr val="00B050"/>
+                </a:solidFill>
+              </a:rPr>
+              <a:t>If no leader found on starting, start an election</a:t>
+            </a:r>
+            <a:r>
+              <a:rPr lang="en-US" dirty="0" smtClean="0"/>
+              <a:t>.</a:t>
+            </a:r>
             <a:endParaRPr lang="en-US" dirty="0" smtClean="0"/>
           </a:p>
         </p:txBody>
@@ -4589,7 +4415,7 @@
     </p:spTree>
     <p:extLst>
       <p:ext uri="{BB962C8B-B14F-4D97-AF65-F5344CB8AC3E}">
-        <p14:creationId xmlns:p14="http://schemas.microsoft.com/office/powerpoint/2010/main" val="3739259691"/>
+        <p14:creationId xmlns:p14="http://schemas.microsoft.com/office/powerpoint/2010/main" val="911818167"/>
       </p:ext>
     </p:extLst>
   </p:cSld>
@@ -4702,6 +4528,208 @@
     <p:extLst>
       <p:ext uri="{BB962C8B-B14F-4D97-AF65-F5344CB8AC3E}">
         <p14:creationId xmlns:p14="http://schemas.microsoft.com/office/powerpoint/2010/main" val="1778850710"/>
+      </p:ext>
+    </p:extLst>
+  </p:cSld>
+  <p:clrMapOvr>
+    <a:masterClrMapping/>
+  </p:clrMapOvr>
+</p:sld>
+</file>
+
+<file path=ppt/slides/slide17.xml><?xml version="1.0" encoding="utf-8"?>
+<p:sld xmlns:a="http://schemas.openxmlformats.org/drawingml/2006/main" xmlns:r="http://schemas.openxmlformats.org/officeDocument/2006/relationships" xmlns:p="http://schemas.openxmlformats.org/presentationml/2006/main">
+  <p:cSld>
+    <p:spTree>
+      <p:nvGrpSpPr>
+        <p:cNvPr id="1" name=""/>
+        <p:cNvGrpSpPr/>
+        <p:nvPr/>
+      </p:nvGrpSpPr>
+      <p:grpSpPr>
+        <a:xfrm>
+          <a:off x="0" y="0"/>
+          <a:ext cx="0" cy="0"/>
+          <a:chOff x="0" y="0"/>
+          <a:chExt cx="0" cy="0"/>
+        </a:xfrm>
+      </p:grpSpPr>
+      <p:sp>
+        <p:nvSpPr>
+          <p:cNvPr id="2" name="Title 1"/>
+          <p:cNvSpPr>
+            <a:spLocks noGrp="1"/>
+          </p:cNvSpPr>
+          <p:nvPr>
+            <p:ph type="title"/>
+          </p:nvPr>
+        </p:nvSpPr>
+        <p:spPr/>
+        <p:txBody>
+          <a:bodyPr>
+            <a:normAutofit/>
+          </a:bodyPr>
+          <a:lstStyle/>
+          <a:p>
+            <a:r>
+              <a:rPr lang="en-US" sz="3600" b="1" dirty="0" smtClean="0"/>
+              <a:t>Limitations of </a:t>
+            </a:r>
+            <a:r>
+              <a:rPr lang="en-US" sz="3600" b="1" dirty="0" err="1" smtClean="0"/>
+              <a:t>Paxos</a:t>
+            </a:r>
+            <a:r>
+              <a:rPr lang="en-US" sz="3600" b="1" dirty="0" smtClean="0"/>
+              <a:t> (according to the authors)	</a:t>
+            </a:r>
+            <a:endParaRPr lang="en-US" sz="3600" b="1" dirty="0"/>
+          </a:p>
+        </p:txBody>
+      </p:sp>
+      <p:sp>
+        <p:nvSpPr>
+          <p:cNvPr id="3" name="Content Placeholder 2"/>
+          <p:cNvSpPr>
+            <a:spLocks noGrp="1"/>
+          </p:cNvSpPr>
+          <p:nvPr>
+            <p:ph idx="1"/>
+          </p:nvPr>
+        </p:nvSpPr>
+        <p:spPr/>
+        <p:txBody>
+          <a:bodyPr/>
+          <a:lstStyle/>
+          <a:p>
+            <a:r>
+              <a:rPr lang="en-US" dirty="0" smtClean="0">
+                <a:solidFill>
+                  <a:srgbClr val="00B050"/>
+                </a:solidFill>
+              </a:rPr>
+              <a:t>Difficult to understand</a:t>
+            </a:r>
+            <a:r>
+              <a:rPr lang="en-US" dirty="0" smtClean="0"/>
+              <a:t> from a developer’s perspective</a:t>
+            </a:r>
+          </a:p>
+          <a:p>
+            <a:r>
+              <a:rPr lang="en-US" dirty="0" smtClean="0"/>
+              <a:t>Practical implementations, more often than not, include </a:t>
+            </a:r>
+            <a:r>
+              <a:rPr lang="en-US" dirty="0" smtClean="0">
+                <a:solidFill>
+                  <a:srgbClr val="00B050"/>
+                </a:solidFill>
+              </a:rPr>
+              <a:t>additional </a:t>
+            </a:r>
+            <a:r>
+              <a:rPr lang="en-US" dirty="0" smtClean="0">
+                <a:solidFill>
+                  <a:srgbClr val="00B050"/>
+                </a:solidFill>
+              </a:rPr>
+              <a:t>modifications</a:t>
+            </a:r>
+            <a:r>
+              <a:rPr lang="en-US" dirty="0" smtClean="0"/>
+              <a:t>– </a:t>
+            </a:r>
+            <a:r>
+              <a:rPr lang="en-US" dirty="0" smtClean="0"/>
+              <a:t>resulting in final systems based on an </a:t>
+            </a:r>
+            <a:r>
+              <a:rPr lang="en-US" dirty="0" smtClean="0">
+                <a:solidFill>
+                  <a:srgbClr val="FF0000"/>
+                </a:solidFill>
+              </a:rPr>
+              <a:t>unproven protocol </a:t>
+            </a:r>
+          </a:p>
+          <a:p>
+            <a:r>
+              <a:rPr lang="en-US" dirty="0" smtClean="0">
+                <a:solidFill>
+                  <a:srgbClr val="FF0000"/>
+                </a:solidFill>
+              </a:rPr>
+              <a:t>Leader is not well defined</a:t>
+            </a:r>
+            <a:r>
+              <a:rPr lang="en-US" dirty="0" smtClean="0"/>
+              <a:t>. Leader election is used for optimization instead of inherent consensus mechanism.</a:t>
+            </a:r>
+          </a:p>
+          <a:p>
+            <a:r>
+              <a:rPr lang="en-US" dirty="0" smtClean="0"/>
+              <a:t>Every server is both a</a:t>
+            </a:r>
+            <a:r>
+              <a:rPr lang="en-US" dirty="0" smtClean="0">
+                <a:solidFill>
+                  <a:srgbClr val="00B0F0"/>
+                </a:solidFill>
+              </a:rPr>
+              <a:t> Proposer </a:t>
+            </a:r>
+            <a:r>
+              <a:rPr lang="en-US" dirty="0" smtClean="0"/>
+              <a:t>and an </a:t>
+            </a:r>
+            <a:r>
+              <a:rPr lang="en-US" dirty="0" smtClean="0">
+                <a:solidFill>
+                  <a:srgbClr val="00B0F0"/>
+                </a:solidFill>
+              </a:rPr>
+              <a:t>Acceptor</a:t>
+            </a:r>
+          </a:p>
+          <a:p>
+            <a:r>
+              <a:rPr lang="en-US" dirty="0" smtClean="0"/>
+              <a:t>Achieving Consensus has two phases: </a:t>
+            </a:r>
+            <a:r>
+              <a:rPr lang="en-US" dirty="0" smtClean="0">
+                <a:solidFill>
+                  <a:srgbClr val="00B0F0"/>
+                </a:solidFill>
+              </a:rPr>
+              <a:t>Prepare</a:t>
+            </a:r>
+            <a:r>
+              <a:rPr lang="en-US" dirty="0" smtClean="0"/>
+              <a:t> and </a:t>
+            </a:r>
+            <a:r>
+              <a:rPr lang="en-US" dirty="0" smtClean="0">
+                <a:solidFill>
+                  <a:srgbClr val="00B0F0"/>
+                </a:solidFill>
+              </a:rPr>
+              <a:t>Accept</a:t>
+            </a:r>
+            <a:endParaRPr lang="en-US" dirty="0">
+              <a:solidFill>
+                <a:srgbClr val="00B0F0"/>
+              </a:solidFill>
+            </a:endParaRPr>
+          </a:p>
+        </p:txBody>
+      </p:sp>
+    </p:spTree>
+    <p:extLst>
+      <p:ext uri="{BB962C8B-B14F-4D97-AF65-F5344CB8AC3E}">
+        <p14:creationId xmlns:p14="http://schemas.microsoft.com/office/powerpoint/2010/main" val="3319759578"/>
       </p:ext>
     </p:extLst>
   </p:cSld>
@@ -4842,24 +4870,14 @@
         </p:nvSpPr>
         <p:spPr/>
         <p:txBody>
-          <a:bodyPr>
-            <a:normAutofit/>
-          </a:bodyPr>
-          <a:lstStyle/>
-          <a:p>
-            <a:r>
-              <a:rPr lang="en-US" sz="3600" b="1" dirty="0" smtClean="0"/>
-              <a:t>Limitations of </a:t>
-            </a:r>
-            <a:r>
-              <a:rPr lang="en-US" sz="3600" b="1" dirty="0" err="1" smtClean="0"/>
-              <a:t>Paxos</a:t>
-            </a:r>
-            <a:r>
-              <a:rPr lang="en-US" sz="3600" b="1" dirty="0" smtClean="0"/>
-              <a:t> (according to the authors)	</a:t>
-            </a:r>
-            <a:endParaRPr lang="en-US" sz="3600" b="1" dirty="0"/>
+          <a:bodyPr/>
+          <a:lstStyle/>
+          <a:p>
+            <a:r>
+              <a:rPr lang="en-US" b="1" dirty="0" smtClean="0"/>
+              <a:t>The Raft Consensus Algorithm</a:t>
+            </a:r>
+            <a:endParaRPr lang="en-US" b="1" dirty="0"/>
           </a:p>
         </p:txBody>
       </p:sp>
@@ -4879,79 +4897,86 @@
           <a:lstStyle/>
           <a:p>
             <a:r>
+              <a:rPr lang="en-US" dirty="0" smtClean="0"/>
+              <a:t>There are two types of nodes:</a:t>
+            </a:r>
+          </a:p>
+          <a:p>
+            <a:pPr lvl="1"/>
+            <a:r>
+              <a:rPr lang="en-US" dirty="0" smtClean="0">
+                <a:solidFill>
+                  <a:srgbClr val="00B0F0"/>
+                </a:solidFill>
+              </a:rPr>
+              <a:t>Leader</a:t>
+            </a:r>
+            <a:r>
+              <a:rPr lang="en-US" dirty="0" smtClean="0"/>
+              <a:t> (only one leader at a time)</a:t>
+            </a:r>
+          </a:p>
+          <a:p>
+            <a:pPr lvl="1"/>
+            <a:r>
+              <a:rPr lang="en-US" dirty="0" smtClean="0">
+                <a:solidFill>
+                  <a:srgbClr val="00B0F0"/>
+                </a:solidFill>
+              </a:rPr>
+              <a:t>Followers</a:t>
+            </a:r>
+            <a:r>
+              <a:rPr lang="en-US" dirty="0" smtClean="0"/>
+              <a:t> (multiple)</a:t>
+            </a:r>
+          </a:p>
+          <a:p>
+            <a:r>
+              <a:rPr lang="en-US" dirty="0" smtClean="0"/>
+              <a:t>In </a:t>
+            </a:r>
+            <a:r>
+              <a:rPr lang="en-US" i="1" dirty="0" smtClean="0"/>
+              <a:t>the beginning of the system, all nodes are followers</a:t>
+            </a:r>
+            <a:r>
+              <a:rPr lang="en-US" dirty="0" smtClean="0"/>
+              <a:t>.</a:t>
+            </a:r>
+          </a:p>
+          <a:p>
+            <a:r>
+              <a:rPr lang="en-US" dirty="0" smtClean="0"/>
+              <a:t>The leader handles all client requests</a:t>
+            </a:r>
+          </a:p>
+          <a:p>
+            <a:r>
               <a:rPr lang="en-US" dirty="0" smtClean="0">
                 <a:solidFill>
                   <a:srgbClr val="00B050"/>
                 </a:solidFill>
               </a:rPr>
-              <a:t>Difficult to understand</a:t>
-            </a:r>
-            <a:r>
-              <a:rPr lang="en-US" dirty="0" smtClean="0"/>
-              <a:t> from a developer’s perspective</a:t>
-            </a:r>
-          </a:p>
-          <a:p>
-            <a:r>
-              <a:rPr lang="en-US" dirty="0" smtClean="0"/>
-              <a:t>Practical implementations, more often than not, include </a:t>
-            </a:r>
-            <a:r>
-              <a:rPr lang="en-US" dirty="0" smtClean="0">
-                <a:solidFill>
-                  <a:schemeClr val="accent1">
-                    <a:lumMod val="50000"/>
-                  </a:schemeClr>
-                </a:solidFill>
-              </a:rPr>
-              <a:t>additional </a:t>
-            </a:r>
-            <a:r>
-              <a:rPr lang="en-US" dirty="0" smtClean="0">
-                <a:solidFill>
-                  <a:srgbClr val="00B050"/>
-                </a:solidFill>
-              </a:rPr>
-              <a:t>heuristics</a:t>
-            </a:r>
-            <a:r>
-              <a:rPr lang="en-US" dirty="0" smtClean="0"/>
-              <a:t>– resulting in final systems based on an </a:t>
-            </a:r>
-            <a:r>
-              <a:rPr lang="en-US" dirty="0" smtClean="0">
-                <a:solidFill>
-                  <a:srgbClr val="FF0000"/>
-                </a:solidFill>
-              </a:rPr>
-              <a:t>unproven protocol </a:t>
-            </a:r>
-          </a:p>
-          <a:p>
-            <a:r>
-              <a:rPr lang="en-US" dirty="0" smtClean="0">
-                <a:solidFill>
-                  <a:srgbClr val="FF0000"/>
-                </a:solidFill>
-              </a:rPr>
-              <a:t>Leader is not well defined</a:t>
-            </a:r>
-            <a:r>
-              <a:rPr lang="en-US" dirty="0" smtClean="0"/>
-              <a:t>. Leader election is used for optimization instead of inherent consensus mechanism.</a:t>
-            </a:r>
-          </a:p>
-          <a:p>
-            <a:r>
-              <a:rPr lang="en-US" dirty="0" smtClean="0"/>
-              <a:t>Every server is both a Proposer and an Acceptor</a:t>
-            </a:r>
-          </a:p>
-          <a:p>
-            <a:r>
-              <a:rPr lang="en-US" dirty="0" smtClean="0"/>
-              <a:t>Multi-way Log entries make it convoluted</a:t>
-            </a:r>
+              <a:t>Only the leader can request to write a new entry</a:t>
+            </a:r>
+          </a:p>
+          <a:p>
+            <a:r>
+              <a:rPr lang="en-US" dirty="0" smtClean="0"/>
+              <a:t>The followers respond to the leader’s request</a:t>
+            </a:r>
+          </a:p>
+          <a:p>
+            <a:endParaRPr lang="en-US" dirty="0"/>
+          </a:p>
+          <a:p>
+            <a:endParaRPr lang="en-US" dirty="0" smtClean="0"/>
+          </a:p>
+          <a:p>
+            <a:endParaRPr lang="en-US" dirty="0"/>
+          </a:p>
+          <a:p>
             <a:endParaRPr lang="en-US" dirty="0"/>
           </a:p>
         </p:txBody>
@@ -4959,7 +4984,7 @@
     </p:spTree>
     <p:extLst>
       <p:ext uri="{BB962C8B-B14F-4D97-AF65-F5344CB8AC3E}">
-        <p14:creationId xmlns:p14="http://schemas.microsoft.com/office/powerpoint/2010/main" val="3319759578"/>
+        <p14:creationId xmlns:p14="http://schemas.microsoft.com/office/powerpoint/2010/main" val="666003436"/>
       </p:ext>
     </p:extLst>
   </p:cSld>
@@ -5003,7 +5028,7 @@
           <a:p>
             <a:r>
               <a:rPr lang="en-US" b="1" dirty="0" smtClean="0"/>
-              <a:t>The Raft Consensus Algorithm</a:t>
+              <a:t>Leader election</a:t>
             </a:r>
             <a:endParaRPr lang="en-US" b="1" dirty="0"/>
           </a:p>
@@ -5026,7 +5051,7 @@
           <a:p>
             <a:r>
               <a:rPr lang="en-US" dirty="0" smtClean="0"/>
-              <a:t>There are two types of nodes:</a:t>
+              <a:t>There are three states a node can be in:</a:t>
             </a:r>
           </a:p>
           <a:p>
@@ -5037,11 +5062,26 @@
                   <a:srgbClr val="00B0F0"/>
                 </a:solidFill>
               </a:rPr>
+              <a:t>Follower</a:t>
+            </a:r>
+          </a:p>
+          <a:p>
+            <a:pPr lvl="1"/>
+            <a:r>
+              <a:rPr lang="en-US" dirty="0" smtClean="0">
+                <a:solidFill>
+                  <a:srgbClr val="00B0F0"/>
+                </a:solidFill>
+              </a:rPr>
               <a:t>Leader</a:t>
             </a:r>
             <a:r>
-              <a:rPr lang="en-US" dirty="0" smtClean="0"/>
-              <a:t> (only one leader at a time)</a:t>
+              <a:rPr lang="en-US" dirty="0" smtClean="0">
+                <a:solidFill>
+                  <a:srgbClr val="00B050"/>
+                </a:solidFill>
+              </a:rPr>
+              <a:t> </a:t>
             </a:r>
           </a:p>
           <a:p>
@@ -5052,67 +5092,79 @@
                   <a:srgbClr val="00B0F0"/>
                 </a:solidFill>
               </a:rPr>
-              <a:t>Followers</a:t>
-            </a:r>
-            <a:r>
-              <a:rPr lang="en-US" dirty="0" smtClean="0"/>
-              <a:t> (multiple)</a:t>
-            </a:r>
-          </a:p>
-          <a:p>
-            <a:r>
-              <a:rPr lang="en-US" dirty="0" smtClean="0"/>
-              <a:t>In </a:t>
-            </a:r>
-            <a:r>
-              <a:rPr lang="en-US" i="1" dirty="0" smtClean="0"/>
-              <a:t>the beginning of the system, all nodes are followers</a:t>
-            </a:r>
-            <a:r>
-              <a:rPr lang="en-US" dirty="0" smtClean="0"/>
-              <a:t>.</a:t>
-            </a:r>
-          </a:p>
-          <a:p>
-            <a:r>
-              <a:rPr lang="en-US" dirty="0" smtClean="0"/>
-              <a:t>The leader handles all client requests</a:t>
-            </a:r>
-          </a:p>
-          <a:p>
+              <a:t>Candidate</a:t>
+            </a:r>
+            <a:r>
+              <a:rPr lang="en-US" dirty="0" smtClean="0"/>
+              <a:t> (initiates an election to become a leader)</a:t>
+            </a:r>
+          </a:p>
+          <a:p>
+            <a:endParaRPr lang="en-US" dirty="0"/>
+          </a:p>
+          <a:p>
+            <a:r>
+              <a:rPr lang="en-US" dirty="0" smtClean="0"/>
+              <a:t>Time is divided into </a:t>
+            </a:r>
+            <a:r>
+              <a:rPr lang="en-US" dirty="0" smtClean="0">
+                <a:solidFill>
+                  <a:srgbClr val="00B0F0"/>
+                </a:solidFill>
+              </a:rPr>
+              <a:t>terms</a:t>
+            </a:r>
+          </a:p>
+          <a:p>
+            <a:r>
+              <a:rPr lang="en-US" dirty="0" smtClean="0"/>
+              <a:t>Each</a:t>
+            </a:r>
+            <a:r>
+              <a:rPr lang="en-US" dirty="0" smtClean="0">
+                <a:solidFill>
+                  <a:srgbClr val="00B0F0"/>
+                </a:solidFill>
+              </a:rPr>
+              <a:t> term </a:t>
+            </a:r>
             <a:r>
               <a:rPr lang="en-US" dirty="0" smtClean="0">
                 <a:solidFill>
                   <a:srgbClr val="00B050"/>
                 </a:solidFill>
               </a:rPr>
-              <a:t>Only the leader can request to write a new entry</a:t>
-            </a:r>
-          </a:p>
-          <a:p>
-            <a:r>
-              <a:rPr lang="en-US" dirty="0" smtClean="0"/>
-              <a:t>The followers respond to the leader’s request</a:t>
-            </a:r>
-          </a:p>
-          <a:p>
-            <a:endParaRPr lang="en-US" dirty="0"/>
+              <a:t>starts with a new election</a:t>
+            </a:r>
+          </a:p>
+          <a:p>
+            <a:r>
+              <a:rPr lang="en-US" dirty="0" smtClean="0"/>
+              <a:t>In a </a:t>
+            </a:r>
+            <a:r>
+              <a:rPr lang="en-US" dirty="0" smtClean="0">
+                <a:solidFill>
+                  <a:srgbClr val="00B0F0"/>
+                </a:solidFill>
+              </a:rPr>
+              <a:t>term</a:t>
+            </a:r>
+            <a:r>
+              <a:rPr lang="en-US" dirty="0" smtClean="0"/>
+              <a:t>, either a node becomes a leader or there is no leader for that term (no log entries are written)</a:t>
+            </a:r>
           </a:p>
           <a:p>
             <a:endParaRPr lang="en-US" dirty="0" smtClean="0"/>
-          </a:p>
-          <a:p>
-            <a:endParaRPr lang="en-US" dirty="0"/>
-          </a:p>
-          <a:p>
-            <a:endParaRPr lang="en-US" dirty="0"/>
           </a:p>
         </p:txBody>
       </p:sp>
     </p:spTree>
     <p:extLst>
       <p:ext uri="{BB962C8B-B14F-4D97-AF65-F5344CB8AC3E}">
-        <p14:creationId xmlns:p14="http://schemas.microsoft.com/office/powerpoint/2010/main" val="666003436"/>
+        <p14:creationId xmlns:p14="http://schemas.microsoft.com/office/powerpoint/2010/main" val="1819585243"/>
       </p:ext>
     </p:extLst>
   </p:cSld>
@@ -5156,9 +5208,9 @@
           <a:p>
             <a:r>
               <a:rPr lang="en-US" b="1" dirty="0" smtClean="0"/>
-              <a:t>Leader election</a:t>
-            </a:r>
-            <a:endParaRPr lang="en-US" b="1" dirty="0"/>
+              <a:t>Leader election </a:t>
+            </a:r>
+            <a:endParaRPr lang="en-US" dirty="0"/>
           </a:p>
         </p:txBody>
       </p:sp>
@@ -5174,34 +5226,116 @@
         </p:nvSpPr>
         <p:spPr/>
         <p:txBody>
-          <a:bodyPr/>
-          <a:lstStyle/>
-          <a:p>
-            <a:r>
-              <a:rPr lang="en-US" dirty="0" smtClean="0"/>
-              <a:t>There are three states a node can be in:</a:t>
-            </a:r>
-          </a:p>
-          <a:p>
-            <a:pPr lvl="1"/>
+          <a:bodyPr>
+            <a:normAutofit fontScale="92500"/>
+          </a:bodyPr>
+          <a:lstStyle/>
+          <a:p>
+            <a:r>
+              <a:rPr lang="en-US" dirty="0" smtClean="0"/>
+              <a:t>Terms act as </a:t>
+            </a:r>
+            <a:r>
+              <a:rPr lang="en-US" dirty="0" smtClean="0">
+                <a:solidFill>
+                  <a:srgbClr val="00B050"/>
+                </a:solidFill>
+              </a:rPr>
+              <a:t>logical clock </a:t>
+            </a:r>
+            <a:r>
+              <a:rPr lang="en-US" dirty="0" smtClean="0"/>
+              <a:t>– to determine the sequence of log entries</a:t>
+            </a:r>
+          </a:p>
+          <a:p>
+            <a:r>
+              <a:rPr lang="en-US" dirty="0" smtClean="0"/>
+              <a:t>Each node stores a current term number – increases monotonically </a:t>
+            </a:r>
+          </a:p>
+          <a:p>
+            <a:r>
+              <a:rPr lang="en-US" dirty="0" smtClean="0"/>
+              <a:t>In the beginning, each node is a follower and waits for a heartbeat from the leader for a duration known as </a:t>
+            </a:r>
             <a:r>
               <a:rPr lang="en-US" dirty="0" smtClean="0">
                 <a:solidFill>
                   <a:srgbClr val="00B0F0"/>
                 </a:solidFill>
               </a:rPr>
-              <a:t>Follower</a:t>
-            </a:r>
-          </a:p>
-          <a:p>
-            <a:pPr lvl="1"/>
-            <a:r>
-              <a:rPr lang="en-US" dirty="0" smtClean="0">
+              <a:t>election timeout</a:t>
+            </a:r>
+            <a:r>
+              <a:rPr lang="en-US" dirty="0" smtClean="0">
+                <a:solidFill>
+                  <a:srgbClr val="00B050"/>
+                </a:solidFill>
+              </a:rPr>
+              <a:t> </a:t>
+            </a:r>
+            <a:r>
+              <a:rPr lang="en-US" dirty="0" smtClean="0"/>
+              <a:t>(randomly selected between 150 -300 </a:t>
+            </a:r>
+            <a:r>
+              <a:rPr lang="en-US" dirty="0" err="1" smtClean="0"/>
+              <a:t>ms</a:t>
+            </a:r>
+            <a:r>
+              <a:rPr lang="en-US" dirty="0" smtClean="0"/>
+              <a:t>)</a:t>
+            </a:r>
+          </a:p>
+          <a:p>
+            <a:r>
+              <a:rPr lang="en-US" dirty="0" smtClean="0"/>
+              <a:t>If a node </a:t>
+            </a:r>
+            <a:r>
+              <a:rPr lang="en-US" dirty="0" smtClean="0">
+                <a:solidFill>
+                  <a:srgbClr val="00B050"/>
+                </a:solidFill>
+              </a:rPr>
+              <a:t>receives no </a:t>
+            </a:r>
+            <a:r>
+              <a:rPr lang="en-US" dirty="0" err="1" smtClean="0">
+                <a:solidFill>
+                  <a:srgbClr val="00B050"/>
+                </a:solidFill>
+              </a:rPr>
+              <a:t>hearbeat</a:t>
+            </a:r>
+            <a:r>
+              <a:rPr lang="en-US" dirty="0" smtClean="0">
+                <a:solidFill>
+                  <a:srgbClr val="00B050"/>
+                </a:solidFill>
+              </a:rPr>
+              <a:t> (</a:t>
+            </a:r>
+            <a:r>
+              <a:rPr lang="en-US" dirty="0" smtClean="0"/>
+              <a:t>empty </a:t>
+            </a:r>
+            <a:r>
+              <a:rPr lang="en-US" dirty="0" err="1" smtClean="0">
                 <a:solidFill>
                   <a:srgbClr val="00B0F0"/>
                 </a:solidFill>
               </a:rPr>
-              <a:t>Leader</a:t>
+              <a:t>AppendEntries</a:t>
+            </a:r>
+            <a:r>
+              <a:rPr lang="en-US" dirty="0" smtClean="0">
+                <a:solidFill>
+                  <a:srgbClr val="00B0F0"/>
+                </a:solidFill>
+              </a:rPr>
+              <a:t> RPCs</a:t>
             </a:r>
             <a:r>
               <a:rPr lang="en-US" dirty="0" smtClean="0">
@@ -5209,90 +5343,110 @@
                   <a:srgbClr val="00B050"/>
                 </a:solidFill>
               </a:rPr>
-              <a:t> </a:t>
-            </a:r>
-          </a:p>
-          <a:p>
-            <a:pPr lvl="1"/>
-            <a:r>
-              <a:rPr lang="en-US" dirty="0" smtClean="0">
+              <a:t>)</a:t>
+            </a:r>
+            <a:r>
+              <a:rPr lang="en-US" dirty="0" smtClean="0"/>
+              <a:t>, it votes for itself and sends out a </a:t>
+            </a:r>
+            <a:r>
+              <a:rPr lang="en-US" dirty="0" err="1" smtClean="0">
                 <a:solidFill>
                   <a:srgbClr val="00B0F0"/>
                 </a:solidFill>
               </a:rPr>
-              <a:t>Candidate</a:t>
-            </a:r>
-            <a:r>
-              <a:rPr lang="en-US" dirty="0" smtClean="0"/>
-              <a:t> (initiates an election to become a leader)</a:t>
+              <a:t>RequestVote</a:t>
+            </a:r>
+            <a:r>
+              <a:rPr lang="en-US" dirty="0" smtClean="0">
+                <a:solidFill>
+                  <a:srgbClr val="00B0F0"/>
+                </a:solidFill>
+              </a:rPr>
+              <a:t> RPC </a:t>
+            </a:r>
+            <a:r>
+              <a:rPr lang="en-US" dirty="0" smtClean="0"/>
+              <a:t>to all nodes- </a:t>
+            </a:r>
+            <a:r>
+              <a:rPr lang="en-US" dirty="0" smtClean="0">
+                <a:solidFill>
+                  <a:srgbClr val="00B0F0"/>
+                </a:solidFill>
+              </a:rPr>
+              <a:t>election initiation</a:t>
+            </a:r>
+            <a:r>
+              <a:rPr lang="en-US" dirty="0" smtClean="0"/>
+              <a:t>.</a:t>
+            </a:r>
+          </a:p>
+          <a:p>
+            <a:r>
+              <a:rPr lang="en-US" dirty="0" smtClean="0"/>
+              <a:t>If </a:t>
+            </a:r>
+            <a:r>
+              <a:rPr lang="en-US" dirty="0" smtClean="0">
+                <a:solidFill>
+                  <a:srgbClr val="00B050"/>
+                </a:solidFill>
+              </a:rPr>
+              <a:t>majority of nodes vote</a:t>
+            </a:r>
+            <a:r>
+              <a:rPr lang="en-US" dirty="0" smtClean="0"/>
+              <a:t>, then the node becomes leader.</a:t>
+            </a:r>
+          </a:p>
+          <a:p>
+            <a:r>
+              <a:rPr lang="en-US" dirty="0" smtClean="0"/>
+              <a:t>If two nodes send out </a:t>
+            </a:r>
+            <a:r>
+              <a:rPr lang="en-US" dirty="0" err="1" smtClean="0">
+                <a:solidFill>
+                  <a:srgbClr val="00B0F0"/>
+                </a:solidFill>
+              </a:rPr>
+              <a:t>RequestVote</a:t>
+            </a:r>
+            <a:r>
+              <a:rPr lang="en-US" dirty="0" smtClean="0">
+                <a:solidFill>
+                  <a:srgbClr val="00B0F0"/>
+                </a:solidFill>
+              </a:rPr>
+              <a:t> RPC </a:t>
+            </a:r>
+            <a:r>
+              <a:rPr lang="en-US" dirty="0" smtClean="0"/>
+              <a:t>at the same time and there is no majority, </a:t>
+            </a:r>
+            <a:r>
+              <a:rPr lang="en-US" dirty="0" smtClean="0">
+                <a:solidFill>
+                  <a:srgbClr val="00B050"/>
+                </a:solidFill>
+              </a:rPr>
+              <a:t>no leader is elected </a:t>
+            </a:r>
+            <a:r>
+              <a:rPr lang="en-US" dirty="0" smtClean="0"/>
+              <a:t>for the term. </a:t>
             </a:r>
           </a:p>
           <a:p>
             <a:endParaRPr lang="en-US" dirty="0"/>
-          </a:p>
-          <a:p>
-            <a:r>
-              <a:rPr lang="en-US" dirty="0" smtClean="0"/>
-              <a:t>Time is divided into </a:t>
-            </a:r>
-            <a:r>
-              <a:rPr lang="en-US" dirty="0" smtClean="0">
-                <a:solidFill>
-                  <a:srgbClr val="00B0F0"/>
-                </a:solidFill>
-              </a:rPr>
-              <a:t>terms</a:t>
-            </a:r>
-          </a:p>
-          <a:p>
-            <a:r>
-              <a:rPr lang="en-US" dirty="0" smtClean="0"/>
-              <a:t>Each</a:t>
-            </a:r>
-            <a:r>
-              <a:rPr lang="en-US" dirty="0" smtClean="0">
-                <a:solidFill>
-                  <a:srgbClr val="00B0F0"/>
-                </a:solidFill>
-              </a:rPr>
-              <a:t> term </a:t>
-            </a:r>
-            <a:r>
-              <a:rPr lang="en-US" dirty="0" smtClean="0">
-                <a:solidFill>
-                  <a:srgbClr val="00B050"/>
-                </a:solidFill>
-              </a:rPr>
-              <a:t>starts with a new election</a:t>
-            </a:r>
-          </a:p>
-          <a:p>
-            <a:r>
-              <a:rPr lang="en-US" dirty="0" smtClean="0"/>
-              <a:t>In a </a:t>
-            </a:r>
-            <a:r>
-              <a:rPr lang="en-US" dirty="0" smtClean="0">
-                <a:solidFill>
-                  <a:srgbClr val="00B0F0"/>
-                </a:solidFill>
-              </a:rPr>
-              <a:t>term</a:t>
-            </a:r>
-            <a:r>
-              <a:rPr lang="en-US" dirty="0" smtClean="0"/>
-              <a:t>, either a node becomes a leader or there is no leader for that term (no log entries are written)</a:t>
-            </a:r>
-          </a:p>
-          <a:p>
-            <a:endParaRPr lang="en-US" dirty="0" smtClean="0"/>
           </a:p>
         </p:txBody>
       </p:sp>
     </p:spTree>
     <p:extLst>
       <p:ext uri="{BB962C8B-B14F-4D97-AF65-F5344CB8AC3E}">
-        <p14:creationId xmlns:p14="http://schemas.microsoft.com/office/powerpoint/2010/main" val="1819585243"/>
+        <p14:creationId xmlns:p14="http://schemas.microsoft.com/office/powerpoint/2010/main" val="3159776739"/>
       </p:ext>
     </p:extLst>
   </p:cSld>
@@ -5355,45 +5509,65 @@
         <p:spPr/>
         <p:txBody>
           <a:bodyPr>
-            <a:normAutofit fontScale="92500"/>
+            <a:normAutofit/>
           </a:bodyPr>
           <a:lstStyle/>
           <a:p>
             <a:r>
-              <a:rPr lang="en-US" dirty="0" smtClean="0"/>
-              <a:t>Terms act as </a:t>
-            </a:r>
+              <a:rPr lang="en-US" dirty="0" smtClean="0">
+                <a:solidFill>
+                  <a:srgbClr val="00B0F0"/>
+                </a:solidFill>
+              </a:rPr>
+              <a:t>STRONG LEADER condition</a:t>
+            </a:r>
+            <a:r>
+              <a:rPr lang="en-US" dirty="0" smtClean="0"/>
+              <a:t>: A node X votes to a </a:t>
+            </a:r>
+            <a:r>
+              <a:rPr lang="en-US" dirty="0" err="1" smtClean="0"/>
+              <a:t>RequestVote</a:t>
+            </a:r>
+            <a:r>
+              <a:rPr lang="en-US" dirty="0" smtClean="0"/>
+              <a:t> RPC only if the following hold true-</a:t>
+            </a:r>
+          </a:p>
+          <a:p>
+            <a:pPr lvl="1"/>
             <a:r>
               <a:rPr lang="en-US" dirty="0" smtClean="0">
                 <a:solidFill>
                   <a:srgbClr val="00B050"/>
                 </a:solidFill>
               </a:rPr>
-              <a:t>logical clock </a:t>
-            </a:r>
-            <a:r>
-              <a:rPr lang="en-US" dirty="0" smtClean="0"/>
-              <a:t>– to determine the sequence of log entries</a:t>
-            </a:r>
-          </a:p>
-          <a:p>
-            <a:r>
-              <a:rPr lang="en-US" dirty="0" smtClean="0"/>
-              <a:t>Each node stores a current term number – increases monotonically </a:t>
-            </a:r>
-          </a:p>
-          <a:p>
-            <a:r>
-              <a:rPr lang="en-US" dirty="0" smtClean="0"/>
-              <a:t>In the beginning, each node is a follower and waits for a heartbeat from the leader for a duration known as </a:t>
-            </a:r>
+              <a:t>The Candidate’s current term &gt;= X’s current term</a:t>
+            </a:r>
+          </a:p>
+          <a:p>
+            <a:pPr lvl="1"/>
+            <a:r>
+              <a:rPr lang="en-US" dirty="0" smtClean="0">
+                <a:solidFill>
+                  <a:srgbClr val="00B050"/>
+                </a:solidFill>
+              </a:rPr>
+              <a:t>Candidates’ log is at least as up-to-date with X’s log</a:t>
+            </a:r>
+          </a:p>
+          <a:p>
             <a:r>
               <a:rPr lang="en-US" dirty="0" smtClean="0">
                 <a:solidFill>
                   <a:srgbClr val="00B0F0"/>
                 </a:solidFill>
               </a:rPr>
-              <a:t>election timeout</a:t>
+              <a:t>Up-to-date</a:t>
+            </a:r>
+            <a:r>
+              <a:rPr lang="en-US" dirty="0" smtClean="0"/>
+              <a:t> condition </a:t>
             </a:r>
             <a:r>
               <a:rPr lang="en-US" dirty="0" smtClean="0">
@@ -5401,25 +5575,11 @@
                   <a:srgbClr val="00B050"/>
                 </a:solidFill>
               </a:rPr>
-              <a:t> </a:t>
-            </a:r>
-            <a:r>
-              <a:rPr lang="en-US" dirty="0" smtClean="0"/>
-              <a:t>(randomly selected between 150 -300 </a:t>
-            </a:r>
-            <a:r>
-              <a:rPr lang="en-US" dirty="0" err="1" smtClean="0"/>
-              <a:t>ms</a:t>
-            </a:r>
-            <a:r>
-              <a:rPr lang="en-US" dirty="0" smtClean="0"/>
-              <a:t>)</a:t>
-            </a:r>
-          </a:p>
-          <a:p>
-            <a:r>
-              <a:rPr lang="en-US" dirty="0" smtClean="0"/>
-              <a:t>If a node </a:t>
+              <a:t>is true </a:t>
+            </a:r>
+            <a:r>
+              <a:rPr lang="en-US" dirty="0" smtClean="0"/>
+              <a:t>when the last entry in Candidate’s log has a </a:t>
             </a:r>
             <a:r>
               <a:rPr lang="en-US" dirty="0" smtClean="0">
@@ -5427,15 +5587,29 @@
                   <a:srgbClr val="00B050"/>
                 </a:solidFill>
               </a:rPr>
-              <a:t>receives no </a:t>
-            </a:r>
-            <a:r>
-              <a:rPr lang="en-US" dirty="0" err="1" smtClean="0">
+              <a:t>larger term number </a:t>
+            </a:r>
+            <a:r>
+              <a:rPr lang="en-US" dirty="0" smtClean="0"/>
+              <a:t>(or Candidate’s </a:t>
+            </a:r>
+            <a:r>
+              <a:rPr lang="en-US" dirty="0" smtClean="0">
                 <a:solidFill>
                   <a:srgbClr val="00B050"/>
                 </a:solidFill>
               </a:rPr>
-              <a:t>hearbeat</a:t>
+              <a:t>log is longer </a:t>
+            </a:r>
+            <a:r>
+              <a:rPr lang="en-US" dirty="0" smtClean="0"/>
+              <a:t>in case term numbers are similar for Candidate and X)</a:t>
+            </a:r>
+          </a:p>
+          <a:p>
+            <a:r>
+              <a:rPr lang="en-US" dirty="0" smtClean="0"/>
+              <a:t>This Strong leader condition assures that an </a:t>
             </a:r>
             <a:r>
               <a:rPr lang="en-US" dirty="0" smtClean="0">
@@ -5443,27 +5617,17 @@
                   <a:srgbClr val="00B050"/>
                 </a:solidFill>
               </a:rPr>
-              <a:t> (</a:t>
-            </a:r>
-            <a:r>
-              <a:rPr lang="en-US" dirty="0" smtClean="0"/>
-              <a:t>empty </a:t>
-            </a:r>
-            <a:r>
-              <a:rPr lang="en-US" dirty="0" err="1" smtClean="0">
-                <a:solidFill>
-                  <a:srgbClr val="00B0F0"/>
-                </a:solidFill>
-              </a:rPr>
-              <a:t>AppendEntries</a:t>
-            </a:r>
-            <a:r>
-              <a:rPr lang="en-US" dirty="0" smtClean="0">
-                <a:solidFill>
-                  <a:srgbClr val="00B0F0"/>
-                </a:solidFill>
-              </a:rPr>
-              <a:t> RPCs</a:t>
+              <a:t>elected leader always has all of the entries committed in the previous term</a:t>
+            </a:r>
+            <a:r>
+              <a:rPr lang="en-US" dirty="0" smtClean="0"/>
+              <a:t>.</a:t>
+            </a:r>
+          </a:p>
+          <a:p>
+            <a:r>
+              <a:rPr lang="en-US" dirty="0" smtClean="0"/>
+              <a:t>Therefore, leader </a:t>
             </a:r>
             <a:r>
               <a:rPr lang="en-US" dirty="0" smtClean="0">
@@ -5471,99 +5635,11 @@
                   <a:srgbClr val="00B050"/>
                 </a:solidFill>
               </a:rPr>
-              <a:t>)</a:t>
-            </a:r>
-            <a:r>
-              <a:rPr lang="en-US" dirty="0" smtClean="0"/>
-              <a:t>, it votes for itself and sends out a </a:t>
-            </a:r>
-            <a:r>
-              <a:rPr lang="en-US" dirty="0" err="1" smtClean="0">
-                <a:solidFill>
-                  <a:srgbClr val="00B0F0"/>
-                </a:solidFill>
-              </a:rPr>
-              <a:t>RequestVote</a:t>
-            </a:r>
-            <a:r>
-              <a:rPr lang="en-US" dirty="0" smtClean="0">
-                <a:solidFill>
-                  <a:srgbClr val="00B0F0"/>
-                </a:solidFill>
-              </a:rPr>
-              <a:t> RPC </a:t>
-            </a:r>
-            <a:r>
-              <a:rPr lang="en-US" dirty="0" smtClean="0"/>
-              <a:t>to all nodes- </a:t>
-            </a:r>
-            <a:r>
-              <a:rPr lang="en-US" dirty="0" smtClean="0">
-                <a:solidFill>
-                  <a:srgbClr val="00B0F0"/>
-                </a:solidFill>
-              </a:rPr>
-              <a:t>election initiation</a:t>
-            </a:r>
-            <a:r>
-              <a:rPr lang="en-US" dirty="0" smtClean="0"/>
-              <a:t>.</a:t>
-            </a:r>
-          </a:p>
-          <a:p>
-            <a:r>
-              <a:rPr lang="en-US" dirty="0" smtClean="0"/>
-              <a:t>If </a:t>
-            </a:r>
-            <a:r>
-              <a:rPr lang="en-US" dirty="0" smtClean="0">
-                <a:solidFill>
-                  <a:srgbClr val="00B050"/>
-                </a:solidFill>
-              </a:rPr>
-              <a:t>majority of nodes vote</a:t>
-            </a:r>
-            <a:r>
-              <a:rPr lang="en-US" dirty="0" smtClean="0"/>
-              <a:t>, then the node becomes leader.</a:t>
-            </a:r>
-          </a:p>
-          <a:p>
-            <a:r>
-              <a:rPr lang="en-US" dirty="0" smtClean="0"/>
-              <a:t>If two nodes send out </a:t>
-            </a:r>
-            <a:r>
-              <a:rPr lang="en-US" dirty="0" err="1" smtClean="0">
-                <a:solidFill>
-                  <a:srgbClr val="00B0F0"/>
-                </a:solidFill>
-              </a:rPr>
-              <a:t>RequestVote</a:t>
-            </a:r>
-            <a:r>
-              <a:rPr lang="en-US" dirty="0" smtClean="0">
-                <a:solidFill>
-                  <a:srgbClr val="00B0F0"/>
-                </a:solidFill>
-              </a:rPr>
-              <a:t> RPC </a:t>
-            </a:r>
-            <a:r>
-              <a:rPr lang="en-US" dirty="0" smtClean="0"/>
-              <a:t>at the same time and there is no majority, </a:t>
-            </a:r>
-            <a:r>
-              <a:rPr lang="en-US" dirty="0" smtClean="0">
-                <a:solidFill>
-                  <a:srgbClr val="00B050"/>
-                </a:solidFill>
-              </a:rPr>
-              <a:t>no leader is elected </a:t>
-            </a:r>
-            <a:r>
-              <a:rPr lang="en-US" dirty="0" smtClean="0"/>
-              <a:t>for the term. </a:t>
+              <a:t>does not need </a:t>
+            </a:r>
+            <a:r>
+              <a:rPr lang="en-US" dirty="0" smtClean="0"/>
+              <a:t>to update its log from other nodes.</a:t>
             </a:r>
           </a:p>
           <a:p>
@@ -5574,7 +5650,7 @@
     </p:spTree>
     <p:extLst>
       <p:ext uri="{BB962C8B-B14F-4D97-AF65-F5344CB8AC3E}">
-        <p14:creationId xmlns:p14="http://schemas.microsoft.com/office/powerpoint/2010/main" val="3159776739"/>
+        <p14:creationId xmlns:p14="http://schemas.microsoft.com/office/powerpoint/2010/main" val="3559446291"/>
       </p:ext>
     </p:extLst>
   </p:cSld>
@@ -5642,135 +5718,86 @@
           <a:lstStyle/>
           <a:p>
             <a:r>
-              <a:rPr lang="en-US" dirty="0" smtClean="0">
+              <a:rPr lang="en-US" dirty="0" smtClean="0"/>
+              <a:t>If a candidate receives an </a:t>
+            </a:r>
+            <a:r>
+              <a:rPr lang="en-US" dirty="0" err="1" smtClean="0">
                 <a:solidFill>
                   <a:srgbClr val="00B0F0"/>
                 </a:solidFill>
               </a:rPr>
-              <a:t>STRONG LEADER condition</a:t>
-            </a:r>
-            <a:r>
-              <a:rPr lang="en-US" dirty="0" smtClean="0"/>
-              <a:t>: A node X votes to a </a:t>
-            </a:r>
-            <a:r>
-              <a:rPr lang="en-US" dirty="0" err="1" smtClean="0"/>
-              <a:t>RequestVote</a:t>
-            </a:r>
-            <a:r>
-              <a:rPr lang="en-US" dirty="0" smtClean="0"/>
-              <a:t> RPC only if the following hold true-</a:t>
-            </a:r>
-          </a:p>
-          <a:p>
-            <a:pPr lvl="1"/>
+              <a:t>AppendEntry</a:t>
+            </a:r>
+            <a:r>
+              <a:rPr lang="en-US" dirty="0" smtClean="0">
+                <a:solidFill>
+                  <a:srgbClr val="00B0F0"/>
+                </a:solidFill>
+              </a:rPr>
+              <a:t> RPC </a:t>
+            </a:r>
+            <a:r>
+              <a:rPr lang="en-US" dirty="0" smtClean="0"/>
+              <a:t>while waiting for votes, it becomes a follower if the term of the sender is </a:t>
+            </a:r>
             <a:r>
               <a:rPr lang="en-US" dirty="0" smtClean="0">
                 <a:solidFill>
                   <a:srgbClr val="00B050"/>
                 </a:solidFill>
               </a:rPr>
-              <a:t>The Candidate’s current term &gt;= X’s current term</a:t>
-            </a:r>
-          </a:p>
-          <a:p>
-            <a:pPr lvl="1"/>
+              <a:t>greater than or equal </a:t>
+            </a:r>
+            <a:r>
+              <a:rPr lang="en-US" dirty="0" smtClean="0"/>
+              <a:t>to its own term number</a:t>
+            </a:r>
+          </a:p>
+          <a:p>
+            <a:endParaRPr lang="en-US" dirty="0" smtClean="0"/>
+          </a:p>
+          <a:p>
+            <a:r>
+              <a:rPr lang="en-US" dirty="0" smtClean="0"/>
+              <a:t>Whenever a node receives an RPC with </a:t>
+            </a:r>
+            <a:r>
+              <a:rPr lang="en-US" dirty="0" smtClean="0">
+                <a:solidFill>
+                  <a:srgbClr val="FF0000"/>
+                </a:solidFill>
+              </a:rPr>
+              <a:t>lower term number</a:t>
+            </a:r>
+            <a:r>
+              <a:rPr lang="en-US" dirty="0" smtClean="0"/>
+              <a:t>, it </a:t>
+            </a:r>
             <a:r>
               <a:rPr lang="en-US" dirty="0" smtClean="0">
                 <a:solidFill>
                   <a:srgbClr val="00B050"/>
                 </a:solidFill>
               </a:rPr>
-              <a:t>Candidates’ log is at least as up-to-date with X’s log</a:t>
-            </a:r>
-          </a:p>
-          <a:p>
-            <a:r>
-              <a:rPr lang="en-US" dirty="0" smtClean="0">
-                <a:solidFill>
-                  <a:srgbClr val="00B0F0"/>
-                </a:solidFill>
-              </a:rPr>
-              <a:t>Up-to-date</a:t>
-            </a:r>
-            <a:r>
-              <a:rPr lang="en-US" dirty="0" smtClean="0"/>
-              <a:t> condition </a:t>
-            </a:r>
-            <a:r>
-              <a:rPr lang="en-US" dirty="0" smtClean="0">
-                <a:solidFill>
-                  <a:srgbClr val="00B050"/>
-                </a:solidFill>
-              </a:rPr>
-              <a:t>is true </a:t>
-            </a:r>
-            <a:r>
-              <a:rPr lang="en-US" dirty="0" smtClean="0"/>
-              <a:t>when the last entry in Candidate’s log has a </a:t>
-            </a:r>
-            <a:r>
-              <a:rPr lang="en-US" dirty="0" smtClean="0">
-                <a:solidFill>
-                  <a:srgbClr val="00B050"/>
-                </a:solidFill>
-              </a:rPr>
-              <a:t>larger term number </a:t>
-            </a:r>
-            <a:r>
-              <a:rPr lang="en-US" dirty="0" smtClean="0"/>
-              <a:t>(or Candidate’s </a:t>
-            </a:r>
-            <a:r>
-              <a:rPr lang="en-US" dirty="0" smtClean="0">
-                <a:solidFill>
-                  <a:srgbClr val="00B050"/>
-                </a:solidFill>
-              </a:rPr>
-              <a:t>log is longer </a:t>
-            </a:r>
-            <a:r>
-              <a:rPr lang="en-US" dirty="0" smtClean="0"/>
-              <a:t>in case term numbers are similar for Candidate and X)</a:t>
-            </a:r>
-          </a:p>
-          <a:p>
-            <a:r>
-              <a:rPr lang="en-US" dirty="0" smtClean="0"/>
-              <a:t>This Strong leader condition assures that an </a:t>
-            </a:r>
-            <a:r>
-              <a:rPr lang="en-US" dirty="0" smtClean="0">
-                <a:solidFill>
-                  <a:srgbClr val="00B050"/>
-                </a:solidFill>
-              </a:rPr>
-              <a:t>elected leader always has all of the entries committed in the previous term</a:t>
-            </a:r>
-            <a:r>
-              <a:rPr lang="en-US" dirty="0" smtClean="0"/>
-              <a:t>.</a:t>
-            </a:r>
-          </a:p>
-          <a:p>
-            <a:r>
-              <a:rPr lang="en-US" dirty="0" smtClean="0"/>
-              <a:t>Therefore, leader </a:t>
-            </a:r>
-            <a:r>
-              <a:rPr lang="en-US" dirty="0" smtClean="0">
-                <a:solidFill>
-                  <a:srgbClr val="00B050"/>
-                </a:solidFill>
-              </a:rPr>
-              <a:t>does not need </a:t>
-            </a:r>
-            <a:r>
-              <a:rPr lang="en-US" dirty="0" smtClean="0"/>
-              <a:t>to update its log from other nodes.</a:t>
-            </a:r>
-          </a:p>
-          <a:p>
+              <a:t>rejects (ignores) </a:t>
+            </a:r>
+            <a:r>
+              <a:rPr lang="en-US" dirty="0" smtClean="0"/>
+              <a:t>that RPC- ensuring </a:t>
+            </a:r>
+            <a:r>
+              <a:rPr lang="en-US" i="1" dirty="0" smtClean="0">
+                <a:solidFill>
+                  <a:srgbClr val="FF0000"/>
+                </a:solidFill>
+              </a:rPr>
+              <a:t>stale</a:t>
+            </a:r>
+            <a:r>
+              <a:rPr lang="en-US" dirty="0" smtClean="0"/>
+              <a:t> leaders or candidates do not affect the current term</a:t>
+            </a:r>
             <a:endParaRPr lang="en-US" dirty="0"/>
           </a:p>
         </p:txBody>
@@ -5778,7 +5805,7 @@
     </p:spTree>
     <p:extLst>
       <p:ext uri="{BB962C8B-B14F-4D97-AF65-F5344CB8AC3E}">
-        <p14:creationId xmlns:p14="http://schemas.microsoft.com/office/powerpoint/2010/main" val="3559446291"/>
+        <p14:creationId xmlns:p14="http://schemas.microsoft.com/office/powerpoint/2010/main" val="2864401428"/>
       </p:ext>
     </p:extLst>
   </p:cSld>
@@ -5822,9 +5849,9 @@
           <a:p>
             <a:r>
               <a:rPr lang="en-US" b="1" dirty="0" smtClean="0"/>
-              <a:t>Leader election </a:t>
-            </a:r>
-            <a:endParaRPr lang="en-US" dirty="0"/>
+              <a:t>Log Replication</a:t>
+            </a:r>
+            <a:endParaRPr lang="en-US" b="1" dirty="0"/>
           </a:p>
         </p:txBody>
       </p:sp>
@@ -5840,14 +5867,70 @@
         </p:nvSpPr>
         <p:spPr/>
         <p:txBody>
-          <a:bodyPr>
-            <a:normAutofit/>
-          </a:bodyPr>
-          <a:lstStyle/>
-          <a:p>
-            <a:r>
-              <a:rPr lang="en-US" dirty="0" smtClean="0"/>
-              <a:t>If a candidate receives an </a:t>
+          <a:bodyPr/>
+          <a:lstStyle/>
+          <a:p>
+            <a:r>
+              <a:rPr lang="en-US" dirty="0" smtClean="0"/>
+              <a:t>Raft always maintains the </a:t>
+            </a:r>
+            <a:r>
+              <a:rPr lang="en-US" dirty="0" smtClean="0">
+                <a:solidFill>
+                  <a:srgbClr val="00B0F0"/>
+                </a:solidFill>
+              </a:rPr>
+              <a:t>Log Matching Property</a:t>
+            </a:r>
+            <a:r>
+              <a:rPr lang="en-US" dirty="0" smtClean="0"/>
+              <a:t> which ensures the following-</a:t>
+            </a:r>
+          </a:p>
+          <a:p>
+            <a:pPr lvl="1"/>
+            <a:r>
+              <a:rPr lang="en-US" dirty="0" smtClean="0">
+                <a:solidFill>
+                  <a:srgbClr val="00B050"/>
+                </a:solidFill>
+              </a:rPr>
+              <a:t>If two entries in different logs have same index and term, then they store the same command- </a:t>
+            </a:r>
+            <a:r>
+              <a:rPr lang="en-US" dirty="0" smtClean="0"/>
+              <a:t>This is ensured by the fact that a leader creates at most one entry with a given index in a given term.</a:t>
+            </a:r>
+          </a:p>
+          <a:p>
+            <a:pPr lvl="1"/>
+            <a:r>
+              <a:rPr lang="en-US" dirty="0" smtClean="0">
+                <a:solidFill>
+                  <a:srgbClr val="00B050"/>
+                </a:solidFill>
+              </a:rPr>
+              <a:t>If two entries in different logs have same index and term, then the logs are identical in all preceding entries-</a:t>
+            </a:r>
+            <a:r>
+              <a:rPr lang="en-US" dirty="0"/>
+              <a:t> </a:t>
+            </a:r>
+            <a:r>
+              <a:rPr lang="en-US" dirty="0" smtClean="0"/>
+              <a:t>ensured on the follower sides with a simple </a:t>
+            </a:r>
+            <a:r>
+              <a:rPr lang="en-US" dirty="0" smtClean="0">
+                <a:solidFill>
+                  <a:srgbClr val="00B0F0"/>
+                </a:solidFill>
+              </a:rPr>
+              <a:t>consistency check </a:t>
+            </a:r>
+            <a:r>
+              <a:rPr lang="en-US" dirty="0" smtClean="0"/>
+              <a:t>performed by </a:t>
             </a:r>
             <a:r>
               <a:rPr lang="en-US" dirty="0" err="1" smtClean="0">
@@ -5855,7 +5938,7 @@
                   <a:srgbClr val="00B0F0"/>
                 </a:solidFill>
               </a:rPr>
-              <a:t>AppendEntry</a:t>
+              <a:t>AppendEntries</a:t>
             </a:r>
             <a:r>
               <a:rPr lang="en-US" dirty="0" smtClean="0">
@@ -5863,11 +5946,50 @@
                   <a:srgbClr val="00B0F0"/>
                 </a:solidFill>
               </a:rPr>
-              <a:t> RPC </a:t>
-            </a:r>
-            <a:r>
-              <a:rPr lang="en-US" dirty="0" smtClean="0"/>
-              <a:t>while waiting for votes, it becomes a follower if the term of the sender is </a:t>
+              <a:t> RPCs.</a:t>
+            </a:r>
+          </a:p>
+          <a:p>
+            <a:pPr marL="228600" lvl="1">
+              <a:spcBef>
+                <a:spcPts val="1000"/>
+              </a:spcBef>
+            </a:pPr>
+            <a:r>
+              <a:rPr lang="en-US" dirty="0" smtClean="0"/>
+              <a:t>The </a:t>
+            </a:r>
+            <a:r>
+              <a:rPr lang="en-US" dirty="0" smtClean="0">
+                <a:solidFill>
+                  <a:srgbClr val="00B0F0"/>
+                </a:solidFill>
+              </a:rPr>
+              <a:t>Leader</a:t>
+            </a:r>
+            <a:r>
+              <a:rPr lang="en-US" dirty="0" smtClean="0"/>
+              <a:t> maintains a </a:t>
+            </a:r>
+            <a:r>
+              <a:rPr lang="en-US" dirty="0" err="1" smtClean="0">
+                <a:solidFill>
+                  <a:srgbClr val="00B0F0"/>
+                </a:solidFill>
+              </a:rPr>
+              <a:t>nextIndex</a:t>
+            </a:r>
+            <a:r>
+              <a:rPr lang="en-US" dirty="0" smtClean="0">
+                <a:solidFill>
+                  <a:srgbClr val="00B0F0"/>
+                </a:solidFill>
+              </a:rPr>
+              <a:t> </a:t>
+            </a:r>
+            <a:r>
+              <a:rPr lang="en-US" dirty="0" smtClean="0"/>
+              <a:t>for </a:t>
             </a:r>
             <a:r>
               <a:rPr lang="en-US" dirty="0" smtClean="0">
@@ -5875,32 +5997,11 @@
                   <a:srgbClr val="00B050"/>
                 </a:solidFill>
               </a:rPr>
-              <a:t>greater than or equal </a:t>
-            </a:r>
-            <a:r>
-              <a:rPr lang="en-US" dirty="0" smtClean="0"/>
-              <a:t>to its own term number</a:t>
-            </a:r>
-          </a:p>
-          <a:p>
-            <a:endParaRPr lang="en-US" dirty="0" smtClean="0"/>
-          </a:p>
-          <a:p>
-            <a:r>
-              <a:rPr lang="en-US" dirty="0" smtClean="0"/>
-              <a:t>Whenever a node receives an RPC with </a:t>
-            </a:r>
-            <a:r>
-              <a:rPr lang="en-US" dirty="0" smtClean="0">
-                <a:solidFill>
-                  <a:srgbClr val="FF0000"/>
-                </a:solidFill>
-              </a:rPr>
-              <a:t>lower term number</a:t>
-            </a:r>
-            <a:r>
-              <a:rPr lang="en-US" dirty="0" smtClean="0"/>
-              <a:t>, it </a:t>
+              <a:t>each follower</a:t>
+            </a:r>
+            <a:r>
+              <a:rPr lang="en-US" dirty="0" smtClean="0"/>
+              <a:t>, which is the</a:t>
             </a:r>
             <a:r>
               <a:rPr lang="en-US" dirty="0" smtClean="0">
@@ -5908,24 +6009,26 @@
                   <a:srgbClr val="00B050"/>
                 </a:solidFill>
               </a:rPr>
-              <a:t>rejects (ignores) </a:t>
-            </a:r>
-            <a:r>
-              <a:rPr lang="en-US" dirty="0" smtClean="0"/>
-              <a:t>that RPC- ensuring </a:t>
-            </a:r>
-            <a:r>
-              <a:rPr lang="en-US" i="1" dirty="0" smtClean="0">
-                <a:solidFill>
-                  <a:srgbClr val="FF0000"/>
-                </a:solidFill>
-              </a:rPr>
-              <a:t>stale</a:t>
-            </a:r>
-            <a:r>
-              <a:rPr lang="en-US" dirty="0" smtClean="0"/>
-              <a:t> leaders or candidates do not affect the current term</a:t>
-            </a:r>
+              <a:t> index of the next log entry </a:t>
+            </a:r>
+            <a:r>
+              <a:rPr lang="en-US" dirty="0" smtClean="0"/>
+              <a:t>the leader will send to that follower.</a:t>
+            </a:r>
+            <a:endParaRPr lang="en-US" dirty="0" smtClean="0">
+              <a:solidFill>
+                <a:srgbClr val="00B0F0"/>
+              </a:solidFill>
+            </a:endParaRPr>
+          </a:p>
+          <a:p>
+            <a:endParaRPr lang="en-US" dirty="0" smtClean="0">
+              <a:solidFill>
+                <a:srgbClr val="00B0F0"/>
+              </a:solidFill>
+            </a:endParaRPr>
+          </a:p>
+          <a:p>
             <a:endParaRPr lang="en-US" dirty="0"/>
           </a:p>
         </p:txBody>
@@ -5933,7 +6036,7 @@
     </p:spTree>
     <p:extLst>
       <p:ext uri="{BB962C8B-B14F-4D97-AF65-F5344CB8AC3E}">
-        <p14:creationId xmlns:p14="http://schemas.microsoft.com/office/powerpoint/2010/main" val="2864401428"/>
+        <p14:creationId xmlns:p14="http://schemas.microsoft.com/office/powerpoint/2010/main" val="2225852279"/>
       </p:ext>
     </p:extLst>
   </p:cSld>
@@ -5999,162 +6102,220 @@
           <a:lstStyle/>
           <a:p>
             <a:r>
-              <a:rPr lang="en-US" dirty="0" smtClean="0"/>
-              <a:t>Raft always maintains the </a:t>
-            </a:r>
-            <a:r>
-              <a:rPr lang="en-US" dirty="0" smtClean="0">
+              <a:rPr lang="en-US" dirty="0" smtClean="0">
+                <a:solidFill>
+                  <a:srgbClr val="00B050"/>
+                </a:solidFill>
+              </a:rPr>
+              <a:t>Leader Side:</a:t>
+            </a:r>
+          </a:p>
+          <a:p>
+            <a:pPr lvl="1">
+              <a:buClr>
+                <a:srgbClr val="FF0000"/>
+              </a:buClr>
+              <a:buSzPct val="70000"/>
+            </a:pPr>
+            <a:r>
+              <a:rPr lang="en-US" dirty="0" smtClean="0"/>
+              <a:t>After a leader is elected for a term, it can handle client requests.</a:t>
+            </a:r>
+          </a:p>
+          <a:p>
+            <a:pPr lvl="1">
+              <a:buClr>
+                <a:srgbClr val="FF0000"/>
+              </a:buClr>
+              <a:buSzPct val="70000"/>
+            </a:pPr>
+            <a:r>
+              <a:rPr lang="en-US" dirty="0" smtClean="0"/>
+              <a:t>On receiving a client request, the leader </a:t>
+            </a:r>
+            <a:r>
+              <a:rPr lang="en-US" dirty="0" smtClean="0">
+                <a:solidFill>
+                  <a:srgbClr val="00B050"/>
+                </a:solidFill>
+              </a:rPr>
+              <a:t>appends it to its own log </a:t>
+            </a:r>
+            <a:r>
+              <a:rPr lang="en-US" dirty="0" smtClean="0"/>
+              <a:t>and sends out an </a:t>
+            </a:r>
+            <a:r>
+              <a:rPr lang="en-US" dirty="0" err="1" smtClean="0">
                 <a:solidFill>
                   <a:srgbClr val="00B0F0"/>
                 </a:solidFill>
               </a:rPr>
-              <a:t>Log Matching Property</a:t>
-            </a:r>
-            <a:r>
-              <a:rPr lang="en-US" dirty="0" smtClean="0"/>
-              <a:t> which ensures the following-</a:t>
-            </a:r>
-          </a:p>
-          <a:p>
-            <a:pPr lvl="1"/>
+              <a:t>AppendEntries</a:t>
+            </a:r>
+            <a:r>
+              <a:rPr lang="en-US" dirty="0" smtClean="0">
+                <a:solidFill>
+                  <a:srgbClr val="00B0F0"/>
+                </a:solidFill>
+              </a:rPr>
+              <a:t> RPC </a:t>
+            </a:r>
+            <a:r>
+              <a:rPr lang="en-US" dirty="0" smtClean="0"/>
+              <a:t>in parallel to all other nodes.</a:t>
+            </a:r>
+          </a:p>
+          <a:p>
+            <a:pPr lvl="1">
+              <a:buClr>
+                <a:srgbClr val="FF0000"/>
+              </a:buClr>
+              <a:buSzPct val="70000"/>
+            </a:pPr>
+            <a:r>
+              <a:rPr lang="en-US" dirty="0" smtClean="0"/>
+              <a:t>Once the entry is replicated on a majority of servers, the entry is </a:t>
+            </a:r>
+            <a:r>
+              <a:rPr lang="en-US" i="1" dirty="0" err="1" smtClean="0">
+                <a:solidFill>
+                  <a:srgbClr val="00B0F0"/>
+                </a:solidFill>
+              </a:rPr>
+              <a:t>commited</a:t>
+            </a:r>
+            <a:r>
+              <a:rPr lang="en-US" i="1" dirty="0" smtClean="0">
+                <a:solidFill>
+                  <a:srgbClr val="00B0F0"/>
+                </a:solidFill>
+              </a:rPr>
+              <a:t>.</a:t>
+            </a:r>
+          </a:p>
+          <a:p>
+            <a:pPr lvl="1">
+              <a:buClr>
+                <a:srgbClr val="FF0000"/>
+              </a:buClr>
+              <a:buSzPct val="70000"/>
+            </a:pPr>
+            <a:r>
+              <a:rPr lang="en-US" i="1" dirty="0" smtClean="0"/>
+              <a:t>A committed </a:t>
+            </a:r>
+            <a:r>
+              <a:rPr lang="en-US" dirty="0" smtClean="0"/>
+              <a:t>entry is </a:t>
+            </a:r>
             <a:r>
               <a:rPr lang="en-US" dirty="0" smtClean="0">
                 <a:solidFill>
                   <a:srgbClr val="00B050"/>
                 </a:solidFill>
               </a:rPr>
-              <a:t>If two entries in different logs have same index and term, then they store the same command- </a:t>
-            </a:r>
-            <a:r>
-              <a:rPr lang="en-US" dirty="0" smtClean="0"/>
-              <a:t>This is ensured by the fact that a leader creates at most one entry with a given index in a given term.</a:t>
-            </a:r>
-          </a:p>
-          <a:p>
-            <a:pPr lvl="1"/>
+              <a:t>written to </a:t>
+            </a:r>
+            <a:r>
+              <a:rPr lang="en-US" dirty="0" smtClean="0"/>
+              <a:t>the </a:t>
+            </a:r>
+            <a:r>
+              <a:rPr lang="en-US" dirty="0" smtClean="0">
+                <a:solidFill>
+                  <a:srgbClr val="00B0F0"/>
+                </a:solidFill>
+              </a:rPr>
+              <a:t>state machine</a:t>
+            </a:r>
+            <a:r>
+              <a:rPr lang="en-US" dirty="0" smtClean="0"/>
+              <a:t>.</a:t>
+            </a:r>
+          </a:p>
+          <a:p>
+            <a:pPr lvl="1">
+              <a:buClr>
+                <a:srgbClr val="FF0000"/>
+              </a:buClr>
+              <a:buSzPct val="70000"/>
+            </a:pPr>
+            <a:r>
+              <a:rPr lang="en-US" dirty="0" err="1" smtClean="0">
+                <a:solidFill>
+                  <a:srgbClr val="00B0F0"/>
+                </a:solidFill>
+              </a:rPr>
+              <a:t>AppendEntries</a:t>
+            </a:r>
+            <a:r>
+              <a:rPr lang="en-US" dirty="0" smtClean="0">
+                <a:solidFill>
+                  <a:srgbClr val="00B0F0"/>
+                </a:solidFill>
+              </a:rPr>
+              <a:t> RPCs </a:t>
+            </a:r>
+            <a:r>
+              <a:rPr lang="en-US" dirty="0" smtClean="0"/>
+              <a:t>are also used as heartbeats when sent with no new log entries. </a:t>
+            </a:r>
+          </a:p>
+          <a:p>
+            <a:pPr lvl="1">
+              <a:buClr>
+                <a:srgbClr val="FF0000"/>
+              </a:buClr>
+              <a:buSzPct val="70000"/>
+            </a:pPr>
+            <a:r>
+              <a:rPr lang="en-US" dirty="0" smtClean="0"/>
+              <a:t>The leader sends out the </a:t>
+            </a:r>
+            <a:r>
+              <a:rPr lang="en-US" dirty="0" smtClean="0">
+                <a:solidFill>
+                  <a:srgbClr val="00B0F0"/>
+                </a:solidFill>
+              </a:rPr>
+              <a:t>index number</a:t>
+            </a:r>
+            <a:r>
+              <a:rPr lang="en-US" dirty="0" smtClean="0"/>
+              <a:t> of the last committed entry with every </a:t>
+            </a:r>
+            <a:r>
+              <a:rPr lang="en-US" dirty="0" err="1" smtClean="0">
+                <a:solidFill>
+                  <a:srgbClr val="00B0F0"/>
+                </a:solidFill>
+              </a:rPr>
+              <a:t>AppendEntries</a:t>
+            </a:r>
+            <a:r>
+              <a:rPr lang="en-US" dirty="0" smtClean="0">
+                <a:solidFill>
+                  <a:srgbClr val="00B0F0"/>
+                </a:solidFill>
+              </a:rPr>
+              <a:t> RPC, </a:t>
+            </a:r>
             <a:r>
               <a:rPr lang="en-US" dirty="0" smtClean="0">
                 <a:solidFill>
                   <a:srgbClr val="00B050"/>
                 </a:solidFill>
               </a:rPr>
-              <a:t>If two entries in different logs have same index and term, then the logs are identical in all preceding entries-</a:t>
-            </a:r>
-            <a:r>
-              <a:rPr lang="en-US" dirty="0"/>
-              <a:t> </a:t>
-            </a:r>
-            <a:r>
-              <a:rPr lang="en-US" dirty="0" smtClean="0"/>
-              <a:t>ensured on the follower sides with a simple </a:t>
-            </a:r>
-            <a:r>
-              <a:rPr lang="en-US" dirty="0" smtClean="0">
-                <a:solidFill>
-                  <a:srgbClr val="00B0F0"/>
-                </a:solidFill>
-              </a:rPr>
-              <a:t>consistency check </a:t>
-            </a:r>
-            <a:r>
-              <a:rPr lang="en-US" dirty="0" smtClean="0"/>
-              <a:t>performed by </a:t>
-            </a:r>
-            <a:r>
-              <a:rPr lang="en-US" dirty="0" err="1" smtClean="0">
-                <a:solidFill>
-                  <a:srgbClr val="00B0F0"/>
-                </a:solidFill>
-              </a:rPr>
-              <a:t>AppendEntries</a:t>
-            </a:r>
-            <a:r>
-              <a:rPr lang="en-US" dirty="0" smtClean="0">
-                <a:solidFill>
-                  <a:srgbClr val="00B0F0"/>
-                </a:solidFill>
-              </a:rPr>
-              <a:t> RPCs.</a:t>
-            </a:r>
-          </a:p>
-          <a:p>
-            <a:pPr marL="228600" lvl="1">
-              <a:spcBef>
-                <a:spcPts val="1000"/>
-              </a:spcBef>
-            </a:pPr>
-            <a:r>
-              <a:rPr lang="en-US" dirty="0" smtClean="0"/>
-              <a:t>The </a:t>
-            </a:r>
-            <a:r>
-              <a:rPr lang="en-US" dirty="0" smtClean="0">
-                <a:solidFill>
-                  <a:srgbClr val="00B0F0"/>
-                </a:solidFill>
-              </a:rPr>
-              <a:t>Leader</a:t>
-            </a:r>
-            <a:r>
-              <a:rPr lang="en-US" dirty="0" smtClean="0"/>
-              <a:t> maintains a </a:t>
-            </a:r>
-            <a:r>
-              <a:rPr lang="en-US" dirty="0" err="1" smtClean="0">
-                <a:solidFill>
-                  <a:srgbClr val="00B0F0"/>
-                </a:solidFill>
-              </a:rPr>
-              <a:t>nextIndex</a:t>
-            </a:r>
-            <a:r>
-              <a:rPr lang="en-US" dirty="0" smtClean="0">
-                <a:solidFill>
-                  <a:srgbClr val="00B0F0"/>
-                </a:solidFill>
-              </a:rPr>
-              <a:t> </a:t>
-            </a:r>
-            <a:r>
-              <a:rPr lang="en-US" dirty="0" smtClean="0"/>
-              <a:t>for </a:t>
-            </a:r>
-            <a:r>
-              <a:rPr lang="en-US" dirty="0" smtClean="0">
-                <a:solidFill>
-                  <a:srgbClr val="00B050"/>
-                </a:solidFill>
-              </a:rPr>
-              <a:t>each follower</a:t>
-            </a:r>
-            <a:r>
-              <a:rPr lang="en-US" dirty="0" smtClean="0"/>
-              <a:t>, which is the</a:t>
-            </a:r>
-            <a:r>
-              <a:rPr lang="en-US" dirty="0" smtClean="0">
-                <a:solidFill>
-                  <a:srgbClr val="00B050"/>
-                </a:solidFill>
-              </a:rPr>
-              <a:t> index of the next log entry </a:t>
-            </a:r>
-            <a:r>
-              <a:rPr lang="en-US" dirty="0" smtClean="0"/>
-              <a:t>the leader will send to that follower.</a:t>
-            </a:r>
-            <a:endParaRPr lang="en-US" dirty="0" smtClean="0">
-              <a:solidFill>
-                <a:srgbClr val="00B0F0"/>
-              </a:solidFill>
-            </a:endParaRPr>
-          </a:p>
-          <a:p>
-            <a:endParaRPr lang="en-US" dirty="0" smtClean="0">
-              <a:solidFill>
-                <a:srgbClr val="00B0F0"/>
-              </a:solidFill>
-            </a:endParaRPr>
+              <a:t>which ensures that all followers eventually learn about the commit.</a:t>
+            </a:r>
+            <a:r>
+              <a:rPr lang="en-US" dirty="0" smtClean="0"/>
+              <a:t>  </a:t>
+            </a:r>
+          </a:p>
+          <a:p>
+            <a:endParaRPr lang="en-US" dirty="0" smtClean="0"/>
           </a:p>
           <a:p>
             <a:endParaRPr lang="en-US" dirty="0"/>
@@ -6164,7 +6325,7 @@
     </p:spTree>
     <p:extLst>
       <p:ext uri="{BB962C8B-B14F-4D97-AF65-F5344CB8AC3E}">
-        <p14:creationId xmlns:p14="http://schemas.microsoft.com/office/powerpoint/2010/main" val="2225852279"/>
+        <p14:creationId xmlns:p14="http://schemas.microsoft.com/office/powerpoint/2010/main" val="712710966"/>
       </p:ext>
     </p:extLst>
   </p:cSld>

--- a/The Raft Consensus Algorithm.pptx
+++ b/The Raft Consensus Algorithm.pptx
@@ -13,15 +13,17 @@
     <p:sldId id="262" r:id="rId7"/>
     <p:sldId id="264" r:id="rId8"/>
     <p:sldId id="266" r:id="rId9"/>
-    <p:sldId id="263" r:id="rId10"/>
-    <p:sldId id="267" r:id="rId11"/>
-    <p:sldId id="270" r:id="rId12"/>
-    <p:sldId id="268" r:id="rId13"/>
-    <p:sldId id="271" r:id="rId14"/>
-    <p:sldId id="272" r:id="rId15"/>
-    <p:sldId id="273" r:id="rId16"/>
-    <p:sldId id="269" r:id="rId17"/>
-    <p:sldId id="258" r:id="rId18"/>
+    <p:sldId id="275" r:id="rId10"/>
+    <p:sldId id="263" r:id="rId11"/>
+    <p:sldId id="267" r:id="rId12"/>
+    <p:sldId id="270" r:id="rId13"/>
+    <p:sldId id="268" r:id="rId14"/>
+    <p:sldId id="271" r:id="rId15"/>
+    <p:sldId id="272" r:id="rId16"/>
+    <p:sldId id="273" r:id="rId17"/>
+    <p:sldId id="269" r:id="rId18"/>
+    <p:sldId id="258" r:id="rId19"/>
+    <p:sldId id="274" r:id="rId20"/>
   </p:sldIdLst>
   <p:sldSz cx="12192000" cy="6858000"/>
   <p:notesSz cx="6858000" cy="9144000"/>
@@ -141,6 +143,7 @@
         <p14:section name="LOG REPLICATION" id="{79BDC8CC-B818-45A0-B76C-9BAB015A1EE4}">
           <p14:sldIdLst>
             <p14:sldId id="266"/>
+            <p14:sldId id="275"/>
             <p14:sldId id="263"/>
             <p14:sldId id="267"/>
             <p14:sldId id="270"/>
@@ -154,6 +157,7 @@
           <p14:sldIdLst>
             <p14:sldId id="269"/>
             <p14:sldId id="258"/>
+            <p14:sldId id="274"/>
           </p14:sldIdLst>
         </p14:section>
       </p14:sectionLst>
@@ -296,7 +300,7 @@
           <a:p>
             <a:fld id="{2F74EE6C-B5A5-439C-9100-DE43D17B0A18}" type="datetimeFigureOut">
               <a:rPr lang="en-US" smtClean="0"/>
-              <a:t>10/29/2018</a:t>
+              <a:t>10/30/2018</a:t>
             </a:fld>
             <a:endParaRPr lang="en-US"/>
           </a:p>
@@ -466,7 +470,7 @@
           <a:p>
             <a:fld id="{2F74EE6C-B5A5-439C-9100-DE43D17B0A18}" type="datetimeFigureOut">
               <a:rPr lang="en-US" smtClean="0"/>
-              <a:t>10/29/2018</a:t>
+              <a:t>10/30/2018</a:t>
             </a:fld>
             <a:endParaRPr lang="en-US"/>
           </a:p>
@@ -646,7 +650,7 @@
           <a:p>
             <a:fld id="{2F74EE6C-B5A5-439C-9100-DE43D17B0A18}" type="datetimeFigureOut">
               <a:rPr lang="en-US" smtClean="0"/>
-              <a:t>10/29/2018</a:t>
+              <a:t>10/30/2018</a:t>
             </a:fld>
             <a:endParaRPr lang="en-US"/>
           </a:p>
@@ -816,7 +820,7 @@
           <a:p>
             <a:fld id="{2F74EE6C-B5A5-439C-9100-DE43D17B0A18}" type="datetimeFigureOut">
               <a:rPr lang="en-US" smtClean="0"/>
-              <a:t>10/29/2018</a:t>
+              <a:t>10/30/2018</a:t>
             </a:fld>
             <a:endParaRPr lang="en-US"/>
           </a:p>
@@ -1062,7 +1066,7 @@
           <a:p>
             <a:fld id="{2F74EE6C-B5A5-439C-9100-DE43D17B0A18}" type="datetimeFigureOut">
               <a:rPr lang="en-US" smtClean="0"/>
-              <a:t>10/29/2018</a:t>
+              <a:t>10/30/2018</a:t>
             </a:fld>
             <a:endParaRPr lang="en-US"/>
           </a:p>
@@ -1294,7 +1298,7 @@
           <a:p>
             <a:fld id="{2F74EE6C-B5A5-439C-9100-DE43D17B0A18}" type="datetimeFigureOut">
               <a:rPr lang="en-US" smtClean="0"/>
-              <a:t>10/29/2018</a:t>
+              <a:t>10/30/2018</a:t>
             </a:fld>
             <a:endParaRPr lang="en-US"/>
           </a:p>
@@ -1661,7 +1665,7 @@
           <a:p>
             <a:fld id="{2F74EE6C-B5A5-439C-9100-DE43D17B0A18}" type="datetimeFigureOut">
               <a:rPr lang="en-US" smtClean="0"/>
-              <a:t>10/29/2018</a:t>
+              <a:t>10/30/2018</a:t>
             </a:fld>
             <a:endParaRPr lang="en-US"/>
           </a:p>
@@ -1779,7 +1783,7 @@
           <a:p>
             <a:fld id="{2F74EE6C-B5A5-439C-9100-DE43D17B0A18}" type="datetimeFigureOut">
               <a:rPr lang="en-US" smtClean="0"/>
-              <a:t>10/29/2018</a:t>
+              <a:t>10/30/2018</a:t>
             </a:fld>
             <a:endParaRPr lang="en-US"/>
           </a:p>
@@ -1874,7 +1878,7 @@
           <a:p>
             <a:fld id="{2F74EE6C-B5A5-439C-9100-DE43D17B0A18}" type="datetimeFigureOut">
               <a:rPr lang="en-US" smtClean="0"/>
-              <a:t>10/29/2018</a:t>
+              <a:t>10/30/2018</a:t>
             </a:fld>
             <a:endParaRPr lang="en-US"/>
           </a:p>
@@ -2151,7 +2155,7 @@
           <a:p>
             <a:fld id="{2F74EE6C-B5A5-439C-9100-DE43D17B0A18}" type="datetimeFigureOut">
               <a:rPr lang="en-US" smtClean="0"/>
-              <a:t>10/29/2018</a:t>
+              <a:t>10/30/2018</a:t>
             </a:fld>
             <a:endParaRPr lang="en-US"/>
           </a:p>
@@ -2404,7 +2408,7 @@
           <a:p>
             <a:fld id="{2F74EE6C-B5A5-439C-9100-DE43D17B0A18}" type="datetimeFigureOut">
               <a:rPr lang="en-US" smtClean="0"/>
-              <a:t>10/29/2018</a:t>
+              <a:t>10/30/2018</a:t>
             </a:fld>
             <a:endParaRPr lang="en-US"/>
           </a:p>
@@ -2617,7 +2621,7 @@
           <a:p>
             <a:fld id="{2F74EE6C-B5A5-439C-9100-DE43D17B0A18}" type="datetimeFigureOut">
               <a:rPr lang="en-US" smtClean="0"/>
-              <a:t>10/29/2018</a:t>
+              <a:t>10/30/2018</a:t>
             </a:fld>
             <a:endParaRPr lang="en-US"/>
           </a:p>
@@ -3221,16 +3225,9 @@
             <p:ph idx="1"/>
           </p:nvPr>
         </p:nvSpPr>
-        <p:spPr>
-          <a:xfrm>
-            <a:off x="838200" y="1690688"/>
-            <a:ext cx="10515600" cy="4891266"/>
-          </a:xfrm>
-        </p:spPr>
-        <p:txBody>
-          <a:bodyPr>
-            <a:normAutofit/>
-          </a:bodyPr>
+        <p:spPr/>
+        <p:txBody>
+          <a:bodyPr/>
           <a:lstStyle/>
           <a:p>
             <a:r>
@@ -3239,7 +3236,7 @@
                   <a:srgbClr val="00B050"/>
                 </a:solidFill>
               </a:rPr>
-              <a:t>Follower Side:</a:t>
+              <a:t>Leader Side:</a:t>
             </a:r>
           </a:p>
           <a:p>
@@ -3251,63 +3248,7 @@
             </a:pPr>
             <a:r>
               <a:rPr lang="en-US" dirty="0" smtClean="0"/>
-              <a:t>The </a:t>
-            </a:r>
-            <a:r>
-              <a:rPr lang="en-US" dirty="0" err="1" smtClean="0">
-                <a:solidFill>
-                  <a:srgbClr val="00B0F0"/>
-                </a:solidFill>
-              </a:rPr>
-              <a:t>AppendEntries</a:t>
-            </a:r>
-            <a:r>
-              <a:rPr lang="en-US" dirty="0" smtClean="0">
-                <a:solidFill>
-                  <a:srgbClr val="00B0F0"/>
-                </a:solidFill>
-              </a:rPr>
-              <a:t> RPCs </a:t>
-            </a:r>
-            <a:r>
-              <a:rPr lang="en-US" dirty="0" smtClean="0"/>
-              <a:t>with </a:t>
-            </a:r>
-            <a:r>
-              <a:rPr lang="en-US" dirty="0" smtClean="0">
-                <a:solidFill>
-                  <a:srgbClr val="00B050"/>
-                </a:solidFill>
-              </a:rPr>
-              <a:t>new log entries </a:t>
-            </a:r>
-            <a:r>
-              <a:rPr lang="en-US" dirty="0" smtClean="0"/>
-              <a:t>contain the index and term of the </a:t>
-            </a:r>
-            <a:r>
-              <a:rPr lang="en-US" dirty="0" smtClean="0">
-                <a:solidFill>
-                  <a:srgbClr val="00B050"/>
-                </a:solidFill>
-              </a:rPr>
-              <a:t>previous entry (X) </a:t>
-            </a:r>
-            <a:r>
-              <a:rPr lang="en-US" i="1" dirty="0" smtClean="0"/>
-              <a:t>(i.e., entry at nextIndex-1)</a:t>
-            </a:r>
-            <a:r>
-              <a:rPr lang="en-US" dirty="0" smtClean="0">
-                <a:solidFill>
-                  <a:srgbClr val="00B050"/>
-                </a:solidFill>
-              </a:rPr>
-              <a:t> in the Leader’s log</a:t>
-            </a:r>
-            <a:r>
-              <a:rPr lang="en-US" dirty="0" smtClean="0"/>
-              <a:t>. </a:t>
+              <a:t>After a leader is elected for a term, it can handle client requests.</a:t>
             </a:r>
           </a:p>
           <a:p>
@@ -3319,7 +3260,19 @@
             </a:pPr>
             <a:r>
               <a:rPr lang="en-US" dirty="0" smtClean="0"/>
-              <a:t>The </a:t>
+              <a:t>On receiving a client request, the leader </a:t>
+            </a:r>
+            <a:r>
+              <a:rPr lang="en-US" dirty="0" smtClean="0">
+                <a:solidFill>
+                  <a:srgbClr val="00B050"/>
+                </a:solidFill>
+              </a:rPr>
+              <a:t>appends it to its own log </a:t>
+            </a:r>
+            <a:r>
+              <a:rPr lang="en-US" dirty="0" smtClean="0"/>
+              <a:t>and sends out an </a:t>
             </a:r>
             <a:r>
               <a:rPr lang="en-US" dirty="0" err="1" smtClean="0">
@@ -3335,11 +3288,11 @@
                   <a:srgbClr val="00B0F0"/>
                 </a:solidFill>
               </a:rPr>
-              <a:t> Consistency Check </a:t>
-            </a:r>
-            <a:r>
-              <a:rPr lang="en-US" dirty="0" smtClean="0"/>
-              <a:t>checks if the follower’s log contains an entry with X’s index and term. </a:t>
+              <a:t> RPC </a:t>
+            </a:r>
+            <a:r>
+              <a:rPr lang="en-US" dirty="0" smtClean="0"/>
+              <a:t>in parallel to all other nodes.</a:t>
             </a:r>
           </a:p>
           <a:p>
@@ -3351,19 +3304,23 @@
             </a:pPr>
             <a:r>
               <a:rPr lang="en-US" dirty="0" smtClean="0"/>
-              <a:t>If the </a:t>
-            </a:r>
-            <a:r>
-              <a:rPr lang="en-US" dirty="0" smtClean="0">
-                <a:solidFill>
-                  <a:srgbClr val="00B050"/>
-                </a:solidFill>
-              </a:rPr>
-              <a:t>Consistency check does not fail</a:t>
-            </a:r>
-            <a:r>
-              <a:rPr lang="en-US" dirty="0" smtClean="0"/>
-              <a:t>, the new entry is written to the follower’s log. </a:t>
+              <a:t>Once the entry is replicated on a majority of servers, the entry is </a:t>
+            </a:r>
+            <a:r>
+              <a:rPr lang="en-US" i="1" dirty="0" err="1" smtClean="0">
+                <a:solidFill>
+                  <a:srgbClr val="00B0F0"/>
+                </a:solidFill>
+              </a:rPr>
+              <a:t>commited</a:t>
+            </a:r>
+            <a:r>
+              <a:rPr lang="en-US" i="1" dirty="0" smtClean="0">
+                <a:solidFill>
+                  <a:srgbClr val="00B0F0"/>
+                </a:solidFill>
+              </a:rPr>
+              <a:t>.</a:t>
             </a:r>
           </a:p>
           <a:p>
@@ -3374,32 +3331,64 @@
               <a:buSzPct val="70000"/>
             </a:pPr>
             <a:r>
-              <a:rPr lang="en-US" dirty="0" smtClean="0"/>
-              <a:t>If the </a:t>
-            </a:r>
-            <a:r>
-              <a:rPr lang="en-US" dirty="0" smtClean="0">
-                <a:solidFill>
-                  <a:srgbClr val="FF0000"/>
-                </a:solidFill>
-              </a:rPr>
-              <a:t>consistency check fails</a:t>
-            </a:r>
-            <a:r>
-              <a:rPr lang="en-US" dirty="0" smtClean="0"/>
-              <a:t>, then:</a:t>
-            </a:r>
-          </a:p>
-          <a:p>
-            <a:pPr lvl="2">
+              <a:rPr lang="en-US" i="1" dirty="0" smtClean="0"/>
+              <a:t>A committed </a:t>
+            </a:r>
+            <a:r>
+              <a:rPr lang="en-US" dirty="0" smtClean="0"/>
+              <a:t>entry is </a:t>
+            </a:r>
+            <a:r>
+              <a:rPr lang="en-US" dirty="0" smtClean="0">
+                <a:solidFill>
+                  <a:srgbClr val="00B050"/>
+                </a:solidFill>
+              </a:rPr>
+              <a:t>written to </a:t>
+            </a:r>
+            <a:r>
+              <a:rPr lang="en-US" dirty="0" smtClean="0"/>
+              <a:t>the </a:t>
+            </a:r>
+            <a:r>
+              <a:rPr lang="en-US" dirty="0" smtClean="0">
+                <a:solidFill>
+                  <a:srgbClr val="00B0F0"/>
+                </a:solidFill>
+              </a:rPr>
+              <a:t>state machine</a:t>
+            </a:r>
+            <a:r>
+              <a:rPr lang="en-US" dirty="0" smtClean="0"/>
+              <a:t>.</a:t>
+            </a:r>
+          </a:p>
+          <a:p>
+            <a:pPr lvl="1">
               <a:buClr>
                 <a:srgbClr val="FF0000"/>
               </a:buClr>
               <a:buSzPct val="70000"/>
             </a:pPr>
             <a:r>
-              <a:rPr lang="en-US" dirty="0" smtClean="0"/>
-              <a:t>The </a:t>
+              <a:rPr lang="en-US" dirty="0" err="1" smtClean="0">
+                <a:solidFill>
+                  <a:srgbClr val="00B0F0"/>
+                </a:solidFill>
+              </a:rPr>
+              <a:t>AppendEntries</a:t>
+            </a:r>
+            <a:r>
+              <a:rPr lang="en-US" dirty="0" smtClean="0">
+                <a:solidFill>
+                  <a:srgbClr val="00B0F0"/>
+                </a:solidFill>
+              </a:rPr>
+              <a:t> RPCs </a:t>
+            </a:r>
+            <a:r>
+              <a:rPr lang="en-US" dirty="0" smtClean="0"/>
+              <a:t>are also used as </a:t>
             </a:r>
             <a:r>
               <a:rPr lang="en-US" dirty="0" smtClean="0">
@@ -3407,55 +3396,15 @@
                   <a:srgbClr val="00B050"/>
                 </a:solidFill>
               </a:rPr>
-              <a:t>Leader decrements </a:t>
-            </a:r>
-            <a:r>
-              <a:rPr lang="en-US" dirty="0" err="1" smtClean="0">
-                <a:solidFill>
-                  <a:srgbClr val="00B0F0"/>
-                </a:solidFill>
-              </a:rPr>
-              <a:t>nextIndex</a:t>
-            </a:r>
-            <a:r>
-              <a:rPr lang="en-US" dirty="0" smtClean="0">
-                <a:solidFill>
-                  <a:srgbClr val="00B050"/>
-                </a:solidFill>
-              </a:rPr>
-              <a:t> and retries </a:t>
-            </a:r>
-            <a:r>
-              <a:rPr lang="en-US" dirty="0" err="1" smtClean="0">
-                <a:solidFill>
-                  <a:srgbClr val="00B0F0"/>
-                </a:solidFill>
-              </a:rPr>
-              <a:t>AppendEntries</a:t>
-            </a:r>
-            <a:r>
-              <a:rPr lang="en-US" dirty="0" smtClean="0">
-                <a:solidFill>
-                  <a:srgbClr val="00B0F0"/>
-                </a:solidFill>
-              </a:rPr>
-              <a:t> RPC </a:t>
-            </a:r>
-            <a:r>
-              <a:rPr lang="en-US" dirty="0" smtClean="0">
-                <a:solidFill>
-                  <a:srgbClr val="00B050"/>
-                </a:solidFill>
-              </a:rPr>
-              <a:t>for that follower, until a point reaches where the logs match.</a:t>
-            </a:r>
-            <a:r>
-              <a:rPr lang="en-US" dirty="0" smtClean="0"/>
-              <a:t> (one failure of Consistency Check for each mismatching entry)</a:t>
-            </a:r>
-          </a:p>
-          <a:p>
-            <a:pPr lvl="2">
+              <a:t>heartbeats</a:t>
+            </a:r>
+            <a:r>
+              <a:rPr lang="en-US" dirty="0" smtClean="0"/>
+              <a:t> when sent with no new log entries. </a:t>
+            </a:r>
+          </a:p>
+          <a:p>
+            <a:pPr lvl="1">
               <a:buClr>
                 <a:srgbClr val="FF0000"/>
               </a:buClr>
@@ -3463,7 +3412,19 @@
             </a:pPr>
             <a:r>
               <a:rPr lang="en-US" dirty="0" smtClean="0"/>
-              <a:t> When an </a:t>
+              <a:t>The leader sends out the </a:t>
+            </a:r>
+            <a:r>
+              <a:rPr lang="en-US" dirty="0" smtClean="0">
+                <a:solidFill>
+                  <a:srgbClr val="00B0F0"/>
+                </a:solidFill>
+              </a:rPr>
+              <a:t>index number</a:t>
+            </a:r>
+            <a:r>
+              <a:rPr lang="en-US" dirty="0" smtClean="0"/>
+              <a:t> of the last committed entry with every </a:t>
             </a:r>
             <a:r>
               <a:rPr lang="en-US" dirty="0" err="1" smtClean="0">
@@ -3474,44 +3435,27 @@
               <a:t>AppendEntries</a:t>
             </a:r>
             <a:r>
-              <a:rPr lang="en-US" dirty="0" smtClean="0"/>
-              <a:t> succeeds, the follower’s log is consistent with the leader’s up to that entry.</a:t>
-            </a:r>
-          </a:p>
-          <a:p>
-            <a:pPr lvl="2">
-              <a:buClr>
-                <a:srgbClr val="FF0000"/>
-              </a:buClr>
-              <a:buSzPct val="70000"/>
-            </a:pPr>
-            <a:endParaRPr lang="en-US" dirty="0" smtClean="0"/>
-          </a:p>
-          <a:p>
-            <a:pPr lvl="2">
-              <a:buClr>
-                <a:srgbClr val="FF0000"/>
-              </a:buClr>
-              <a:buSzPct val="70000"/>
-            </a:pPr>
-            <a:endParaRPr lang="en-US" dirty="0" smtClean="0"/>
-          </a:p>
-          <a:p>
-            <a:pPr lvl="2">
-              <a:buClr>
-                <a:srgbClr val="FF0000"/>
-              </a:buClr>
-              <a:buSzPct val="70000"/>
-              <a:buFont typeface="Courier New" panose="02070309020205020404" pitchFamily="49" charset="0"/>
-              <a:buChar char="o"/>
-            </a:pPr>
-            <a:endParaRPr lang="en-US" dirty="0" smtClean="0"/>
-          </a:p>
-          <a:p>
-            <a:pPr marL="1371600" lvl="2" indent="-457200">
-              <a:buFont typeface="+mj-lt"/>
-              <a:buAutoNum type="alphaUcPeriod"/>
-            </a:pPr>
+              <a:rPr lang="en-US" dirty="0" smtClean="0">
+                <a:solidFill>
+                  <a:srgbClr val="00B0F0"/>
+                </a:solidFill>
+              </a:rPr>
+              <a:t> RPC, </a:t>
+            </a:r>
+            <a:r>
+              <a:rPr lang="en-US" dirty="0" smtClean="0">
+                <a:solidFill>
+                  <a:srgbClr val="00B050"/>
+                </a:solidFill>
+              </a:rPr>
+              <a:t>which ensures that all followers eventually learn about the commit.</a:t>
+            </a:r>
+            <a:r>
+              <a:rPr lang="en-US" dirty="0" smtClean="0"/>
+              <a:t>  </a:t>
+            </a:r>
+          </a:p>
+          <a:p>
             <a:endParaRPr lang="en-US" dirty="0" smtClean="0"/>
           </a:p>
           <a:p>
@@ -3522,7 +3466,7 @@
     </p:spTree>
     <p:extLst>
       <p:ext uri="{BB962C8B-B14F-4D97-AF65-F5344CB8AC3E}">
-        <p14:creationId xmlns:p14="http://schemas.microsoft.com/office/powerpoint/2010/main" val="3811900838"/>
+        <p14:creationId xmlns:p14="http://schemas.microsoft.com/office/powerpoint/2010/main" val="712710966"/>
       </p:ext>
     </p:extLst>
   </p:cSld>
@@ -3559,7 +3503,12 @@
             <p:ph type="title"/>
           </p:nvPr>
         </p:nvSpPr>
-        <p:spPr/>
+        <p:spPr>
+          <a:xfrm>
+            <a:off x="838200" y="373751"/>
+            <a:ext cx="10515600" cy="1325563"/>
+          </a:xfrm>
+        </p:spPr>
         <p:txBody>
           <a:bodyPr/>
           <a:lstStyle/>
@@ -3584,8 +3533,8 @@
         </p:nvSpPr>
         <p:spPr>
           <a:xfrm>
-            <a:off x="838200" y="1388854"/>
-            <a:ext cx="10515600" cy="5193100"/>
+            <a:off x="838200" y="1820078"/>
+            <a:ext cx="10515600" cy="4891266"/>
           </a:xfrm>
         </p:spPr>
         <p:txBody>
@@ -3602,72 +3551,6 @@
               </a:rPr>
               <a:t>Follower Side:</a:t>
             </a:r>
-          </a:p>
-          <a:p>
-            <a:pPr lvl="1">
-              <a:buSzPct val="70000"/>
-            </a:pPr>
-            <a:r>
-              <a:rPr lang="en-US" dirty="0" smtClean="0"/>
-              <a:t>If an </a:t>
-            </a:r>
-            <a:r>
-              <a:rPr lang="en-US" dirty="0" smtClean="0">
-                <a:solidFill>
-                  <a:srgbClr val="FF0000"/>
-                </a:solidFill>
-              </a:rPr>
-              <a:t>existing entry conflicts with a new entry </a:t>
-            </a:r>
-            <a:r>
-              <a:rPr lang="en-US" dirty="0" smtClean="0"/>
-              <a:t>(the result of an uncommitted log entry), the follower </a:t>
-            </a:r>
-            <a:r>
-              <a:rPr lang="en-US" dirty="0" smtClean="0">
-                <a:solidFill>
-                  <a:srgbClr val="00B050"/>
-                </a:solidFill>
-              </a:rPr>
-              <a:t>deletes the existing entry and all that follow</a:t>
-            </a:r>
-            <a:r>
-              <a:rPr lang="en-US" dirty="0" smtClean="0"/>
-              <a:t> - </a:t>
-            </a:r>
-          </a:p>
-          <a:p>
-            <a:pPr lvl="1">
-              <a:buSzPct val="70000"/>
-            </a:pPr>
-            <a:endParaRPr lang="en-US" dirty="0" smtClean="0"/>
-          </a:p>
-          <a:p>
-            <a:pPr lvl="1">
-              <a:buSzPct val="70000"/>
-            </a:pPr>
-            <a:r>
-              <a:rPr lang="en-US" dirty="0" smtClean="0"/>
-              <a:t>The follower then </a:t>
-            </a:r>
-            <a:r>
-              <a:rPr lang="en-US" dirty="0" smtClean="0">
-                <a:solidFill>
-                  <a:srgbClr val="00B050"/>
-                </a:solidFill>
-              </a:rPr>
-              <a:t>appends any new entries already not in the log </a:t>
-            </a:r>
-            <a:r>
-              <a:rPr lang="en-US" dirty="0" smtClean="0"/>
-              <a:t>– (this is because the leader is guaranteed to have all previously committed log entries)</a:t>
-            </a:r>
-          </a:p>
-          <a:p>
-            <a:pPr lvl="1">
-              <a:buSzPct val="70000"/>
-            </a:pPr>
-            <a:endParaRPr lang="en-US" dirty="0" smtClean="0"/>
           </a:p>
           <a:p>
             <a:pPr lvl="1">
@@ -3677,12 +3560,28 @@
               <a:buSzPct val="70000"/>
             </a:pPr>
             <a:r>
-              <a:rPr lang="en-US" dirty="0"/>
-              <a:t>If </a:t>
-            </a:r>
-            <a:r>
-              <a:rPr lang="en-US" dirty="0" smtClean="0"/>
-              <a:t>a </a:t>
+              <a:rPr lang="en-US" dirty="0" smtClean="0"/>
+              <a:t>The </a:t>
+            </a:r>
+            <a:r>
+              <a:rPr lang="en-US" dirty="0" err="1" smtClean="0">
+                <a:solidFill>
+                  <a:srgbClr val="00B0F0"/>
+                </a:solidFill>
+              </a:rPr>
+              <a:t>AppendEntries</a:t>
+            </a:r>
+            <a:r>
+              <a:rPr lang="en-US" dirty="0" smtClean="0">
+                <a:solidFill>
+                  <a:srgbClr val="00B0F0"/>
+                </a:solidFill>
+              </a:rPr>
+              <a:t> RPCs </a:t>
+            </a:r>
+            <a:r>
+              <a:rPr lang="en-US" dirty="0" smtClean="0"/>
+              <a:t>with </a:t>
             </a:r>
             <a:r>
               <a:rPr lang="en-US" dirty="0" smtClean="0">
@@ -3690,39 +3589,35 @@
                   <a:srgbClr val="00B050"/>
                 </a:solidFill>
               </a:rPr>
-              <a:t>future</a:t>
-            </a:r>
-            <a:r>
-              <a:rPr lang="en-US" dirty="0" smtClean="0"/>
-              <a:t> </a:t>
-            </a:r>
-            <a:r>
-              <a:rPr lang="en-US" dirty="0" err="1">
-                <a:solidFill>
-                  <a:srgbClr val="00B0F0"/>
-                </a:solidFill>
-              </a:rPr>
-              <a:t>AppendEntries</a:t>
-            </a:r>
-            <a:r>
-              <a:rPr lang="en-US" dirty="0">
-                <a:solidFill>
-                  <a:srgbClr val="00B0F0"/>
-                </a:solidFill>
-              </a:rPr>
-              <a:t> RPC</a:t>
-            </a:r>
-            <a:r>
-              <a:rPr lang="en-US" dirty="0"/>
-              <a:t> says that an entry has been committed, it </a:t>
-            </a:r>
-            <a:r>
-              <a:rPr lang="en-US" dirty="0">
+              <a:t>new log entries </a:t>
+            </a:r>
+            <a:r>
+              <a:rPr lang="en-US" dirty="0" smtClean="0"/>
+              <a:t>contain the index and term of the </a:t>
+            </a:r>
+            <a:r>
+              <a:rPr lang="en-US" dirty="0" smtClean="0">
                 <a:solidFill>
                   <a:srgbClr val="00B050"/>
                 </a:solidFill>
               </a:rPr>
-              <a:t>writes it to the State Machine</a:t>
+              <a:t>previous entry (X) </a:t>
+            </a:r>
+            <a:r>
+              <a:rPr lang="en-US" i="1" dirty="0" smtClean="0"/>
+              <a:t>(i.e., entry at nextIndex-1)</a:t>
+            </a:r>
+            <a:r>
+              <a:rPr lang="en-US" dirty="0" smtClean="0">
+                <a:solidFill>
+                  <a:srgbClr val="00B050"/>
+                </a:solidFill>
+              </a:rPr>
+              <a:t> in the Leader’s log</a:t>
+            </a:r>
+            <a:r>
+              <a:rPr lang="en-US" dirty="0" smtClean="0"/>
+              <a:t>. </a:t>
             </a:r>
           </a:p>
           <a:p>
@@ -3732,7 +3627,166 @@
               </a:buClr>
               <a:buSzPct val="70000"/>
             </a:pPr>
-            <a:endParaRPr lang="en-US" dirty="0" smtClean="0"/>
+            <a:r>
+              <a:rPr lang="en-US" dirty="0" smtClean="0"/>
+              <a:t>The </a:t>
+            </a:r>
+            <a:r>
+              <a:rPr lang="en-US" dirty="0" err="1" smtClean="0">
+                <a:solidFill>
+                  <a:srgbClr val="00B0F0"/>
+                </a:solidFill>
+              </a:rPr>
+              <a:t>AppendEntries</a:t>
+            </a:r>
+            <a:r>
+              <a:rPr lang="en-US" dirty="0" smtClean="0">
+                <a:solidFill>
+                  <a:srgbClr val="00B0F0"/>
+                </a:solidFill>
+              </a:rPr>
+              <a:t> Consistency Check </a:t>
+            </a:r>
+            <a:r>
+              <a:rPr lang="en-US" dirty="0" smtClean="0"/>
+              <a:t>checks if the follower’s log contains an entry with X’s index and term. </a:t>
+            </a:r>
+          </a:p>
+          <a:p>
+            <a:pPr lvl="1">
+              <a:buClr>
+                <a:srgbClr val="FF0000"/>
+              </a:buClr>
+              <a:buSzPct val="70000"/>
+            </a:pPr>
+            <a:r>
+              <a:rPr lang="en-US" dirty="0" smtClean="0"/>
+              <a:t>If the </a:t>
+            </a:r>
+            <a:r>
+              <a:rPr lang="en-US" dirty="0" smtClean="0">
+                <a:solidFill>
+                  <a:srgbClr val="00B050"/>
+                </a:solidFill>
+              </a:rPr>
+              <a:t>Consistency check does not fail</a:t>
+            </a:r>
+            <a:r>
+              <a:rPr lang="en-US" dirty="0" smtClean="0"/>
+              <a:t>, the new entries are written to the follower’s log. </a:t>
+            </a:r>
+          </a:p>
+          <a:p>
+            <a:pPr lvl="1">
+              <a:buClr>
+                <a:srgbClr val="FF0000"/>
+              </a:buClr>
+              <a:buSzPct val="70000"/>
+            </a:pPr>
+            <a:r>
+              <a:rPr lang="en-US" dirty="0" smtClean="0"/>
+              <a:t>If the </a:t>
+            </a:r>
+            <a:r>
+              <a:rPr lang="en-US" dirty="0" smtClean="0">
+                <a:solidFill>
+                  <a:srgbClr val="FF0000"/>
+                </a:solidFill>
+              </a:rPr>
+              <a:t>consistency check fails</a:t>
+            </a:r>
+            <a:r>
+              <a:rPr lang="en-US" dirty="0" smtClean="0"/>
+              <a:t>, then:</a:t>
+            </a:r>
+          </a:p>
+          <a:p>
+            <a:pPr lvl="2">
+              <a:buClr>
+                <a:srgbClr val="FF0000"/>
+              </a:buClr>
+              <a:buSzPct val="70000"/>
+            </a:pPr>
+            <a:r>
+              <a:rPr lang="en-US" dirty="0" smtClean="0"/>
+              <a:t>The </a:t>
+            </a:r>
+            <a:r>
+              <a:rPr lang="en-US" dirty="0" smtClean="0">
+                <a:solidFill>
+                  <a:srgbClr val="00B050"/>
+                </a:solidFill>
+              </a:rPr>
+              <a:t>Leader decrements </a:t>
+            </a:r>
+            <a:r>
+              <a:rPr lang="en-US" dirty="0" err="1" smtClean="0">
+                <a:solidFill>
+                  <a:srgbClr val="00B0F0"/>
+                </a:solidFill>
+              </a:rPr>
+              <a:t>nextIndex</a:t>
+            </a:r>
+            <a:r>
+              <a:rPr lang="en-US" dirty="0" smtClean="0">
+                <a:solidFill>
+                  <a:srgbClr val="00B050"/>
+                </a:solidFill>
+              </a:rPr>
+              <a:t> and retries </a:t>
+            </a:r>
+            <a:r>
+              <a:rPr lang="en-US" dirty="0" err="1" smtClean="0">
+                <a:solidFill>
+                  <a:srgbClr val="00B0F0"/>
+                </a:solidFill>
+              </a:rPr>
+              <a:t>AppendEntries</a:t>
+            </a:r>
+            <a:r>
+              <a:rPr lang="en-US" dirty="0" smtClean="0">
+                <a:solidFill>
+                  <a:srgbClr val="00B0F0"/>
+                </a:solidFill>
+              </a:rPr>
+              <a:t> RPC </a:t>
+            </a:r>
+            <a:r>
+              <a:rPr lang="en-US" dirty="0" smtClean="0">
+                <a:solidFill>
+                  <a:srgbClr val="00B050"/>
+                </a:solidFill>
+              </a:rPr>
+              <a:t>for that follower, until a point reaches where the logs match.</a:t>
+            </a:r>
+            <a:r>
+              <a:rPr lang="en-US" dirty="0" smtClean="0"/>
+              <a:t> (one failure of Consistency Check for each mismatching entry)</a:t>
+            </a:r>
+          </a:p>
+          <a:p>
+            <a:pPr lvl="2">
+              <a:buClr>
+                <a:srgbClr val="FF0000"/>
+              </a:buClr>
+              <a:buSzPct val="70000"/>
+            </a:pPr>
+            <a:r>
+              <a:rPr lang="en-US" dirty="0" smtClean="0"/>
+              <a:t> When an </a:t>
+            </a:r>
+            <a:r>
+              <a:rPr lang="en-US" dirty="0" err="1" smtClean="0">
+                <a:solidFill>
+                  <a:srgbClr val="00B0F0"/>
+                </a:solidFill>
+              </a:rPr>
+              <a:t>AppendEntries</a:t>
+            </a:r>
+            <a:r>
+              <a:rPr lang="en-US" dirty="0" smtClean="0"/>
+              <a:t> succeeds, the follower’s log is consistent with the leader’s up to that entry. (The process follows for the next entries.)</a:t>
+            </a:r>
           </a:p>
           <a:p>
             <a:pPr lvl="2">
@@ -3778,7 +3832,7 @@
     </p:spTree>
     <p:extLst>
       <p:ext uri="{BB962C8B-B14F-4D97-AF65-F5344CB8AC3E}">
-        <p14:creationId xmlns:p14="http://schemas.microsoft.com/office/powerpoint/2010/main" val="3718338715"/>
+        <p14:creationId xmlns:p14="http://schemas.microsoft.com/office/powerpoint/2010/main" val="3811900838"/>
       </p:ext>
     </p:extLst>
   </p:cSld>
@@ -3815,7 +3869,12 @@
             <p:ph type="title"/>
           </p:nvPr>
         </p:nvSpPr>
-        <p:spPr/>
+        <p:spPr>
+          <a:xfrm>
+            <a:off x="838200" y="382377"/>
+            <a:ext cx="10515600" cy="1325563"/>
+          </a:xfrm>
+        </p:spPr>
         <p:txBody>
           <a:bodyPr/>
           <a:lstStyle/>
@@ -3840,84 +3899,155 @@
         </p:nvSpPr>
         <p:spPr>
           <a:xfrm>
-            <a:off x="838200" y="1825624"/>
-            <a:ext cx="10515600" cy="4790835"/>
+            <a:off x="838200" y="1828800"/>
+            <a:ext cx="10515600" cy="5193100"/>
           </a:xfrm>
         </p:spPr>
         <p:txBody>
-          <a:bodyPr/>
-          <a:lstStyle/>
-          <a:p>
-            <a:r>
-              <a:rPr lang="en-US" dirty="0" smtClean="0"/>
-              <a:t>Therefore the leader </a:t>
-            </a:r>
+          <a:bodyPr>
+            <a:normAutofit/>
+          </a:bodyPr>
+          <a:lstStyle/>
+          <a:p>
             <a:r>
               <a:rPr lang="en-US" dirty="0" smtClean="0">
                 <a:solidFill>
                   <a:srgbClr val="00B050"/>
                 </a:solidFill>
               </a:rPr>
-              <a:t>does not have to take any special action</a:t>
-            </a:r>
-            <a:r>
-              <a:rPr lang="en-US" dirty="0" smtClean="0"/>
-              <a:t> to ensure </a:t>
+              <a:t>Follower Side:</a:t>
+            </a:r>
+          </a:p>
+          <a:p>
+            <a:pPr lvl="1">
+              <a:buSzPct val="70000"/>
+            </a:pPr>
+            <a:r>
+              <a:rPr lang="en-US" dirty="0" smtClean="0"/>
+              <a:t>If an </a:t>
+            </a:r>
+            <a:r>
+              <a:rPr lang="en-US" dirty="0" smtClean="0">
+                <a:solidFill>
+                  <a:srgbClr val="FF0000"/>
+                </a:solidFill>
+              </a:rPr>
+              <a:t>existing entry conflicts with a new entry</a:t>
+            </a:r>
+            <a:r>
+              <a:rPr lang="en-US" dirty="0" smtClean="0"/>
+              <a:t>, the follower </a:t>
+            </a:r>
+            <a:r>
+              <a:rPr lang="en-US" dirty="0" smtClean="0">
+                <a:solidFill>
+                  <a:srgbClr val="00B050"/>
+                </a:solidFill>
+              </a:rPr>
+              <a:t>deletes the existing entry and all entries that follow</a:t>
+            </a:r>
+            <a:r>
+              <a:rPr lang="en-US" dirty="0" smtClean="0"/>
+              <a:t> – removing the uncommitted log entries from older terms </a:t>
+            </a:r>
+          </a:p>
+          <a:p>
+            <a:pPr lvl="1">
+              <a:buSzPct val="70000"/>
+            </a:pPr>
+            <a:endParaRPr lang="en-US" dirty="0" smtClean="0"/>
+          </a:p>
+          <a:p>
+            <a:pPr lvl="1">
+              <a:buSzPct val="70000"/>
+            </a:pPr>
+            <a:r>
+              <a:rPr lang="en-US" dirty="0" smtClean="0"/>
+              <a:t>The follower then </a:t>
+            </a:r>
+            <a:r>
+              <a:rPr lang="en-US" dirty="0" smtClean="0">
+                <a:solidFill>
+                  <a:srgbClr val="00B050"/>
+                </a:solidFill>
+              </a:rPr>
+              <a:t>appends any new entries already not in the log </a:t>
+            </a:r>
+            <a:r>
+              <a:rPr lang="en-US" dirty="0" smtClean="0"/>
+              <a:t>– this is because the leader is guaranteed to have sent all previously committed log entries</a:t>
+            </a:r>
+          </a:p>
+          <a:p>
+            <a:pPr lvl="1">
+              <a:buSzPct val="70000"/>
+            </a:pPr>
+            <a:endParaRPr lang="en-US" dirty="0" smtClean="0"/>
+          </a:p>
+          <a:p>
+            <a:pPr lvl="1">
+              <a:buClr>
+                <a:srgbClr val="FF0000"/>
+              </a:buClr>
+              <a:buSzPct val="70000"/>
+            </a:pPr>
+            <a:r>
+              <a:rPr lang="en-US" dirty="0"/>
+              <a:t>If </a:t>
+            </a:r>
+            <a:r>
+              <a:rPr lang="en-US" dirty="0" smtClean="0"/>
+              <a:t>a </a:t>
+            </a:r>
+            <a:r>
+              <a:rPr lang="en-US" dirty="0" smtClean="0">
+                <a:solidFill>
+                  <a:srgbClr val="00B050"/>
+                </a:solidFill>
+              </a:rPr>
+              <a:t>future</a:t>
+            </a:r>
+            <a:r>
+              <a:rPr lang="en-US" dirty="0" smtClean="0"/>
+              <a:t> </a:t>
+            </a:r>
+            <a:r>
+              <a:rPr lang="en-US" dirty="0" err="1">
+                <a:solidFill>
+                  <a:srgbClr val="00B0F0"/>
+                </a:solidFill>
+              </a:rPr>
+              <a:t>AppendEntries</a:t>
             </a:r>
             <a:r>
               <a:rPr lang="en-US" dirty="0">
                 <a:solidFill>
+                  <a:srgbClr val="00B0F0"/>
+                </a:solidFill>
+              </a:rPr>
+              <a:t> RPC</a:t>
+            </a:r>
+            <a:r>
+              <a:rPr lang="en-US" dirty="0"/>
+              <a:t> says that an entry has been committed, it </a:t>
+            </a:r>
+            <a:r>
+              <a:rPr lang="en-US" dirty="0">
+                <a:solidFill>
                   <a:srgbClr val="00B050"/>
                 </a:solidFill>
               </a:rPr>
-              <a:t>l</a:t>
-            </a:r>
-            <a:r>
-              <a:rPr lang="en-US" dirty="0" smtClean="0">
-                <a:solidFill>
-                  <a:srgbClr val="00B050"/>
-                </a:solidFill>
-              </a:rPr>
-              <a:t>og consistency</a:t>
-            </a:r>
-            <a:r>
-              <a:rPr lang="en-US" dirty="0" smtClean="0"/>
-              <a:t>.</a:t>
-            </a:r>
-          </a:p>
-          <a:p>
-            <a:r>
-              <a:rPr lang="en-US" dirty="0" smtClean="0"/>
-              <a:t>The </a:t>
-            </a:r>
-            <a:r>
-              <a:rPr lang="en-US" dirty="0" smtClean="0">
-                <a:solidFill>
-                  <a:srgbClr val="00B050"/>
-                </a:solidFill>
-              </a:rPr>
-              <a:t>failed </a:t>
-            </a:r>
-            <a:r>
-              <a:rPr lang="en-US" dirty="0" err="1" smtClean="0">
-                <a:solidFill>
-                  <a:srgbClr val="00B050"/>
-                </a:solidFill>
-              </a:rPr>
-              <a:t>AppendEntries</a:t>
-            </a:r>
-            <a:r>
-              <a:rPr lang="en-US" dirty="0" smtClean="0">
-                <a:solidFill>
-                  <a:srgbClr val="00B050"/>
-                </a:solidFill>
-              </a:rPr>
-              <a:t> Consistency checks </a:t>
-            </a:r>
-            <a:r>
-              <a:rPr lang="en-US" dirty="0" smtClean="0"/>
-              <a:t>take care of maintaining consistency if logs don’t match.</a:t>
-            </a:r>
+              <a:t>writes it to the State Machine</a:t>
+            </a:r>
+          </a:p>
+          <a:p>
+            <a:pPr lvl="1">
+              <a:buClr>
+                <a:srgbClr val="FF0000"/>
+              </a:buClr>
+              <a:buSzPct val="70000"/>
+            </a:pPr>
+            <a:endParaRPr lang="en-US" dirty="0" smtClean="0"/>
           </a:p>
           <a:p>
             <a:pPr lvl="2">
@@ -3963,7 +4093,7 @@
     </p:spTree>
     <p:extLst>
       <p:ext uri="{BB962C8B-B14F-4D97-AF65-F5344CB8AC3E}">
-        <p14:creationId xmlns:p14="http://schemas.microsoft.com/office/powerpoint/2010/main" val="422927626"/>
+        <p14:creationId xmlns:p14="http://schemas.microsoft.com/office/powerpoint/2010/main" val="3718338715"/>
       </p:ext>
     </p:extLst>
   </p:cSld>
@@ -4007,7 +4137,7 @@
           <a:p>
             <a:r>
               <a:rPr lang="en-US" b="1" dirty="0" smtClean="0"/>
-              <a:t>Safety</a:t>
+              <a:t>Log Replication</a:t>
             </a:r>
             <a:endParaRPr lang="en-US" b="1" dirty="0"/>
           </a:p>
@@ -4023,50 +4153,132 @@
             <p:ph idx="1"/>
           </p:nvPr>
         </p:nvSpPr>
-        <p:spPr/>
-        <p:txBody>
-          <a:bodyPr/>
-          <a:lstStyle/>
-          <a:p>
-            <a:r>
-              <a:rPr lang="en-US" dirty="0" smtClean="0">
-                <a:solidFill>
-                  <a:srgbClr val="00B0F0"/>
-                </a:solidFill>
-              </a:rPr>
-              <a:t>State Machine Safety Property</a:t>
-            </a:r>
-            <a:r>
-              <a:rPr lang="en-US" dirty="0" smtClean="0"/>
-              <a:t> – if a server has applied a log entry at a given index in its state machine, no other server will apply a different entry in the same index.</a:t>
-            </a:r>
-          </a:p>
-          <a:p>
-            <a:r>
-              <a:rPr lang="en-US" dirty="0" smtClean="0"/>
-              <a:t>Ensured by the following:</a:t>
-            </a:r>
-          </a:p>
-          <a:p>
-            <a:pPr lvl="1"/>
-            <a:r>
-              <a:rPr lang="en-US" dirty="0" smtClean="0"/>
-              <a:t>A leader always contains all committed entries from previous terms</a:t>
-            </a:r>
-          </a:p>
-          <a:p>
-            <a:pPr lvl="1"/>
-            <a:r>
-              <a:rPr lang="en-US" dirty="0" smtClean="0"/>
-              <a:t>Log entries from older terms are never committed by counting replicas </a:t>
-            </a:r>
+        <p:spPr>
+          <a:xfrm>
+            <a:off x="838200" y="1825624"/>
+            <a:ext cx="10515600" cy="4790835"/>
+          </a:xfrm>
+        </p:spPr>
+        <p:txBody>
+          <a:bodyPr/>
+          <a:lstStyle/>
+          <a:p>
+            <a:r>
+              <a:rPr lang="en-US" dirty="0" smtClean="0"/>
+              <a:t>Therefore the leader </a:t>
+            </a:r>
+            <a:r>
+              <a:rPr lang="en-US" dirty="0" smtClean="0">
+                <a:solidFill>
+                  <a:srgbClr val="00B050"/>
+                </a:solidFill>
+              </a:rPr>
+              <a:t>does not have to take any special action</a:t>
+            </a:r>
+            <a:r>
+              <a:rPr lang="en-US" dirty="0" smtClean="0"/>
+              <a:t> to ensure </a:t>
+            </a:r>
+            <a:r>
+              <a:rPr lang="en-US" dirty="0">
+                <a:solidFill>
+                  <a:srgbClr val="00B050"/>
+                </a:solidFill>
+              </a:rPr>
+              <a:t>l</a:t>
+            </a:r>
+            <a:r>
+              <a:rPr lang="en-US" dirty="0" smtClean="0">
+                <a:solidFill>
+                  <a:srgbClr val="00B050"/>
+                </a:solidFill>
+              </a:rPr>
+              <a:t>og consistency</a:t>
+            </a:r>
+            <a:r>
+              <a:rPr lang="en-US" dirty="0" smtClean="0"/>
+              <a:t>.</a:t>
+            </a:r>
+          </a:p>
+          <a:p>
+            <a:r>
+              <a:rPr lang="en-US" dirty="0" smtClean="0"/>
+              <a:t>The </a:t>
+            </a:r>
+            <a:r>
+              <a:rPr lang="en-US" dirty="0" smtClean="0">
+                <a:solidFill>
+                  <a:srgbClr val="00B050"/>
+                </a:solidFill>
+              </a:rPr>
+              <a:t>failed </a:t>
+            </a:r>
+            <a:r>
+              <a:rPr lang="en-US" dirty="0" err="1" smtClean="0">
+                <a:solidFill>
+                  <a:srgbClr val="00B050"/>
+                </a:solidFill>
+              </a:rPr>
+              <a:t>AppendEntries</a:t>
+            </a:r>
+            <a:r>
+              <a:rPr lang="en-US" dirty="0" smtClean="0">
+                <a:solidFill>
+                  <a:srgbClr val="00B050"/>
+                </a:solidFill>
+              </a:rPr>
+              <a:t> Consistency checks </a:t>
+            </a:r>
+            <a:r>
+              <a:rPr lang="en-US" dirty="0" smtClean="0"/>
+              <a:t>take care of maintaining consistency if logs don’t match.</a:t>
+            </a:r>
+          </a:p>
+          <a:p>
+            <a:pPr lvl="2">
+              <a:buClr>
+                <a:srgbClr val="FF0000"/>
+              </a:buClr>
+              <a:buSzPct val="70000"/>
+            </a:pPr>
+            <a:endParaRPr lang="en-US" dirty="0" smtClean="0"/>
+          </a:p>
+          <a:p>
+            <a:pPr lvl="2">
+              <a:buClr>
+                <a:srgbClr val="FF0000"/>
+              </a:buClr>
+              <a:buSzPct val="70000"/>
+            </a:pPr>
+            <a:endParaRPr lang="en-US" dirty="0" smtClean="0"/>
+          </a:p>
+          <a:p>
+            <a:pPr lvl="2">
+              <a:buClr>
+                <a:srgbClr val="FF0000"/>
+              </a:buClr>
+              <a:buSzPct val="70000"/>
+              <a:buFont typeface="Courier New" panose="02070309020205020404" pitchFamily="49" charset="0"/>
+              <a:buChar char="o"/>
+            </a:pPr>
+            <a:endParaRPr lang="en-US" dirty="0" smtClean="0"/>
+          </a:p>
+          <a:p>
+            <a:pPr marL="1371600" lvl="2" indent="-457200">
+              <a:buFont typeface="+mj-lt"/>
+              <a:buAutoNum type="alphaUcPeriod"/>
+            </a:pPr>
+            <a:endParaRPr lang="en-US" dirty="0" smtClean="0"/>
+          </a:p>
+          <a:p>
+            <a:endParaRPr lang="en-US" dirty="0"/>
           </a:p>
         </p:txBody>
       </p:sp>
     </p:spTree>
     <p:extLst>
       <p:ext uri="{BB962C8B-B14F-4D97-AF65-F5344CB8AC3E}">
-        <p14:creationId xmlns:p14="http://schemas.microsoft.com/office/powerpoint/2010/main" val="2965944169"/>
+        <p14:creationId xmlns:p14="http://schemas.microsoft.com/office/powerpoint/2010/main" val="422927626"/>
       </p:ext>
     </p:extLst>
   </p:cSld>
@@ -4132,172 +4344,44 @@
           <a:lstStyle/>
           <a:p>
             <a:r>
-              <a:rPr lang="en-US" dirty="0" smtClean="0"/>
-              <a:t>Leader Crash Scenarios:</a:t>
-            </a:r>
-          </a:p>
-          <a:p>
-            <a:pPr marL="914400" lvl="1" indent="-457200">
-              <a:buFont typeface="+mj-lt"/>
-              <a:buAutoNum type="alphaUcPeriod"/>
-            </a:pPr>
-            <a:r>
-              <a:rPr lang="en-US" dirty="0" smtClean="0">
-                <a:solidFill>
-                  <a:srgbClr val="00B050"/>
-                </a:solidFill>
-              </a:rPr>
-              <a:t>Leader crashes before committing an entry</a:t>
-            </a:r>
-            <a:r>
-              <a:rPr lang="en-US" dirty="0" smtClean="0"/>
-              <a:t>:</a:t>
-            </a:r>
-          </a:p>
-          <a:p>
-            <a:pPr lvl="2"/>
-            <a:r>
-              <a:rPr lang="en-US" dirty="0" smtClean="0"/>
-              <a:t>The new leader may not contain all the log entries as the majority may not have replicated</a:t>
-            </a:r>
-          </a:p>
-          <a:p>
-            <a:pPr lvl="2"/>
-            <a:r>
-              <a:rPr lang="en-US" dirty="0" smtClean="0"/>
-              <a:t>The client request is lost, but there is still consensus </a:t>
-            </a:r>
-          </a:p>
-          <a:p>
-            <a:pPr marL="914400" lvl="1" indent="-457200">
-              <a:buFont typeface="+mj-lt"/>
-              <a:buAutoNum type="alphaUcPeriod"/>
-            </a:pPr>
-            <a:r>
-              <a:rPr lang="en-US" dirty="0"/>
-              <a:t> </a:t>
-            </a:r>
-            <a:r>
-              <a:rPr lang="en-US" dirty="0">
-                <a:solidFill>
-                  <a:srgbClr val="00B050"/>
-                </a:solidFill>
-              </a:rPr>
-              <a:t>Leader crashes after committing an entry, but before sending </a:t>
-            </a:r>
-            <a:r>
-              <a:rPr lang="en-US" dirty="0">
+              <a:rPr lang="en-US" dirty="0" smtClean="0">
                 <a:solidFill>
                   <a:srgbClr val="00B0F0"/>
                 </a:solidFill>
               </a:rPr>
-              <a:t>any future </a:t>
-            </a:r>
-            <a:r>
-              <a:rPr lang="en-US" dirty="0" err="1" smtClean="0">
-                <a:solidFill>
-                  <a:srgbClr val="00B0F0"/>
-                </a:solidFill>
-              </a:rPr>
-              <a:t>AppendEntries</a:t>
-            </a:r>
-            <a:r>
-              <a:rPr lang="en-US" dirty="0" smtClean="0">
-                <a:solidFill>
-                  <a:srgbClr val="00B0F0"/>
-                </a:solidFill>
-              </a:rPr>
-              <a:t> </a:t>
-            </a:r>
-            <a:r>
-              <a:rPr lang="en-US" dirty="0">
-                <a:solidFill>
-                  <a:srgbClr val="00B0F0"/>
-                </a:solidFill>
-              </a:rPr>
-              <a:t>RPC</a:t>
-            </a:r>
-            <a:r>
-              <a:rPr lang="en-US" dirty="0">
-                <a:solidFill>
-                  <a:srgbClr val="00B050"/>
-                </a:solidFill>
-              </a:rPr>
-              <a:t> </a:t>
-            </a:r>
-            <a:r>
-              <a:rPr lang="en-US" dirty="0" smtClean="0">
-                <a:solidFill>
-                  <a:srgbClr val="00B050"/>
-                </a:solidFill>
-              </a:rPr>
-              <a:t>with commit information</a:t>
-            </a:r>
-            <a:r>
-              <a:rPr lang="en-US" dirty="0" smtClean="0">
-                <a:solidFill>
-                  <a:srgbClr val="FF0000"/>
-                </a:solidFill>
-              </a:rPr>
-              <a:t>:</a:t>
-            </a:r>
-          </a:p>
-          <a:p>
-            <a:pPr lvl="2"/>
-            <a:r>
-              <a:rPr lang="en-US" dirty="0" smtClean="0"/>
-              <a:t>The majority of followers already have the entry in log</a:t>
-            </a:r>
-          </a:p>
-          <a:p>
-            <a:pPr lvl="2"/>
-            <a:r>
-              <a:rPr lang="en-US" dirty="0" smtClean="0"/>
-              <a:t>So the new leader will have the entry in its log</a:t>
-            </a:r>
-          </a:p>
-          <a:p>
-            <a:pPr lvl="2"/>
-            <a:r>
-              <a:rPr lang="en-US" dirty="0" smtClean="0"/>
-              <a:t>The new leader will try to commit it </a:t>
-            </a:r>
-          </a:p>
-          <a:p>
-            <a:pPr lvl="2"/>
-            <a:r>
-              <a:rPr lang="en-US" dirty="0" smtClean="0"/>
-              <a:t>The client request </a:t>
-            </a:r>
-            <a:r>
-              <a:rPr lang="en-US" dirty="0" smtClean="0"/>
-              <a:t>may not be</a:t>
-            </a:r>
-            <a:r>
-              <a:rPr lang="en-US" dirty="0" smtClean="0"/>
-              <a:t> lost </a:t>
-            </a:r>
-            <a:r>
-              <a:rPr lang="en-US" dirty="0" smtClean="0"/>
-              <a:t>and there is Consensus </a:t>
-            </a:r>
-          </a:p>
-          <a:p>
-            <a:endParaRPr lang="en-US" dirty="0" smtClean="0"/>
-          </a:p>
-          <a:p>
-            <a:pPr marL="1371600" lvl="2" indent="-457200">
-              <a:buFont typeface="+mj-lt"/>
-              <a:buAutoNum type="alphaUcPeriod"/>
-            </a:pPr>
-            <a:endParaRPr lang="en-US" dirty="0" smtClean="0"/>
+              <a:t>State Machine Safety Property</a:t>
+            </a:r>
+            <a:r>
+              <a:rPr lang="en-US" dirty="0" smtClean="0"/>
+              <a:t> – if a server has applied a log entry at a given index in its state machine, no other server will apply a different entry in the same index.</a:t>
+            </a:r>
+          </a:p>
+          <a:p>
+            <a:r>
+              <a:rPr lang="en-US" dirty="0" smtClean="0"/>
+              <a:t>Ensured by the following:</a:t>
+            </a:r>
+          </a:p>
+          <a:p>
+            <a:pPr lvl="1"/>
+            <a:r>
+              <a:rPr lang="en-US" dirty="0" smtClean="0"/>
+              <a:t>A leader always contains all committed entries from previous terms</a:t>
+            </a:r>
+          </a:p>
+          <a:p>
+            <a:pPr lvl="1"/>
+            <a:r>
+              <a:rPr lang="en-US" dirty="0" smtClean="0"/>
+              <a:t>Log entries from older terms are never committed by counting replicas </a:t>
+            </a:r>
           </a:p>
         </p:txBody>
       </p:sp>
     </p:spTree>
     <p:extLst>
       <p:ext uri="{BB962C8B-B14F-4D97-AF65-F5344CB8AC3E}">
-        <p14:creationId xmlns:p14="http://schemas.microsoft.com/office/powerpoint/2010/main" val="3739259691"/>
+        <p14:creationId xmlns:p14="http://schemas.microsoft.com/office/powerpoint/2010/main" val="2965944169"/>
       </p:ext>
     </p:extLst>
   </p:cSld>
@@ -4364,50 +4448,151 @@
           <a:p>
             <a:r>
               <a:rPr lang="en-US" dirty="0" smtClean="0"/>
-              <a:t>Follower/Candidate Crash Scenario:</a:t>
-            </a:r>
+              <a:t>Leader Crash Scenarios:</a:t>
+            </a:r>
+          </a:p>
+          <a:p>
+            <a:pPr marL="914400" lvl="1" indent="-457200">
+              <a:buFont typeface="+mj-lt"/>
+              <a:buAutoNum type="alphaUcPeriod"/>
+            </a:pPr>
+            <a:r>
+              <a:rPr lang="en-US" dirty="0" smtClean="0">
+                <a:solidFill>
+                  <a:srgbClr val="00B050"/>
+                </a:solidFill>
+              </a:rPr>
+              <a:t>Leader crashes before committing an entry</a:t>
+            </a:r>
+            <a:r>
+              <a:rPr lang="en-US" dirty="0" smtClean="0"/>
+              <a:t>:</a:t>
+            </a:r>
+          </a:p>
+          <a:p>
+            <a:pPr lvl="2"/>
+            <a:r>
+              <a:rPr lang="en-US" dirty="0" smtClean="0"/>
+              <a:t>The new leader may not contain all the log entries as the majority may not have replicated</a:t>
+            </a:r>
+          </a:p>
+          <a:p>
+            <a:pPr lvl="2"/>
+            <a:r>
+              <a:rPr lang="en-US" dirty="0" smtClean="0"/>
+              <a:t>The client request is lost, but there is still consensus </a:t>
+            </a:r>
+          </a:p>
+          <a:p>
+            <a:pPr marL="914400" lvl="1" indent="-457200">
+              <a:buFont typeface="+mj-lt"/>
+              <a:buAutoNum type="alphaUcPeriod"/>
+            </a:pPr>
+            <a:r>
+              <a:rPr lang="en-US" dirty="0"/>
+              <a:t> </a:t>
+            </a:r>
+            <a:r>
+              <a:rPr lang="en-US" dirty="0">
+                <a:solidFill>
+                  <a:srgbClr val="00B050"/>
+                </a:solidFill>
+              </a:rPr>
+              <a:t>Leader crashes after committing an entry, but before sending </a:t>
+            </a:r>
+            <a:r>
+              <a:rPr lang="en-US" dirty="0">
+                <a:solidFill>
+                  <a:srgbClr val="00B0F0"/>
+                </a:solidFill>
+              </a:rPr>
+              <a:t>any future </a:t>
+            </a:r>
+            <a:r>
+              <a:rPr lang="en-US" dirty="0" err="1" smtClean="0">
+                <a:solidFill>
+                  <a:srgbClr val="00B0F0"/>
+                </a:solidFill>
+              </a:rPr>
+              <a:t>AppendEntries</a:t>
+            </a:r>
+            <a:r>
+              <a:rPr lang="en-US" dirty="0" smtClean="0">
+                <a:solidFill>
+                  <a:srgbClr val="00B0F0"/>
+                </a:solidFill>
+              </a:rPr>
+              <a:t> </a:t>
+            </a:r>
+            <a:r>
+              <a:rPr lang="en-US" dirty="0">
+                <a:solidFill>
+                  <a:srgbClr val="00B0F0"/>
+                </a:solidFill>
+              </a:rPr>
+              <a:t>RPC</a:t>
+            </a:r>
+            <a:r>
+              <a:rPr lang="en-US" dirty="0">
+                <a:solidFill>
+                  <a:srgbClr val="00B050"/>
+                </a:solidFill>
+              </a:rPr>
+              <a:t> </a:t>
+            </a:r>
+            <a:r>
+              <a:rPr lang="en-US" dirty="0" smtClean="0">
+                <a:solidFill>
+                  <a:srgbClr val="00B050"/>
+                </a:solidFill>
+              </a:rPr>
+              <a:t>with commit information</a:t>
+            </a:r>
+            <a:r>
+              <a:rPr lang="en-US" dirty="0" smtClean="0">
+                <a:solidFill>
+                  <a:srgbClr val="FF0000"/>
+                </a:solidFill>
+              </a:rPr>
+              <a:t>:</a:t>
+            </a:r>
+          </a:p>
+          <a:p>
+            <a:pPr lvl="2"/>
+            <a:r>
+              <a:rPr lang="en-US" dirty="0" smtClean="0"/>
+              <a:t>The majority of followers already have the entry in log</a:t>
+            </a:r>
+          </a:p>
+          <a:p>
+            <a:pPr lvl="2"/>
+            <a:r>
+              <a:rPr lang="en-US" dirty="0" smtClean="0"/>
+              <a:t>So the new leader will have the entry in its log</a:t>
+            </a:r>
+          </a:p>
+          <a:p>
+            <a:pPr lvl="2"/>
+            <a:r>
+              <a:rPr lang="en-US" dirty="0" smtClean="0"/>
+              <a:t>The new leader will try to commit it </a:t>
+            </a:r>
+          </a:p>
+          <a:p>
+            <a:pPr lvl="2"/>
+            <a:r>
+              <a:rPr lang="en-US" dirty="0" smtClean="0"/>
+              <a:t>The client request may not be lost and there is Consensus </a:t>
+            </a:r>
+          </a:p>
+          <a:p>
             <a:endParaRPr lang="en-US" dirty="0" smtClean="0"/>
           </a:p>
           <a:p>
-            <a:pPr lvl="1"/>
-            <a:r>
-              <a:rPr lang="en-US" dirty="0" smtClean="0"/>
-              <a:t>The RPCs are sent </a:t>
-            </a:r>
-            <a:r>
-              <a:rPr lang="en-US" dirty="0" smtClean="0">
-                <a:solidFill>
-                  <a:srgbClr val="00B050"/>
-                </a:solidFill>
-              </a:rPr>
-              <a:t>indefinitely</a:t>
-            </a:r>
-            <a:r>
-              <a:rPr lang="en-US" dirty="0" smtClean="0"/>
-              <a:t> by the Leader </a:t>
-            </a:r>
-          </a:p>
-          <a:p>
-            <a:pPr lvl="1"/>
-            <a:r>
-              <a:rPr lang="en-US" dirty="0" smtClean="0"/>
-              <a:t>They respond on starting</a:t>
-            </a:r>
-          </a:p>
-          <a:p>
-            <a:pPr lvl="1"/>
-            <a:r>
-              <a:rPr lang="en-US" dirty="0" smtClean="0">
-                <a:solidFill>
-                  <a:srgbClr val="00B050"/>
-                </a:solidFill>
-              </a:rPr>
-              <a:t>If no leader found on starting, start an election</a:t>
-            </a:r>
-            <a:r>
-              <a:rPr lang="en-US" dirty="0" smtClean="0"/>
-              <a:t>.</a:t>
-            </a:r>
+            <a:pPr marL="1371600" lvl="2" indent="-457200">
+              <a:buFont typeface="+mj-lt"/>
+              <a:buAutoNum type="alphaUcPeriod"/>
+            </a:pPr>
             <a:endParaRPr lang="en-US" dirty="0" smtClean="0"/>
           </a:p>
         </p:txBody>
@@ -4415,7 +4600,7 @@
     </p:spTree>
     <p:extLst>
       <p:ext uri="{BB962C8B-B14F-4D97-AF65-F5344CB8AC3E}">
-        <p14:creationId xmlns:p14="http://schemas.microsoft.com/office/powerpoint/2010/main" val="911818167"/>
+        <p14:creationId xmlns:p14="http://schemas.microsoft.com/office/powerpoint/2010/main" val="3739259691"/>
       </p:ext>
     </p:extLst>
   </p:cSld>
@@ -4459,7 +4644,7 @@
           <a:p>
             <a:r>
               <a:rPr lang="en-US" b="1" dirty="0" smtClean="0"/>
-              <a:t>Log Compaction</a:t>
+              <a:t>Safety</a:t>
             </a:r>
             <a:endParaRPr lang="en-US" b="1" dirty="0"/>
           </a:p>
@@ -4482,21 +4667,14 @@
           <a:p>
             <a:r>
               <a:rPr lang="en-US" dirty="0" smtClean="0"/>
-              <a:t>They use </a:t>
-            </a:r>
-            <a:r>
-              <a:rPr lang="en-US" dirty="0" smtClean="0">
-                <a:solidFill>
-                  <a:srgbClr val="00B0F0"/>
-                </a:solidFill>
-              </a:rPr>
-              <a:t>Snapshotting</a:t>
-            </a:r>
-          </a:p>
-          <a:p>
-            <a:r>
-              <a:rPr lang="en-US" dirty="0" smtClean="0"/>
-              <a:t>Each server takes snapshots independently – </a:t>
+              <a:t>Follower/Candidate Crash Scenario:</a:t>
+            </a:r>
+          </a:p>
+          <a:p>
+            <a:pPr lvl="1"/>
+            <a:r>
+              <a:rPr lang="en-US" dirty="0" smtClean="0"/>
+              <a:t>The RPCs are sent </a:t>
             </a:r>
             <a:r>
               <a:rPr lang="en-US" dirty="0" smtClean="0">
@@ -4504,30 +4682,41 @@
                   <a:srgbClr val="00B050"/>
                 </a:solidFill>
               </a:rPr>
-              <a:t>When the log reaches a fixed size</a:t>
-            </a:r>
-            <a:r>
-              <a:rPr lang="en-US" dirty="0" smtClean="0"/>
-              <a:t> (</a:t>
-            </a:r>
-            <a:r>
-              <a:rPr lang="en-US" dirty="0" err="1" smtClean="0"/>
-              <a:t>predecided</a:t>
-            </a:r>
-            <a:r>
-              <a:rPr lang="en-US" dirty="0" smtClean="0"/>
-              <a:t>)</a:t>
-            </a:r>
-          </a:p>
-          <a:p>
-            <a:endParaRPr lang="en-US" dirty="0"/>
+              <a:t>indefinitely</a:t>
+            </a:r>
+            <a:r>
+              <a:rPr lang="en-US" dirty="0" smtClean="0"/>
+              <a:t> by the Leader </a:t>
+            </a:r>
+          </a:p>
+          <a:p>
+            <a:pPr lvl="1"/>
+            <a:r>
+              <a:rPr lang="en-US" dirty="0" smtClean="0"/>
+              <a:t>They respond on starting</a:t>
+            </a:r>
+          </a:p>
+          <a:p>
+            <a:pPr lvl="1"/>
+            <a:r>
+              <a:rPr lang="en-US" dirty="0" smtClean="0">
+                <a:solidFill>
+                  <a:srgbClr val="00B050"/>
+                </a:solidFill>
+              </a:rPr>
+              <a:t>If no leader found on starting, start an election</a:t>
+            </a:r>
+            <a:r>
+              <a:rPr lang="en-US" dirty="0" smtClean="0"/>
+              <a:t>.</a:t>
+            </a:r>
           </a:p>
         </p:txBody>
       </p:sp>
     </p:spTree>
     <p:extLst>
       <p:ext uri="{BB962C8B-B14F-4D97-AF65-F5344CB8AC3E}">
-        <p14:creationId xmlns:p14="http://schemas.microsoft.com/office/powerpoint/2010/main" val="1778850710"/>
+        <p14:creationId xmlns:p14="http://schemas.microsoft.com/office/powerpoint/2010/main" val="911818167"/>
       </p:ext>
     </p:extLst>
   </p:cSld>
@@ -4566,6 +4755,123 @@
         </p:nvSpPr>
         <p:spPr/>
         <p:txBody>
+          <a:bodyPr/>
+          <a:lstStyle/>
+          <a:p>
+            <a:r>
+              <a:rPr lang="en-US" b="1" dirty="0" smtClean="0"/>
+              <a:t>Log Compaction</a:t>
+            </a:r>
+            <a:endParaRPr lang="en-US" b="1" dirty="0"/>
+          </a:p>
+        </p:txBody>
+      </p:sp>
+      <p:sp>
+        <p:nvSpPr>
+          <p:cNvPr id="3" name="Content Placeholder 2"/>
+          <p:cNvSpPr>
+            <a:spLocks noGrp="1"/>
+          </p:cNvSpPr>
+          <p:nvPr>
+            <p:ph idx="1"/>
+          </p:nvPr>
+        </p:nvSpPr>
+        <p:spPr/>
+        <p:txBody>
+          <a:bodyPr/>
+          <a:lstStyle/>
+          <a:p>
+            <a:r>
+              <a:rPr lang="en-US" dirty="0" smtClean="0"/>
+              <a:t>They use </a:t>
+            </a:r>
+            <a:r>
+              <a:rPr lang="en-US" dirty="0" smtClean="0">
+                <a:solidFill>
+                  <a:srgbClr val="00B0F0"/>
+                </a:solidFill>
+              </a:rPr>
+              <a:t>Snapshotting </a:t>
+            </a:r>
+            <a:endParaRPr lang="en-US" dirty="0" smtClean="0">
+              <a:solidFill>
+                <a:srgbClr val="00B0F0"/>
+              </a:solidFill>
+            </a:endParaRPr>
+          </a:p>
+          <a:p>
+            <a:r>
+              <a:rPr lang="en-US" dirty="0" smtClean="0"/>
+              <a:t>Each server takes snapshots independently – </a:t>
+            </a:r>
+            <a:r>
+              <a:rPr lang="en-US" dirty="0" smtClean="0">
+                <a:solidFill>
+                  <a:srgbClr val="00B050"/>
+                </a:solidFill>
+              </a:rPr>
+              <a:t>When the log reaches a fixed size</a:t>
+            </a:r>
+            <a:r>
+              <a:rPr lang="en-US" dirty="0" smtClean="0"/>
+              <a:t> (</a:t>
+            </a:r>
+            <a:r>
+              <a:rPr lang="en-US" dirty="0" err="1" smtClean="0"/>
+              <a:t>predecided</a:t>
+            </a:r>
+            <a:r>
+              <a:rPr lang="en-US" dirty="0" smtClean="0"/>
+              <a:t>)</a:t>
+            </a:r>
+          </a:p>
+          <a:p>
+            <a:endParaRPr lang="en-US" dirty="0"/>
+          </a:p>
+        </p:txBody>
+      </p:sp>
+    </p:spTree>
+    <p:extLst>
+      <p:ext uri="{BB962C8B-B14F-4D97-AF65-F5344CB8AC3E}">
+        <p14:creationId xmlns:p14="http://schemas.microsoft.com/office/powerpoint/2010/main" val="1778850710"/>
+      </p:ext>
+    </p:extLst>
+  </p:cSld>
+  <p:clrMapOvr>
+    <a:masterClrMapping/>
+  </p:clrMapOvr>
+</p:sld>
+</file>
+
+<file path=ppt/slides/slide18.xml><?xml version="1.0" encoding="utf-8"?>
+<p:sld xmlns:a="http://schemas.openxmlformats.org/drawingml/2006/main" xmlns:r="http://schemas.openxmlformats.org/officeDocument/2006/relationships" xmlns:p="http://schemas.openxmlformats.org/presentationml/2006/main">
+  <p:cSld>
+    <p:spTree>
+      <p:nvGrpSpPr>
+        <p:cNvPr id="1" name=""/>
+        <p:cNvGrpSpPr/>
+        <p:nvPr/>
+      </p:nvGrpSpPr>
+      <p:grpSpPr>
+        <a:xfrm>
+          <a:off x="0" y="0"/>
+          <a:ext cx="0" cy="0"/>
+          <a:chOff x="0" y="0"/>
+          <a:chExt cx="0" cy="0"/>
+        </a:xfrm>
+      </p:grpSpPr>
+      <p:sp>
+        <p:nvSpPr>
+          <p:cNvPr id="2" name="Title 1"/>
+          <p:cNvSpPr>
+            <a:spLocks noGrp="1"/>
+          </p:cNvSpPr>
+          <p:nvPr>
+            <p:ph type="title"/>
+          </p:nvPr>
+        </p:nvSpPr>
+        <p:spPr/>
+        <p:txBody>
           <a:bodyPr>
             <a:normAutofit/>
           </a:bodyPr>
@@ -4626,23 +4932,11 @@
                   <a:srgbClr val="00B050"/>
                 </a:solidFill>
               </a:rPr>
-              <a:t>additional </a:t>
-            </a:r>
-            <a:r>
-              <a:rPr lang="en-US" dirty="0" smtClean="0">
-                <a:solidFill>
-                  <a:srgbClr val="00B050"/>
-                </a:solidFill>
-              </a:rPr>
-              <a:t>modifications</a:t>
-            </a:r>
-            <a:r>
-              <a:rPr lang="en-US" dirty="0" smtClean="0"/>
-              <a:t>– </a:t>
-            </a:r>
-            <a:r>
-              <a:rPr lang="en-US" dirty="0" smtClean="0"/>
-              <a:t>resulting in final systems based on an </a:t>
+              <a:t>additional modifications</a:t>
+            </a:r>
+            <a:r>
+              <a:rPr lang="en-US" dirty="0" smtClean="0"/>
+              <a:t>– resulting in final systems based on an </a:t>
             </a:r>
             <a:r>
               <a:rPr lang="en-US" dirty="0" smtClean="0">
@@ -4730,6 +5024,346 @@
     <p:extLst>
       <p:ext uri="{BB962C8B-B14F-4D97-AF65-F5344CB8AC3E}">
         <p14:creationId xmlns:p14="http://schemas.microsoft.com/office/powerpoint/2010/main" val="3319759578"/>
+      </p:ext>
+    </p:extLst>
+  </p:cSld>
+  <p:clrMapOvr>
+    <a:masterClrMapping/>
+  </p:clrMapOvr>
+</p:sld>
+</file>
+
+<file path=ppt/slides/slide19.xml><?xml version="1.0" encoding="utf-8"?>
+<p:sld xmlns:a="http://schemas.openxmlformats.org/drawingml/2006/main" xmlns:r="http://schemas.openxmlformats.org/officeDocument/2006/relationships" xmlns:p="http://schemas.openxmlformats.org/presentationml/2006/main">
+  <p:cSld>
+    <p:spTree>
+      <p:nvGrpSpPr>
+        <p:cNvPr id="1" name=""/>
+        <p:cNvGrpSpPr/>
+        <p:nvPr/>
+      </p:nvGrpSpPr>
+      <p:grpSpPr>
+        <a:xfrm>
+          <a:off x="0" y="0"/>
+          <a:ext cx="0" cy="0"/>
+          <a:chOff x="0" y="0"/>
+          <a:chExt cx="0" cy="0"/>
+        </a:xfrm>
+      </p:grpSpPr>
+      <p:sp>
+        <p:nvSpPr>
+          <p:cNvPr id="2" name="Title 1"/>
+          <p:cNvSpPr>
+            <a:spLocks noGrp="1"/>
+          </p:cNvSpPr>
+          <p:nvPr>
+            <p:ph type="title"/>
+          </p:nvPr>
+        </p:nvSpPr>
+        <p:spPr/>
+        <p:txBody>
+          <a:bodyPr/>
+          <a:lstStyle/>
+          <a:p>
+            <a:r>
+              <a:rPr lang="en-US" b="1" dirty="0" smtClean="0"/>
+              <a:t>Raft Vs </a:t>
+            </a:r>
+            <a:r>
+              <a:rPr lang="en-US" b="1" dirty="0" err="1" smtClean="0"/>
+              <a:t>Paxos</a:t>
+            </a:r>
+            <a:endParaRPr lang="en-US" b="1" dirty="0"/>
+          </a:p>
+        </p:txBody>
+      </p:sp>
+      <p:graphicFrame>
+        <p:nvGraphicFramePr>
+          <p:cNvPr id="4" name="Content Placeholder 3"/>
+          <p:cNvGraphicFramePr>
+            <a:graphicFrameLocks noGrp="1"/>
+          </p:cNvGraphicFramePr>
+          <p:nvPr>
+            <p:ph idx="1"/>
+            <p:extLst>
+              <p:ext uri="{D42A27DB-BD31-4B8C-83A1-F6EECF244321}">
+                <p14:modId xmlns:p14="http://schemas.microsoft.com/office/powerpoint/2010/main" val="87673616"/>
+              </p:ext>
+            </p:extLst>
+          </p:nvPr>
+        </p:nvGraphicFramePr>
+        <p:xfrm>
+          <a:off x="838200" y="1825625"/>
+          <a:ext cx="10515600" cy="2494280"/>
+        </p:xfrm>
+        <a:graphic>
+          <a:graphicData uri="http://schemas.openxmlformats.org/drawingml/2006/table">
+            <a:tbl>
+              <a:tblPr firstRow="1" bandRow="1">
+                <a:tableStyleId>{5C22544A-7EE6-4342-B048-85BDC9FD1C3A}</a:tableStyleId>
+              </a:tblPr>
+              <a:tblGrid>
+                <a:gridCol w="5257800">
+                  <a:extLst>
+                    <a:ext uri="{9D8B030D-6E8A-4147-A177-3AD203B41FA5}">
+                      <a16:colId xmlns:a16="http://schemas.microsoft.com/office/drawing/2014/main" val="1253510874"/>
+                    </a:ext>
+                  </a:extLst>
+                </a:gridCol>
+                <a:gridCol w="5257800">
+                  <a:extLst>
+                    <a:ext uri="{9D8B030D-6E8A-4147-A177-3AD203B41FA5}">
+                      <a16:colId xmlns:a16="http://schemas.microsoft.com/office/drawing/2014/main" val="1688995389"/>
+                    </a:ext>
+                  </a:extLst>
+                </a:gridCol>
+              </a:tblGrid>
+              <a:tr h="370840">
+                <a:tc>
+                  <a:txBody>
+                    <a:bodyPr/>
+                    <a:lstStyle/>
+                    <a:p>
+                      <a:r>
+                        <a:rPr lang="en-US" dirty="0" smtClean="0"/>
+                        <a:t>Raft</a:t>
+                      </a:r>
+                      <a:endParaRPr lang="en-US" dirty="0"/>
+                    </a:p>
+                  </a:txBody>
+                  <a:tcPr/>
+                </a:tc>
+                <a:tc>
+                  <a:txBody>
+                    <a:bodyPr/>
+                    <a:lstStyle/>
+                    <a:p>
+                      <a:r>
+                        <a:rPr lang="en-US" dirty="0" err="1" smtClean="0"/>
+                        <a:t>Paxos</a:t>
+                      </a:r>
+                      <a:endParaRPr lang="en-US" dirty="0"/>
+                    </a:p>
+                  </a:txBody>
+                  <a:tcPr/>
+                </a:tc>
+                <a:extLst>
+                  <a:ext uri="{0D108BD9-81ED-4DB2-BD59-A6C34878D82A}">
+                    <a16:rowId xmlns:a16="http://schemas.microsoft.com/office/drawing/2014/main" val="85683973"/>
+                  </a:ext>
+                </a:extLst>
+              </a:tr>
+              <a:tr h="370840">
+                <a:tc>
+                  <a:txBody>
+                    <a:bodyPr/>
+                    <a:lstStyle/>
+                    <a:p>
+                      <a:r>
+                        <a:rPr lang="en-US" dirty="0" smtClean="0"/>
+                        <a:t>Strong leader</a:t>
+                      </a:r>
+                      <a:endParaRPr lang="en-US" dirty="0"/>
+                    </a:p>
+                  </a:txBody>
+                  <a:tcPr/>
+                </a:tc>
+                <a:tc>
+                  <a:txBody>
+                    <a:bodyPr/>
+                    <a:lstStyle/>
+                    <a:p>
+                      <a:r>
+                        <a:rPr lang="en-US" dirty="0" smtClean="0"/>
+                        <a:t>No leader in basic </a:t>
+                      </a:r>
+                      <a:r>
+                        <a:rPr lang="en-US" dirty="0" err="1" smtClean="0"/>
+                        <a:t>Paxos</a:t>
+                      </a:r>
+                      <a:endParaRPr lang="en-US" dirty="0"/>
+                    </a:p>
+                  </a:txBody>
+                  <a:tcPr/>
+                </a:tc>
+                <a:extLst>
+                  <a:ext uri="{0D108BD9-81ED-4DB2-BD59-A6C34878D82A}">
+                    <a16:rowId xmlns:a16="http://schemas.microsoft.com/office/drawing/2014/main" val="2424417844"/>
+                  </a:ext>
+                </a:extLst>
+              </a:tr>
+              <a:tr h="370840">
+                <a:tc>
+                  <a:txBody>
+                    <a:bodyPr/>
+                    <a:lstStyle/>
+                    <a:p>
+                      <a:r>
+                        <a:rPr lang="en-US" dirty="0" smtClean="0"/>
+                        <a:t>Leader does</a:t>
+                      </a:r>
+                      <a:r>
+                        <a:rPr lang="en-US" baseline="0" dirty="0" smtClean="0"/>
+                        <a:t> not need to update itself</a:t>
+                      </a:r>
+                      <a:endParaRPr lang="en-US" dirty="0"/>
+                    </a:p>
+                  </a:txBody>
+                  <a:tcPr/>
+                </a:tc>
+                <a:tc>
+                  <a:txBody>
+                    <a:bodyPr/>
+                    <a:lstStyle/>
+                    <a:p>
+                      <a:r>
+                        <a:rPr lang="en-US" dirty="0" smtClean="0"/>
+                        <a:t>Leader updates missing entries from other</a:t>
+                      </a:r>
+                      <a:r>
+                        <a:rPr lang="en-US" baseline="0" dirty="0" smtClean="0"/>
+                        <a:t> nodes</a:t>
+                      </a:r>
+                      <a:endParaRPr lang="en-US" dirty="0"/>
+                    </a:p>
+                  </a:txBody>
+                  <a:tcPr/>
+                </a:tc>
+                <a:extLst>
+                  <a:ext uri="{0D108BD9-81ED-4DB2-BD59-A6C34878D82A}">
+                    <a16:rowId xmlns:a16="http://schemas.microsoft.com/office/drawing/2014/main" val="1241376751"/>
+                  </a:ext>
+                </a:extLst>
+              </a:tr>
+              <a:tr h="370840">
+                <a:tc>
+                  <a:txBody>
+                    <a:bodyPr/>
+                    <a:lstStyle/>
+                    <a:p>
+                      <a:r>
+                        <a:rPr lang="en-US" dirty="0" smtClean="0"/>
+                        <a:t>Log entries move only in one direction L -&gt; F</a:t>
+                      </a:r>
+                      <a:endParaRPr lang="en-US" dirty="0"/>
+                    </a:p>
+                  </a:txBody>
+                  <a:tcPr/>
+                </a:tc>
+                <a:tc>
+                  <a:txBody>
+                    <a:bodyPr/>
+                    <a:lstStyle/>
+                    <a:p>
+                      <a:r>
+                        <a:rPr lang="en-US" dirty="0" smtClean="0"/>
+                        <a:t>Log entries</a:t>
+                      </a:r>
+                      <a:r>
+                        <a:rPr lang="en-US" baseline="0" dirty="0" smtClean="0"/>
+                        <a:t> move in both directions L &lt;-&gt; F</a:t>
+                      </a:r>
+                      <a:endParaRPr lang="en-US" dirty="0"/>
+                    </a:p>
+                  </a:txBody>
+                  <a:tcPr/>
+                </a:tc>
+                <a:extLst>
+                  <a:ext uri="{0D108BD9-81ED-4DB2-BD59-A6C34878D82A}">
+                    <a16:rowId xmlns:a16="http://schemas.microsoft.com/office/drawing/2014/main" val="3030568203"/>
+                  </a:ext>
+                </a:extLst>
+              </a:tr>
+              <a:tr h="370840">
+                <a:tc>
+                  <a:txBody>
+                    <a:bodyPr/>
+                    <a:lstStyle/>
+                    <a:p>
+                      <a:r>
+                        <a:rPr lang="en-US" dirty="0" smtClean="0"/>
+                        <a:t>Practical</a:t>
+                      </a:r>
+                      <a:r>
+                        <a:rPr lang="en-US" baseline="0" dirty="0" smtClean="0"/>
+                        <a:t> implementations do not need much engineering</a:t>
+                      </a:r>
+                      <a:endParaRPr lang="en-US" dirty="0"/>
+                    </a:p>
+                  </a:txBody>
+                  <a:tcPr/>
+                </a:tc>
+                <a:tc>
+                  <a:txBody>
+                    <a:bodyPr/>
+                    <a:lstStyle/>
+                    <a:p>
+                      <a:r>
+                        <a:rPr lang="en-US" dirty="0" smtClean="0"/>
+                        <a:t>Practical implementations need significant</a:t>
+                      </a:r>
+                      <a:r>
+                        <a:rPr lang="en-US" baseline="0" dirty="0" smtClean="0"/>
+                        <a:t> engineering</a:t>
+                      </a:r>
+                      <a:endParaRPr lang="en-US" dirty="0"/>
+                    </a:p>
+                  </a:txBody>
+                  <a:tcPr/>
+                </a:tc>
+                <a:extLst>
+                  <a:ext uri="{0D108BD9-81ED-4DB2-BD59-A6C34878D82A}">
+                    <a16:rowId xmlns:a16="http://schemas.microsoft.com/office/drawing/2014/main" val="1518265230"/>
+                  </a:ext>
+                </a:extLst>
+              </a:tr>
+              <a:tr h="370840">
+                <a:tc>
+                  <a:txBody>
+                    <a:bodyPr/>
+                    <a:lstStyle/>
+                    <a:p>
+                      <a:r>
+                        <a:rPr lang="en-US" dirty="0" smtClean="0"/>
+                        <a:t>A node is either a Leader or a Follower</a:t>
+                      </a:r>
+                      <a:endParaRPr lang="en-US" dirty="0"/>
+                    </a:p>
+                  </a:txBody>
+                  <a:tcPr/>
+                </a:tc>
+                <a:tc>
+                  <a:txBody>
+                    <a:bodyPr/>
+                    <a:lstStyle/>
+                    <a:p>
+                      <a:r>
+                        <a:rPr lang="en-US" dirty="0" smtClean="0"/>
+                        <a:t>All</a:t>
+                      </a:r>
+                      <a:r>
+                        <a:rPr lang="en-US" baseline="0" dirty="0" smtClean="0"/>
+                        <a:t> nodes are Acceptors and Proposers</a:t>
+                      </a:r>
+                      <a:endParaRPr lang="en-US" dirty="0"/>
+                    </a:p>
+                  </a:txBody>
+                  <a:tcPr/>
+                </a:tc>
+                <a:extLst>
+                  <a:ext uri="{0D108BD9-81ED-4DB2-BD59-A6C34878D82A}">
+                    <a16:rowId xmlns:a16="http://schemas.microsoft.com/office/drawing/2014/main" val="2929702449"/>
+                  </a:ext>
+                </a:extLst>
+              </a:tr>
+            </a:tbl>
+          </a:graphicData>
+        </a:graphic>
+      </p:graphicFrame>
+    </p:spTree>
+    <p:extLst>
+      <p:ext uri="{BB962C8B-B14F-4D97-AF65-F5344CB8AC3E}">
+        <p14:creationId xmlns:p14="http://schemas.microsoft.com/office/powerpoint/2010/main" val="2024237611"/>
       </p:ext>
     </p:extLst>
   </p:cSld>
@@ -4822,7 +5456,11 @@
             </a:r>
             <a:r>
               <a:rPr lang="en-US" dirty="0" smtClean="0"/>
-              <a:t> faced by the authors while implementation</a:t>
+              <a:t> faced by the authors while </a:t>
+            </a:r>
+            <a:r>
+              <a:rPr lang="en-US" dirty="0" smtClean="0"/>
+              <a:t>implementation</a:t>
             </a:r>
             <a:endParaRPr lang="en-US" dirty="0"/>
           </a:p>
@@ -5011,6 +5649,30 @@
           <a:chExt cx="0" cy="0"/>
         </a:xfrm>
       </p:grpSpPr>
+      <p:pic>
+        <p:nvPicPr>
+          <p:cNvPr id="4" name="Picture 3"/>
+          <p:cNvPicPr>
+            <a:picLocks noChangeAspect="1"/>
+          </p:cNvPicPr>
+          <p:nvPr/>
+        </p:nvPicPr>
+        <p:blipFill>
+          <a:blip r:embed="rId2"/>
+          <a:stretch>
+            <a:fillRect/>
+          </a:stretch>
+        </p:blipFill>
+        <p:spPr>
+          <a:xfrm>
+            <a:off x="7163736" y="1558284"/>
+            <a:ext cx="3619283" cy="1667455"/>
+          </a:xfrm>
+          <a:prstGeom prst="rect">
+            <a:avLst/>
+          </a:prstGeom>
+        </p:spPr>
+      </p:pic>
       <p:sp>
         <p:nvSpPr>
           <p:cNvPr id="2" name="Title 1"/>
@@ -5161,6 +5823,30 @@
           </a:p>
         </p:txBody>
       </p:sp>
+      <p:pic>
+        <p:nvPicPr>
+          <p:cNvPr id="5" name="Picture 4"/>
+          <p:cNvPicPr>
+            <a:picLocks noChangeAspect="1"/>
+          </p:cNvPicPr>
+          <p:nvPr/>
+        </p:nvPicPr>
+        <p:blipFill>
+          <a:blip r:embed="rId3"/>
+          <a:stretch>
+            <a:fillRect/>
+          </a:stretch>
+        </p:blipFill>
+        <p:spPr>
+          <a:xfrm>
+            <a:off x="7494351" y="3824616"/>
+            <a:ext cx="2958052" cy="1188563"/>
+          </a:xfrm>
+          <a:prstGeom prst="rect">
+            <a:avLst/>
+          </a:prstGeom>
+        </p:spPr>
+      </p:pic>
     </p:spTree>
     <p:extLst>
       <p:ext uri="{BB962C8B-B14F-4D97-AF65-F5344CB8AC3E}">
@@ -5251,7 +5937,19 @@
           <a:p>
             <a:r>
               <a:rPr lang="en-US" dirty="0" smtClean="0"/>
-              <a:t>Each node stores a current term number – increases monotonically </a:t>
+              <a:t>Each node stores a </a:t>
+            </a:r>
+            <a:r>
+              <a:rPr lang="en-US" dirty="0" smtClean="0">
+                <a:solidFill>
+                  <a:srgbClr val="00B0F0"/>
+                </a:solidFill>
+              </a:rPr>
+              <a:t>current term number </a:t>
+            </a:r>
+            <a:r>
+              <a:rPr lang="en-US" dirty="0" smtClean="0"/>
+              <a:t>– increases monotonically </a:t>
             </a:r>
           </a:p>
           <a:p>
@@ -5639,7 +6337,7 @@
             </a:r>
             <a:r>
               <a:rPr lang="en-US" dirty="0" smtClean="0"/>
-              <a:t>to update its log from other nodes.</a:t>
+              <a:t>to update its log from followers.</a:t>
             </a:r>
           </a:p>
           <a:p>
@@ -6102,230 +6800,41 @@
           <a:lstStyle/>
           <a:p>
             <a:r>
-              <a:rPr lang="en-US" dirty="0" smtClean="0">
-                <a:solidFill>
-                  <a:srgbClr val="00B050"/>
-                </a:solidFill>
-              </a:rPr>
-              <a:t>Leader Side:</a:t>
-            </a:r>
-          </a:p>
-          <a:p>
-            <a:pPr lvl="1">
-              <a:buClr>
-                <a:srgbClr val="FF0000"/>
-              </a:buClr>
-              <a:buSzPct val="70000"/>
-            </a:pPr>
-            <a:r>
-              <a:rPr lang="en-US" dirty="0" smtClean="0"/>
-              <a:t>After a leader is elected for a term, it can handle client requests.</a:t>
-            </a:r>
-          </a:p>
-          <a:p>
-            <a:pPr lvl="1">
-              <a:buClr>
-                <a:srgbClr val="FF0000"/>
-              </a:buClr>
-              <a:buSzPct val="70000"/>
-            </a:pPr>
-            <a:r>
-              <a:rPr lang="en-US" dirty="0" smtClean="0"/>
-              <a:t>On receiving a client request, the leader </a:t>
-            </a:r>
-            <a:r>
-              <a:rPr lang="en-US" dirty="0" smtClean="0">
-                <a:solidFill>
-                  <a:srgbClr val="00B050"/>
-                </a:solidFill>
-              </a:rPr>
-              <a:t>appends it to its own log </a:t>
-            </a:r>
-            <a:r>
-              <a:rPr lang="en-US" dirty="0" smtClean="0"/>
-              <a:t>and sends out an </a:t>
-            </a:r>
-            <a:r>
-              <a:rPr lang="en-US" dirty="0" err="1" smtClean="0">
-                <a:solidFill>
-                  <a:srgbClr val="00B0F0"/>
-                </a:solidFill>
-              </a:rPr>
-              <a:t>AppendEntries</a:t>
-            </a:r>
-            <a:r>
-              <a:rPr lang="en-US" dirty="0" smtClean="0">
-                <a:solidFill>
-                  <a:srgbClr val="00B0F0"/>
-                </a:solidFill>
-              </a:rPr>
-              <a:t> RPC </a:t>
-            </a:r>
-            <a:r>
-              <a:rPr lang="en-US" dirty="0" smtClean="0"/>
-              <a:t>in parallel to all other nodes.</a:t>
-            </a:r>
-          </a:p>
-          <a:p>
-            <a:pPr lvl="1">
-              <a:buClr>
-                <a:srgbClr val="FF0000"/>
-              </a:buClr>
-              <a:buSzPct val="70000"/>
-            </a:pPr>
-            <a:r>
-              <a:rPr lang="en-US" dirty="0" smtClean="0"/>
-              <a:t>Once the entry is replicated on a majority of servers, the entry is </a:t>
-            </a:r>
-            <a:r>
-              <a:rPr lang="en-US" i="1" dirty="0" err="1" smtClean="0">
-                <a:solidFill>
-                  <a:srgbClr val="00B0F0"/>
-                </a:solidFill>
-              </a:rPr>
-              <a:t>commited</a:t>
-            </a:r>
-            <a:r>
-              <a:rPr lang="en-US" i="1" dirty="0" smtClean="0">
-                <a:solidFill>
-                  <a:srgbClr val="00B0F0"/>
-                </a:solidFill>
-              </a:rPr>
-              <a:t>.</a:t>
-            </a:r>
-          </a:p>
-          <a:p>
-            <a:pPr lvl="1">
-              <a:buClr>
-                <a:srgbClr val="FF0000"/>
-              </a:buClr>
-              <a:buSzPct val="70000"/>
-            </a:pPr>
-            <a:r>
-              <a:rPr lang="en-US" i="1" dirty="0" smtClean="0"/>
-              <a:t>A committed </a:t>
-            </a:r>
-            <a:r>
-              <a:rPr lang="en-US" dirty="0" smtClean="0"/>
-              <a:t>entry is </a:t>
-            </a:r>
-            <a:r>
-              <a:rPr lang="en-US" dirty="0" smtClean="0">
-                <a:solidFill>
-                  <a:srgbClr val="00B050"/>
-                </a:solidFill>
-              </a:rPr>
-              <a:t>written to </a:t>
-            </a:r>
-            <a:r>
-              <a:rPr lang="en-US" dirty="0" smtClean="0"/>
-              <a:t>the </a:t>
-            </a:r>
-            <a:r>
-              <a:rPr lang="en-US" dirty="0" smtClean="0">
-                <a:solidFill>
-                  <a:srgbClr val="00B0F0"/>
-                </a:solidFill>
-              </a:rPr>
-              <a:t>state machine</a:t>
-            </a:r>
-            <a:r>
-              <a:rPr lang="en-US" dirty="0" smtClean="0"/>
-              <a:t>.</a:t>
-            </a:r>
-          </a:p>
-          <a:p>
-            <a:pPr lvl="1">
-              <a:buClr>
-                <a:srgbClr val="FF0000"/>
-              </a:buClr>
-              <a:buSzPct val="70000"/>
-            </a:pPr>
-            <a:r>
-              <a:rPr lang="en-US" dirty="0" err="1" smtClean="0">
-                <a:solidFill>
-                  <a:srgbClr val="00B0F0"/>
-                </a:solidFill>
-              </a:rPr>
-              <a:t>AppendEntries</a:t>
-            </a:r>
-            <a:r>
-              <a:rPr lang="en-US" dirty="0" smtClean="0">
-                <a:solidFill>
-                  <a:srgbClr val="00B0F0"/>
-                </a:solidFill>
-              </a:rPr>
-              <a:t> RPCs </a:t>
-            </a:r>
-            <a:r>
-              <a:rPr lang="en-US" dirty="0" smtClean="0"/>
-              <a:t>are also used as heartbeats when sent with no new log entries. </a:t>
-            </a:r>
-          </a:p>
-          <a:p>
-            <a:pPr lvl="1">
-              <a:buClr>
-                <a:srgbClr val="FF0000"/>
-              </a:buClr>
-              <a:buSzPct val="70000"/>
-            </a:pPr>
-            <a:r>
-              <a:rPr lang="en-US" dirty="0" smtClean="0"/>
-              <a:t>The leader sends out the </a:t>
-            </a:r>
-            <a:r>
-              <a:rPr lang="en-US" dirty="0" smtClean="0">
-                <a:solidFill>
-                  <a:srgbClr val="00B0F0"/>
-                </a:solidFill>
-              </a:rPr>
-              <a:t>index number</a:t>
-            </a:r>
-            <a:r>
-              <a:rPr lang="en-US" dirty="0" smtClean="0"/>
-              <a:t> of the last committed entry with every </a:t>
-            </a:r>
-            <a:r>
-              <a:rPr lang="en-US" dirty="0" err="1" smtClean="0">
-                <a:solidFill>
-                  <a:srgbClr val="00B0F0"/>
-                </a:solidFill>
-              </a:rPr>
-              <a:t>AppendEntries</a:t>
-            </a:r>
-            <a:r>
-              <a:rPr lang="en-US" dirty="0" smtClean="0">
-                <a:solidFill>
-                  <a:srgbClr val="00B0F0"/>
-                </a:solidFill>
-              </a:rPr>
-              <a:t> RPC, </a:t>
-            </a:r>
-            <a:r>
-              <a:rPr lang="en-US" dirty="0" smtClean="0">
-                <a:solidFill>
-                  <a:srgbClr val="00B050"/>
-                </a:solidFill>
-              </a:rPr>
-              <a:t>which ensures that all followers eventually learn about the commit.</a:t>
-            </a:r>
-            <a:r>
-              <a:rPr lang="en-US" dirty="0" smtClean="0"/>
-              <a:t>  </a:t>
-            </a:r>
-          </a:p>
-          <a:p>
-            <a:endParaRPr lang="en-US" dirty="0" smtClean="0"/>
-          </a:p>
-          <a:p>
+              <a:rPr lang="en-US" dirty="0" smtClean="0"/>
+              <a:t>Log entries in Raft:</a:t>
+            </a:r>
             <a:endParaRPr lang="en-US" dirty="0"/>
           </a:p>
         </p:txBody>
       </p:sp>
+      <p:pic>
+        <p:nvPicPr>
+          <p:cNvPr id="4" name="Picture 3"/>
+          <p:cNvPicPr>
+            <a:picLocks noChangeAspect="1"/>
+          </p:cNvPicPr>
+          <p:nvPr/>
+        </p:nvPicPr>
+        <p:blipFill>
+          <a:blip r:embed="rId2"/>
+          <a:stretch>
+            <a:fillRect/>
+          </a:stretch>
+        </p:blipFill>
+        <p:spPr>
+          <a:xfrm>
+            <a:off x="3574750" y="2893893"/>
+            <a:ext cx="4351616" cy="3283070"/>
+          </a:xfrm>
+          <a:prstGeom prst="rect">
+            <a:avLst/>
+          </a:prstGeom>
+        </p:spPr>
+      </p:pic>
     </p:spTree>
     <p:extLst>
       <p:ext uri="{BB962C8B-B14F-4D97-AF65-F5344CB8AC3E}">
-        <p14:creationId xmlns:p14="http://schemas.microsoft.com/office/powerpoint/2010/main" val="712710966"/>
+        <p14:creationId xmlns:p14="http://schemas.microsoft.com/office/powerpoint/2010/main" val="2115938238"/>
       </p:ext>
     </p:extLst>
   </p:cSld>

--- a/The Raft Consensus Algorithm.pptx
+++ b/The Raft Consensus Algorithm.pptx
@@ -9,21 +9,25 @@
     <p:sldId id="257" r:id="rId3"/>
     <p:sldId id="259" r:id="rId4"/>
     <p:sldId id="260" r:id="rId5"/>
-    <p:sldId id="261" r:id="rId6"/>
-    <p:sldId id="262" r:id="rId7"/>
-    <p:sldId id="264" r:id="rId8"/>
-    <p:sldId id="266" r:id="rId9"/>
-    <p:sldId id="275" r:id="rId10"/>
-    <p:sldId id="263" r:id="rId11"/>
-    <p:sldId id="267" r:id="rId12"/>
-    <p:sldId id="270" r:id="rId13"/>
-    <p:sldId id="268" r:id="rId14"/>
-    <p:sldId id="271" r:id="rId15"/>
-    <p:sldId id="272" r:id="rId16"/>
-    <p:sldId id="273" r:id="rId17"/>
-    <p:sldId id="269" r:id="rId18"/>
-    <p:sldId id="258" r:id="rId19"/>
-    <p:sldId id="274" r:id="rId20"/>
+    <p:sldId id="277" r:id="rId6"/>
+    <p:sldId id="261" r:id="rId7"/>
+    <p:sldId id="262" r:id="rId8"/>
+    <p:sldId id="264" r:id="rId9"/>
+    <p:sldId id="266" r:id="rId10"/>
+    <p:sldId id="275" r:id="rId11"/>
+    <p:sldId id="263" r:id="rId12"/>
+    <p:sldId id="267" r:id="rId13"/>
+    <p:sldId id="270" r:id="rId14"/>
+    <p:sldId id="268" r:id="rId15"/>
+    <p:sldId id="271" r:id="rId16"/>
+    <p:sldId id="272" r:id="rId17"/>
+    <p:sldId id="278" r:id="rId18"/>
+    <p:sldId id="273" r:id="rId19"/>
+    <p:sldId id="269" r:id="rId20"/>
+    <p:sldId id="258" r:id="rId21"/>
+    <p:sldId id="274" r:id="rId22"/>
+    <p:sldId id="276" r:id="rId23"/>
+    <p:sldId id="279" r:id="rId24"/>
   </p:sldIdLst>
   <p:sldSz cx="12192000" cy="6858000"/>
   <p:notesSz cx="6858000" cy="9144000"/>
@@ -135,6 +139,7 @@
         <p14:section name="LEADER ELECTION" id="{83CC7F4B-CE28-4358-B9A6-9094F2122DA4}">
           <p14:sldIdLst>
             <p14:sldId id="260"/>
+            <p14:sldId id="277"/>
             <p14:sldId id="261"/>
             <p14:sldId id="262"/>
             <p14:sldId id="264"/>
@@ -150,6 +155,7 @@
             <p14:sldId id="268"/>
             <p14:sldId id="271"/>
             <p14:sldId id="272"/>
+            <p14:sldId id="278"/>
             <p14:sldId id="273"/>
           </p14:sldIdLst>
         </p14:section>
@@ -158,6 +164,8 @@
             <p14:sldId id="269"/>
             <p14:sldId id="258"/>
             <p14:sldId id="274"/>
+            <p14:sldId id="276"/>
+            <p14:sldId id="279"/>
           </p14:sldIdLst>
         </p14:section>
       </p14:sectionLst>
@@ -3231,242 +3239,41 @@
           <a:lstStyle/>
           <a:p>
             <a:r>
-              <a:rPr lang="en-US" dirty="0" smtClean="0">
-                <a:solidFill>
-                  <a:srgbClr val="00B050"/>
-                </a:solidFill>
-              </a:rPr>
-              <a:t>Leader Side:</a:t>
-            </a:r>
-          </a:p>
-          <a:p>
-            <a:pPr lvl="1">
-              <a:buClr>
-                <a:srgbClr val="FF0000"/>
-              </a:buClr>
-              <a:buSzPct val="70000"/>
-            </a:pPr>
-            <a:r>
-              <a:rPr lang="en-US" dirty="0" smtClean="0"/>
-              <a:t>After a leader is elected for a term, it can handle client requests.</a:t>
-            </a:r>
-          </a:p>
-          <a:p>
-            <a:pPr lvl="1">
-              <a:buClr>
-                <a:srgbClr val="FF0000"/>
-              </a:buClr>
-              <a:buSzPct val="70000"/>
-            </a:pPr>
-            <a:r>
-              <a:rPr lang="en-US" dirty="0" smtClean="0"/>
-              <a:t>On receiving a client request, the leader </a:t>
-            </a:r>
-            <a:r>
-              <a:rPr lang="en-US" dirty="0" smtClean="0">
-                <a:solidFill>
-                  <a:srgbClr val="00B050"/>
-                </a:solidFill>
-              </a:rPr>
-              <a:t>appends it to its own log </a:t>
-            </a:r>
-            <a:r>
-              <a:rPr lang="en-US" dirty="0" smtClean="0"/>
-              <a:t>and sends out an </a:t>
-            </a:r>
-            <a:r>
-              <a:rPr lang="en-US" dirty="0" err="1" smtClean="0">
-                <a:solidFill>
-                  <a:srgbClr val="00B0F0"/>
-                </a:solidFill>
-              </a:rPr>
-              <a:t>AppendEntries</a:t>
-            </a:r>
-            <a:r>
-              <a:rPr lang="en-US" dirty="0" smtClean="0">
-                <a:solidFill>
-                  <a:srgbClr val="00B0F0"/>
-                </a:solidFill>
-              </a:rPr>
-              <a:t> RPC </a:t>
-            </a:r>
-            <a:r>
-              <a:rPr lang="en-US" dirty="0" smtClean="0"/>
-              <a:t>in parallel to all other nodes.</a:t>
-            </a:r>
-          </a:p>
-          <a:p>
-            <a:pPr lvl="1">
-              <a:buClr>
-                <a:srgbClr val="FF0000"/>
-              </a:buClr>
-              <a:buSzPct val="70000"/>
-            </a:pPr>
-            <a:r>
-              <a:rPr lang="en-US" dirty="0" smtClean="0"/>
-              <a:t>Once the entry is replicated on a majority of servers, the entry is </a:t>
-            </a:r>
-            <a:r>
-              <a:rPr lang="en-US" i="1" dirty="0" err="1" smtClean="0">
-                <a:solidFill>
-                  <a:srgbClr val="00B0F0"/>
-                </a:solidFill>
-              </a:rPr>
-              <a:t>commited</a:t>
-            </a:r>
-            <a:r>
-              <a:rPr lang="en-US" i="1" dirty="0" smtClean="0">
-                <a:solidFill>
-                  <a:srgbClr val="00B0F0"/>
-                </a:solidFill>
-              </a:rPr>
-              <a:t>.</a:t>
-            </a:r>
-          </a:p>
-          <a:p>
-            <a:pPr lvl="1">
-              <a:buClr>
-                <a:srgbClr val="FF0000"/>
-              </a:buClr>
-              <a:buSzPct val="70000"/>
-            </a:pPr>
-            <a:r>
-              <a:rPr lang="en-US" i="1" dirty="0" smtClean="0"/>
-              <a:t>A committed </a:t>
-            </a:r>
-            <a:r>
-              <a:rPr lang="en-US" dirty="0" smtClean="0"/>
-              <a:t>entry is </a:t>
-            </a:r>
-            <a:r>
-              <a:rPr lang="en-US" dirty="0" smtClean="0">
-                <a:solidFill>
-                  <a:srgbClr val="00B050"/>
-                </a:solidFill>
-              </a:rPr>
-              <a:t>written to </a:t>
-            </a:r>
-            <a:r>
-              <a:rPr lang="en-US" dirty="0" smtClean="0"/>
-              <a:t>the </a:t>
-            </a:r>
-            <a:r>
-              <a:rPr lang="en-US" dirty="0" smtClean="0">
-                <a:solidFill>
-                  <a:srgbClr val="00B0F0"/>
-                </a:solidFill>
-              </a:rPr>
-              <a:t>state machine</a:t>
-            </a:r>
-            <a:r>
-              <a:rPr lang="en-US" dirty="0" smtClean="0"/>
-              <a:t>.</a:t>
-            </a:r>
-          </a:p>
-          <a:p>
-            <a:pPr lvl="1">
-              <a:buClr>
-                <a:srgbClr val="FF0000"/>
-              </a:buClr>
-              <a:buSzPct val="70000"/>
-            </a:pPr>
-            <a:r>
-              <a:rPr lang="en-US" dirty="0" err="1" smtClean="0">
-                <a:solidFill>
-                  <a:srgbClr val="00B0F0"/>
-                </a:solidFill>
-              </a:rPr>
-              <a:t>AppendEntries</a:t>
-            </a:r>
-            <a:r>
-              <a:rPr lang="en-US" dirty="0" smtClean="0">
-                <a:solidFill>
-                  <a:srgbClr val="00B0F0"/>
-                </a:solidFill>
-              </a:rPr>
-              <a:t> RPCs </a:t>
-            </a:r>
-            <a:r>
-              <a:rPr lang="en-US" dirty="0" smtClean="0"/>
-              <a:t>are also used as </a:t>
-            </a:r>
-            <a:r>
-              <a:rPr lang="en-US" dirty="0" smtClean="0">
-                <a:solidFill>
-                  <a:srgbClr val="00B050"/>
-                </a:solidFill>
-              </a:rPr>
-              <a:t>heartbeats</a:t>
-            </a:r>
-            <a:r>
-              <a:rPr lang="en-US" dirty="0" smtClean="0"/>
-              <a:t> when sent with no new log entries. </a:t>
-            </a:r>
-          </a:p>
-          <a:p>
-            <a:pPr lvl="1">
-              <a:buClr>
-                <a:srgbClr val="FF0000"/>
-              </a:buClr>
-              <a:buSzPct val="70000"/>
-            </a:pPr>
-            <a:r>
-              <a:rPr lang="en-US" dirty="0" smtClean="0"/>
-              <a:t>The leader sends out the </a:t>
-            </a:r>
-            <a:r>
-              <a:rPr lang="en-US" dirty="0" smtClean="0">
-                <a:solidFill>
-                  <a:srgbClr val="00B0F0"/>
-                </a:solidFill>
-              </a:rPr>
-              <a:t>index number</a:t>
-            </a:r>
-            <a:r>
-              <a:rPr lang="en-US" dirty="0" smtClean="0"/>
-              <a:t> of the last committed entry with every </a:t>
-            </a:r>
-            <a:r>
-              <a:rPr lang="en-US" dirty="0" err="1" smtClean="0">
-                <a:solidFill>
-                  <a:srgbClr val="00B0F0"/>
-                </a:solidFill>
-              </a:rPr>
-              <a:t>AppendEntries</a:t>
-            </a:r>
-            <a:r>
-              <a:rPr lang="en-US" dirty="0" smtClean="0">
-                <a:solidFill>
-                  <a:srgbClr val="00B0F0"/>
-                </a:solidFill>
-              </a:rPr>
-              <a:t> RPC, </a:t>
-            </a:r>
-            <a:r>
-              <a:rPr lang="en-US" dirty="0" smtClean="0">
-                <a:solidFill>
-                  <a:srgbClr val="00B050"/>
-                </a:solidFill>
-              </a:rPr>
-              <a:t>which ensures that all followers eventually learn about the commit.</a:t>
-            </a:r>
-            <a:r>
-              <a:rPr lang="en-US" dirty="0" smtClean="0"/>
-              <a:t>  </a:t>
-            </a:r>
-          </a:p>
-          <a:p>
-            <a:endParaRPr lang="en-US" dirty="0" smtClean="0"/>
-          </a:p>
-          <a:p>
+              <a:rPr lang="en-US" dirty="0" smtClean="0"/>
+              <a:t>Log entries in Raft:</a:t>
+            </a:r>
             <a:endParaRPr lang="en-US" dirty="0"/>
           </a:p>
         </p:txBody>
       </p:sp>
+      <p:pic>
+        <p:nvPicPr>
+          <p:cNvPr id="4" name="Picture 3"/>
+          <p:cNvPicPr>
+            <a:picLocks noChangeAspect="1"/>
+          </p:cNvPicPr>
+          <p:nvPr/>
+        </p:nvPicPr>
+        <p:blipFill>
+          <a:blip r:embed="rId2"/>
+          <a:stretch>
+            <a:fillRect/>
+          </a:stretch>
+        </p:blipFill>
+        <p:spPr>
+          <a:xfrm>
+            <a:off x="3574750" y="2893893"/>
+            <a:ext cx="4351616" cy="3283070"/>
+          </a:xfrm>
+          <a:prstGeom prst="rect">
+            <a:avLst/>
+          </a:prstGeom>
+        </p:spPr>
+      </p:pic>
     </p:spTree>
     <p:extLst>
       <p:ext uri="{BB962C8B-B14F-4D97-AF65-F5344CB8AC3E}">
-        <p14:creationId xmlns:p14="http://schemas.microsoft.com/office/powerpoint/2010/main" val="712710966"/>
+        <p14:creationId xmlns:p14="http://schemas.microsoft.com/office/powerpoint/2010/main" val="2115938238"/>
       </p:ext>
     </p:extLst>
   </p:cSld>
@@ -3503,12 +3310,7 @@
             <p:ph type="title"/>
           </p:nvPr>
         </p:nvSpPr>
-        <p:spPr>
-          <a:xfrm>
-            <a:off x="838200" y="373751"/>
-            <a:ext cx="10515600" cy="1325563"/>
-          </a:xfrm>
-        </p:spPr>
+        <p:spPr/>
         <p:txBody>
           <a:bodyPr/>
           <a:lstStyle/>
@@ -3531,16 +3333,9 @@
             <p:ph idx="1"/>
           </p:nvPr>
         </p:nvSpPr>
-        <p:spPr>
-          <a:xfrm>
-            <a:off x="838200" y="1820078"/>
-            <a:ext cx="10515600" cy="4891266"/>
-          </a:xfrm>
-        </p:spPr>
-        <p:txBody>
-          <a:bodyPr>
-            <a:normAutofit/>
-          </a:bodyPr>
+        <p:spPr/>
+        <p:txBody>
+          <a:bodyPr/>
           <a:lstStyle/>
           <a:p>
             <a:r>
@@ -3549,7 +3344,7 @@
                   <a:srgbClr val="00B050"/>
                 </a:solidFill>
               </a:rPr>
-              <a:t>Follower Side:</a:t>
+              <a:t>Leader Side:</a:t>
             </a:r>
           </a:p>
           <a:p>
@@ -3561,63 +3356,7 @@
             </a:pPr>
             <a:r>
               <a:rPr lang="en-US" dirty="0" smtClean="0"/>
-              <a:t>The </a:t>
-            </a:r>
-            <a:r>
-              <a:rPr lang="en-US" dirty="0" err="1" smtClean="0">
-                <a:solidFill>
-                  <a:srgbClr val="00B0F0"/>
-                </a:solidFill>
-              </a:rPr>
-              <a:t>AppendEntries</a:t>
-            </a:r>
-            <a:r>
-              <a:rPr lang="en-US" dirty="0" smtClean="0">
-                <a:solidFill>
-                  <a:srgbClr val="00B0F0"/>
-                </a:solidFill>
-              </a:rPr>
-              <a:t> RPCs </a:t>
-            </a:r>
-            <a:r>
-              <a:rPr lang="en-US" dirty="0" smtClean="0"/>
-              <a:t>with </a:t>
-            </a:r>
-            <a:r>
-              <a:rPr lang="en-US" dirty="0" smtClean="0">
-                <a:solidFill>
-                  <a:srgbClr val="00B050"/>
-                </a:solidFill>
-              </a:rPr>
-              <a:t>new log entries </a:t>
-            </a:r>
-            <a:r>
-              <a:rPr lang="en-US" dirty="0" smtClean="0"/>
-              <a:t>contain the index and term of the </a:t>
-            </a:r>
-            <a:r>
-              <a:rPr lang="en-US" dirty="0" smtClean="0">
-                <a:solidFill>
-                  <a:srgbClr val="00B050"/>
-                </a:solidFill>
-              </a:rPr>
-              <a:t>previous entry (X) </a:t>
-            </a:r>
-            <a:r>
-              <a:rPr lang="en-US" i="1" dirty="0" smtClean="0"/>
-              <a:t>(i.e., entry at nextIndex-1)</a:t>
-            </a:r>
-            <a:r>
-              <a:rPr lang="en-US" dirty="0" smtClean="0">
-                <a:solidFill>
-                  <a:srgbClr val="00B050"/>
-                </a:solidFill>
-              </a:rPr>
-              <a:t> in the Leader’s log</a:t>
-            </a:r>
-            <a:r>
-              <a:rPr lang="en-US" dirty="0" smtClean="0"/>
-              <a:t>. </a:t>
+              <a:t>After a leader is elected for a term, it can handle client requests.</a:t>
             </a:r>
           </a:p>
           <a:p>
@@ -3629,7 +3368,19 @@
             </a:pPr>
             <a:r>
               <a:rPr lang="en-US" dirty="0" smtClean="0"/>
-              <a:t>The </a:t>
+              <a:t>On receiving a client request, the leader </a:t>
+            </a:r>
+            <a:r>
+              <a:rPr lang="en-US" dirty="0" smtClean="0">
+                <a:solidFill>
+                  <a:srgbClr val="00B050"/>
+                </a:solidFill>
+              </a:rPr>
+              <a:t>appends it to its own log </a:t>
+            </a:r>
+            <a:r>
+              <a:rPr lang="en-US" dirty="0" smtClean="0"/>
+              <a:t>and sends out an </a:t>
             </a:r>
             <a:r>
               <a:rPr lang="en-US" dirty="0" err="1" smtClean="0">
@@ -3645,11 +3396,11 @@
                   <a:srgbClr val="00B0F0"/>
                 </a:solidFill>
               </a:rPr>
-              <a:t> Consistency Check </a:t>
-            </a:r>
-            <a:r>
-              <a:rPr lang="en-US" dirty="0" smtClean="0"/>
-              <a:t>checks if the follower’s log contains an entry with X’s index and term. </a:t>
+              <a:t> RPC </a:t>
+            </a:r>
+            <a:r>
+              <a:rPr lang="en-US" dirty="0" smtClean="0"/>
+              <a:t>in parallel to all other nodes.</a:t>
             </a:r>
           </a:p>
           <a:p>
@@ -3661,19 +3412,23 @@
             </a:pPr>
             <a:r>
               <a:rPr lang="en-US" dirty="0" smtClean="0"/>
-              <a:t>If the </a:t>
-            </a:r>
-            <a:r>
-              <a:rPr lang="en-US" dirty="0" smtClean="0">
-                <a:solidFill>
-                  <a:srgbClr val="00B050"/>
-                </a:solidFill>
-              </a:rPr>
-              <a:t>Consistency check does not fail</a:t>
-            </a:r>
-            <a:r>
-              <a:rPr lang="en-US" dirty="0" smtClean="0"/>
-              <a:t>, the new entries are written to the follower’s log. </a:t>
+              <a:t>Once the entry is replicated on a majority of servers, the entry is </a:t>
+            </a:r>
+            <a:r>
+              <a:rPr lang="en-US" i="1" dirty="0" err="1" smtClean="0">
+                <a:solidFill>
+                  <a:srgbClr val="00B0F0"/>
+                </a:solidFill>
+              </a:rPr>
+              <a:t>commited</a:t>
+            </a:r>
+            <a:r>
+              <a:rPr lang="en-US" i="1" dirty="0" smtClean="0">
+                <a:solidFill>
+                  <a:srgbClr val="00B0F0"/>
+                </a:solidFill>
+              </a:rPr>
+              <a:t>.</a:t>
             </a:r>
           </a:p>
           <a:p>
@@ -3684,32 +3439,64 @@
               <a:buSzPct val="70000"/>
             </a:pPr>
             <a:r>
-              <a:rPr lang="en-US" dirty="0" smtClean="0"/>
-              <a:t>If the </a:t>
-            </a:r>
-            <a:r>
-              <a:rPr lang="en-US" dirty="0" smtClean="0">
-                <a:solidFill>
-                  <a:srgbClr val="FF0000"/>
-                </a:solidFill>
-              </a:rPr>
-              <a:t>consistency check fails</a:t>
-            </a:r>
-            <a:r>
-              <a:rPr lang="en-US" dirty="0" smtClean="0"/>
-              <a:t>, then:</a:t>
-            </a:r>
-          </a:p>
-          <a:p>
-            <a:pPr lvl="2">
+              <a:rPr lang="en-US" i="1" dirty="0" smtClean="0"/>
+              <a:t>A committed </a:t>
+            </a:r>
+            <a:r>
+              <a:rPr lang="en-US" dirty="0" smtClean="0"/>
+              <a:t>entry is </a:t>
+            </a:r>
+            <a:r>
+              <a:rPr lang="en-US" dirty="0" smtClean="0">
+                <a:solidFill>
+                  <a:srgbClr val="00B050"/>
+                </a:solidFill>
+              </a:rPr>
+              <a:t>written to </a:t>
+            </a:r>
+            <a:r>
+              <a:rPr lang="en-US" dirty="0" smtClean="0"/>
+              <a:t>the </a:t>
+            </a:r>
+            <a:r>
+              <a:rPr lang="en-US" dirty="0" smtClean="0">
+                <a:solidFill>
+                  <a:srgbClr val="00B0F0"/>
+                </a:solidFill>
+              </a:rPr>
+              <a:t>state machine</a:t>
+            </a:r>
+            <a:r>
+              <a:rPr lang="en-US" dirty="0" smtClean="0"/>
+              <a:t>.</a:t>
+            </a:r>
+          </a:p>
+          <a:p>
+            <a:pPr lvl="1">
               <a:buClr>
                 <a:srgbClr val="FF0000"/>
               </a:buClr>
               <a:buSzPct val="70000"/>
             </a:pPr>
             <a:r>
-              <a:rPr lang="en-US" dirty="0" smtClean="0"/>
-              <a:t>The </a:t>
+              <a:rPr lang="en-US" dirty="0" err="1" smtClean="0">
+                <a:solidFill>
+                  <a:srgbClr val="00B0F0"/>
+                </a:solidFill>
+              </a:rPr>
+              <a:t>AppendEntries</a:t>
+            </a:r>
+            <a:r>
+              <a:rPr lang="en-US" dirty="0" smtClean="0">
+                <a:solidFill>
+                  <a:srgbClr val="00B0F0"/>
+                </a:solidFill>
+              </a:rPr>
+              <a:t> RPCs </a:t>
+            </a:r>
+            <a:r>
+              <a:rPr lang="en-US" dirty="0" smtClean="0"/>
+              <a:t>are also used as </a:t>
             </a:r>
             <a:r>
               <a:rPr lang="en-US" dirty="0" smtClean="0">
@@ -3717,55 +3504,15 @@
                   <a:srgbClr val="00B050"/>
                 </a:solidFill>
               </a:rPr>
-              <a:t>Leader decrements </a:t>
-            </a:r>
-            <a:r>
-              <a:rPr lang="en-US" dirty="0" err="1" smtClean="0">
-                <a:solidFill>
-                  <a:srgbClr val="00B0F0"/>
-                </a:solidFill>
-              </a:rPr>
-              <a:t>nextIndex</a:t>
-            </a:r>
-            <a:r>
-              <a:rPr lang="en-US" dirty="0" smtClean="0">
-                <a:solidFill>
-                  <a:srgbClr val="00B050"/>
-                </a:solidFill>
-              </a:rPr>
-              <a:t> and retries </a:t>
-            </a:r>
-            <a:r>
-              <a:rPr lang="en-US" dirty="0" err="1" smtClean="0">
-                <a:solidFill>
-                  <a:srgbClr val="00B0F0"/>
-                </a:solidFill>
-              </a:rPr>
-              <a:t>AppendEntries</a:t>
-            </a:r>
-            <a:r>
-              <a:rPr lang="en-US" dirty="0" smtClean="0">
-                <a:solidFill>
-                  <a:srgbClr val="00B0F0"/>
-                </a:solidFill>
-              </a:rPr>
-              <a:t> RPC </a:t>
-            </a:r>
-            <a:r>
-              <a:rPr lang="en-US" dirty="0" smtClean="0">
-                <a:solidFill>
-                  <a:srgbClr val="00B050"/>
-                </a:solidFill>
-              </a:rPr>
-              <a:t>for that follower, until a point reaches where the logs match.</a:t>
-            </a:r>
-            <a:r>
-              <a:rPr lang="en-US" dirty="0" smtClean="0"/>
-              <a:t> (one failure of Consistency Check for each mismatching entry)</a:t>
-            </a:r>
-          </a:p>
-          <a:p>
-            <a:pPr lvl="2">
+              <a:t>heartbeats</a:t>
+            </a:r>
+            <a:r>
+              <a:rPr lang="en-US" dirty="0" smtClean="0"/>
+              <a:t> when sent with no new log entries. </a:t>
+            </a:r>
+          </a:p>
+          <a:p>
+            <a:pPr lvl="1">
               <a:buClr>
                 <a:srgbClr val="FF0000"/>
               </a:buClr>
@@ -3773,7 +3520,19 @@
             </a:pPr>
             <a:r>
               <a:rPr lang="en-US" dirty="0" smtClean="0"/>
-              <a:t> When an </a:t>
+              <a:t>The leader sends out the </a:t>
+            </a:r>
+            <a:r>
+              <a:rPr lang="en-US" dirty="0" smtClean="0">
+                <a:solidFill>
+                  <a:srgbClr val="00B0F0"/>
+                </a:solidFill>
+              </a:rPr>
+              <a:t>index number</a:t>
+            </a:r>
+            <a:r>
+              <a:rPr lang="en-US" dirty="0" smtClean="0"/>
+              <a:t> of the last committed entry with every </a:t>
             </a:r>
             <a:r>
               <a:rPr lang="en-US" dirty="0" err="1" smtClean="0">
@@ -3784,44 +3543,27 @@
               <a:t>AppendEntries</a:t>
             </a:r>
             <a:r>
-              <a:rPr lang="en-US" dirty="0" smtClean="0"/>
-              <a:t> succeeds, the follower’s log is consistent with the leader’s up to that entry. (The process follows for the next entries.)</a:t>
-            </a:r>
-          </a:p>
-          <a:p>
-            <a:pPr lvl="2">
-              <a:buClr>
-                <a:srgbClr val="FF0000"/>
-              </a:buClr>
-              <a:buSzPct val="70000"/>
-            </a:pPr>
-            <a:endParaRPr lang="en-US" dirty="0" smtClean="0"/>
-          </a:p>
-          <a:p>
-            <a:pPr lvl="2">
-              <a:buClr>
-                <a:srgbClr val="FF0000"/>
-              </a:buClr>
-              <a:buSzPct val="70000"/>
-            </a:pPr>
-            <a:endParaRPr lang="en-US" dirty="0" smtClean="0"/>
-          </a:p>
-          <a:p>
-            <a:pPr lvl="2">
-              <a:buClr>
-                <a:srgbClr val="FF0000"/>
-              </a:buClr>
-              <a:buSzPct val="70000"/>
-              <a:buFont typeface="Courier New" panose="02070309020205020404" pitchFamily="49" charset="0"/>
-              <a:buChar char="o"/>
-            </a:pPr>
-            <a:endParaRPr lang="en-US" dirty="0" smtClean="0"/>
-          </a:p>
-          <a:p>
-            <a:pPr marL="1371600" lvl="2" indent="-457200">
-              <a:buFont typeface="+mj-lt"/>
-              <a:buAutoNum type="alphaUcPeriod"/>
-            </a:pPr>
+              <a:rPr lang="en-US" dirty="0" smtClean="0">
+                <a:solidFill>
+                  <a:srgbClr val="00B0F0"/>
+                </a:solidFill>
+              </a:rPr>
+              <a:t> RPC, </a:t>
+            </a:r>
+            <a:r>
+              <a:rPr lang="en-US" dirty="0" smtClean="0">
+                <a:solidFill>
+                  <a:srgbClr val="00B050"/>
+                </a:solidFill>
+              </a:rPr>
+              <a:t>which ensures that all followers eventually learn about the commit.</a:t>
+            </a:r>
+            <a:r>
+              <a:rPr lang="en-US" dirty="0" smtClean="0"/>
+              <a:t>  </a:t>
+            </a:r>
+          </a:p>
+          <a:p>
             <a:endParaRPr lang="en-US" dirty="0" smtClean="0"/>
           </a:p>
           <a:p>
@@ -3832,7 +3574,7 @@
     </p:spTree>
     <p:extLst>
       <p:ext uri="{BB962C8B-B14F-4D97-AF65-F5344CB8AC3E}">
-        <p14:creationId xmlns:p14="http://schemas.microsoft.com/office/powerpoint/2010/main" val="3811900838"/>
+        <p14:creationId xmlns:p14="http://schemas.microsoft.com/office/powerpoint/2010/main" val="712710966"/>
       </p:ext>
     </p:extLst>
   </p:cSld>
@@ -3871,7 +3613,7 @@
         </p:nvSpPr>
         <p:spPr>
           <a:xfrm>
-            <a:off x="838200" y="382377"/>
+            <a:off x="838200" y="373751"/>
             <a:ext cx="10515600" cy="1325563"/>
           </a:xfrm>
         </p:spPr>
@@ -3899,8 +3641,8 @@
         </p:nvSpPr>
         <p:spPr>
           <a:xfrm>
-            <a:off x="838200" y="1828800"/>
-            <a:ext cx="10515600" cy="5193100"/>
+            <a:off x="838200" y="1820078"/>
+            <a:ext cx="10515600" cy="4891266"/>
           </a:xfrm>
         </p:spPr>
         <p:txBody>
@@ -3917,72 +3659,6 @@
               </a:rPr>
               <a:t>Follower Side:</a:t>
             </a:r>
-          </a:p>
-          <a:p>
-            <a:pPr lvl="1">
-              <a:buSzPct val="70000"/>
-            </a:pPr>
-            <a:r>
-              <a:rPr lang="en-US" dirty="0" smtClean="0"/>
-              <a:t>If an </a:t>
-            </a:r>
-            <a:r>
-              <a:rPr lang="en-US" dirty="0" smtClean="0">
-                <a:solidFill>
-                  <a:srgbClr val="FF0000"/>
-                </a:solidFill>
-              </a:rPr>
-              <a:t>existing entry conflicts with a new entry</a:t>
-            </a:r>
-            <a:r>
-              <a:rPr lang="en-US" dirty="0" smtClean="0"/>
-              <a:t>, the follower </a:t>
-            </a:r>
-            <a:r>
-              <a:rPr lang="en-US" dirty="0" smtClean="0">
-                <a:solidFill>
-                  <a:srgbClr val="00B050"/>
-                </a:solidFill>
-              </a:rPr>
-              <a:t>deletes the existing entry and all entries that follow</a:t>
-            </a:r>
-            <a:r>
-              <a:rPr lang="en-US" dirty="0" smtClean="0"/>
-              <a:t> – removing the uncommitted log entries from older terms </a:t>
-            </a:r>
-          </a:p>
-          <a:p>
-            <a:pPr lvl="1">
-              <a:buSzPct val="70000"/>
-            </a:pPr>
-            <a:endParaRPr lang="en-US" dirty="0" smtClean="0"/>
-          </a:p>
-          <a:p>
-            <a:pPr lvl="1">
-              <a:buSzPct val="70000"/>
-            </a:pPr>
-            <a:r>
-              <a:rPr lang="en-US" dirty="0" smtClean="0"/>
-              <a:t>The follower then </a:t>
-            </a:r>
-            <a:r>
-              <a:rPr lang="en-US" dirty="0" smtClean="0">
-                <a:solidFill>
-                  <a:srgbClr val="00B050"/>
-                </a:solidFill>
-              </a:rPr>
-              <a:t>appends any new entries already not in the log </a:t>
-            </a:r>
-            <a:r>
-              <a:rPr lang="en-US" dirty="0" smtClean="0"/>
-              <a:t>– this is because the leader is guaranteed to have sent all previously committed log entries</a:t>
-            </a:r>
-          </a:p>
-          <a:p>
-            <a:pPr lvl="1">
-              <a:buSzPct val="70000"/>
-            </a:pPr>
-            <a:endParaRPr lang="en-US" dirty="0" smtClean="0"/>
           </a:p>
           <a:p>
             <a:pPr lvl="1">
@@ -3992,12 +3668,28 @@
               <a:buSzPct val="70000"/>
             </a:pPr>
             <a:r>
-              <a:rPr lang="en-US" dirty="0"/>
-              <a:t>If </a:t>
-            </a:r>
-            <a:r>
-              <a:rPr lang="en-US" dirty="0" smtClean="0"/>
-              <a:t>a </a:t>
+              <a:rPr lang="en-US" dirty="0" smtClean="0"/>
+              <a:t>The </a:t>
+            </a:r>
+            <a:r>
+              <a:rPr lang="en-US" dirty="0" err="1" smtClean="0">
+                <a:solidFill>
+                  <a:srgbClr val="00B0F0"/>
+                </a:solidFill>
+              </a:rPr>
+              <a:t>AppendEntries</a:t>
+            </a:r>
+            <a:r>
+              <a:rPr lang="en-US" dirty="0" smtClean="0">
+                <a:solidFill>
+                  <a:srgbClr val="00B0F0"/>
+                </a:solidFill>
+              </a:rPr>
+              <a:t> RPCs </a:t>
+            </a:r>
+            <a:r>
+              <a:rPr lang="en-US" dirty="0" smtClean="0"/>
+              <a:t>with </a:t>
             </a:r>
             <a:r>
               <a:rPr lang="en-US" dirty="0" smtClean="0">
@@ -4005,39 +3697,35 @@
                   <a:srgbClr val="00B050"/>
                 </a:solidFill>
               </a:rPr>
-              <a:t>future</a:t>
-            </a:r>
-            <a:r>
-              <a:rPr lang="en-US" dirty="0" smtClean="0"/>
-              <a:t> </a:t>
-            </a:r>
-            <a:r>
-              <a:rPr lang="en-US" dirty="0" err="1">
-                <a:solidFill>
-                  <a:srgbClr val="00B0F0"/>
-                </a:solidFill>
-              </a:rPr>
-              <a:t>AppendEntries</a:t>
-            </a:r>
-            <a:r>
-              <a:rPr lang="en-US" dirty="0">
-                <a:solidFill>
-                  <a:srgbClr val="00B0F0"/>
-                </a:solidFill>
-              </a:rPr>
-              <a:t> RPC</a:t>
-            </a:r>
-            <a:r>
-              <a:rPr lang="en-US" dirty="0"/>
-              <a:t> says that an entry has been committed, it </a:t>
-            </a:r>
-            <a:r>
-              <a:rPr lang="en-US" dirty="0">
+              <a:t>new log entries </a:t>
+            </a:r>
+            <a:r>
+              <a:rPr lang="en-US" dirty="0" smtClean="0"/>
+              <a:t>contain the index and term of the </a:t>
+            </a:r>
+            <a:r>
+              <a:rPr lang="en-US" dirty="0" smtClean="0">
                 <a:solidFill>
                   <a:srgbClr val="00B050"/>
                 </a:solidFill>
               </a:rPr>
-              <a:t>writes it to the State Machine</a:t>
+              <a:t>previous entry (X) </a:t>
+            </a:r>
+            <a:r>
+              <a:rPr lang="en-US" i="1" dirty="0" smtClean="0"/>
+              <a:t>(i.e., entry at nextIndex-1)</a:t>
+            </a:r>
+            <a:r>
+              <a:rPr lang="en-US" dirty="0" smtClean="0">
+                <a:solidFill>
+                  <a:srgbClr val="00B050"/>
+                </a:solidFill>
+              </a:rPr>
+              <a:t> in the Leader’s log</a:t>
+            </a:r>
+            <a:r>
+              <a:rPr lang="en-US" dirty="0" smtClean="0"/>
+              <a:t>. </a:t>
             </a:r>
           </a:p>
           <a:p>
@@ -4047,7 +3735,166 @@
               </a:buClr>
               <a:buSzPct val="70000"/>
             </a:pPr>
-            <a:endParaRPr lang="en-US" dirty="0" smtClean="0"/>
+            <a:r>
+              <a:rPr lang="en-US" dirty="0" smtClean="0"/>
+              <a:t>The </a:t>
+            </a:r>
+            <a:r>
+              <a:rPr lang="en-US" dirty="0" err="1" smtClean="0">
+                <a:solidFill>
+                  <a:srgbClr val="00B0F0"/>
+                </a:solidFill>
+              </a:rPr>
+              <a:t>AppendEntries</a:t>
+            </a:r>
+            <a:r>
+              <a:rPr lang="en-US" dirty="0" smtClean="0">
+                <a:solidFill>
+                  <a:srgbClr val="00B0F0"/>
+                </a:solidFill>
+              </a:rPr>
+              <a:t> Consistency Check </a:t>
+            </a:r>
+            <a:r>
+              <a:rPr lang="en-US" dirty="0" smtClean="0"/>
+              <a:t>checks if the follower’s log contains an entry with X’s index and term. </a:t>
+            </a:r>
+          </a:p>
+          <a:p>
+            <a:pPr lvl="1">
+              <a:buClr>
+                <a:srgbClr val="FF0000"/>
+              </a:buClr>
+              <a:buSzPct val="70000"/>
+            </a:pPr>
+            <a:r>
+              <a:rPr lang="en-US" dirty="0" smtClean="0"/>
+              <a:t>If the </a:t>
+            </a:r>
+            <a:r>
+              <a:rPr lang="en-US" dirty="0" smtClean="0">
+                <a:solidFill>
+                  <a:srgbClr val="00B050"/>
+                </a:solidFill>
+              </a:rPr>
+              <a:t>Consistency check does not fail</a:t>
+            </a:r>
+            <a:r>
+              <a:rPr lang="en-US" dirty="0" smtClean="0"/>
+              <a:t>, the new entries are written to the follower’s log. </a:t>
+            </a:r>
+          </a:p>
+          <a:p>
+            <a:pPr lvl="1">
+              <a:buClr>
+                <a:srgbClr val="FF0000"/>
+              </a:buClr>
+              <a:buSzPct val="70000"/>
+            </a:pPr>
+            <a:r>
+              <a:rPr lang="en-US" dirty="0" smtClean="0"/>
+              <a:t>If the </a:t>
+            </a:r>
+            <a:r>
+              <a:rPr lang="en-US" dirty="0" smtClean="0">
+                <a:solidFill>
+                  <a:srgbClr val="FF0000"/>
+                </a:solidFill>
+              </a:rPr>
+              <a:t>consistency check fails</a:t>
+            </a:r>
+            <a:r>
+              <a:rPr lang="en-US" dirty="0" smtClean="0"/>
+              <a:t>, then:</a:t>
+            </a:r>
+          </a:p>
+          <a:p>
+            <a:pPr lvl="2">
+              <a:buClr>
+                <a:srgbClr val="FF0000"/>
+              </a:buClr>
+              <a:buSzPct val="70000"/>
+            </a:pPr>
+            <a:r>
+              <a:rPr lang="en-US" dirty="0" smtClean="0"/>
+              <a:t>The </a:t>
+            </a:r>
+            <a:r>
+              <a:rPr lang="en-US" dirty="0" smtClean="0">
+                <a:solidFill>
+                  <a:srgbClr val="00B050"/>
+                </a:solidFill>
+              </a:rPr>
+              <a:t>Leader decrements </a:t>
+            </a:r>
+            <a:r>
+              <a:rPr lang="en-US" dirty="0" err="1" smtClean="0">
+                <a:solidFill>
+                  <a:srgbClr val="00B0F0"/>
+                </a:solidFill>
+              </a:rPr>
+              <a:t>nextIndex</a:t>
+            </a:r>
+            <a:r>
+              <a:rPr lang="en-US" dirty="0" smtClean="0">
+                <a:solidFill>
+                  <a:srgbClr val="00B050"/>
+                </a:solidFill>
+              </a:rPr>
+              <a:t> and retries </a:t>
+            </a:r>
+            <a:r>
+              <a:rPr lang="en-US" dirty="0" err="1" smtClean="0">
+                <a:solidFill>
+                  <a:srgbClr val="00B0F0"/>
+                </a:solidFill>
+              </a:rPr>
+              <a:t>AppendEntries</a:t>
+            </a:r>
+            <a:r>
+              <a:rPr lang="en-US" dirty="0" smtClean="0">
+                <a:solidFill>
+                  <a:srgbClr val="00B0F0"/>
+                </a:solidFill>
+              </a:rPr>
+              <a:t> RPC </a:t>
+            </a:r>
+            <a:r>
+              <a:rPr lang="en-US" dirty="0" smtClean="0">
+                <a:solidFill>
+                  <a:srgbClr val="00B050"/>
+                </a:solidFill>
+              </a:rPr>
+              <a:t>for that follower, until a point reaches where the logs match.</a:t>
+            </a:r>
+            <a:r>
+              <a:rPr lang="en-US" dirty="0" smtClean="0"/>
+              <a:t> (one failure of Consistency Check for each mismatching entry)</a:t>
+            </a:r>
+          </a:p>
+          <a:p>
+            <a:pPr lvl="2">
+              <a:buClr>
+                <a:srgbClr val="FF0000"/>
+              </a:buClr>
+              <a:buSzPct val="70000"/>
+            </a:pPr>
+            <a:r>
+              <a:rPr lang="en-US" dirty="0" smtClean="0"/>
+              <a:t> When an </a:t>
+            </a:r>
+            <a:r>
+              <a:rPr lang="en-US" dirty="0" err="1" smtClean="0">
+                <a:solidFill>
+                  <a:srgbClr val="00B0F0"/>
+                </a:solidFill>
+              </a:rPr>
+              <a:t>AppendEntries</a:t>
+            </a:r>
+            <a:r>
+              <a:rPr lang="en-US" dirty="0" smtClean="0"/>
+              <a:t> succeeds, the follower’s log is consistent with the leader’s up to that entry. (The process follows for the next entries.)</a:t>
+            </a:r>
           </a:p>
           <a:p>
             <a:pPr lvl="2">
@@ -4093,7 +3940,7 @@
     </p:spTree>
     <p:extLst>
       <p:ext uri="{BB962C8B-B14F-4D97-AF65-F5344CB8AC3E}">
-        <p14:creationId xmlns:p14="http://schemas.microsoft.com/office/powerpoint/2010/main" val="3718338715"/>
+        <p14:creationId xmlns:p14="http://schemas.microsoft.com/office/powerpoint/2010/main" val="3811900838"/>
       </p:ext>
     </p:extLst>
   </p:cSld>
@@ -4130,7 +3977,12 @@
             <p:ph type="title"/>
           </p:nvPr>
         </p:nvSpPr>
-        <p:spPr/>
+        <p:spPr>
+          <a:xfrm>
+            <a:off x="838200" y="382377"/>
+            <a:ext cx="10515600" cy="1325563"/>
+          </a:xfrm>
+        </p:spPr>
         <p:txBody>
           <a:bodyPr/>
           <a:lstStyle/>
@@ -4155,84 +4007,155 @@
         </p:nvSpPr>
         <p:spPr>
           <a:xfrm>
-            <a:off x="838200" y="1825624"/>
-            <a:ext cx="10515600" cy="4790835"/>
+            <a:off x="838200" y="1828800"/>
+            <a:ext cx="10515600" cy="5193100"/>
           </a:xfrm>
         </p:spPr>
         <p:txBody>
-          <a:bodyPr/>
-          <a:lstStyle/>
-          <a:p>
-            <a:r>
-              <a:rPr lang="en-US" dirty="0" smtClean="0"/>
-              <a:t>Therefore the leader </a:t>
-            </a:r>
+          <a:bodyPr>
+            <a:normAutofit/>
+          </a:bodyPr>
+          <a:lstStyle/>
+          <a:p>
             <a:r>
               <a:rPr lang="en-US" dirty="0" smtClean="0">
                 <a:solidFill>
                   <a:srgbClr val="00B050"/>
                 </a:solidFill>
               </a:rPr>
-              <a:t>does not have to take any special action</a:t>
-            </a:r>
-            <a:r>
-              <a:rPr lang="en-US" dirty="0" smtClean="0"/>
-              <a:t> to ensure </a:t>
+              <a:t>Follower Side:</a:t>
+            </a:r>
+          </a:p>
+          <a:p>
+            <a:pPr lvl="1">
+              <a:buSzPct val="70000"/>
+            </a:pPr>
+            <a:r>
+              <a:rPr lang="en-US" dirty="0" smtClean="0"/>
+              <a:t>If an </a:t>
+            </a:r>
+            <a:r>
+              <a:rPr lang="en-US" dirty="0" smtClean="0">
+                <a:solidFill>
+                  <a:srgbClr val="FF0000"/>
+                </a:solidFill>
+              </a:rPr>
+              <a:t>existing entry conflicts with a new entry</a:t>
+            </a:r>
+            <a:r>
+              <a:rPr lang="en-US" dirty="0" smtClean="0"/>
+              <a:t>, the follower </a:t>
+            </a:r>
+            <a:r>
+              <a:rPr lang="en-US" dirty="0" smtClean="0">
+                <a:solidFill>
+                  <a:srgbClr val="00B050"/>
+                </a:solidFill>
+              </a:rPr>
+              <a:t>deletes the existing entry and all entries that follow</a:t>
+            </a:r>
+            <a:r>
+              <a:rPr lang="en-US" dirty="0" smtClean="0"/>
+              <a:t> – removing the uncommitted log entries from older terms </a:t>
+            </a:r>
+          </a:p>
+          <a:p>
+            <a:pPr lvl="1">
+              <a:buSzPct val="70000"/>
+            </a:pPr>
+            <a:endParaRPr lang="en-US" dirty="0" smtClean="0"/>
+          </a:p>
+          <a:p>
+            <a:pPr lvl="1">
+              <a:buSzPct val="70000"/>
+            </a:pPr>
+            <a:r>
+              <a:rPr lang="en-US" dirty="0" smtClean="0"/>
+              <a:t>The follower then </a:t>
+            </a:r>
+            <a:r>
+              <a:rPr lang="en-US" dirty="0" smtClean="0">
+                <a:solidFill>
+                  <a:srgbClr val="00B050"/>
+                </a:solidFill>
+              </a:rPr>
+              <a:t>appends any new entries already not in the log </a:t>
+            </a:r>
+            <a:r>
+              <a:rPr lang="en-US" dirty="0" smtClean="0"/>
+              <a:t>– this is because the leader is guaranteed to have sent all previously committed log entries</a:t>
+            </a:r>
+          </a:p>
+          <a:p>
+            <a:pPr lvl="1">
+              <a:buSzPct val="70000"/>
+            </a:pPr>
+            <a:endParaRPr lang="en-US" dirty="0" smtClean="0"/>
+          </a:p>
+          <a:p>
+            <a:pPr lvl="1">
+              <a:buClr>
+                <a:srgbClr val="FF0000"/>
+              </a:buClr>
+              <a:buSzPct val="70000"/>
+            </a:pPr>
+            <a:r>
+              <a:rPr lang="en-US" dirty="0"/>
+              <a:t>If </a:t>
+            </a:r>
+            <a:r>
+              <a:rPr lang="en-US" dirty="0" smtClean="0"/>
+              <a:t>a </a:t>
+            </a:r>
+            <a:r>
+              <a:rPr lang="en-US" dirty="0" smtClean="0">
+                <a:solidFill>
+                  <a:srgbClr val="00B050"/>
+                </a:solidFill>
+              </a:rPr>
+              <a:t>future</a:t>
+            </a:r>
+            <a:r>
+              <a:rPr lang="en-US" dirty="0" smtClean="0"/>
+              <a:t> </a:t>
+            </a:r>
+            <a:r>
+              <a:rPr lang="en-US" dirty="0" err="1">
+                <a:solidFill>
+                  <a:srgbClr val="00B0F0"/>
+                </a:solidFill>
+              </a:rPr>
+              <a:t>AppendEntries</a:t>
             </a:r>
             <a:r>
               <a:rPr lang="en-US" dirty="0">
                 <a:solidFill>
+                  <a:srgbClr val="00B0F0"/>
+                </a:solidFill>
+              </a:rPr>
+              <a:t> RPC</a:t>
+            </a:r>
+            <a:r>
+              <a:rPr lang="en-US" dirty="0"/>
+              <a:t> says that an entry has been committed, it </a:t>
+            </a:r>
+            <a:r>
+              <a:rPr lang="en-US" dirty="0">
+                <a:solidFill>
                   <a:srgbClr val="00B050"/>
                 </a:solidFill>
               </a:rPr>
-              <a:t>l</a:t>
-            </a:r>
-            <a:r>
-              <a:rPr lang="en-US" dirty="0" smtClean="0">
-                <a:solidFill>
-                  <a:srgbClr val="00B050"/>
-                </a:solidFill>
-              </a:rPr>
-              <a:t>og consistency</a:t>
-            </a:r>
-            <a:r>
-              <a:rPr lang="en-US" dirty="0" smtClean="0"/>
-              <a:t>.</a:t>
-            </a:r>
-          </a:p>
-          <a:p>
-            <a:r>
-              <a:rPr lang="en-US" dirty="0" smtClean="0"/>
-              <a:t>The </a:t>
-            </a:r>
-            <a:r>
-              <a:rPr lang="en-US" dirty="0" smtClean="0">
-                <a:solidFill>
-                  <a:srgbClr val="00B050"/>
-                </a:solidFill>
-              </a:rPr>
-              <a:t>failed </a:t>
-            </a:r>
-            <a:r>
-              <a:rPr lang="en-US" dirty="0" err="1" smtClean="0">
-                <a:solidFill>
-                  <a:srgbClr val="00B050"/>
-                </a:solidFill>
-              </a:rPr>
-              <a:t>AppendEntries</a:t>
-            </a:r>
-            <a:r>
-              <a:rPr lang="en-US" dirty="0" smtClean="0">
-                <a:solidFill>
-                  <a:srgbClr val="00B050"/>
-                </a:solidFill>
-              </a:rPr>
-              <a:t> Consistency checks </a:t>
-            </a:r>
-            <a:r>
-              <a:rPr lang="en-US" dirty="0" smtClean="0"/>
-              <a:t>take care of maintaining consistency if logs don’t match.</a:t>
-            </a:r>
+              <a:t>writes it to the State Machine</a:t>
+            </a:r>
+          </a:p>
+          <a:p>
+            <a:pPr lvl="1">
+              <a:buClr>
+                <a:srgbClr val="FF0000"/>
+              </a:buClr>
+              <a:buSzPct val="70000"/>
+            </a:pPr>
+            <a:endParaRPr lang="en-US" dirty="0" smtClean="0"/>
           </a:p>
           <a:p>
             <a:pPr lvl="2">
@@ -4278,7 +4201,7 @@
     </p:spTree>
     <p:extLst>
       <p:ext uri="{BB962C8B-B14F-4D97-AF65-F5344CB8AC3E}">
-        <p14:creationId xmlns:p14="http://schemas.microsoft.com/office/powerpoint/2010/main" val="422927626"/>
+        <p14:creationId xmlns:p14="http://schemas.microsoft.com/office/powerpoint/2010/main" val="3718338715"/>
       </p:ext>
     </p:extLst>
   </p:cSld>
@@ -4322,7 +4245,7 @@
           <a:p>
             <a:r>
               <a:rPr lang="en-US" b="1" dirty="0" smtClean="0"/>
-              <a:t>Safety</a:t>
+              <a:t>Log Replication</a:t>
             </a:r>
             <a:endParaRPr lang="en-US" b="1" dirty="0"/>
           </a:p>
@@ -4338,50 +4261,132 @@
             <p:ph idx="1"/>
           </p:nvPr>
         </p:nvSpPr>
-        <p:spPr/>
-        <p:txBody>
-          <a:bodyPr/>
-          <a:lstStyle/>
-          <a:p>
-            <a:r>
-              <a:rPr lang="en-US" dirty="0" smtClean="0">
-                <a:solidFill>
-                  <a:srgbClr val="00B0F0"/>
-                </a:solidFill>
-              </a:rPr>
-              <a:t>State Machine Safety Property</a:t>
-            </a:r>
-            <a:r>
-              <a:rPr lang="en-US" dirty="0" smtClean="0"/>
-              <a:t> – if a server has applied a log entry at a given index in its state machine, no other server will apply a different entry in the same index.</a:t>
-            </a:r>
-          </a:p>
-          <a:p>
-            <a:r>
-              <a:rPr lang="en-US" dirty="0" smtClean="0"/>
-              <a:t>Ensured by the following:</a:t>
-            </a:r>
-          </a:p>
-          <a:p>
-            <a:pPr lvl="1"/>
-            <a:r>
-              <a:rPr lang="en-US" dirty="0" smtClean="0"/>
-              <a:t>A leader always contains all committed entries from previous terms</a:t>
-            </a:r>
-          </a:p>
-          <a:p>
-            <a:pPr lvl="1"/>
-            <a:r>
-              <a:rPr lang="en-US" dirty="0" smtClean="0"/>
-              <a:t>Log entries from older terms are never committed by counting replicas </a:t>
-            </a:r>
+        <p:spPr>
+          <a:xfrm>
+            <a:off x="838200" y="1825624"/>
+            <a:ext cx="10515600" cy="4790835"/>
+          </a:xfrm>
+        </p:spPr>
+        <p:txBody>
+          <a:bodyPr/>
+          <a:lstStyle/>
+          <a:p>
+            <a:r>
+              <a:rPr lang="en-US" dirty="0" smtClean="0"/>
+              <a:t>Therefore the leader </a:t>
+            </a:r>
+            <a:r>
+              <a:rPr lang="en-US" dirty="0" smtClean="0">
+                <a:solidFill>
+                  <a:srgbClr val="00B050"/>
+                </a:solidFill>
+              </a:rPr>
+              <a:t>does not have to take any special action</a:t>
+            </a:r>
+            <a:r>
+              <a:rPr lang="en-US" dirty="0" smtClean="0"/>
+              <a:t> to ensure </a:t>
+            </a:r>
+            <a:r>
+              <a:rPr lang="en-US" dirty="0">
+                <a:solidFill>
+                  <a:srgbClr val="00B050"/>
+                </a:solidFill>
+              </a:rPr>
+              <a:t>l</a:t>
+            </a:r>
+            <a:r>
+              <a:rPr lang="en-US" dirty="0" smtClean="0">
+                <a:solidFill>
+                  <a:srgbClr val="00B050"/>
+                </a:solidFill>
+              </a:rPr>
+              <a:t>og consistency</a:t>
+            </a:r>
+            <a:r>
+              <a:rPr lang="en-US" dirty="0" smtClean="0"/>
+              <a:t>.</a:t>
+            </a:r>
+          </a:p>
+          <a:p>
+            <a:r>
+              <a:rPr lang="en-US" dirty="0" smtClean="0"/>
+              <a:t>The </a:t>
+            </a:r>
+            <a:r>
+              <a:rPr lang="en-US" dirty="0" smtClean="0">
+                <a:solidFill>
+                  <a:srgbClr val="00B050"/>
+                </a:solidFill>
+              </a:rPr>
+              <a:t>failed </a:t>
+            </a:r>
+            <a:r>
+              <a:rPr lang="en-US" dirty="0" err="1" smtClean="0">
+                <a:solidFill>
+                  <a:srgbClr val="00B050"/>
+                </a:solidFill>
+              </a:rPr>
+              <a:t>AppendEntries</a:t>
+            </a:r>
+            <a:r>
+              <a:rPr lang="en-US" dirty="0" smtClean="0">
+                <a:solidFill>
+                  <a:srgbClr val="00B050"/>
+                </a:solidFill>
+              </a:rPr>
+              <a:t> Consistency checks </a:t>
+            </a:r>
+            <a:r>
+              <a:rPr lang="en-US" dirty="0" smtClean="0"/>
+              <a:t>take care of maintaining consistency if logs don’t match.</a:t>
+            </a:r>
+          </a:p>
+          <a:p>
+            <a:pPr lvl="2">
+              <a:buClr>
+                <a:srgbClr val="FF0000"/>
+              </a:buClr>
+              <a:buSzPct val="70000"/>
+            </a:pPr>
+            <a:endParaRPr lang="en-US" dirty="0" smtClean="0"/>
+          </a:p>
+          <a:p>
+            <a:pPr lvl="2">
+              <a:buClr>
+                <a:srgbClr val="FF0000"/>
+              </a:buClr>
+              <a:buSzPct val="70000"/>
+            </a:pPr>
+            <a:endParaRPr lang="en-US" dirty="0" smtClean="0"/>
+          </a:p>
+          <a:p>
+            <a:pPr lvl="2">
+              <a:buClr>
+                <a:srgbClr val="FF0000"/>
+              </a:buClr>
+              <a:buSzPct val="70000"/>
+              <a:buFont typeface="Courier New" panose="02070309020205020404" pitchFamily="49" charset="0"/>
+              <a:buChar char="o"/>
+            </a:pPr>
+            <a:endParaRPr lang="en-US" dirty="0" smtClean="0"/>
+          </a:p>
+          <a:p>
+            <a:pPr marL="1371600" lvl="2" indent="-457200">
+              <a:buFont typeface="+mj-lt"/>
+              <a:buAutoNum type="alphaUcPeriod"/>
+            </a:pPr>
+            <a:endParaRPr lang="en-US" dirty="0" smtClean="0"/>
+          </a:p>
+          <a:p>
+            <a:endParaRPr lang="en-US" dirty="0"/>
           </a:p>
         </p:txBody>
       </p:sp>
     </p:spTree>
     <p:extLst>
       <p:ext uri="{BB962C8B-B14F-4D97-AF65-F5344CB8AC3E}">
-        <p14:creationId xmlns:p14="http://schemas.microsoft.com/office/powerpoint/2010/main" val="2965944169"/>
+        <p14:creationId xmlns:p14="http://schemas.microsoft.com/office/powerpoint/2010/main" val="422927626"/>
       </p:ext>
     </p:extLst>
   </p:cSld>
@@ -4447,160 +4452,49 @@
           <a:lstStyle/>
           <a:p>
             <a:r>
-              <a:rPr lang="en-US" dirty="0" smtClean="0"/>
-              <a:t>Leader Crash Scenarios:</a:t>
-            </a:r>
-          </a:p>
-          <a:p>
-            <a:pPr marL="914400" lvl="1" indent="-457200">
-              <a:buFont typeface="+mj-lt"/>
-              <a:buAutoNum type="alphaUcPeriod"/>
-            </a:pPr>
-            <a:r>
-              <a:rPr lang="en-US" dirty="0" smtClean="0">
-                <a:solidFill>
-                  <a:srgbClr val="00B050"/>
-                </a:solidFill>
-              </a:rPr>
-              <a:t>Leader crashes before committing an entry</a:t>
-            </a:r>
-            <a:r>
-              <a:rPr lang="en-US" dirty="0" smtClean="0"/>
-              <a:t>:</a:t>
-            </a:r>
-          </a:p>
-          <a:p>
-            <a:pPr lvl="2"/>
-            <a:r>
-              <a:rPr lang="en-US" dirty="0" smtClean="0"/>
-              <a:t>The new leader may not contain all the log entries as the majority may not have replicated</a:t>
-            </a:r>
-          </a:p>
-          <a:p>
-            <a:pPr lvl="2"/>
-            <a:r>
-              <a:rPr lang="en-US" dirty="0" smtClean="0"/>
-              <a:t>The client request is lost, but there is still consensus </a:t>
-            </a:r>
-          </a:p>
-          <a:p>
-            <a:pPr marL="914400" lvl="1" indent="-457200">
-              <a:buFont typeface="+mj-lt"/>
-              <a:buAutoNum type="alphaUcPeriod"/>
-            </a:pPr>
-            <a:r>
-              <a:rPr lang="en-US" dirty="0"/>
-              <a:t> </a:t>
-            </a:r>
-            <a:r>
-              <a:rPr lang="en-US" dirty="0">
-                <a:solidFill>
-                  <a:srgbClr val="00B050"/>
-                </a:solidFill>
-              </a:rPr>
-              <a:t>Leader crashes after committing an entry, but before sending </a:t>
-            </a:r>
-            <a:r>
-              <a:rPr lang="en-US" dirty="0">
+              <a:rPr lang="en-US" dirty="0" smtClean="0">
                 <a:solidFill>
                   <a:srgbClr val="00B0F0"/>
                 </a:solidFill>
               </a:rPr>
-              <a:t>any future </a:t>
-            </a:r>
-            <a:r>
-              <a:rPr lang="en-US" dirty="0" err="1" smtClean="0">
-                <a:solidFill>
-                  <a:srgbClr val="00B0F0"/>
-                </a:solidFill>
-              </a:rPr>
-              <a:t>AppendEntries</a:t>
-            </a:r>
-            <a:r>
-              <a:rPr lang="en-US" dirty="0" smtClean="0">
-                <a:solidFill>
-                  <a:srgbClr val="00B0F0"/>
-                </a:solidFill>
-              </a:rPr>
-              <a:t> </a:t>
-            </a:r>
-            <a:r>
-              <a:rPr lang="en-US" dirty="0">
-                <a:solidFill>
-                  <a:srgbClr val="00B0F0"/>
-                </a:solidFill>
-              </a:rPr>
-              <a:t>RPC</a:t>
-            </a:r>
-            <a:r>
-              <a:rPr lang="en-US" dirty="0">
-                <a:solidFill>
-                  <a:srgbClr val="00B050"/>
-                </a:solidFill>
-              </a:rPr>
-              <a:t> </a:t>
-            </a:r>
-            <a:r>
-              <a:rPr lang="en-US" dirty="0" smtClean="0">
-                <a:solidFill>
-                  <a:srgbClr val="00B050"/>
-                </a:solidFill>
-              </a:rPr>
-              <a:t>with commit information</a:t>
-            </a:r>
-            <a:r>
-              <a:rPr lang="en-US" dirty="0" smtClean="0">
-                <a:solidFill>
-                  <a:srgbClr val="FF0000"/>
-                </a:solidFill>
-              </a:rPr>
-              <a:t>:</a:t>
-            </a:r>
-          </a:p>
-          <a:p>
-            <a:pPr lvl="2"/>
-            <a:r>
-              <a:rPr lang="en-US" dirty="0" smtClean="0"/>
-              <a:t>The majority of followers already have the entry in log</a:t>
-            </a:r>
-          </a:p>
-          <a:p>
-            <a:pPr lvl="2"/>
-            <a:r>
-              <a:rPr lang="en-US" dirty="0" smtClean="0"/>
-              <a:t>So the new leader will have the entry in its log</a:t>
-            </a:r>
-          </a:p>
-          <a:p>
-            <a:pPr lvl="2"/>
-            <a:r>
-              <a:rPr lang="en-US" dirty="0" smtClean="0"/>
-              <a:t>The new leader will try to commit it </a:t>
-            </a:r>
-          </a:p>
-          <a:p>
-            <a:pPr lvl="2"/>
-            <a:r>
-              <a:rPr lang="en-US" dirty="0" smtClean="0"/>
-              <a:t>The client request may not be lost and there is Consensus </a:t>
-            </a:r>
-          </a:p>
-          <a:p>
+              <a:t>State Machine Safety Property</a:t>
+            </a:r>
+            <a:r>
+              <a:rPr lang="en-US" dirty="0" smtClean="0"/>
+              <a:t> – if a server has applied a log entry at a given index in its state machine, no other server will apply a different entry in the same index.</a:t>
+            </a:r>
+          </a:p>
+          <a:p>
+            <a:r>
+              <a:rPr lang="en-US" dirty="0" smtClean="0"/>
+              <a:t>Ensured by the following:</a:t>
+            </a:r>
+          </a:p>
+          <a:p>
+            <a:pPr lvl="1"/>
+            <a:r>
+              <a:rPr lang="en-US" dirty="0" smtClean="0"/>
+              <a:t>A leader always contains all committed entries from previous </a:t>
+            </a:r>
+            <a:r>
+              <a:rPr lang="en-US" dirty="0" smtClean="0"/>
+              <a:t>terms </a:t>
+            </a:r>
             <a:endParaRPr lang="en-US" dirty="0" smtClean="0"/>
           </a:p>
           <a:p>
-            <a:pPr marL="1371600" lvl="2" indent="-457200">
-              <a:buFont typeface="+mj-lt"/>
-              <a:buAutoNum type="alphaUcPeriod"/>
-            </a:pPr>
-            <a:endParaRPr lang="en-US" dirty="0" smtClean="0"/>
+            <a:pPr lvl="1"/>
+            <a:r>
+              <a:rPr lang="en-US" dirty="0" smtClean="0"/>
+              <a:t>Log entries from older terms are never committed by counting replicas </a:t>
+            </a:r>
           </a:p>
         </p:txBody>
       </p:sp>
     </p:spTree>
     <p:extLst>
       <p:ext uri="{BB962C8B-B14F-4D97-AF65-F5344CB8AC3E}">
-        <p14:creationId xmlns:p14="http://schemas.microsoft.com/office/powerpoint/2010/main" val="3739259691"/>
+        <p14:creationId xmlns:p14="http://schemas.microsoft.com/office/powerpoint/2010/main" val="2965944169"/>
       </p:ext>
     </p:extLst>
   </p:cSld>
@@ -4662,61 +4556,126 @@
         </p:nvSpPr>
         <p:spPr/>
         <p:txBody>
-          <a:bodyPr/>
-          <a:lstStyle/>
-          <a:p>
-            <a:r>
-              <a:rPr lang="en-US" dirty="0" smtClean="0"/>
-              <a:t>Follower/Candidate Crash Scenario:</a:t>
-            </a:r>
-          </a:p>
-          <a:p>
-            <a:pPr lvl="1"/>
-            <a:r>
-              <a:rPr lang="en-US" dirty="0" smtClean="0"/>
-              <a:t>The RPCs are sent </a:t>
-            </a:r>
+          <a:bodyPr>
+            <a:normAutofit/>
+          </a:bodyPr>
+          <a:lstStyle/>
+          <a:p>
+            <a:r>
+              <a:rPr lang="en-US" sz="2400" dirty="0" smtClean="0"/>
+              <a:t>Leader Crash Scenarios:</a:t>
+            </a:r>
+          </a:p>
+          <a:p>
+            <a:pPr marL="914400" lvl="1" indent="-457200">
+              <a:buFont typeface="+mj-lt"/>
+              <a:buAutoNum type="alphaUcPeriod"/>
+            </a:pPr>
             <a:r>
               <a:rPr lang="en-US" dirty="0" smtClean="0">
                 <a:solidFill>
                   <a:srgbClr val="00B050"/>
                 </a:solidFill>
               </a:rPr>
-              <a:t>indefinitely</a:t>
-            </a:r>
-            <a:r>
-              <a:rPr lang="en-US" dirty="0" smtClean="0"/>
-              <a:t> by the Leader </a:t>
-            </a:r>
-          </a:p>
-          <a:p>
-            <a:pPr lvl="1"/>
-            <a:r>
-              <a:rPr lang="en-US" dirty="0" smtClean="0"/>
-              <a:t>They respond on starting</a:t>
-            </a:r>
-          </a:p>
-          <a:p>
-            <a:pPr lvl="1"/>
-            <a:r>
-              <a:rPr lang="en-US" dirty="0" smtClean="0">
+              <a:t>Leader crashes before committing an entry</a:t>
+            </a:r>
+            <a:r>
+              <a:rPr lang="en-US" dirty="0" smtClean="0"/>
+              <a:t>:</a:t>
+            </a:r>
+          </a:p>
+          <a:p>
+            <a:pPr lvl="2"/>
+            <a:r>
+              <a:rPr lang="en-US" sz="2400" dirty="0" smtClean="0"/>
+              <a:t>The new leader may not contain all the log entries as the majority may not have replicated</a:t>
+            </a:r>
+          </a:p>
+          <a:p>
+            <a:pPr lvl="2"/>
+            <a:r>
+              <a:rPr lang="en-US" sz="2400" dirty="0" smtClean="0"/>
+              <a:t>If the new leader </a:t>
+            </a:r>
+            <a:r>
+              <a:rPr lang="en-US" sz="2400" dirty="0" smtClean="0">
+                <a:solidFill>
+                  <a:srgbClr val="FF0000"/>
+                </a:solidFill>
+              </a:rPr>
+              <a:t>does not contain the uncommitted entries</a:t>
+            </a:r>
+            <a:r>
+              <a:rPr lang="en-US" sz="2400" dirty="0" smtClean="0"/>
+              <a:t>, t</a:t>
+            </a:r>
+            <a:r>
+              <a:rPr lang="en-US" sz="2400" dirty="0" smtClean="0"/>
+              <a:t>he </a:t>
+            </a:r>
+            <a:r>
+              <a:rPr lang="en-US" sz="2400" dirty="0" smtClean="0"/>
+              <a:t>client request is lost, but </a:t>
+            </a:r>
+            <a:r>
+              <a:rPr lang="en-US" sz="2400" dirty="0" smtClean="0"/>
+              <a:t>these entries are deleted from the followers which had replicated.</a:t>
+            </a:r>
+          </a:p>
+          <a:p>
+            <a:pPr lvl="2"/>
+            <a:r>
+              <a:rPr lang="en-US" sz="2400" dirty="0" smtClean="0"/>
+              <a:t>If the new leader </a:t>
+            </a:r>
+            <a:r>
+              <a:rPr lang="en-US" sz="2400" dirty="0" smtClean="0">
                 <a:solidFill>
                   <a:srgbClr val="00B050"/>
                 </a:solidFill>
               </a:rPr>
-              <a:t>If no leader found on starting, start an election</a:t>
-            </a:r>
-            <a:r>
-              <a:rPr lang="en-US" dirty="0" smtClean="0"/>
+              <a:t>contains the uncommitted entries</a:t>
+            </a:r>
+            <a:r>
+              <a:rPr lang="en-US" sz="2400" dirty="0" smtClean="0"/>
+              <a:t>, then it will try to commit them and the client request may not be lost </a:t>
+            </a:r>
+            <a:r>
+              <a:rPr lang="en-US" sz="2400" i="1" dirty="0" smtClean="0"/>
+              <a:t>(“may” because even this leader might fail before committing)</a:t>
+            </a:r>
+            <a:r>
+              <a:rPr lang="en-US" sz="2400" dirty="0" smtClean="0"/>
               <a:t>.</a:t>
             </a:r>
+          </a:p>
+          <a:p>
+            <a:pPr lvl="2"/>
+            <a:r>
+              <a:rPr lang="en-US" sz="2400" dirty="0" smtClean="0"/>
+              <a:t>In both cases, there is consensus.</a:t>
+            </a:r>
+            <a:endParaRPr lang="en-US" sz="2400" dirty="0" smtClean="0"/>
+          </a:p>
+          <a:p>
+            <a:pPr marL="0" indent="0">
+              <a:buNone/>
+            </a:pPr>
+            <a:endParaRPr lang="en-US" sz="2400" dirty="0" smtClean="0"/>
+          </a:p>
+          <a:p>
+            <a:pPr marL="1371600" lvl="2" indent="-457200">
+              <a:buFont typeface="+mj-lt"/>
+              <a:buAutoNum type="alphaUcPeriod"/>
+            </a:pPr>
+            <a:endParaRPr lang="en-US" sz="2400" dirty="0" smtClean="0"/>
           </a:p>
         </p:txBody>
       </p:sp>
     </p:spTree>
     <p:extLst>
       <p:ext uri="{BB962C8B-B14F-4D97-AF65-F5344CB8AC3E}">
-        <p14:creationId xmlns:p14="http://schemas.microsoft.com/office/powerpoint/2010/main" val="911818167"/>
+        <p14:creationId xmlns:p14="http://schemas.microsoft.com/office/powerpoint/2010/main" val="3739259691"/>
       </p:ext>
     </p:extLst>
   </p:cSld>
@@ -4760,7 +4719,7 @@
           <a:p>
             <a:r>
               <a:rPr lang="en-US" b="1" dirty="0" smtClean="0"/>
-              <a:t>Log Compaction</a:t>
+              <a:t>Safety</a:t>
             </a:r>
             <a:endParaRPr lang="en-US" b="1" dirty="0"/>
           </a:p>
@@ -4778,12 +4737,27 @@
         </p:nvSpPr>
         <p:spPr/>
         <p:txBody>
-          <a:bodyPr/>
-          <a:lstStyle/>
-          <a:p>
-            <a:r>
-              <a:rPr lang="en-US" dirty="0" smtClean="0"/>
-              <a:t>They use </a:t>
+          <a:bodyPr>
+            <a:normAutofit/>
+          </a:bodyPr>
+          <a:lstStyle/>
+          <a:p>
+            <a:r>
+              <a:rPr lang="en-US" sz="2400" dirty="0" smtClean="0"/>
+              <a:t>Leader Crash Scenarios:</a:t>
+            </a:r>
+          </a:p>
+          <a:p>
+            <a:pPr marL="457200" lvl="1" indent="0">
+              <a:buNone/>
+            </a:pPr>
+            <a:r>
+              <a:rPr lang="en-US" dirty="0" smtClean="0">
+                <a:solidFill>
+                  <a:srgbClr val="00B050"/>
+                </a:solidFill>
+              </a:rPr>
+              <a:t>B.   Leader crashes after committing an entry, but before sending </a:t>
             </a:r>
             <a:r>
               <a:rPr lang="en-US" dirty="0" smtClean="0">
@@ -4791,18 +4765,44 @@
                   <a:srgbClr val="00B0F0"/>
                 </a:solidFill>
               </a:rPr>
-              <a:t>Snapshotting </a:t>
-            </a:r>
-            <a:endParaRPr lang="en-US" dirty="0" smtClean="0">
-              <a:solidFill>
-                <a:srgbClr val="00B0F0"/>
-              </a:solidFill>
-            </a:endParaRPr>
-          </a:p>
-          <a:p>
-            <a:r>
-              <a:rPr lang="en-US" dirty="0" smtClean="0"/>
-              <a:t>Each server takes snapshots independently – </a:t>
+              <a:t>any future  </a:t>
+            </a:r>
+          </a:p>
+          <a:p>
+            <a:pPr marL="457200" lvl="1" indent="0">
+              <a:buNone/>
+            </a:pPr>
+            <a:r>
+              <a:rPr lang="en-US" dirty="0">
+                <a:solidFill>
+                  <a:srgbClr val="00B0F0"/>
+                </a:solidFill>
+              </a:rPr>
+              <a:t> </a:t>
+            </a:r>
+            <a:r>
+              <a:rPr lang="en-US" dirty="0" smtClean="0">
+                <a:solidFill>
+                  <a:srgbClr val="00B0F0"/>
+                </a:solidFill>
+              </a:rPr>
+              <a:t>     </a:t>
+            </a:r>
+            <a:r>
+              <a:rPr lang="en-US" dirty="0" err="1" smtClean="0">
+                <a:solidFill>
+                  <a:srgbClr val="00B0F0"/>
+                </a:solidFill>
+              </a:rPr>
+              <a:t>AppendEntries</a:t>
+            </a:r>
+            <a:r>
+              <a:rPr lang="en-US" dirty="0" smtClean="0">
+                <a:solidFill>
+                  <a:srgbClr val="00B0F0"/>
+                </a:solidFill>
+              </a:rPr>
+              <a:t> RPC</a:t>
             </a:r>
             <a:r>
               <a:rPr lang="en-US" dirty="0" smtClean="0">
@@ -4810,30 +4810,105 @@
                   <a:srgbClr val="00B050"/>
                 </a:solidFill>
               </a:rPr>
-              <a:t>When the log reaches a fixed size</a:t>
-            </a:r>
-            <a:r>
-              <a:rPr lang="en-US" dirty="0" smtClean="0"/>
-              <a:t> (</a:t>
-            </a:r>
-            <a:r>
-              <a:rPr lang="en-US" dirty="0" err="1" smtClean="0"/>
-              <a:t>predecided</a:t>
-            </a:r>
-            <a:r>
-              <a:rPr lang="en-US" dirty="0" smtClean="0"/>
-              <a:t>)</a:t>
-            </a:r>
-          </a:p>
-          <a:p>
-            <a:endParaRPr lang="en-US" dirty="0"/>
+              <a:t> with commit information</a:t>
+            </a:r>
+            <a:r>
+              <a:rPr lang="en-US" dirty="0" smtClean="0">
+                <a:solidFill>
+                  <a:srgbClr val="FF0000"/>
+                </a:solidFill>
+              </a:rPr>
+              <a:t>:</a:t>
+            </a:r>
+          </a:p>
+          <a:p>
+            <a:pPr lvl="2"/>
+            <a:r>
+              <a:rPr lang="en-US" sz="2400" dirty="0" smtClean="0"/>
+              <a:t>The </a:t>
+            </a:r>
+            <a:r>
+              <a:rPr lang="en-US" sz="2400" dirty="0" smtClean="0"/>
+              <a:t>majority of followers already have the entry in log</a:t>
+            </a:r>
+          </a:p>
+          <a:p>
+            <a:pPr lvl="2"/>
+            <a:r>
+              <a:rPr lang="en-US" sz="2400" dirty="0" smtClean="0"/>
+              <a:t>So the new leader </a:t>
+            </a:r>
+            <a:r>
+              <a:rPr lang="en-US" sz="2400" dirty="0" smtClean="0">
+                <a:solidFill>
+                  <a:srgbClr val="00B050"/>
+                </a:solidFill>
+              </a:rPr>
+              <a:t>WILL</a:t>
+            </a:r>
+            <a:r>
+              <a:rPr lang="en-US" sz="2400" dirty="0" smtClean="0"/>
+              <a:t> </a:t>
+            </a:r>
+            <a:r>
+              <a:rPr lang="en-US" sz="2400" dirty="0" smtClean="0"/>
+              <a:t>have the entry in its log</a:t>
+            </a:r>
+          </a:p>
+          <a:p>
+            <a:pPr lvl="2"/>
+            <a:r>
+              <a:rPr lang="en-US" sz="2400" dirty="0" smtClean="0"/>
+              <a:t>The new leader </a:t>
+            </a:r>
+            <a:r>
+              <a:rPr lang="en-US" sz="2400" dirty="0" smtClean="0">
+                <a:solidFill>
+                  <a:srgbClr val="00B050"/>
+                </a:solidFill>
+              </a:rPr>
+              <a:t>WILL</a:t>
+            </a:r>
+            <a:r>
+              <a:rPr lang="en-US" sz="2400" dirty="0" smtClean="0"/>
+              <a:t> </a:t>
+            </a:r>
+            <a:r>
+              <a:rPr lang="en-US" sz="2400" dirty="0" smtClean="0"/>
+              <a:t>try to commit it </a:t>
+            </a:r>
+          </a:p>
+          <a:p>
+            <a:pPr lvl="2"/>
+            <a:r>
+              <a:rPr lang="en-US" sz="2400" dirty="0" smtClean="0"/>
+              <a:t>The client request </a:t>
+            </a:r>
+            <a:r>
+              <a:rPr lang="en-US" sz="2400" dirty="0" smtClean="0"/>
+              <a:t>may* </a:t>
+            </a:r>
+            <a:r>
+              <a:rPr lang="en-US" sz="2400" dirty="0" smtClean="0"/>
+              <a:t>not be lost and there is Consensus </a:t>
+            </a:r>
+          </a:p>
+          <a:p>
+            <a:endParaRPr lang="en-US" sz="2400" dirty="0" smtClean="0"/>
+          </a:p>
+          <a:p>
+            <a:pPr marL="1371600" lvl="2" indent="-457200">
+              <a:buFont typeface="+mj-lt"/>
+              <a:buAutoNum type="alphaUcPeriod"/>
+            </a:pPr>
+            <a:endParaRPr lang="en-US" sz="2400" dirty="0" smtClean="0"/>
           </a:p>
         </p:txBody>
       </p:sp>
     </p:spTree>
     <p:extLst>
       <p:ext uri="{BB962C8B-B14F-4D97-AF65-F5344CB8AC3E}">
-        <p14:creationId xmlns:p14="http://schemas.microsoft.com/office/powerpoint/2010/main" val="1778850710"/>
+        <p14:creationId xmlns:p14="http://schemas.microsoft.com/office/powerpoint/2010/main" val="73249086"/>
       </p:ext>
     </p:extLst>
   </p:cSld>
@@ -4872,158 +4947,114 @@
         </p:nvSpPr>
         <p:spPr/>
         <p:txBody>
+          <a:bodyPr/>
+          <a:lstStyle/>
+          <a:p>
+            <a:r>
+              <a:rPr lang="en-US" b="1" dirty="0" smtClean="0"/>
+              <a:t>Safety</a:t>
+            </a:r>
+            <a:endParaRPr lang="en-US" b="1" dirty="0"/>
+          </a:p>
+        </p:txBody>
+      </p:sp>
+      <p:sp>
+        <p:nvSpPr>
+          <p:cNvPr id="3" name="Content Placeholder 2"/>
+          <p:cNvSpPr>
+            <a:spLocks noGrp="1"/>
+          </p:cNvSpPr>
+          <p:nvPr>
+            <p:ph idx="1"/>
+          </p:nvPr>
+        </p:nvSpPr>
+        <p:spPr/>
+        <p:txBody>
           <a:bodyPr>
             <a:normAutofit/>
           </a:bodyPr>
           <a:lstStyle/>
           <a:p>
             <a:r>
-              <a:rPr lang="en-US" sz="3600" b="1" dirty="0" smtClean="0"/>
-              <a:t>Limitations of </a:t>
-            </a:r>
-            <a:r>
-              <a:rPr lang="en-US" sz="3600" b="1" dirty="0" err="1" smtClean="0"/>
-              <a:t>Paxos</a:t>
-            </a:r>
-            <a:r>
-              <a:rPr lang="en-US" sz="3600" b="1" dirty="0" smtClean="0"/>
-              <a:t> (according to the authors)	</a:t>
-            </a:r>
-            <a:endParaRPr lang="en-US" sz="3600" b="1" dirty="0"/>
-          </a:p>
-        </p:txBody>
-      </p:sp>
-      <p:sp>
-        <p:nvSpPr>
-          <p:cNvPr id="3" name="Content Placeholder 2"/>
-          <p:cNvSpPr>
-            <a:spLocks noGrp="1"/>
-          </p:cNvSpPr>
-          <p:nvPr>
-            <p:ph idx="1"/>
-          </p:nvPr>
-        </p:nvSpPr>
-        <p:spPr/>
-        <p:txBody>
-          <a:bodyPr/>
-          <a:lstStyle/>
-          <a:p>
+              <a:rPr lang="en-US" sz="2400" dirty="0" smtClean="0"/>
+              <a:t>Follower/Candidate Crash Scenario:</a:t>
+            </a:r>
+          </a:p>
+          <a:p>
+            <a:pPr lvl="1"/>
+            <a:r>
+              <a:rPr lang="en-US" dirty="0" smtClean="0"/>
+              <a:t>The RPCs are sent </a:t>
+            </a:r>
             <a:r>
               <a:rPr lang="en-US" dirty="0" smtClean="0">
                 <a:solidFill>
                   <a:srgbClr val="00B050"/>
                 </a:solidFill>
               </a:rPr>
-              <a:t>Difficult to understand</a:t>
-            </a:r>
-            <a:r>
-              <a:rPr lang="en-US" dirty="0" smtClean="0"/>
-              <a:t> from a developer’s perspective</a:t>
-            </a:r>
-          </a:p>
-          <a:p>
-            <a:r>
-              <a:rPr lang="en-US" dirty="0" smtClean="0"/>
-              <a:t>Practical implementations, more often than not, include </a:t>
-            </a:r>
+              <a:t>indefinitely</a:t>
+            </a:r>
+            <a:r>
+              <a:rPr lang="en-US" dirty="0" smtClean="0"/>
+              <a:t> by the Leader </a:t>
+            </a:r>
+          </a:p>
+          <a:p>
+            <a:pPr lvl="1"/>
+            <a:r>
+              <a:rPr lang="en-US" dirty="0" smtClean="0"/>
+              <a:t>The followers </a:t>
+            </a:r>
+            <a:r>
+              <a:rPr lang="en-US" dirty="0" smtClean="0"/>
+              <a:t>respond on </a:t>
+            </a:r>
+            <a:r>
+              <a:rPr lang="en-US" dirty="0" smtClean="0"/>
+              <a:t>starting</a:t>
+            </a:r>
+          </a:p>
+          <a:p>
+            <a:pPr lvl="1"/>
+            <a:r>
+              <a:rPr lang="en-US" dirty="0" smtClean="0"/>
+              <a:t>Gaps are filled by the </a:t>
+            </a:r>
+            <a:r>
+              <a:rPr lang="en-US" dirty="0" smtClean="0">
+                <a:solidFill>
+                  <a:srgbClr val="00B0F0"/>
+                </a:solidFill>
+              </a:rPr>
+              <a:t>consistency check</a:t>
+            </a:r>
+            <a:r>
+              <a:rPr lang="en-US" dirty="0" smtClean="0"/>
+              <a:t>.</a:t>
+            </a:r>
+            <a:endParaRPr lang="en-US" dirty="0" smtClean="0"/>
+          </a:p>
+          <a:p>
+            <a:pPr lvl="1"/>
             <a:r>
               <a:rPr lang="en-US" dirty="0" smtClean="0">
                 <a:solidFill>
                   <a:srgbClr val="00B050"/>
                 </a:solidFill>
               </a:rPr>
-              <a:t>additional modifications</a:t>
-            </a:r>
-            <a:r>
-              <a:rPr lang="en-US" dirty="0" smtClean="0"/>
-              <a:t>– resulting in final systems based on an </a:t>
-            </a:r>
-            <a:r>
-              <a:rPr lang="en-US" dirty="0" smtClean="0">
-                <a:solidFill>
-                  <a:srgbClr val="FF0000"/>
-                </a:solidFill>
-              </a:rPr>
-              <a:t>unproven protocol </a:t>
-            </a:r>
-          </a:p>
-          <a:p>
-            <a:r>
-              <a:rPr lang="en-US" dirty="0" smtClean="0">
-                <a:solidFill>
-                  <a:srgbClr val="FF0000"/>
-                </a:solidFill>
-              </a:rPr>
-              <a:t>Leader is not well defined</a:t>
-            </a:r>
-            <a:r>
-              <a:rPr lang="en-US" dirty="0" smtClean="0"/>
-              <a:t>. Leader election is used for optimization instead of inherent consensus mechanism.</a:t>
-            </a:r>
-          </a:p>
-          <a:p>
-            <a:r>
-              <a:rPr lang="en-US" dirty="0" smtClean="0"/>
-              <a:t>Every server is both a</a:t>
-            </a:r>
-            <a:r>
-              <a:rPr lang="en-US" dirty="0" smtClean="0">
-                <a:solidFill>
-                  <a:srgbClr val="00B0F0"/>
-                </a:solidFill>
-              </a:rPr>
-              <a:t> Proposer </a:t>
-            </a:r>
-            <a:r>
-              <a:rPr lang="en-US" dirty="0" smtClean="0"/>
-              <a:t>and an </a:t>
-            </a:r>
-            <a:r>
-              <a:rPr lang="en-US" dirty="0" smtClean="0">
-                <a:solidFill>
-                  <a:srgbClr val="00B0F0"/>
-                </a:solidFill>
-              </a:rPr>
-              <a:t>Acceptor</a:t>
-            </a:r>
-          </a:p>
-          <a:p>
-            <a:r>
-              <a:rPr lang="en-US" dirty="0" smtClean="0"/>
-              <a:t>Achieving Consensus has two phases: </a:t>
-            </a:r>
-            <a:r>
-              <a:rPr lang="en-US" dirty="0" smtClean="0">
-                <a:solidFill>
-                  <a:srgbClr val="00B0F0"/>
-                </a:solidFill>
-              </a:rPr>
-              <a:t>Prepare</a:t>
-            </a:r>
-            <a:r>
-              <a:rPr lang="en-US" dirty="0" smtClean="0"/>
-              <a:t> and </a:t>
-            </a:r>
-            <a:r>
-              <a:rPr lang="en-US" dirty="0" smtClean="0">
-                <a:solidFill>
-                  <a:srgbClr val="00B0F0"/>
-                </a:solidFill>
-              </a:rPr>
-              <a:t>Accept</a:t>
-            </a:r>
-            <a:endParaRPr lang="en-US" dirty="0">
-              <a:solidFill>
-                <a:srgbClr val="00B0F0"/>
-              </a:solidFill>
-            </a:endParaRPr>
+              <a:t>If no leader found on starting, start an election</a:t>
+            </a:r>
+            <a:r>
+              <a:rPr lang="en-US" dirty="0" smtClean="0"/>
+              <a:t>.</a:t>
+            </a:r>
           </a:p>
         </p:txBody>
       </p:sp>
     </p:spTree>
     <p:extLst>
       <p:ext uri="{BB962C8B-B14F-4D97-AF65-F5344CB8AC3E}">
-        <p14:creationId xmlns:p14="http://schemas.microsoft.com/office/powerpoint/2010/main" val="3319759578"/>
+        <p14:creationId xmlns:p14="http://schemas.microsoft.com/office/powerpoint/2010/main" val="911818167"/>
       </p:ext>
     </p:extLst>
   </p:cSld>
@@ -5067,6 +5098,402 @@
           <a:p>
             <a:r>
               <a:rPr lang="en-US" b="1" dirty="0" smtClean="0"/>
+              <a:t>Log Compaction</a:t>
+            </a:r>
+            <a:endParaRPr lang="en-US" b="1" dirty="0"/>
+          </a:p>
+        </p:txBody>
+      </p:sp>
+      <p:sp>
+        <p:nvSpPr>
+          <p:cNvPr id="3" name="Content Placeholder 2"/>
+          <p:cNvSpPr>
+            <a:spLocks noGrp="1"/>
+          </p:cNvSpPr>
+          <p:nvPr>
+            <p:ph idx="1"/>
+          </p:nvPr>
+        </p:nvSpPr>
+        <p:spPr/>
+        <p:txBody>
+          <a:bodyPr/>
+          <a:lstStyle/>
+          <a:p>
+            <a:r>
+              <a:rPr lang="en-US" dirty="0" smtClean="0"/>
+              <a:t>They use </a:t>
+            </a:r>
+            <a:r>
+              <a:rPr lang="en-US" dirty="0" smtClean="0">
+                <a:solidFill>
+                  <a:srgbClr val="00B0F0"/>
+                </a:solidFill>
+              </a:rPr>
+              <a:t>Snapshotting </a:t>
+            </a:r>
+          </a:p>
+          <a:p>
+            <a:r>
+              <a:rPr lang="en-US" dirty="0" smtClean="0"/>
+              <a:t>Each server takes snapshots independently – </a:t>
+            </a:r>
+            <a:r>
+              <a:rPr lang="en-US" dirty="0" smtClean="0">
+                <a:solidFill>
+                  <a:srgbClr val="00B050"/>
+                </a:solidFill>
+              </a:rPr>
+              <a:t>When the log reaches a fixed size</a:t>
+            </a:r>
+            <a:r>
+              <a:rPr lang="en-US" dirty="0" smtClean="0"/>
+              <a:t> (</a:t>
+            </a:r>
+            <a:r>
+              <a:rPr lang="en-US" dirty="0" err="1" smtClean="0"/>
+              <a:t>predecided</a:t>
+            </a:r>
+            <a:r>
+              <a:rPr lang="en-US" dirty="0" smtClean="0"/>
+              <a:t>)</a:t>
+            </a:r>
+          </a:p>
+          <a:p>
+            <a:endParaRPr lang="en-US" dirty="0"/>
+          </a:p>
+        </p:txBody>
+      </p:sp>
+    </p:spTree>
+    <p:extLst>
+      <p:ext uri="{BB962C8B-B14F-4D97-AF65-F5344CB8AC3E}">
+        <p14:creationId xmlns:p14="http://schemas.microsoft.com/office/powerpoint/2010/main" val="1778850710"/>
+      </p:ext>
+    </p:extLst>
+  </p:cSld>
+  <p:clrMapOvr>
+    <a:masterClrMapping/>
+  </p:clrMapOvr>
+</p:sld>
+</file>
+
+<file path=ppt/slides/slide2.xml><?xml version="1.0" encoding="utf-8"?>
+<p:sld xmlns:a="http://schemas.openxmlformats.org/drawingml/2006/main" xmlns:r="http://schemas.openxmlformats.org/officeDocument/2006/relationships" xmlns:p="http://schemas.openxmlformats.org/presentationml/2006/main">
+  <p:cSld>
+    <p:spTree>
+      <p:nvGrpSpPr>
+        <p:cNvPr id="1" name=""/>
+        <p:cNvGrpSpPr/>
+        <p:nvPr/>
+      </p:nvGrpSpPr>
+      <p:grpSpPr>
+        <a:xfrm>
+          <a:off x="0" y="0"/>
+          <a:ext cx="0" cy="0"/>
+          <a:chOff x="0" y="0"/>
+          <a:chExt cx="0" cy="0"/>
+        </a:xfrm>
+      </p:grpSpPr>
+      <p:sp>
+        <p:nvSpPr>
+          <p:cNvPr id="2" name="Title 1"/>
+          <p:cNvSpPr>
+            <a:spLocks noGrp="1"/>
+          </p:cNvSpPr>
+          <p:nvPr>
+            <p:ph type="title"/>
+          </p:nvPr>
+        </p:nvSpPr>
+        <p:spPr/>
+        <p:txBody>
+          <a:bodyPr/>
+          <a:lstStyle/>
+          <a:p>
+            <a:r>
+              <a:rPr lang="en-US" b="1" dirty="0" smtClean="0"/>
+              <a:t>Why Raft?		</a:t>
+            </a:r>
+            <a:endParaRPr lang="en-US" b="1" dirty="0"/>
+          </a:p>
+        </p:txBody>
+      </p:sp>
+      <p:sp>
+        <p:nvSpPr>
+          <p:cNvPr id="3" name="Content Placeholder 2"/>
+          <p:cNvSpPr>
+            <a:spLocks noGrp="1"/>
+          </p:cNvSpPr>
+          <p:nvPr>
+            <p:ph idx="1"/>
+          </p:nvPr>
+        </p:nvSpPr>
+        <p:spPr/>
+        <p:txBody>
+          <a:bodyPr/>
+          <a:lstStyle/>
+          <a:p>
+            <a:r>
+              <a:rPr lang="en-US" dirty="0" smtClean="0"/>
+              <a:t>To design an </a:t>
+            </a:r>
+            <a:r>
+              <a:rPr lang="en-US" dirty="0" smtClean="0">
+                <a:solidFill>
+                  <a:srgbClr val="00B050"/>
+                </a:solidFill>
+              </a:rPr>
+              <a:t>understandable</a:t>
+            </a:r>
+            <a:r>
+              <a:rPr lang="en-US" dirty="0" smtClean="0"/>
+              <a:t> consensus algorithm</a:t>
+            </a:r>
+          </a:p>
+          <a:p>
+            <a:r>
+              <a:rPr lang="en-US" dirty="0" smtClean="0"/>
+              <a:t>To design a consensus algorithm that can be implemented in a practical system without too much additional engineering</a:t>
+            </a:r>
+            <a:endParaRPr lang="en-US" dirty="0"/>
+          </a:p>
+        </p:txBody>
+      </p:sp>
+    </p:spTree>
+    <p:extLst>
+      <p:ext uri="{BB962C8B-B14F-4D97-AF65-F5344CB8AC3E}">
+        <p14:creationId xmlns:p14="http://schemas.microsoft.com/office/powerpoint/2010/main" val="981372684"/>
+      </p:ext>
+    </p:extLst>
+  </p:cSld>
+  <p:clrMapOvr>
+    <a:masterClrMapping/>
+  </p:clrMapOvr>
+</p:sld>
+</file>
+
+<file path=ppt/slides/slide20.xml><?xml version="1.0" encoding="utf-8"?>
+<p:sld xmlns:a="http://schemas.openxmlformats.org/drawingml/2006/main" xmlns:r="http://schemas.openxmlformats.org/officeDocument/2006/relationships" xmlns:p="http://schemas.openxmlformats.org/presentationml/2006/main">
+  <p:cSld>
+    <p:spTree>
+      <p:nvGrpSpPr>
+        <p:cNvPr id="1" name=""/>
+        <p:cNvGrpSpPr/>
+        <p:nvPr/>
+      </p:nvGrpSpPr>
+      <p:grpSpPr>
+        <a:xfrm>
+          <a:off x="0" y="0"/>
+          <a:ext cx="0" cy="0"/>
+          <a:chOff x="0" y="0"/>
+          <a:chExt cx="0" cy="0"/>
+        </a:xfrm>
+      </p:grpSpPr>
+      <p:sp>
+        <p:nvSpPr>
+          <p:cNvPr id="2" name="Title 1"/>
+          <p:cNvSpPr>
+            <a:spLocks noGrp="1"/>
+          </p:cNvSpPr>
+          <p:nvPr>
+            <p:ph type="title"/>
+          </p:nvPr>
+        </p:nvSpPr>
+        <p:spPr/>
+        <p:txBody>
+          <a:bodyPr>
+            <a:normAutofit/>
+          </a:bodyPr>
+          <a:lstStyle/>
+          <a:p>
+            <a:r>
+              <a:rPr lang="en-US" sz="3600" b="1" dirty="0" smtClean="0"/>
+              <a:t>Limitations of </a:t>
+            </a:r>
+            <a:r>
+              <a:rPr lang="en-US" sz="3600" b="1" dirty="0" err="1" smtClean="0"/>
+              <a:t>Paxos</a:t>
+            </a:r>
+            <a:r>
+              <a:rPr lang="en-US" sz="3600" b="1" dirty="0" smtClean="0"/>
+              <a:t> (according to the authors)	</a:t>
+            </a:r>
+            <a:endParaRPr lang="en-US" sz="3600" b="1" dirty="0"/>
+          </a:p>
+        </p:txBody>
+      </p:sp>
+      <p:sp>
+        <p:nvSpPr>
+          <p:cNvPr id="3" name="Content Placeholder 2"/>
+          <p:cNvSpPr>
+            <a:spLocks noGrp="1"/>
+          </p:cNvSpPr>
+          <p:nvPr>
+            <p:ph idx="1"/>
+          </p:nvPr>
+        </p:nvSpPr>
+        <p:spPr/>
+        <p:txBody>
+          <a:bodyPr/>
+          <a:lstStyle/>
+          <a:p>
+            <a:r>
+              <a:rPr lang="en-US" dirty="0" smtClean="0">
+                <a:solidFill>
+                  <a:srgbClr val="00B050"/>
+                </a:solidFill>
+              </a:rPr>
+              <a:t>Difficult to understand</a:t>
+            </a:r>
+            <a:r>
+              <a:rPr lang="en-US" dirty="0" smtClean="0"/>
+              <a:t> from a developer’s perspective</a:t>
+            </a:r>
+          </a:p>
+          <a:p>
+            <a:r>
+              <a:rPr lang="en-US" dirty="0" smtClean="0"/>
+              <a:t>Practical implementations, more often than not, include </a:t>
+            </a:r>
+            <a:r>
+              <a:rPr lang="en-US" dirty="0" smtClean="0">
+                <a:solidFill>
+                  <a:srgbClr val="00B050"/>
+                </a:solidFill>
+              </a:rPr>
+              <a:t>additional modifications</a:t>
+            </a:r>
+            <a:r>
+              <a:rPr lang="en-US" dirty="0" smtClean="0"/>
+              <a:t>– resulting in final systems based on an </a:t>
+            </a:r>
+            <a:r>
+              <a:rPr lang="en-US" dirty="0" smtClean="0">
+                <a:solidFill>
+                  <a:srgbClr val="FF0000"/>
+                </a:solidFill>
+              </a:rPr>
+              <a:t>unproven protocol </a:t>
+            </a:r>
+          </a:p>
+          <a:p>
+            <a:r>
+              <a:rPr lang="en-US" dirty="0" smtClean="0">
+                <a:solidFill>
+                  <a:srgbClr val="FF0000"/>
+                </a:solidFill>
+              </a:rPr>
+              <a:t>Leader is not well defined</a:t>
+            </a:r>
+            <a:r>
+              <a:rPr lang="en-US" dirty="0" smtClean="0"/>
+              <a:t>. Leader election is used for optimization instead of inherent consensus mechanism.</a:t>
+            </a:r>
+          </a:p>
+          <a:p>
+            <a:r>
+              <a:rPr lang="en-US" dirty="0" smtClean="0"/>
+              <a:t>Every server is both a</a:t>
+            </a:r>
+            <a:r>
+              <a:rPr lang="en-US" dirty="0" smtClean="0">
+                <a:solidFill>
+                  <a:srgbClr val="00B0F0"/>
+                </a:solidFill>
+              </a:rPr>
+              <a:t> Proposer </a:t>
+            </a:r>
+            <a:r>
+              <a:rPr lang="en-US" dirty="0" smtClean="0"/>
+              <a:t>and an </a:t>
+            </a:r>
+            <a:r>
+              <a:rPr lang="en-US" dirty="0" smtClean="0">
+                <a:solidFill>
+                  <a:srgbClr val="00B0F0"/>
+                </a:solidFill>
+              </a:rPr>
+              <a:t>Acceptor</a:t>
+            </a:r>
+          </a:p>
+          <a:p>
+            <a:r>
+              <a:rPr lang="en-US" dirty="0" smtClean="0"/>
+              <a:t>Achieving Consensus has two phases: </a:t>
+            </a:r>
+            <a:r>
+              <a:rPr lang="en-US" dirty="0" smtClean="0">
+                <a:solidFill>
+                  <a:srgbClr val="00B0F0"/>
+                </a:solidFill>
+              </a:rPr>
+              <a:t>Prepare</a:t>
+            </a:r>
+            <a:r>
+              <a:rPr lang="en-US" dirty="0" smtClean="0"/>
+              <a:t> and </a:t>
+            </a:r>
+            <a:r>
+              <a:rPr lang="en-US" dirty="0" smtClean="0">
+                <a:solidFill>
+                  <a:srgbClr val="00B0F0"/>
+                </a:solidFill>
+              </a:rPr>
+              <a:t>Accept</a:t>
+            </a:r>
+            <a:endParaRPr lang="en-US" dirty="0">
+              <a:solidFill>
+                <a:srgbClr val="00B0F0"/>
+              </a:solidFill>
+            </a:endParaRPr>
+          </a:p>
+        </p:txBody>
+      </p:sp>
+    </p:spTree>
+    <p:extLst>
+      <p:ext uri="{BB962C8B-B14F-4D97-AF65-F5344CB8AC3E}">
+        <p14:creationId xmlns:p14="http://schemas.microsoft.com/office/powerpoint/2010/main" val="3319759578"/>
+      </p:ext>
+    </p:extLst>
+  </p:cSld>
+  <p:clrMapOvr>
+    <a:masterClrMapping/>
+  </p:clrMapOvr>
+</p:sld>
+</file>
+
+<file path=ppt/slides/slide21.xml><?xml version="1.0" encoding="utf-8"?>
+<p:sld xmlns:a="http://schemas.openxmlformats.org/drawingml/2006/main" xmlns:r="http://schemas.openxmlformats.org/officeDocument/2006/relationships" xmlns:p="http://schemas.openxmlformats.org/presentationml/2006/main">
+  <p:cSld>
+    <p:spTree>
+      <p:nvGrpSpPr>
+        <p:cNvPr id="1" name=""/>
+        <p:cNvGrpSpPr/>
+        <p:nvPr/>
+      </p:nvGrpSpPr>
+      <p:grpSpPr>
+        <a:xfrm>
+          <a:off x="0" y="0"/>
+          <a:ext cx="0" cy="0"/>
+          <a:chOff x="0" y="0"/>
+          <a:chExt cx="0" cy="0"/>
+        </a:xfrm>
+      </p:grpSpPr>
+      <p:sp>
+        <p:nvSpPr>
+          <p:cNvPr id="2" name="Title 1"/>
+          <p:cNvSpPr>
+            <a:spLocks noGrp="1"/>
+          </p:cNvSpPr>
+          <p:nvPr>
+            <p:ph type="title"/>
+          </p:nvPr>
+        </p:nvSpPr>
+        <p:spPr/>
+        <p:txBody>
+          <a:bodyPr/>
+          <a:lstStyle/>
+          <a:p>
+            <a:r>
+              <a:rPr lang="en-US" b="1" dirty="0" smtClean="0"/>
               <a:t>Raft Vs </a:t>
             </a:r>
             <a:r>
@@ -5087,14 +5514,14 @@
             <p:ph idx="1"/>
             <p:extLst>
               <p:ext uri="{D42A27DB-BD31-4B8C-83A1-F6EECF244321}">
-                <p14:modId xmlns:p14="http://schemas.microsoft.com/office/powerpoint/2010/main" val="87673616"/>
+                <p14:modId xmlns:p14="http://schemas.microsoft.com/office/powerpoint/2010/main" val="642898451"/>
               </p:ext>
             </p:extLst>
           </p:nvPr>
         </p:nvGraphicFramePr>
         <p:xfrm>
           <a:off x="838200" y="1825625"/>
-          <a:ext cx="10515600" cy="2494280"/>
+          <a:ext cx="10515600" cy="2763520"/>
         </p:xfrm>
         <a:graphic>
           <a:graphicData uri="http://schemas.openxmlformats.org/drawingml/2006/table">
@@ -5261,7 +5688,11 @@
                       </a:r>
                       <a:r>
                         <a:rPr lang="en-US" baseline="0" dirty="0" smtClean="0"/>
-                        <a:t> move in both directions L &lt;-&gt; F</a:t>
+                        <a:t> move in both directions L &lt;-&gt; </a:t>
+                      </a:r>
+                      <a:r>
+                        <a:rPr lang="en-US" baseline="0" dirty="0" smtClean="0"/>
+                        <a:t>F to fill  holes or gaps</a:t>
                       </a:r>
                       <a:endParaRPr lang="en-US" dirty="0"/>
                     </a:p>
@@ -5373,7 +5804,7 @@
 </p:sld>
 </file>
 
-<file path=ppt/slides/slide2.xml><?xml version="1.0" encoding="utf-8"?>
+<file path=ppt/slides/slide22.xml><?xml version="1.0" encoding="utf-8"?>
 <p:sld xmlns:a="http://schemas.openxmlformats.org/drawingml/2006/main" xmlns:r="http://schemas.openxmlformats.org/officeDocument/2006/relationships" xmlns:p="http://schemas.openxmlformats.org/presentationml/2006/main">
   <p:cSld>
     <p:spTree>
@@ -5400,37 +5831,44 @@
             <p:ph type="title"/>
           </p:nvPr>
         </p:nvSpPr>
+        <p:spPr>
+          <a:xfrm>
+            <a:off x="838200" y="347708"/>
+            <a:ext cx="10515600" cy="1325563"/>
+          </a:xfrm>
+        </p:spPr>
+        <p:txBody>
+          <a:bodyPr/>
+          <a:lstStyle/>
+          <a:p>
+            <a:r>
+              <a:rPr lang="en-US" b="1" dirty="0" smtClean="0"/>
+              <a:t>My thoughts</a:t>
+            </a:r>
+            <a:endParaRPr lang="en-US" b="1" dirty="0"/>
+          </a:p>
+        </p:txBody>
+      </p:sp>
+      <p:sp>
+        <p:nvSpPr>
+          <p:cNvPr id="3" name="Content Placeholder 2"/>
+          <p:cNvSpPr>
+            <a:spLocks noGrp="1"/>
+          </p:cNvSpPr>
+          <p:nvPr>
+            <p:ph idx="1"/>
+          </p:nvPr>
+        </p:nvSpPr>
         <p:spPr/>
         <p:txBody>
-          <a:bodyPr/>
-          <a:lstStyle/>
-          <a:p>
-            <a:r>
-              <a:rPr lang="en-US" b="1" dirty="0" smtClean="0"/>
-              <a:t>Why Raft?		</a:t>
-            </a:r>
-            <a:endParaRPr lang="en-US" b="1" dirty="0"/>
-          </a:p>
-        </p:txBody>
-      </p:sp>
-      <p:sp>
-        <p:nvSpPr>
-          <p:cNvPr id="3" name="Content Placeholder 2"/>
-          <p:cNvSpPr>
-            <a:spLocks noGrp="1"/>
-          </p:cNvSpPr>
-          <p:nvPr>
-            <p:ph idx="1"/>
-          </p:nvPr>
-        </p:nvSpPr>
-        <p:spPr/>
-        <p:txBody>
-          <a:bodyPr/>
-          <a:lstStyle/>
-          <a:p>
-            <a:r>
-              <a:rPr lang="en-US" dirty="0" smtClean="0"/>
-              <a:t>To design an </a:t>
+          <a:bodyPr>
+            <a:normAutofit/>
+          </a:bodyPr>
+          <a:lstStyle/>
+          <a:p>
+            <a:r>
+              <a:rPr lang="en-US" dirty="0" smtClean="0"/>
+              <a:t>The Raft algorithm seems to be </a:t>
             </a:r>
             <a:r>
               <a:rPr lang="en-US" dirty="0" smtClean="0">
@@ -5438,17 +5876,11 @@
                   <a:srgbClr val="00B050"/>
                 </a:solidFill>
               </a:rPr>
-              <a:t>understandable</a:t>
-            </a:r>
-            <a:r>
-              <a:rPr lang="en-US" dirty="0" smtClean="0"/>
-              <a:t> consensus algorithm</a:t>
-            </a:r>
-          </a:p>
-          <a:p>
-            <a:r>
-              <a:rPr lang="en-US" dirty="0" smtClean="0"/>
-              <a:t>Deals with the limitations of </a:t>
+              <a:t>more intuitive </a:t>
+            </a:r>
+            <a:r>
+              <a:rPr lang="en-US" dirty="0" smtClean="0"/>
+              <a:t>from a developer’s point of view than </a:t>
             </a:r>
             <a:r>
               <a:rPr lang="en-US" dirty="0" err="1" smtClean="0"/>
@@ -5456,20 +5888,279 @@
             </a:r>
             <a:r>
               <a:rPr lang="en-US" dirty="0" smtClean="0"/>
-              <a:t> faced by the authors while </a:t>
-            </a:r>
-            <a:r>
-              <a:rPr lang="en-US" dirty="0" smtClean="0"/>
-              <a:t>implementation</a:t>
-            </a:r>
-            <a:endParaRPr lang="en-US" dirty="0"/>
+              <a:t>  (having used synod and </a:t>
+            </a:r>
+            <a:r>
+              <a:rPr lang="en-US" dirty="0" err="1" smtClean="0"/>
+              <a:t>paxos</a:t>
+            </a:r>
+            <a:r>
+              <a:rPr lang="en-US" dirty="0" smtClean="0"/>
+              <a:t> once</a:t>
+            </a:r>
+            <a:r>
+              <a:rPr lang="en-US" dirty="0" smtClean="0"/>
+              <a:t>)</a:t>
+            </a:r>
+          </a:p>
+          <a:p>
+            <a:r>
+              <a:rPr lang="en-US" dirty="0" smtClean="0"/>
+              <a:t>The fact that a leader does not need to update itself from the followers reduces some degree of complexity.</a:t>
+            </a:r>
+            <a:r>
+              <a:rPr lang="en-US" dirty="0" smtClean="0"/>
+              <a:t> </a:t>
+            </a:r>
+          </a:p>
+          <a:p>
+            <a:r>
+              <a:rPr lang="en-US" dirty="0" smtClean="0">
+                <a:solidFill>
+                  <a:srgbClr val="92D050"/>
+                </a:solidFill>
+              </a:rPr>
+              <a:t>Random</a:t>
+            </a:r>
+            <a:r>
+              <a:rPr lang="en-US" dirty="0" smtClean="0"/>
+              <a:t> </a:t>
+            </a:r>
+            <a:r>
+              <a:rPr lang="en-US" dirty="0" smtClean="0">
+                <a:solidFill>
+                  <a:srgbClr val="92D050"/>
+                </a:solidFill>
+              </a:rPr>
+              <a:t>election timeouts </a:t>
+            </a:r>
+            <a:r>
+              <a:rPr lang="en-US" dirty="0" smtClean="0">
+                <a:solidFill>
+                  <a:schemeClr val="tx2">
+                    <a:lumMod val="50000"/>
+                  </a:schemeClr>
+                </a:solidFill>
+              </a:rPr>
+              <a:t>are a great way to ensure that multiple candidates do not arise at the same time </a:t>
+            </a:r>
+            <a:r>
+              <a:rPr lang="en-US" i="1" dirty="0" smtClean="0">
+                <a:solidFill>
+                  <a:schemeClr val="tx2">
+                    <a:lumMod val="50000"/>
+                  </a:schemeClr>
+                </a:solidFill>
+              </a:rPr>
+              <a:t>in practice</a:t>
+            </a:r>
+            <a:r>
+              <a:rPr lang="en-US" dirty="0" smtClean="0">
+                <a:solidFill>
+                  <a:schemeClr val="tx2">
+                    <a:lumMod val="50000"/>
+                  </a:schemeClr>
+                </a:solidFill>
+              </a:rPr>
+              <a:t>, but is a mathematically weak logic – </a:t>
+            </a:r>
+            <a:r>
+              <a:rPr lang="en-US" dirty="0" smtClean="0">
+                <a:solidFill>
+                  <a:srgbClr val="FF0000"/>
+                </a:solidFill>
+              </a:rPr>
+              <a:t>two servers might independently choose the same random timeout again and again</a:t>
+            </a:r>
+            <a:r>
+              <a:rPr lang="en-US" dirty="0" smtClean="0">
+                <a:solidFill>
+                  <a:schemeClr val="tx2">
+                    <a:lumMod val="50000"/>
+                  </a:schemeClr>
+                </a:solidFill>
+              </a:rPr>
+              <a:t>, causing elections to fail repeatedly, thus </a:t>
+            </a:r>
+            <a:r>
+              <a:rPr lang="en-US" dirty="0" smtClean="0">
+                <a:solidFill>
+                  <a:srgbClr val="FF0000"/>
+                </a:solidFill>
+              </a:rPr>
+              <a:t>affecting availability</a:t>
+            </a:r>
+            <a:r>
+              <a:rPr lang="en-US" dirty="0" smtClean="0">
+                <a:solidFill>
+                  <a:schemeClr val="tx2">
+                    <a:lumMod val="50000"/>
+                  </a:schemeClr>
+                </a:solidFill>
+              </a:rPr>
+              <a:t>. </a:t>
+            </a:r>
+            <a:endParaRPr lang="en-US" dirty="0" smtClean="0">
+              <a:solidFill>
+                <a:schemeClr val="tx2">
+                  <a:lumMod val="50000"/>
+                </a:schemeClr>
+              </a:solidFill>
+            </a:endParaRPr>
           </a:p>
         </p:txBody>
       </p:sp>
     </p:spTree>
     <p:extLst>
       <p:ext uri="{BB962C8B-B14F-4D97-AF65-F5344CB8AC3E}">
-        <p14:creationId xmlns:p14="http://schemas.microsoft.com/office/powerpoint/2010/main" val="981372684"/>
+        <p14:creationId xmlns:p14="http://schemas.microsoft.com/office/powerpoint/2010/main" val="3710849967"/>
+      </p:ext>
+    </p:extLst>
+  </p:cSld>
+  <p:clrMapOvr>
+    <a:masterClrMapping/>
+  </p:clrMapOvr>
+</p:sld>
+</file>
+
+<file path=ppt/slides/slide23.xml><?xml version="1.0" encoding="utf-8"?>
+<p:sld xmlns:a="http://schemas.openxmlformats.org/drawingml/2006/main" xmlns:r="http://schemas.openxmlformats.org/officeDocument/2006/relationships" xmlns:p="http://schemas.openxmlformats.org/presentationml/2006/main">
+  <p:cSld>
+    <p:spTree>
+      <p:nvGrpSpPr>
+        <p:cNvPr id="1" name=""/>
+        <p:cNvGrpSpPr/>
+        <p:nvPr/>
+      </p:nvGrpSpPr>
+      <p:grpSpPr>
+        <a:xfrm>
+          <a:off x="0" y="0"/>
+          <a:ext cx="0" cy="0"/>
+          <a:chOff x="0" y="0"/>
+          <a:chExt cx="0" cy="0"/>
+        </a:xfrm>
+      </p:grpSpPr>
+      <p:sp>
+        <p:nvSpPr>
+          <p:cNvPr id="2" name="Title 1"/>
+          <p:cNvSpPr>
+            <a:spLocks noGrp="1"/>
+          </p:cNvSpPr>
+          <p:nvPr>
+            <p:ph type="title"/>
+          </p:nvPr>
+        </p:nvSpPr>
+        <p:spPr>
+          <a:xfrm>
+            <a:off x="838200" y="347708"/>
+            <a:ext cx="10515600" cy="1325563"/>
+          </a:xfrm>
+        </p:spPr>
+        <p:txBody>
+          <a:bodyPr/>
+          <a:lstStyle/>
+          <a:p>
+            <a:r>
+              <a:rPr lang="en-US" b="1" dirty="0" smtClean="0"/>
+              <a:t>My thoughts</a:t>
+            </a:r>
+            <a:endParaRPr lang="en-US" b="1" dirty="0"/>
+          </a:p>
+        </p:txBody>
+      </p:sp>
+      <p:sp>
+        <p:nvSpPr>
+          <p:cNvPr id="3" name="Content Placeholder 2"/>
+          <p:cNvSpPr>
+            <a:spLocks noGrp="1"/>
+          </p:cNvSpPr>
+          <p:nvPr>
+            <p:ph idx="1"/>
+          </p:nvPr>
+        </p:nvSpPr>
+        <p:spPr/>
+        <p:txBody>
+          <a:bodyPr>
+            <a:normAutofit/>
+          </a:bodyPr>
+          <a:lstStyle/>
+          <a:p>
+            <a:r>
+              <a:rPr lang="en-US" dirty="0">
+                <a:solidFill>
+                  <a:schemeClr val="tx2">
+                    <a:lumMod val="50000"/>
+                  </a:schemeClr>
+                </a:solidFill>
+              </a:rPr>
+              <a:t>An improvement may be done by introducing something when leader sends commit information to make sure that if leader fails, the other followers will have different election timeouts</a:t>
+            </a:r>
+            <a:r>
+              <a:rPr lang="en-US" dirty="0" smtClean="0">
+                <a:solidFill>
+                  <a:schemeClr val="tx2">
+                    <a:lumMod val="50000"/>
+                  </a:schemeClr>
+                </a:solidFill>
+              </a:rPr>
+              <a:t>.</a:t>
+            </a:r>
+          </a:p>
+          <a:p>
+            <a:r>
+              <a:rPr lang="en-US" dirty="0" err="1" smtClean="0">
+                <a:solidFill>
+                  <a:schemeClr val="tx2">
+                    <a:lumMod val="50000"/>
+                  </a:schemeClr>
+                </a:solidFill>
+              </a:rPr>
+              <a:t>i.e</a:t>
+            </a:r>
+            <a:r>
+              <a:rPr lang="en-US" dirty="0" smtClean="0">
+                <a:solidFill>
+                  <a:schemeClr val="tx2">
+                    <a:lumMod val="50000"/>
+                  </a:schemeClr>
+                </a:solidFill>
+              </a:rPr>
+              <a:t>, the leader for a current term will decide the order of potential leaders for the next term in case it fails, therefore removing the chance </a:t>
+            </a:r>
+            <a:r>
+              <a:rPr lang="en-US" smtClean="0">
+                <a:solidFill>
+                  <a:schemeClr val="tx2">
+                    <a:lumMod val="50000"/>
+                  </a:schemeClr>
+                </a:solidFill>
+              </a:rPr>
+              <a:t>of multiple </a:t>
+            </a:r>
+            <a:r>
+              <a:rPr lang="en-US" dirty="0" smtClean="0">
+                <a:solidFill>
+                  <a:schemeClr val="tx2">
+                    <a:lumMod val="50000"/>
+                  </a:schemeClr>
+                </a:solidFill>
+              </a:rPr>
+              <a:t>candidates in the next term.</a:t>
+            </a:r>
+            <a:endParaRPr lang="en-US" dirty="0" smtClean="0">
+              <a:solidFill>
+                <a:schemeClr val="tx2">
+                  <a:lumMod val="50000"/>
+                </a:schemeClr>
+              </a:solidFill>
+            </a:endParaRPr>
+          </a:p>
+        </p:txBody>
+      </p:sp>
+    </p:spTree>
+    <p:extLst>
+      <p:ext uri="{BB962C8B-B14F-4D97-AF65-F5344CB8AC3E}">
+        <p14:creationId xmlns:p14="http://schemas.microsoft.com/office/powerpoint/2010/main" val="360684035"/>
       </p:ext>
     </p:extLst>
   </p:cSld>
@@ -5572,14 +6263,30 @@
           <a:p>
             <a:r>
               <a:rPr lang="en-US" dirty="0" smtClean="0"/>
-              <a:t>In </a:t>
-            </a:r>
-            <a:r>
-              <a:rPr lang="en-US" i="1" dirty="0" smtClean="0"/>
-              <a:t>the beginning of the system, all nodes are followers</a:t>
-            </a:r>
-            <a:r>
-              <a:rPr lang="en-US" dirty="0" smtClean="0"/>
+              <a:t>Initially</a:t>
+            </a:r>
+            <a:r>
+              <a:rPr lang="en-US" i="1" dirty="0" smtClean="0">
+                <a:solidFill>
+                  <a:srgbClr val="00B050"/>
+                </a:solidFill>
+              </a:rPr>
+              <a:t>, </a:t>
+            </a:r>
+            <a:r>
+              <a:rPr lang="en-US" i="1" dirty="0" smtClean="0">
+                <a:solidFill>
+                  <a:srgbClr val="00B050"/>
+                </a:solidFill>
+              </a:rPr>
+              <a:t>all nodes are followers</a:t>
+            </a:r>
+            <a:r>
+              <a:rPr lang="en-US" dirty="0" smtClean="0">
+                <a:solidFill>
+                  <a:srgbClr val="00B050"/>
+                </a:solidFill>
+              </a:rPr>
               <a:t>.</a:t>
             </a:r>
           </a:p>
@@ -5649,9 +6356,129 @@
           <a:chExt cx="0" cy="0"/>
         </a:xfrm>
       </p:grpSpPr>
+      <p:sp>
+        <p:nvSpPr>
+          <p:cNvPr id="2" name="Title 1"/>
+          <p:cNvSpPr>
+            <a:spLocks noGrp="1"/>
+          </p:cNvSpPr>
+          <p:nvPr>
+            <p:ph type="title"/>
+          </p:nvPr>
+        </p:nvSpPr>
+        <p:spPr/>
+        <p:txBody>
+          <a:bodyPr/>
+          <a:lstStyle/>
+          <a:p>
+            <a:r>
+              <a:rPr lang="en-US" b="1" dirty="0" smtClean="0"/>
+              <a:t>Leader election</a:t>
+            </a:r>
+            <a:endParaRPr lang="en-US" b="1" dirty="0"/>
+          </a:p>
+        </p:txBody>
+      </p:sp>
+      <p:sp>
+        <p:nvSpPr>
+          <p:cNvPr id="3" name="Content Placeholder 2"/>
+          <p:cNvSpPr>
+            <a:spLocks noGrp="1"/>
+          </p:cNvSpPr>
+          <p:nvPr>
+            <p:ph idx="1"/>
+          </p:nvPr>
+        </p:nvSpPr>
+        <p:spPr/>
+        <p:txBody>
+          <a:bodyPr>
+            <a:normAutofit/>
+          </a:bodyPr>
+          <a:lstStyle/>
+          <a:p>
+            <a:r>
+              <a:rPr lang="en-US" dirty="0" smtClean="0"/>
+              <a:t>Time </a:t>
+            </a:r>
+            <a:r>
+              <a:rPr lang="en-US" dirty="0" smtClean="0"/>
+              <a:t>is divided into </a:t>
+            </a:r>
+            <a:r>
+              <a:rPr lang="en-US" dirty="0" smtClean="0">
+                <a:solidFill>
+                  <a:srgbClr val="00B0F0"/>
+                </a:solidFill>
+              </a:rPr>
+              <a:t>terms</a:t>
+            </a:r>
+          </a:p>
+          <a:p>
+            <a:r>
+              <a:rPr lang="en-US" dirty="0" smtClean="0"/>
+              <a:t>Each</a:t>
+            </a:r>
+            <a:r>
+              <a:rPr lang="en-US" dirty="0" smtClean="0">
+                <a:solidFill>
+                  <a:srgbClr val="00B0F0"/>
+                </a:solidFill>
+              </a:rPr>
+              <a:t> term </a:t>
+            </a:r>
+            <a:r>
+              <a:rPr lang="en-US" dirty="0" smtClean="0">
+                <a:solidFill>
+                  <a:srgbClr val="00B050"/>
+                </a:solidFill>
+              </a:rPr>
+              <a:t>starts with a new election</a:t>
+            </a:r>
+          </a:p>
+          <a:p>
+            <a:r>
+              <a:rPr lang="en-US" dirty="0" smtClean="0"/>
+              <a:t>In a </a:t>
+            </a:r>
+            <a:r>
+              <a:rPr lang="en-US" dirty="0" smtClean="0">
+                <a:solidFill>
+                  <a:srgbClr val="00B0F0"/>
+                </a:solidFill>
+              </a:rPr>
+              <a:t>term</a:t>
+            </a:r>
+            <a:r>
+              <a:rPr lang="en-US" dirty="0" smtClean="0"/>
+              <a:t>, either a node becomes a leader or there is no leader for that term (no log entries are written)</a:t>
+            </a:r>
+          </a:p>
+          <a:p>
+            <a:r>
+              <a:rPr lang="en-US" dirty="0"/>
+              <a:t>Terms act as </a:t>
+            </a:r>
+            <a:r>
+              <a:rPr lang="en-US" dirty="0">
+                <a:solidFill>
+                  <a:srgbClr val="00B050"/>
+                </a:solidFill>
+              </a:rPr>
+              <a:t>logical clock </a:t>
+            </a:r>
+            <a:r>
+              <a:rPr lang="en-US" dirty="0"/>
+              <a:t>– to determine the sequence of log entries</a:t>
+            </a:r>
+          </a:p>
+          <a:p>
+            <a:endParaRPr lang="en-US" dirty="0" smtClean="0"/>
+          </a:p>
+        </p:txBody>
+      </p:sp>
       <p:pic>
         <p:nvPicPr>
-          <p:cNvPr id="4" name="Picture 3"/>
+          <p:cNvPr id="5" name="Picture 4"/>
           <p:cNvPicPr>
             <a:picLocks noChangeAspect="1"/>
           </p:cNvPicPr>
@@ -5665,182 +6492,8 @@
         </p:blipFill>
         <p:spPr>
           <a:xfrm>
-            <a:off x="7163736" y="1558284"/>
-            <a:ext cx="3619283" cy="1667455"/>
-          </a:xfrm>
-          <a:prstGeom prst="rect">
-            <a:avLst/>
-          </a:prstGeom>
-        </p:spPr>
-      </p:pic>
-      <p:sp>
-        <p:nvSpPr>
-          <p:cNvPr id="2" name="Title 1"/>
-          <p:cNvSpPr>
-            <a:spLocks noGrp="1"/>
-          </p:cNvSpPr>
-          <p:nvPr>
-            <p:ph type="title"/>
-          </p:nvPr>
-        </p:nvSpPr>
-        <p:spPr/>
-        <p:txBody>
-          <a:bodyPr/>
-          <a:lstStyle/>
-          <a:p>
-            <a:r>
-              <a:rPr lang="en-US" b="1" dirty="0" smtClean="0"/>
-              <a:t>Leader election</a:t>
-            </a:r>
-            <a:endParaRPr lang="en-US" b="1" dirty="0"/>
-          </a:p>
-        </p:txBody>
-      </p:sp>
-      <p:sp>
-        <p:nvSpPr>
-          <p:cNvPr id="3" name="Content Placeholder 2"/>
-          <p:cNvSpPr>
-            <a:spLocks noGrp="1"/>
-          </p:cNvSpPr>
-          <p:nvPr>
-            <p:ph idx="1"/>
-          </p:nvPr>
-        </p:nvSpPr>
-        <p:spPr/>
-        <p:txBody>
-          <a:bodyPr/>
-          <a:lstStyle/>
-          <a:p>
-            <a:r>
-              <a:rPr lang="en-US" dirty="0" smtClean="0"/>
-              <a:t>There are three states a node can be in:</a:t>
-            </a:r>
-          </a:p>
-          <a:p>
-            <a:pPr lvl="1"/>
-            <a:r>
-              <a:rPr lang="en-US" dirty="0" smtClean="0">
-                <a:solidFill>
-                  <a:srgbClr val="00B0F0"/>
-                </a:solidFill>
-              </a:rPr>
-              <a:t>Follower</a:t>
-            </a:r>
-          </a:p>
-          <a:p>
-            <a:pPr lvl="1"/>
-            <a:r>
-              <a:rPr lang="en-US" dirty="0" smtClean="0">
-                <a:solidFill>
-                  <a:srgbClr val="00B0F0"/>
-                </a:solidFill>
-              </a:rPr>
-              <a:t>Leader</a:t>
-            </a:r>
-            <a:r>
-              <a:rPr lang="en-US" dirty="0" smtClean="0">
-                <a:solidFill>
-                  <a:srgbClr val="00B050"/>
-                </a:solidFill>
-              </a:rPr>
-              <a:t> </a:t>
-            </a:r>
-          </a:p>
-          <a:p>
-            <a:pPr lvl="1"/>
-            <a:r>
-              <a:rPr lang="en-US" dirty="0" smtClean="0">
-                <a:solidFill>
-                  <a:srgbClr val="00B0F0"/>
-                </a:solidFill>
-              </a:rPr>
-              <a:t>Candidate</a:t>
-            </a:r>
-            <a:r>
-              <a:rPr lang="en-US" dirty="0" smtClean="0"/>
-              <a:t> (initiates an election to become a leader)</a:t>
-            </a:r>
-          </a:p>
-          <a:p>
-            <a:endParaRPr lang="en-US" dirty="0"/>
-          </a:p>
-          <a:p>
-            <a:r>
-              <a:rPr lang="en-US" dirty="0" smtClean="0"/>
-              <a:t>Time is divided into </a:t>
-            </a:r>
-            <a:r>
-              <a:rPr lang="en-US" dirty="0" smtClean="0">
-                <a:solidFill>
-                  <a:srgbClr val="00B0F0"/>
-                </a:solidFill>
-              </a:rPr>
-              <a:t>terms</a:t>
-            </a:r>
-          </a:p>
-          <a:p>
-            <a:r>
-              <a:rPr lang="en-US" dirty="0" smtClean="0"/>
-              <a:t>Each</a:t>
-            </a:r>
-            <a:r>
-              <a:rPr lang="en-US" dirty="0" smtClean="0">
-                <a:solidFill>
-                  <a:srgbClr val="00B0F0"/>
-                </a:solidFill>
-              </a:rPr>
-              <a:t> term </a:t>
-            </a:r>
-            <a:r>
-              <a:rPr lang="en-US" dirty="0" smtClean="0">
-                <a:solidFill>
-                  <a:srgbClr val="00B050"/>
-                </a:solidFill>
-              </a:rPr>
-              <a:t>starts with a new election</a:t>
-            </a:r>
-          </a:p>
-          <a:p>
-            <a:r>
-              <a:rPr lang="en-US" dirty="0" smtClean="0"/>
-              <a:t>In a </a:t>
-            </a:r>
-            <a:r>
-              <a:rPr lang="en-US" dirty="0" smtClean="0">
-                <a:solidFill>
-                  <a:srgbClr val="00B0F0"/>
-                </a:solidFill>
-              </a:rPr>
-              <a:t>term</a:t>
-            </a:r>
-            <a:r>
-              <a:rPr lang="en-US" dirty="0" smtClean="0"/>
-              <a:t>, either a node becomes a leader or there is no leader for that term (no log entries are written)</a:t>
-            </a:r>
-          </a:p>
-          <a:p>
-            <a:endParaRPr lang="en-US" dirty="0" smtClean="0"/>
-          </a:p>
-        </p:txBody>
-      </p:sp>
-      <p:pic>
-        <p:nvPicPr>
-          <p:cNvPr id="5" name="Picture 4"/>
-          <p:cNvPicPr>
-            <a:picLocks noChangeAspect="1"/>
-          </p:cNvPicPr>
-          <p:nvPr/>
-        </p:nvPicPr>
-        <p:blipFill>
-          <a:blip r:embed="rId3"/>
-          <a:stretch>
-            <a:fillRect/>
-          </a:stretch>
-        </p:blipFill>
-        <p:spPr>
-          <a:xfrm>
-            <a:off x="7494351" y="3824616"/>
-            <a:ext cx="2958052" cy="1188563"/>
+            <a:off x="3488408" y="4334032"/>
+            <a:ext cx="4586619" cy="1842931"/>
           </a:xfrm>
           <a:prstGeom prst="rect">
             <a:avLst/>
@@ -5877,6 +6530,30 @@
           <a:chExt cx="0" cy="0"/>
         </a:xfrm>
       </p:grpSpPr>
+      <p:pic>
+        <p:nvPicPr>
+          <p:cNvPr id="4" name="Picture 3"/>
+          <p:cNvPicPr>
+            <a:picLocks noChangeAspect="1"/>
+          </p:cNvPicPr>
+          <p:nvPr/>
+        </p:nvPicPr>
+        <p:blipFill>
+          <a:blip r:embed="rId2"/>
+          <a:stretch>
+            <a:fillRect/>
+          </a:stretch>
+        </p:blipFill>
+        <p:spPr>
+          <a:xfrm>
+            <a:off x="3819643" y="3870376"/>
+            <a:ext cx="4697339" cy="2164131"/>
+          </a:xfrm>
+          <a:prstGeom prst="rect">
+            <a:avLst/>
+          </a:prstGeom>
+        </p:spPr>
+      </p:pic>
       <p:sp>
         <p:nvSpPr>
           <p:cNvPr id="2" name="Title 1"/>
@@ -5894,9 +6571,9 @@
           <a:p>
             <a:r>
               <a:rPr lang="en-US" b="1" dirty="0" smtClean="0"/>
-              <a:t>Leader election </a:t>
-            </a:r>
-            <a:endParaRPr lang="en-US" dirty="0"/>
+              <a:t>Leader election</a:t>
+            </a:r>
+            <a:endParaRPr lang="en-US" b="1" dirty="0"/>
           </a:p>
         </p:txBody>
       </p:sp>
@@ -5913,238 +6590,76 @@
         <p:spPr/>
         <p:txBody>
           <a:bodyPr>
-            <a:normAutofit fontScale="92500"/>
+            <a:normAutofit/>
           </a:bodyPr>
           <a:lstStyle/>
           <a:p>
-            <a:r>
-              <a:rPr lang="en-US" dirty="0" smtClean="0"/>
-              <a:t>Terms act as </a:t>
-            </a:r>
-            <a:r>
-              <a:rPr lang="en-US" dirty="0" smtClean="0">
+            <a:pPr marL="0" indent="0">
+              <a:buNone/>
+            </a:pPr>
+            <a:r>
+              <a:rPr lang="en-US" dirty="0" smtClean="0"/>
+              <a:t>There </a:t>
+            </a:r>
+            <a:r>
+              <a:rPr lang="en-US" dirty="0"/>
+              <a:t>are three states a node can be in:</a:t>
+            </a:r>
+          </a:p>
+          <a:p>
+            <a:pPr lvl="1"/>
+            <a:r>
+              <a:rPr lang="en-US" dirty="0">
+                <a:solidFill>
+                  <a:srgbClr val="00B0F0"/>
+                </a:solidFill>
+              </a:rPr>
+              <a:t>Follower</a:t>
+            </a:r>
+          </a:p>
+          <a:p>
+            <a:pPr lvl="1"/>
+            <a:r>
+              <a:rPr lang="en-US" dirty="0">
+                <a:solidFill>
+                  <a:srgbClr val="00B0F0"/>
+                </a:solidFill>
+              </a:rPr>
+              <a:t>Leader</a:t>
+            </a:r>
+            <a:r>
+              <a:rPr lang="en-US" dirty="0">
                 <a:solidFill>
                   <a:srgbClr val="00B050"/>
                 </a:solidFill>
               </a:rPr>
-              <a:t>logical clock </a:t>
-            </a:r>
-            <a:r>
-              <a:rPr lang="en-US" dirty="0" smtClean="0"/>
-              <a:t>– to determine the sequence of log entries</a:t>
-            </a:r>
-          </a:p>
-          <a:p>
-            <a:r>
-              <a:rPr lang="en-US" dirty="0" smtClean="0"/>
-              <a:t>Each node stores a </a:t>
-            </a:r>
-            <a:r>
-              <a:rPr lang="en-US" dirty="0" smtClean="0">
+              <a:t> </a:t>
+            </a:r>
+          </a:p>
+          <a:p>
+            <a:pPr lvl="1"/>
+            <a:r>
+              <a:rPr lang="en-US" dirty="0">
                 <a:solidFill>
                   <a:srgbClr val="00B0F0"/>
                 </a:solidFill>
               </a:rPr>
-              <a:t>current term number </a:t>
-            </a:r>
-            <a:r>
-              <a:rPr lang="en-US" dirty="0" smtClean="0"/>
-              <a:t>– increases monotonically </a:t>
-            </a:r>
-          </a:p>
-          <a:p>
-            <a:r>
-              <a:rPr lang="en-US" dirty="0" smtClean="0"/>
-              <a:t>In the beginning, each node is a follower and waits for a heartbeat from the leader for a duration known as </a:t>
-            </a:r>
-            <a:r>
-              <a:rPr lang="en-US" dirty="0" smtClean="0">
-                <a:solidFill>
-                  <a:srgbClr val="00B0F0"/>
-                </a:solidFill>
-              </a:rPr>
-              <a:t>election timeout</a:t>
-            </a:r>
-            <a:r>
-              <a:rPr lang="en-US" dirty="0" smtClean="0">
-                <a:solidFill>
-                  <a:srgbClr val="00B050"/>
-                </a:solidFill>
-              </a:rPr>
-              <a:t> </a:t>
-            </a:r>
-            <a:r>
-              <a:rPr lang="en-US" dirty="0" smtClean="0"/>
-              <a:t>(randomly selected between 150 -300 </a:t>
-            </a:r>
-            <a:r>
-              <a:rPr lang="en-US" dirty="0" err="1" smtClean="0"/>
-              <a:t>ms</a:t>
-            </a:r>
-            <a:r>
-              <a:rPr lang="en-US" dirty="0" smtClean="0"/>
-              <a:t>)</a:t>
-            </a:r>
-          </a:p>
-          <a:p>
-            <a:r>
-              <a:rPr lang="en-US" dirty="0" smtClean="0"/>
-              <a:t>If a node </a:t>
-            </a:r>
-            <a:r>
-              <a:rPr lang="en-US" dirty="0" smtClean="0">
-                <a:solidFill>
-                  <a:srgbClr val="00B050"/>
-                </a:solidFill>
-              </a:rPr>
-              <a:t>receives no </a:t>
-            </a:r>
-            <a:r>
-              <a:rPr lang="en-US" dirty="0" err="1" smtClean="0">
-                <a:solidFill>
-                  <a:srgbClr val="00B050"/>
-                </a:solidFill>
-              </a:rPr>
-              <a:t>hearbeat</a:t>
-            </a:r>
-            <a:r>
-              <a:rPr lang="en-US" dirty="0" smtClean="0">
-                <a:solidFill>
-                  <a:srgbClr val="00B050"/>
-                </a:solidFill>
-              </a:rPr>
-              <a:t> (</a:t>
-            </a:r>
-            <a:r>
-              <a:rPr lang="en-US" dirty="0" smtClean="0"/>
-              <a:t>empty </a:t>
-            </a:r>
-            <a:r>
-              <a:rPr lang="en-US" dirty="0" err="1" smtClean="0">
-                <a:solidFill>
-                  <a:srgbClr val="00B0F0"/>
-                </a:solidFill>
-              </a:rPr>
-              <a:t>AppendEntries</a:t>
-            </a:r>
-            <a:r>
-              <a:rPr lang="en-US" dirty="0" smtClean="0">
-                <a:solidFill>
-                  <a:srgbClr val="00B0F0"/>
-                </a:solidFill>
-              </a:rPr>
-              <a:t> RPCs</a:t>
-            </a:r>
-            <a:r>
-              <a:rPr lang="en-US" dirty="0" smtClean="0">
-                <a:solidFill>
-                  <a:srgbClr val="00B050"/>
-                </a:solidFill>
-              </a:rPr>
-              <a:t>)</a:t>
-            </a:r>
-            <a:r>
-              <a:rPr lang="en-US" dirty="0" smtClean="0"/>
-              <a:t>, it votes for itself and sends out a </a:t>
-            </a:r>
-            <a:r>
-              <a:rPr lang="en-US" dirty="0" err="1" smtClean="0">
-                <a:solidFill>
-                  <a:srgbClr val="00B0F0"/>
-                </a:solidFill>
-              </a:rPr>
-              <a:t>RequestVote</a:t>
-            </a:r>
-            <a:r>
-              <a:rPr lang="en-US" dirty="0" smtClean="0">
-                <a:solidFill>
-                  <a:srgbClr val="00B0F0"/>
-                </a:solidFill>
-              </a:rPr>
-              <a:t> RPC </a:t>
-            </a:r>
-            <a:r>
-              <a:rPr lang="en-US" dirty="0" smtClean="0"/>
-              <a:t>to all nodes- </a:t>
-            </a:r>
-            <a:r>
-              <a:rPr lang="en-US" dirty="0" smtClean="0">
-                <a:solidFill>
-                  <a:srgbClr val="00B0F0"/>
-                </a:solidFill>
-              </a:rPr>
-              <a:t>election initiation</a:t>
-            </a:r>
-            <a:r>
-              <a:rPr lang="en-US" dirty="0" smtClean="0"/>
-              <a:t>.</a:t>
-            </a:r>
-          </a:p>
-          <a:p>
-            <a:r>
-              <a:rPr lang="en-US" dirty="0" smtClean="0"/>
-              <a:t>If </a:t>
-            </a:r>
-            <a:r>
-              <a:rPr lang="en-US" dirty="0" smtClean="0">
-                <a:solidFill>
-                  <a:srgbClr val="00B050"/>
-                </a:solidFill>
-              </a:rPr>
-              <a:t>majority of nodes vote</a:t>
-            </a:r>
-            <a:r>
-              <a:rPr lang="en-US" dirty="0" smtClean="0"/>
-              <a:t>, then the node becomes leader.</a:t>
-            </a:r>
-          </a:p>
-          <a:p>
-            <a:r>
-              <a:rPr lang="en-US" dirty="0" smtClean="0"/>
-              <a:t>If two nodes send out </a:t>
-            </a:r>
-            <a:r>
-              <a:rPr lang="en-US" dirty="0" err="1" smtClean="0">
-                <a:solidFill>
-                  <a:srgbClr val="00B0F0"/>
-                </a:solidFill>
-              </a:rPr>
-              <a:t>RequestVote</a:t>
-            </a:r>
-            <a:r>
-              <a:rPr lang="en-US" dirty="0" smtClean="0">
-                <a:solidFill>
-                  <a:srgbClr val="00B0F0"/>
-                </a:solidFill>
-              </a:rPr>
-              <a:t> RPC </a:t>
-            </a:r>
-            <a:r>
-              <a:rPr lang="en-US" dirty="0" smtClean="0"/>
-              <a:t>at the same time and there is no majority, </a:t>
-            </a:r>
-            <a:r>
-              <a:rPr lang="en-US" dirty="0" smtClean="0">
-                <a:solidFill>
-                  <a:srgbClr val="00B050"/>
-                </a:solidFill>
-              </a:rPr>
-              <a:t>no leader is elected </a:t>
-            </a:r>
-            <a:r>
-              <a:rPr lang="en-US" dirty="0" smtClean="0"/>
-              <a:t>for the term. </a:t>
-            </a:r>
-          </a:p>
-          <a:p>
-            <a:endParaRPr lang="en-US" dirty="0"/>
+              <a:t>Candidate</a:t>
+            </a:r>
+            <a:r>
+              <a:rPr lang="en-US" dirty="0"/>
+              <a:t> (initiates an election to become a leader)</a:t>
+            </a:r>
+          </a:p>
+          <a:p>
+            <a:endParaRPr lang="en-US" dirty="0" smtClean="0"/>
           </a:p>
         </p:txBody>
       </p:sp>
     </p:spTree>
     <p:extLst>
       <p:ext uri="{BB962C8B-B14F-4D97-AF65-F5344CB8AC3E}">
-        <p14:creationId xmlns:p14="http://schemas.microsoft.com/office/powerpoint/2010/main" val="3159776739"/>
+        <p14:creationId xmlns:p14="http://schemas.microsoft.com/office/powerpoint/2010/main" val="3936073420"/>
       </p:ext>
     </p:extLst>
   </p:cSld>
@@ -6207,137 +6722,237 @@
         <p:spPr/>
         <p:txBody>
           <a:bodyPr>
-            <a:normAutofit/>
+            <a:normAutofit lnSpcReduction="10000"/>
           </a:bodyPr>
           <a:lstStyle/>
           <a:p>
             <a:r>
+              <a:rPr lang="en-US" dirty="0" smtClean="0"/>
+              <a:t>Each </a:t>
+            </a:r>
+            <a:r>
+              <a:rPr lang="en-US" dirty="0" smtClean="0"/>
+              <a:t>node stores a </a:t>
+            </a:r>
+            <a:r>
               <a:rPr lang="en-US" dirty="0" smtClean="0">
                 <a:solidFill>
                   <a:srgbClr val="00B0F0"/>
                 </a:solidFill>
               </a:rPr>
-              <a:t>STRONG LEADER condition</a:t>
-            </a:r>
-            <a:r>
-              <a:rPr lang="en-US" dirty="0" smtClean="0"/>
-              <a:t>: A node X votes to a </a:t>
+              <a:t>current term number </a:t>
+            </a:r>
+            <a:r>
+              <a:rPr lang="en-US" dirty="0" smtClean="0"/>
+              <a:t>– increases monotonically </a:t>
+            </a:r>
+          </a:p>
+          <a:p>
+            <a:r>
+              <a:rPr lang="en-US" dirty="0" smtClean="0"/>
+              <a:t>Initially, </a:t>
+            </a:r>
+            <a:r>
+              <a:rPr lang="en-US" dirty="0" smtClean="0"/>
+              <a:t>each node is a follower and waits for a heartbeat from the leader for a duration known as </a:t>
+            </a:r>
+            <a:r>
+              <a:rPr lang="en-US" dirty="0" smtClean="0">
+                <a:solidFill>
+                  <a:srgbClr val="00B0F0"/>
+                </a:solidFill>
+              </a:rPr>
+              <a:t>election timeout</a:t>
+            </a:r>
+            <a:r>
+              <a:rPr lang="en-US" dirty="0" smtClean="0">
+                <a:solidFill>
+                  <a:srgbClr val="00B050"/>
+                </a:solidFill>
+              </a:rPr>
+              <a:t> </a:t>
+            </a:r>
+            <a:r>
+              <a:rPr lang="en-US" dirty="0" smtClean="0"/>
+              <a:t>(randomly selected between 150 -300 </a:t>
             </a:r>
             <a:r>
               <a:rPr lang="en-US" dirty="0" err="1" smtClean="0"/>
+              <a:t>ms</a:t>
+            </a:r>
+            <a:r>
+              <a:rPr lang="en-US" dirty="0" smtClean="0"/>
+              <a:t>)</a:t>
+            </a:r>
+          </a:p>
+          <a:p>
+            <a:r>
+              <a:rPr lang="en-US" dirty="0" smtClean="0"/>
+              <a:t>If a node </a:t>
+            </a:r>
+            <a:r>
+              <a:rPr lang="en-US" dirty="0" smtClean="0">
+                <a:solidFill>
+                  <a:srgbClr val="00B050"/>
+                </a:solidFill>
+              </a:rPr>
+              <a:t>receives no </a:t>
+            </a:r>
+            <a:r>
+              <a:rPr lang="en-US" dirty="0" err="1" smtClean="0">
+                <a:solidFill>
+                  <a:srgbClr val="00B050"/>
+                </a:solidFill>
+              </a:rPr>
+              <a:t>hearbeat</a:t>
+            </a:r>
+            <a:r>
+              <a:rPr lang="en-US" dirty="0" smtClean="0">
+                <a:solidFill>
+                  <a:srgbClr val="00B050"/>
+                </a:solidFill>
+              </a:rPr>
+              <a:t> </a:t>
+            </a:r>
+            <a:r>
+              <a:rPr lang="en-US" dirty="0" smtClean="0">
+                <a:solidFill>
+                  <a:srgbClr val="00B050"/>
+                </a:solidFill>
+              </a:rPr>
+              <a:t>(</a:t>
+            </a:r>
+            <a:r>
+              <a:rPr lang="en-US" dirty="0" err="1" smtClean="0">
+                <a:solidFill>
+                  <a:srgbClr val="00B0F0"/>
+                </a:solidFill>
+              </a:rPr>
+              <a:t>AppendEntries</a:t>
+            </a:r>
+            <a:r>
+              <a:rPr lang="en-US" dirty="0" smtClean="0">
+                <a:solidFill>
+                  <a:srgbClr val="00B0F0"/>
+                </a:solidFill>
+              </a:rPr>
+              <a:t> </a:t>
+            </a:r>
+            <a:r>
+              <a:rPr lang="en-US" dirty="0" smtClean="0">
+                <a:solidFill>
+                  <a:srgbClr val="00B0F0"/>
+                </a:solidFill>
+              </a:rPr>
+              <a:t>RPCs</a:t>
+            </a:r>
+            <a:r>
+              <a:rPr lang="en-US" dirty="0" smtClean="0">
+                <a:solidFill>
+                  <a:srgbClr val="00B050"/>
+                </a:solidFill>
+              </a:rPr>
+              <a:t>)</a:t>
+            </a:r>
+            <a:r>
+              <a:rPr lang="en-US" dirty="0" smtClean="0"/>
+              <a:t>, it votes for itself and sends out a </a:t>
+            </a:r>
+            <a:r>
+              <a:rPr lang="en-US" dirty="0" err="1" smtClean="0">
+                <a:solidFill>
+                  <a:srgbClr val="00B0F0"/>
+                </a:solidFill>
+              </a:rPr>
               <a:t>RequestVote</a:t>
             </a:r>
             <a:r>
-              <a:rPr lang="en-US" dirty="0" smtClean="0"/>
-              <a:t> RPC only if the following hold true-</a:t>
-            </a:r>
-          </a:p>
-          <a:p>
-            <a:pPr lvl="1"/>
+              <a:rPr lang="en-US" dirty="0" smtClean="0">
+                <a:solidFill>
+                  <a:srgbClr val="00B0F0"/>
+                </a:solidFill>
+              </a:rPr>
+              <a:t> RPC </a:t>
+            </a:r>
+            <a:r>
+              <a:rPr lang="en-US" dirty="0" smtClean="0"/>
+              <a:t>to </a:t>
+            </a:r>
+            <a:r>
+              <a:rPr lang="en-US" dirty="0" smtClean="0"/>
+              <a:t>all other </a:t>
+            </a:r>
+            <a:r>
+              <a:rPr lang="en-US" dirty="0" smtClean="0"/>
+              <a:t>nodes- </a:t>
+            </a:r>
+            <a:r>
+              <a:rPr lang="en-US" dirty="0" smtClean="0">
+                <a:solidFill>
+                  <a:srgbClr val="00B0F0"/>
+                </a:solidFill>
+              </a:rPr>
+              <a:t>election initiation</a:t>
+            </a:r>
+            <a:r>
+              <a:rPr lang="en-US" dirty="0" smtClean="0"/>
+              <a:t>.</a:t>
+            </a:r>
+          </a:p>
+          <a:p>
+            <a:r>
+              <a:rPr lang="en-US" dirty="0" smtClean="0"/>
+              <a:t>If </a:t>
+            </a:r>
             <a:r>
               <a:rPr lang="en-US" dirty="0" smtClean="0">
                 <a:solidFill>
                   <a:srgbClr val="00B050"/>
                 </a:solidFill>
               </a:rPr>
-              <a:t>The Candidate’s current term &gt;= X’s current term</a:t>
-            </a:r>
-          </a:p>
-          <a:p>
-            <a:pPr lvl="1"/>
+              <a:t>majority of nodes vote</a:t>
+            </a:r>
+            <a:r>
+              <a:rPr lang="en-US" dirty="0" smtClean="0"/>
+              <a:t>, then the node becomes leader.</a:t>
+            </a:r>
+          </a:p>
+          <a:p>
+            <a:r>
+              <a:rPr lang="en-US" dirty="0" smtClean="0"/>
+              <a:t>If two nodes send out </a:t>
+            </a:r>
+            <a:r>
+              <a:rPr lang="en-US" dirty="0" err="1" smtClean="0">
+                <a:solidFill>
+                  <a:srgbClr val="00B0F0"/>
+                </a:solidFill>
+              </a:rPr>
+              <a:t>RequestVote</a:t>
+            </a:r>
+            <a:r>
+              <a:rPr lang="en-US" dirty="0" smtClean="0">
+                <a:solidFill>
+                  <a:srgbClr val="00B0F0"/>
+                </a:solidFill>
+              </a:rPr>
+              <a:t> RPC </a:t>
+            </a:r>
+            <a:r>
+              <a:rPr lang="en-US" dirty="0" smtClean="0"/>
+              <a:t>at the same time and there is no majority, </a:t>
+            </a:r>
             <a:r>
               <a:rPr lang="en-US" dirty="0" smtClean="0">
                 <a:solidFill>
                   <a:srgbClr val="00B050"/>
                 </a:solidFill>
               </a:rPr>
-              <a:t>Candidates’ log is at least as up-to-date with X’s log</a:t>
-            </a:r>
-          </a:p>
-          <a:p>
-            <a:r>
-              <a:rPr lang="en-US" dirty="0" smtClean="0">
-                <a:solidFill>
-                  <a:srgbClr val="00B0F0"/>
-                </a:solidFill>
-              </a:rPr>
-              <a:t>Up-to-date</a:t>
-            </a:r>
-            <a:r>
-              <a:rPr lang="en-US" dirty="0" smtClean="0"/>
-              <a:t> condition </a:t>
-            </a:r>
-            <a:r>
-              <a:rPr lang="en-US" dirty="0" smtClean="0">
-                <a:solidFill>
-                  <a:srgbClr val="00B050"/>
-                </a:solidFill>
-              </a:rPr>
-              <a:t>is true </a:t>
-            </a:r>
-            <a:r>
-              <a:rPr lang="en-US" dirty="0" smtClean="0"/>
-              <a:t>when the last entry in Candidate’s log has a </a:t>
-            </a:r>
-            <a:r>
-              <a:rPr lang="en-US" dirty="0" smtClean="0">
-                <a:solidFill>
-                  <a:srgbClr val="00B050"/>
-                </a:solidFill>
-              </a:rPr>
-              <a:t>larger term number </a:t>
-            </a:r>
-            <a:r>
-              <a:rPr lang="en-US" dirty="0" smtClean="0"/>
-              <a:t>(or Candidate’s </a:t>
-            </a:r>
-            <a:r>
-              <a:rPr lang="en-US" dirty="0" smtClean="0">
-                <a:solidFill>
-                  <a:srgbClr val="00B050"/>
-                </a:solidFill>
-              </a:rPr>
-              <a:t>log is longer </a:t>
-            </a:r>
-            <a:r>
-              <a:rPr lang="en-US" dirty="0" smtClean="0"/>
-              <a:t>in case term numbers are similar for Candidate and X)</a:t>
-            </a:r>
-          </a:p>
-          <a:p>
-            <a:r>
-              <a:rPr lang="en-US" dirty="0" smtClean="0"/>
-              <a:t>This Strong leader condition assures that an </a:t>
-            </a:r>
-            <a:r>
-              <a:rPr lang="en-US" dirty="0" smtClean="0">
-                <a:solidFill>
-                  <a:srgbClr val="00B050"/>
-                </a:solidFill>
-              </a:rPr>
-              <a:t>elected leader always has all of the entries committed in the previous term</a:t>
-            </a:r>
-            <a:r>
-              <a:rPr lang="en-US" dirty="0" smtClean="0"/>
-              <a:t>.</a:t>
-            </a:r>
-          </a:p>
-          <a:p>
-            <a:r>
-              <a:rPr lang="en-US" dirty="0" smtClean="0"/>
-              <a:t>Therefore, leader </a:t>
-            </a:r>
-            <a:r>
-              <a:rPr lang="en-US" dirty="0" smtClean="0">
-                <a:solidFill>
-                  <a:srgbClr val="00B050"/>
-                </a:solidFill>
-              </a:rPr>
-              <a:t>does not need </a:t>
-            </a:r>
-            <a:r>
-              <a:rPr lang="en-US" dirty="0" smtClean="0"/>
-              <a:t>to update its log from followers.</a:t>
+              <a:t>no leader is elected </a:t>
+            </a:r>
+            <a:r>
+              <a:rPr lang="en-US" dirty="0" smtClean="0"/>
+              <a:t>for the term. </a:t>
             </a:r>
           </a:p>
           <a:p>
@@ -6348,7 +6963,7 @@
     </p:spTree>
     <p:extLst>
       <p:ext uri="{BB962C8B-B14F-4D97-AF65-F5344CB8AC3E}">
-        <p14:creationId xmlns:p14="http://schemas.microsoft.com/office/powerpoint/2010/main" val="3559446291"/>
+        <p14:creationId xmlns:p14="http://schemas.microsoft.com/office/powerpoint/2010/main" val="3159776739"/>
       </p:ext>
     </p:extLst>
   </p:cSld>
@@ -6385,7 +7000,12 @@
             <p:ph type="title"/>
           </p:nvPr>
         </p:nvSpPr>
-        <p:spPr/>
+        <p:spPr>
+          <a:xfrm>
+            <a:off x="838200" y="347708"/>
+            <a:ext cx="10515600" cy="1325563"/>
+          </a:xfrm>
+        </p:spPr>
         <p:txBody>
           <a:bodyPr/>
           <a:lstStyle/>
@@ -6416,8 +7036,16 @@
           <a:lstStyle/>
           <a:p>
             <a:r>
-              <a:rPr lang="en-US" dirty="0" smtClean="0"/>
-              <a:t>If a candidate receives an </a:t>
+              <a:rPr lang="en-US" dirty="0" smtClean="0">
+                <a:solidFill>
+                  <a:srgbClr val="00B0F0"/>
+                </a:solidFill>
+              </a:rPr>
+              <a:t>STRONG LEADER condition</a:t>
+            </a:r>
+            <a:r>
+              <a:rPr lang="en-US" dirty="0" smtClean="0"/>
+              <a:t>: A node X votes to a </a:t>
             </a:r>
             <a:r>
               <a:rPr lang="en-US" dirty="0" err="1" smtClean="0">
@@ -6425,7 +7053,7 @@
                   <a:srgbClr val="00B0F0"/>
                 </a:solidFill>
               </a:rPr>
-              <a:t>AppendEntry</a:t>
+              <a:t>RequestVote</a:t>
             </a:r>
             <a:r>
               <a:rPr lang="en-US" dirty="0" smtClean="0">
@@ -6437,65 +7065,118 @@
             </a:r>
             <a:r>
               <a:rPr lang="en-US" dirty="0" smtClean="0"/>
-              <a:t>while waiting for votes, it becomes a follower if the term of the sender is </a:t>
-            </a:r>
+              <a:t>only if the following hold true-</a:t>
+            </a:r>
+          </a:p>
+          <a:p>
+            <a:pPr lvl="1"/>
             <a:r>
               <a:rPr lang="en-US" dirty="0" smtClean="0">
                 <a:solidFill>
                   <a:srgbClr val="00B050"/>
                 </a:solidFill>
               </a:rPr>
-              <a:t>greater than or equal </a:t>
-            </a:r>
-            <a:r>
-              <a:rPr lang="en-US" dirty="0" smtClean="0"/>
-              <a:t>to its own term number</a:t>
-            </a:r>
-          </a:p>
-          <a:p>
-            <a:endParaRPr lang="en-US" dirty="0" smtClean="0"/>
-          </a:p>
-          <a:p>
-            <a:r>
-              <a:rPr lang="en-US" dirty="0" smtClean="0"/>
-              <a:t>Whenever a node receives an RPC with </a:t>
-            </a:r>
-            <a:r>
-              <a:rPr lang="en-US" dirty="0" smtClean="0">
-                <a:solidFill>
-                  <a:srgbClr val="FF0000"/>
-                </a:solidFill>
-              </a:rPr>
-              <a:t>lower term number</a:t>
-            </a:r>
-            <a:r>
-              <a:rPr lang="en-US" dirty="0" smtClean="0"/>
-              <a:t>, it </a:t>
-            </a:r>
+              <a:t>The Candidate’s current term &gt;= X’s current term</a:t>
+            </a:r>
+          </a:p>
+          <a:p>
+            <a:pPr lvl="1"/>
             <a:r>
               <a:rPr lang="en-US" dirty="0" smtClean="0">
                 <a:solidFill>
                   <a:srgbClr val="00B050"/>
                 </a:solidFill>
               </a:rPr>
-              <a:t>rejects (ignores) </a:t>
-            </a:r>
-            <a:r>
-              <a:rPr lang="en-US" dirty="0" smtClean="0"/>
-              <a:t>that RPC- ensuring </a:t>
-            </a:r>
-            <a:r>
-              <a:rPr lang="en-US" i="1" dirty="0" smtClean="0">
-                <a:solidFill>
-                  <a:srgbClr val="FF0000"/>
-                </a:solidFill>
-              </a:rPr>
-              <a:t>stale</a:t>
-            </a:r>
-            <a:r>
-              <a:rPr lang="en-US" dirty="0" smtClean="0"/>
-              <a:t> leaders or candidates do not affect the current term</a:t>
-            </a:r>
+              <a:t>Candidates’ log is at least as up-to-date with X’s log</a:t>
+            </a:r>
+          </a:p>
+          <a:p>
+            <a:r>
+              <a:rPr lang="en-US" dirty="0" smtClean="0">
+                <a:solidFill>
+                  <a:srgbClr val="00B0F0"/>
+                </a:solidFill>
+              </a:rPr>
+              <a:t>Up-to-date</a:t>
+            </a:r>
+            <a:r>
+              <a:rPr lang="en-US" dirty="0" smtClean="0"/>
+              <a:t> condition </a:t>
+            </a:r>
+            <a:r>
+              <a:rPr lang="en-US" dirty="0" smtClean="0">
+                <a:solidFill>
+                  <a:srgbClr val="00B050"/>
+                </a:solidFill>
+              </a:rPr>
+              <a:t>is true </a:t>
+            </a:r>
+            <a:r>
+              <a:rPr lang="en-US" dirty="0" smtClean="0"/>
+              <a:t>when the last entry in Candidate’s log has a </a:t>
+            </a:r>
+            <a:r>
+              <a:rPr lang="en-US" dirty="0" smtClean="0">
+                <a:solidFill>
+                  <a:srgbClr val="00B050"/>
+                </a:solidFill>
+              </a:rPr>
+              <a:t>larger term number </a:t>
+            </a:r>
+            <a:r>
+              <a:rPr lang="en-US" dirty="0" smtClean="0"/>
+              <a:t>(or Candidate’s </a:t>
+            </a:r>
+            <a:r>
+              <a:rPr lang="en-US" dirty="0" smtClean="0">
+                <a:solidFill>
+                  <a:srgbClr val="00B050"/>
+                </a:solidFill>
+              </a:rPr>
+              <a:t>log is longer </a:t>
+            </a:r>
+            <a:r>
+              <a:rPr lang="en-US" dirty="0" smtClean="0"/>
+              <a:t>in case term numbers are similar for Candidate and X)</a:t>
+            </a:r>
+          </a:p>
+          <a:p>
+            <a:r>
+              <a:rPr lang="en-US" dirty="0" smtClean="0"/>
+              <a:t>This Strong leader condition assures that an </a:t>
+            </a:r>
+            <a:r>
+              <a:rPr lang="en-US" dirty="0" smtClean="0">
+                <a:solidFill>
+                  <a:srgbClr val="00B050"/>
+                </a:solidFill>
+              </a:rPr>
+              <a:t>elected leader always has all of the entries committed in the previous term</a:t>
+            </a:r>
+            <a:r>
+              <a:rPr lang="en-US" dirty="0" smtClean="0"/>
+              <a:t>.</a:t>
+            </a:r>
+          </a:p>
+          <a:p>
+            <a:r>
+              <a:rPr lang="en-US" dirty="0" smtClean="0"/>
+              <a:t>Therefore, leader </a:t>
+            </a:r>
+            <a:r>
+              <a:rPr lang="en-US" dirty="0" smtClean="0">
+                <a:solidFill>
+                  <a:srgbClr val="00B050"/>
+                </a:solidFill>
+              </a:rPr>
+              <a:t>does not need </a:t>
+            </a:r>
+            <a:r>
+              <a:rPr lang="en-US" dirty="0" smtClean="0"/>
+              <a:t>to update its log from followers.</a:t>
+            </a:r>
+          </a:p>
+          <a:p>
             <a:endParaRPr lang="en-US" dirty="0"/>
           </a:p>
         </p:txBody>
@@ -6503,7 +7184,7 @@
     </p:spTree>
     <p:extLst>
       <p:ext uri="{BB962C8B-B14F-4D97-AF65-F5344CB8AC3E}">
-        <p14:creationId xmlns:p14="http://schemas.microsoft.com/office/powerpoint/2010/main" val="2864401428"/>
+        <p14:creationId xmlns:p14="http://schemas.microsoft.com/office/powerpoint/2010/main" val="3559446291"/>
       </p:ext>
     </p:extLst>
   </p:cSld>
@@ -6547,9 +7228,9 @@
           <a:p>
             <a:r>
               <a:rPr lang="en-US" b="1" dirty="0" smtClean="0"/>
-              <a:t>Log Replication</a:t>
-            </a:r>
-            <a:endParaRPr lang="en-US" b="1" dirty="0"/>
+              <a:t>Leader election </a:t>
+            </a:r>
+            <a:endParaRPr lang="en-US" dirty="0"/>
           </a:p>
         </p:txBody>
       </p:sp>
@@ -6565,12 +7246,22 @@
         </p:nvSpPr>
         <p:spPr/>
         <p:txBody>
-          <a:bodyPr/>
-          <a:lstStyle/>
-          <a:p>
-            <a:r>
-              <a:rPr lang="en-US" dirty="0" smtClean="0"/>
-              <a:t>Raft always maintains the </a:t>
+          <a:bodyPr>
+            <a:normAutofit fontScale="85000" lnSpcReduction="20000"/>
+          </a:bodyPr>
+          <a:lstStyle/>
+          <a:p>
+            <a:r>
+              <a:rPr lang="en-US" dirty="0" smtClean="0"/>
+              <a:t>If a candidate receives </a:t>
+            </a:r>
+            <a:r>
+              <a:rPr lang="en-US" dirty="0" smtClean="0">
+                <a:solidFill>
+                  <a:srgbClr val="00B050"/>
+                </a:solidFill>
+              </a:rPr>
+              <a:t>any RPC</a:t>
             </a:r>
             <a:r>
               <a:rPr lang="en-US" dirty="0" smtClean="0">
@@ -6578,57 +7269,39 @@
                   <a:srgbClr val="00B0F0"/>
                 </a:solidFill>
               </a:rPr>
-              <a:t>Log Matching Property</a:t>
-            </a:r>
-            <a:r>
-              <a:rPr lang="en-US" dirty="0" smtClean="0"/>
-              <a:t> which ensures the following-</a:t>
-            </a:r>
-          </a:p>
-          <a:p>
-            <a:pPr lvl="1"/>
+              <a:t> </a:t>
+            </a:r>
+            <a:r>
+              <a:rPr lang="en-US" dirty="0" smtClean="0"/>
+              <a:t>while waiting for votes, it becomes a follower if the term of the sender is </a:t>
+            </a:r>
             <a:r>
               <a:rPr lang="en-US" dirty="0" smtClean="0">
                 <a:solidFill>
                   <a:srgbClr val="00B050"/>
                 </a:solidFill>
               </a:rPr>
-              <a:t>If two entries in different logs have same index and term, then they store the same command- </a:t>
-            </a:r>
-            <a:r>
-              <a:rPr lang="en-US" dirty="0" smtClean="0"/>
-              <a:t>This is ensured by the fact that a leader creates at most one entry with a given index in a given term.</a:t>
-            </a:r>
-          </a:p>
-          <a:p>
-            <a:pPr lvl="1"/>
-            <a:r>
-              <a:rPr lang="en-US" dirty="0" smtClean="0">
-                <a:solidFill>
-                  <a:srgbClr val="00B050"/>
-                </a:solidFill>
-              </a:rPr>
-              <a:t>If two entries in different logs have same index and term, then the logs are identical in all preceding entries-</a:t>
-            </a:r>
-            <a:r>
-              <a:rPr lang="en-US" dirty="0"/>
-              <a:t> </a:t>
-            </a:r>
-            <a:r>
-              <a:rPr lang="en-US" dirty="0" smtClean="0"/>
-              <a:t>ensured on the follower sides with a simple </a:t>
-            </a:r>
-            <a:r>
-              <a:rPr lang="en-US" dirty="0" smtClean="0">
+              <a:t>greater </a:t>
+            </a:r>
+            <a:r>
+              <a:rPr lang="en-US" dirty="0" smtClean="0"/>
+              <a:t>than </a:t>
+            </a:r>
+            <a:r>
+              <a:rPr lang="en-US" dirty="0" smtClean="0"/>
+              <a:t>its own </a:t>
+            </a:r>
+            <a:r>
+              <a:rPr lang="en-US" dirty="0" err="1" smtClean="0">
                 <a:solidFill>
                   <a:srgbClr val="00B0F0"/>
                 </a:solidFill>
               </a:rPr>
-              <a:t>consistency check </a:t>
-            </a:r>
-            <a:r>
-              <a:rPr lang="en-US" dirty="0" smtClean="0"/>
-              <a:t>performed by </a:t>
+              <a:t>currentTerm</a:t>
+            </a:r>
+            <a:r>
+              <a:rPr lang="en-US" dirty="0" smtClean="0"/>
+              <a:t> number and updates its </a:t>
             </a:r>
             <a:r>
               <a:rPr lang="en-US" dirty="0" err="1" smtClean="0">
@@ -6636,82 +7309,7 @@
                   <a:srgbClr val="00B0F0"/>
                 </a:solidFill>
               </a:rPr>
-              <a:t>AppendEntries</a:t>
-            </a:r>
-            <a:r>
-              <a:rPr lang="en-US" dirty="0" smtClean="0">
-                <a:solidFill>
-                  <a:srgbClr val="00B0F0"/>
-                </a:solidFill>
-              </a:rPr>
-              <a:t> RPCs.</a:t>
-            </a:r>
-          </a:p>
-          <a:p>
-            <a:pPr marL="228600" lvl="1">
-              <a:spcBef>
-                <a:spcPts val="1000"/>
-              </a:spcBef>
-            </a:pPr>
-            <a:r>
-              <a:rPr lang="en-US" dirty="0" smtClean="0"/>
-              <a:t>The </a:t>
-            </a:r>
-            <a:r>
-              <a:rPr lang="en-US" dirty="0" smtClean="0">
-                <a:solidFill>
-                  <a:srgbClr val="00B0F0"/>
-                </a:solidFill>
-              </a:rPr>
-              <a:t>Leader</a:t>
-            </a:r>
-            <a:r>
-              <a:rPr lang="en-US" dirty="0" smtClean="0"/>
-              <a:t> maintains a </a:t>
-            </a:r>
-            <a:r>
-              <a:rPr lang="en-US" dirty="0" err="1" smtClean="0">
-                <a:solidFill>
-                  <a:srgbClr val="00B0F0"/>
-                </a:solidFill>
-              </a:rPr>
-              <a:t>nextIndex</a:t>
-            </a:r>
-            <a:r>
-              <a:rPr lang="en-US" dirty="0" smtClean="0">
-                <a:solidFill>
-                  <a:srgbClr val="00B0F0"/>
-                </a:solidFill>
-              </a:rPr>
-              <a:t> </a:t>
-            </a:r>
-            <a:r>
-              <a:rPr lang="en-US" dirty="0" smtClean="0"/>
-              <a:t>for </a:t>
-            </a:r>
-            <a:r>
-              <a:rPr lang="en-US" dirty="0" smtClean="0">
-                <a:solidFill>
-                  <a:srgbClr val="00B050"/>
-                </a:solidFill>
-              </a:rPr>
-              <a:t>each follower</a:t>
-            </a:r>
-            <a:r>
-              <a:rPr lang="en-US" dirty="0" smtClean="0"/>
-              <a:t>, which is the</a:t>
-            </a:r>
-            <a:r>
-              <a:rPr lang="en-US" dirty="0" smtClean="0">
-                <a:solidFill>
-                  <a:srgbClr val="00B050"/>
-                </a:solidFill>
-              </a:rPr>
-              <a:t> index of the next log entry </a:t>
-            </a:r>
-            <a:r>
-              <a:rPr lang="en-US" dirty="0" smtClean="0"/>
-              <a:t>the leader will send to that follower.</a:t>
+              <a:t>currentTerm</a:t>
             </a:r>
             <a:endParaRPr lang="en-US" dirty="0" smtClean="0">
               <a:solidFill>
@@ -6720,13 +7318,115 @@
             </a:endParaRPr>
           </a:p>
           <a:p>
-            <a:endParaRPr lang="en-US" dirty="0" smtClean="0">
-              <a:solidFill>
-                <a:srgbClr val="00B0F0"/>
-              </a:solidFill>
-            </a:endParaRPr>
-          </a:p>
-          <a:p>
+            <a:endParaRPr lang="en-US" dirty="0" smtClean="0"/>
+          </a:p>
+          <a:p>
+            <a:r>
+              <a:rPr lang="en-US" dirty="0" smtClean="0"/>
+              <a:t>Whenever a node receives an RPC with </a:t>
+            </a:r>
+            <a:r>
+              <a:rPr lang="en-US" dirty="0" smtClean="0">
+                <a:solidFill>
+                  <a:srgbClr val="FF0000"/>
+                </a:solidFill>
+              </a:rPr>
+              <a:t>lower term number</a:t>
+            </a:r>
+            <a:r>
+              <a:rPr lang="en-US" dirty="0" smtClean="0"/>
+              <a:t>, it </a:t>
+            </a:r>
+            <a:r>
+              <a:rPr lang="en-US" dirty="0" smtClean="0">
+                <a:solidFill>
+                  <a:srgbClr val="00B050"/>
+                </a:solidFill>
+              </a:rPr>
+              <a:t>rejects (ignores) </a:t>
+            </a:r>
+            <a:r>
+              <a:rPr lang="en-US" dirty="0" smtClean="0"/>
+              <a:t>that RPC- ensuring </a:t>
+            </a:r>
+            <a:r>
+              <a:rPr lang="en-US" i="1" dirty="0" smtClean="0">
+                <a:solidFill>
+                  <a:srgbClr val="FF0000"/>
+                </a:solidFill>
+              </a:rPr>
+              <a:t>stale</a:t>
+            </a:r>
+            <a:r>
+              <a:rPr lang="en-US" dirty="0" smtClean="0"/>
+              <a:t> leaders or candidates do not affect the current </a:t>
+            </a:r>
+            <a:r>
+              <a:rPr lang="en-US" dirty="0" smtClean="0"/>
+              <a:t>term</a:t>
+            </a:r>
+          </a:p>
+          <a:p>
+            <a:endParaRPr lang="en-US" dirty="0"/>
+          </a:p>
+          <a:p>
+            <a:r>
+              <a:rPr lang="en-US" dirty="0" smtClean="0"/>
+              <a:t>After receiving a heartbeat from leader, a </a:t>
+            </a:r>
+            <a:r>
+              <a:rPr lang="en-US" dirty="0" smtClean="0">
+                <a:solidFill>
+                  <a:srgbClr val="92D050"/>
+                </a:solidFill>
+              </a:rPr>
+              <a:t>follower resets its </a:t>
+            </a:r>
+            <a:r>
+              <a:rPr lang="en-US" dirty="0" smtClean="0">
+                <a:solidFill>
+                  <a:srgbClr val="00B0F0"/>
+                </a:solidFill>
+              </a:rPr>
+              <a:t>election timeout </a:t>
+            </a:r>
+            <a:r>
+              <a:rPr lang="en-US" dirty="0" smtClean="0"/>
+              <a:t>and waits for the next heartbeat</a:t>
+            </a:r>
+          </a:p>
+          <a:p>
+            <a:endParaRPr lang="en-US" dirty="0"/>
+          </a:p>
+          <a:p>
+            <a:r>
+              <a:rPr lang="en-US" dirty="0" smtClean="0"/>
+              <a:t>If a followers </a:t>
+            </a:r>
+            <a:r>
+              <a:rPr lang="en-US" dirty="0" smtClean="0">
+                <a:solidFill>
+                  <a:srgbClr val="00B0F0"/>
+                </a:solidFill>
+              </a:rPr>
+              <a:t>election timeout</a:t>
+            </a:r>
+            <a:r>
+              <a:rPr lang="en-US" dirty="0" smtClean="0"/>
+              <a:t> </a:t>
+            </a:r>
+            <a:r>
+              <a:rPr lang="en-US" dirty="0" smtClean="0">
+                <a:solidFill>
+                  <a:srgbClr val="92D050"/>
+                </a:solidFill>
+              </a:rPr>
+              <a:t>expires before it receives a heartbeat</a:t>
+            </a:r>
+            <a:r>
+              <a:rPr lang="en-US" dirty="0" smtClean="0"/>
+              <a:t>, it becomes a candidate and initiates an election</a:t>
+            </a:r>
             <a:endParaRPr lang="en-US" dirty="0"/>
           </a:p>
         </p:txBody>
@@ -6734,7 +7434,7 @@
     </p:spTree>
     <p:extLst>
       <p:ext uri="{BB962C8B-B14F-4D97-AF65-F5344CB8AC3E}">
-        <p14:creationId xmlns:p14="http://schemas.microsoft.com/office/powerpoint/2010/main" val="2225852279"/>
+        <p14:creationId xmlns:p14="http://schemas.microsoft.com/office/powerpoint/2010/main" val="2864401428"/>
       </p:ext>
     </p:extLst>
   </p:cSld>
@@ -6801,40 +7501,176 @@
           <a:p>
             <a:r>
               <a:rPr lang="en-US" dirty="0" smtClean="0"/>
-              <a:t>Log entries in Raft:</a:t>
-            </a:r>
+              <a:t>Raft always maintains the </a:t>
+            </a:r>
+            <a:r>
+              <a:rPr lang="en-US" dirty="0" smtClean="0">
+                <a:solidFill>
+                  <a:srgbClr val="00B0F0"/>
+                </a:solidFill>
+              </a:rPr>
+              <a:t>Log Matching Property</a:t>
+            </a:r>
+            <a:r>
+              <a:rPr lang="en-US" dirty="0" smtClean="0"/>
+              <a:t> which ensures the following-</a:t>
+            </a:r>
+          </a:p>
+          <a:p>
+            <a:pPr lvl="1"/>
+            <a:r>
+              <a:rPr lang="en-US" dirty="0" smtClean="0">
+                <a:solidFill>
+                  <a:srgbClr val="00B050"/>
+                </a:solidFill>
+              </a:rPr>
+              <a:t>If two entries in different logs have same index and term, then they store the same command- </a:t>
+            </a:r>
+            <a:r>
+              <a:rPr lang="en-US" dirty="0" smtClean="0"/>
+              <a:t>This is ensured by the fact that a leader creates at most one entry with a given index in a given </a:t>
+            </a:r>
+            <a:r>
+              <a:rPr lang="en-US" dirty="0" smtClean="0"/>
+              <a:t>term.</a:t>
+            </a:r>
+            <a:endParaRPr lang="en-US" dirty="0" smtClean="0"/>
+          </a:p>
+          <a:p>
+            <a:pPr lvl="1"/>
+            <a:r>
+              <a:rPr lang="en-US" dirty="0" smtClean="0">
+                <a:solidFill>
+                  <a:srgbClr val="00B050"/>
+                </a:solidFill>
+              </a:rPr>
+              <a:t>If two entries in different logs have same index and term, then the logs are identical in all preceding entries-</a:t>
+            </a:r>
+            <a:r>
+              <a:rPr lang="en-US" dirty="0"/>
+              <a:t> </a:t>
+            </a:r>
+            <a:r>
+              <a:rPr lang="en-US" dirty="0" smtClean="0"/>
+              <a:t>ensured on the follower sides with a simple </a:t>
+            </a:r>
+            <a:r>
+              <a:rPr lang="en-US" dirty="0" smtClean="0">
+                <a:solidFill>
+                  <a:srgbClr val="00B0F0"/>
+                </a:solidFill>
+              </a:rPr>
+              <a:t>consistency check </a:t>
+            </a:r>
+            <a:r>
+              <a:rPr lang="en-US" dirty="0" smtClean="0"/>
+              <a:t>performed by </a:t>
+            </a:r>
+            <a:r>
+              <a:rPr lang="en-US" dirty="0" err="1" smtClean="0">
+                <a:solidFill>
+                  <a:srgbClr val="00B0F0"/>
+                </a:solidFill>
+              </a:rPr>
+              <a:t>AppendEntries</a:t>
+            </a:r>
+            <a:r>
+              <a:rPr lang="en-US" dirty="0" smtClean="0">
+                <a:solidFill>
+                  <a:srgbClr val="00B0F0"/>
+                </a:solidFill>
+              </a:rPr>
+              <a:t> RPCs.</a:t>
+            </a:r>
+          </a:p>
+          <a:p>
+            <a:pPr marL="228600" lvl="1">
+              <a:spcBef>
+                <a:spcPts val="1000"/>
+              </a:spcBef>
+            </a:pPr>
+            <a:r>
+              <a:rPr lang="en-US" dirty="0" smtClean="0"/>
+              <a:t>The </a:t>
+            </a:r>
+            <a:r>
+              <a:rPr lang="en-US" dirty="0" smtClean="0">
+                <a:solidFill>
+                  <a:srgbClr val="00B0F0"/>
+                </a:solidFill>
+              </a:rPr>
+              <a:t>Leader</a:t>
+            </a:r>
+            <a:r>
+              <a:rPr lang="en-US" dirty="0" smtClean="0"/>
+              <a:t> maintains a </a:t>
+            </a:r>
+            <a:r>
+              <a:rPr lang="en-US" dirty="0" err="1" smtClean="0">
+                <a:solidFill>
+                  <a:srgbClr val="00B0F0"/>
+                </a:solidFill>
+              </a:rPr>
+              <a:t>nextIndex</a:t>
+            </a:r>
+            <a:r>
+              <a:rPr lang="en-US" dirty="0" smtClean="0">
+                <a:solidFill>
+                  <a:srgbClr val="00B0F0"/>
+                </a:solidFill>
+              </a:rPr>
+              <a:t> </a:t>
+            </a:r>
+            <a:r>
+              <a:rPr lang="en-US" dirty="0" smtClean="0"/>
+              <a:t>for </a:t>
+            </a:r>
+            <a:r>
+              <a:rPr lang="en-US" dirty="0" smtClean="0">
+                <a:solidFill>
+                  <a:srgbClr val="00B050"/>
+                </a:solidFill>
+              </a:rPr>
+              <a:t>each follower</a:t>
+            </a:r>
+            <a:r>
+              <a:rPr lang="en-US" dirty="0" smtClean="0"/>
+              <a:t>, which is the</a:t>
+            </a:r>
+            <a:r>
+              <a:rPr lang="en-US" dirty="0" smtClean="0">
+                <a:solidFill>
+                  <a:srgbClr val="00B050"/>
+                </a:solidFill>
+              </a:rPr>
+              <a:t> index of the next log entry </a:t>
+            </a:r>
+            <a:r>
+              <a:rPr lang="en-US" dirty="0" smtClean="0"/>
+              <a:t>the leader will send to that follower.</a:t>
+            </a:r>
+            <a:endParaRPr lang="en-US" dirty="0" smtClean="0">
+              <a:solidFill>
+                <a:srgbClr val="00B0F0"/>
+              </a:solidFill>
+            </a:endParaRPr>
+          </a:p>
+          <a:p>
+            <a:endParaRPr lang="en-US" dirty="0" smtClean="0">
+              <a:solidFill>
+                <a:srgbClr val="00B0F0"/>
+              </a:solidFill>
+            </a:endParaRPr>
+          </a:p>
+          <a:p>
             <a:endParaRPr lang="en-US" dirty="0"/>
           </a:p>
         </p:txBody>
       </p:sp>
-      <p:pic>
-        <p:nvPicPr>
-          <p:cNvPr id="4" name="Picture 3"/>
-          <p:cNvPicPr>
-            <a:picLocks noChangeAspect="1"/>
-          </p:cNvPicPr>
-          <p:nvPr/>
-        </p:nvPicPr>
-        <p:blipFill>
-          <a:blip r:embed="rId2"/>
-          <a:stretch>
-            <a:fillRect/>
-          </a:stretch>
-        </p:blipFill>
-        <p:spPr>
-          <a:xfrm>
-            <a:off x="3574750" y="2893893"/>
-            <a:ext cx="4351616" cy="3283070"/>
-          </a:xfrm>
-          <a:prstGeom prst="rect">
-            <a:avLst/>
-          </a:prstGeom>
-        </p:spPr>
-      </p:pic>
     </p:spTree>
     <p:extLst>
       <p:ext uri="{BB962C8B-B14F-4D97-AF65-F5344CB8AC3E}">
-        <p14:creationId xmlns:p14="http://schemas.microsoft.com/office/powerpoint/2010/main" val="2115938238"/>
+        <p14:creationId xmlns:p14="http://schemas.microsoft.com/office/powerpoint/2010/main" val="2225852279"/>
       </p:ext>
     </p:extLst>
   </p:cSld>

--- a/The Raft Consensus Algorithm.pptx
+++ b/The Raft Consensus Algorithm.pptx
@@ -308,7 +308,7 @@
           <a:p>
             <a:fld id="{2F74EE6C-B5A5-439C-9100-DE43D17B0A18}" type="datetimeFigureOut">
               <a:rPr lang="en-US" smtClean="0"/>
-              <a:t>10/30/2018</a:t>
+              <a:t>10/31/2018</a:t>
             </a:fld>
             <a:endParaRPr lang="en-US"/>
           </a:p>
@@ -478,7 +478,7 @@
           <a:p>
             <a:fld id="{2F74EE6C-B5A5-439C-9100-DE43D17B0A18}" type="datetimeFigureOut">
               <a:rPr lang="en-US" smtClean="0"/>
-              <a:t>10/30/2018</a:t>
+              <a:t>10/31/2018</a:t>
             </a:fld>
             <a:endParaRPr lang="en-US"/>
           </a:p>
@@ -658,7 +658,7 @@
           <a:p>
             <a:fld id="{2F74EE6C-B5A5-439C-9100-DE43D17B0A18}" type="datetimeFigureOut">
               <a:rPr lang="en-US" smtClean="0"/>
-              <a:t>10/30/2018</a:t>
+              <a:t>10/31/2018</a:t>
             </a:fld>
             <a:endParaRPr lang="en-US"/>
           </a:p>
@@ -828,7 +828,7 @@
           <a:p>
             <a:fld id="{2F74EE6C-B5A5-439C-9100-DE43D17B0A18}" type="datetimeFigureOut">
               <a:rPr lang="en-US" smtClean="0"/>
-              <a:t>10/30/2018</a:t>
+              <a:t>10/31/2018</a:t>
             </a:fld>
             <a:endParaRPr lang="en-US"/>
           </a:p>
@@ -1074,7 +1074,7 @@
           <a:p>
             <a:fld id="{2F74EE6C-B5A5-439C-9100-DE43D17B0A18}" type="datetimeFigureOut">
               <a:rPr lang="en-US" smtClean="0"/>
-              <a:t>10/30/2018</a:t>
+              <a:t>10/31/2018</a:t>
             </a:fld>
             <a:endParaRPr lang="en-US"/>
           </a:p>
@@ -1306,7 +1306,7 @@
           <a:p>
             <a:fld id="{2F74EE6C-B5A5-439C-9100-DE43D17B0A18}" type="datetimeFigureOut">
               <a:rPr lang="en-US" smtClean="0"/>
-              <a:t>10/30/2018</a:t>
+              <a:t>10/31/2018</a:t>
             </a:fld>
             <a:endParaRPr lang="en-US"/>
           </a:p>
@@ -1673,7 +1673,7 @@
           <a:p>
             <a:fld id="{2F74EE6C-B5A5-439C-9100-DE43D17B0A18}" type="datetimeFigureOut">
               <a:rPr lang="en-US" smtClean="0"/>
-              <a:t>10/30/2018</a:t>
+              <a:t>10/31/2018</a:t>
             </a:fld>
             <a:endParaRPr lang="en-US"/>
           </a:p>
@@ -1791,7 +1791,7 @@
           <a:p>
             <a:fld id="{2F74EE6C-B5A5-439C-9100-DE43D17B0A18}" type="datetimeFigureOut">
               <a:rPr lang="en-US" smtClean="0"/>
-              <a:t>10/30/2018</a:t>
+              <a:t>10/31/2018</a:t>
             </a:fld>
             <a:endParaRPr lang="en-US"/>
           </a:p>
@@ -1886,7 +1886,7 @@
           <a:p>
             <a:fld id="{2F74EE6C-B5A5-439C-9100-DE43D17B0A18}" type="datetimeFigureOut">
               <a:rPr lang="en-US" smtClean="0"/>
-              <a:t>10/30/2018</a:t>
+              <a:t>10/31/2018</a:t>
             </a:fld>
             <a:endParaRPr lang="en-US"/>
           </a:p>
@@ -2163,7 +2163,7 @@
           <a:p>
             <a:fld id="{2F74EE6C-B5A5-439C-9100-DE43D17B0A18}" type="datetimeFigureOut">
               <a:rPr lang="en-US" smtClean="0"/>
-              <a:t>10/30/2018</a:t>
+              <a:t>10/31/2018</a:t>
             </a:fld>
             <a:endParaRPr lang="en-US"/>
           </a:p>
@@ -2416,7 +2416,7 @@
           <a:p>
             <a:fld id="{2F74EE6C-B5A5-439C-9100-DE43D17B0A18}" type="datetimeFigureOut">
               <a:rPr lang="en-US" smtClean="0"/>
-              <a:t>10/30/2018</a:t>
+              <a:t>10/31/2018</a:t>
             </a:fld>
             <a:endParaRPr lang="en-US"/>
           </a:p>
@@ -2629,7 +2629,7 @@
           <a:p>
             <a:fld id="{2F74EE6C-B5A5-439C-9100-DE43D17B0A18}" type="datetimeFigureOut">
               <a:rPr lang="en-US" smtClean="0"/>
-              <a:t>10/30/2018</a:t>
+              <a:t>10/31/2018</a:t>
             </a:fld>
             <a:endParaRPr lang="en-US"/>
           </a:p>
@@ -3180,6 +3180,13 @@
   <p:clrMapOvr>
     <a:masterClrMapping/>
   </p:clrMapOvr>
+  <p:timing>
+    <p:tnLst>
+      <p:par>
+        <p:cTn id="1" dur="indefinite" restart="never" nodeType="tmRoot"/>
+      </p:par>
+    </p:tnLst>
+  </p:timing>
 </p:sld>
 </file>
 
@@ -3613,7 +3620,7 @@
         </p:nvSpPr>
         <p:spPr>
           <a:xfrm>
-            <a:off x="838200" y="373751"/>
+            <a:off x="838200" y="356334"/>
             <a:ext cx="10515600" cy="1325563"/>
           </a:xfrm>
         </p:spPr>
@@ -3641,8 +3648,8 @@
         </p:nvSpPr>
         <p:spPr>
           <a:xfrm>
-            <a:off x="838200" y="1820078"/>
-            <a:ext cx="10515600" cy="4891266"/>
+            <a:off x="838199" y="1820078"/>
+            <a:ext cx="11223171" cy="4891266"/>
           </a:xfrm>
         </p:spPr>
         <p:txBody>
@@ -3816,11 +3823,11 @@
               <a:buSzPct val="70000"/>
             </a:pPr>
             <a:r>
-              <a:rPr lang="en-US" dirty="0" smtClean="0"/>
+              <a:rPr lang="en-US" sz="2400" dirty="0" smtClean="0"/>
               <a:t>The </a:t>
             </a:r>
             <a:r>
-              <a:rPr lang="en-US" dirty="0" smtClean="0">
+              <a:rPr lang="en-US" sz="2400" dirty="0" smtClean="0">
                 <a:solidFill>
                   <a:srgbClr val="00B050"/>
                 </a:solidFill>
@@ -3828,7 +3835,7 @@
               <a:t>Leader decrements </a:t>
             </a:r>
             <a:r>
-              <a:rPr lang="en-US" dirty="0" err="1" smtClean="0">
+              <a:rPr lang="en-US" sz="2400" dirty="0" err="1" smtClean="0">
                 <a:solidFill>
                   <a:srgbClr val="00B0F0"/>
                 </a:solidFill>
@@ -3836,7 +3843,7 @@
               <a:t>nextIndex</a:t>
             </a:r>
             <a:r>
-              <a:rPr lang="en-US" dirty="0" smtClean="0">
+              <a:rPr lang="en-US" sz="2400" dirty="0" smtClean="0">
                 <a:solidFill>
                   <a:srgbClr val="00B050"/>
                 </a:solidFill>
@@ -3844,7 +3851,7 @@
               <a:t> and retries </a:t>
             </a:r>
             <a:r>
-              <a:rPr lang="en-US" dirty="0" err="1" smtClean="0">
+              <a:rPr lang="en-US" sz="2400" dirty="0" err="1" smtClean="0">
                 <a:solidFill>
                   <a:srgbClr val="00B0F0"/>
                 </a:solidFill>
@@ -3852,7 +3859,7 @@
               <a:t>AppendEntries</a:t>
             </a:r>
             <a:r>
-              <a:rPr lang="en-US" dirty="0" smtClean="0">
+              <a:rPr lang="en-US" sz="2400" dirty="0" smtClean="0">
                 <a:solidFill>
                   <a:srgbClr val="00B0F0"/>
                 </a:solidFill>
@@ -3860,7 +3867,7 @@
               <a:t> RPC </a:t>
             </a:r>
             <a:r>
-              <a:rPr lang="en-US" dirty="0" smtClean="0">
+              <a:rPr lang="en-US" sz="2400" dirty="0" smtClean="0">
                 <a:solidFill>
                   <a:srgbClr val="00B050"/>
                 </a:solidFill>
@@ -3868,7 +3875,7 @@
               <a:t>for that follower, until a point reaches where the logs match.</a:t>
             </a:r>
             <a:r>
-              <a:rPr lang="en-US" dirty="0" smtClean="0"/>
+              <a:rPr lang="en-US" sz="2400" dirty="0" smtClean="0"/>
               <a:t> (one failure of Consistency Check for each mismatching entry)</a:t>
             </a:r>
           </a:p>
@@ -3880,11 +3887,11 @@
               <a:buSzPct val="70000"/>
             </a:pPr>
             <a:r>
-              <a:rPr lang="en-US" dirty="0" smtClean="0"/>
+              <a:rPr lang="en-US" sz="2400" dirty="0" smtClean="0"/>
               <a:t> When an </a:t>
             </a:r>
             <a:r>
-              <a:rPr lang="en-US" dirty="0" err="1" smtClean="0">
+              <a:rPr lang="en-US" sz="2400" dirty="0" err="1" smtClean="0">
                 <a:solidFill>
                   <a:srgbClr val="00B0F0"/>
                 </a:solidFill>
@@ -3892,7 +3899,7 @@
               <a:t>AppendEntries</a:t>
             </a:r>
             <a:r>
-              <a:rPr lang="en-US" dirty="0" smtClean="0"/>
+              <a:rPr lang="en-US" sz="2400" dirty="0" smtClean="0"/>
               <a:t> succeeds, the follower’s log is consistent with the leader’s up to that entry. (The process follows for the next entries.)</a:t>
             </a:r>
           </a:p>
@@ -4474,13 +4481,8 @@
             <a:pPr lvl="1"/>
             <a:r>
               <a:rPr lang="en-US" dirty="0" smtClean="0"/>
-              <a:t>A leader always contains all committed entries from previous </a:t>
-            </a:r>
-            <a:r>
-              <a:rPr lang="en-US" dirty="0" smtClean="0"/>
-              <a:t>terms </a:t>
-            </a:r>
-            <a:endParaRPr lang="en-US" dirty="0" smtClean="0"/>
+              <a:t>A leader always contains all committed entries from previous terms </a:t>
+            </a:r>
           </a:p>
           <a:p>
             <a:pPr lvl="1"/>
@@ -4607,19 +4609,7 @@
             </a:r>
             <a:r>
               <a:rPr lang="en-US" sz="2400" dirty="0" smtClean="0"/>
-              <a:t>, t</a:t>
-            </a:r>
-            <a:r>
-              <a:rPr lang="en-US" sz="2400" dirty="0" smtClean="0"/>
-              <a:t>he </a:t>
-            </a:r>
-            <a:r>
-              <a:rPr lang="en-US" sz="2400" dirty="0" smtClean="0"/>
-              <a:t>client request is lost, but </a:t>
-            </a:r>
-            <a:r>
-              <a:rPr lang="en-US" sz="2400" dirty="0" smtClean="0"/>
-              <a:t>these entries are deleted from the followers which had replicated.</a:t>
+              <a:t>, the client request is lost, but these entries are deleted from the followers which had replicated.</a:t>
             </a:r>
           </a:p>
           <a:p>
@@ -4655,7 +4645,6 @@
               <a:rPr lang="en-US" sz="2400" dirty="0" smtClean="0"/>
               <a:t>In both cases, there is consensus.</a:t>
             </a:r>
-            <a:endParaRPr lang="en-US" sz="2400" dirty="0" smtClean="0"/>
           </a:p>
           <a:p>
             <a:pPr marL="0" indent="0">
@@ -4825,11 +4814,7 @@
             <a:pPr lvl="2"/>
             <a:r>
               <a:rPr lang="en-US" sz="2400" dirty="0" smtClean="0"/>
-              <a:t>The </a:t>
-            </a:r>
-            <a:r>
-              <a:rPr lang="en-US" sz="2400" dirty="0" smtClean="0"/>
-              <a:t>majority of followers already have the entry in log</a:t>
+              <a:t>The majority of followers already have the entry in log</a:t>
             </a:r>
           </a:p>
           <a:p>
@@ -4848,11 +4833,7 @@
             </a:r>
             <a:r>
               <a:rPr lang="en-US" sz="2400" dirty="0" smtClean="0"/>
-              <a:t> </a:t>
-            </a:r>
-            <a:r>
-              <a:rPr lang="en-US" sz="2400" dirty="0" smtClean="0"/>
-              <a:t>have the entry in its log</a:t>
+              <a:t> have the entry in its log</a:t>
             </a:r>
           </a:p>
           <a:p>
@@ -4871,26 +4852,14 @@
             </a:r>
             <a:r>
               <a:rPr lang="en-US" sz="2400" dirty="0" smtClean="0"/>
-              <a:t> </a:t>
-            </a:r>
+              <a:t> try to commit it </a:t>
+            </a:r>
+          </a:p>
+          <a:p>
+            <a:pPr lvl="2"/>
             <a:r>
               <a:rPr lang="en-US" sz="2400" dirty="0" smtClean="0"/>
-              <a:t>try to commit it </a:t>
-            </a:r>
-          </a:p>
-          <a:p>
-            <a:pPr lvl="2"/>
-            <a:r>
-              <a:rPr lang="en-US" sz="2400" dirty="0" smtClean="0"/>
-              <a:t>The client request </a:t>
-            </a:r>
-            <a:r>
-              <a:rPr lang="en-US" sz="2400" dirty="0" smtClean="0"/>
-              <a:t>may* </a:t>
-            </a:r>
-            <a:r>
-              <a:rPr lang="en-US" sz="2400" dirty="0" smtClean="0"/>
-              <a:t>not be lost and there is Consensus </a:t>
+              <a:t>The client request may* not be lost and there is Consensus </a:t>
             </a:r>
           </a:p>
           <a:p>
@@ -5003,15 +4972,7 @@
             <a:pPr lvl="1"/>
             <a:r>
               <a:rPr lang="en-US" dirty="0" smtClean="0"/>
-              <a:t>The followers </a:t>
-            </a:r>
-            <a:r>
-              <a:rPr lang="en-US" dirty="0" smtClean="0"/>
-              <a:t>respond on </a:t>
-            </a:r>
-            <a:r>
-              <a:rPr lang="en-US" dirty="0" smtClean="0"/>
-              <a:t>starting</a:t>
+              <a:t>The followers respond on starting</a:t>
             </a:r>
           </a:p>
           <a:p>
@@ -5032,7 +4993,6 @@
               <a:rPr lang="en-US" dirty="0" smtClean="0"/>
               <a:t>.</a:t>
             </a:r>
-            <a:endParaRPr lang="en-US" dirty="0" smtClean="0"/>
           </a:p>
           <a:p>
             <a:pPr lvl="1"/>
@@ -5267,6 +5227,13 @@
   <p:clrMapOvr>
     <a:masterClrMapping/>
   </p:clrMapOvr>
+  <p:timing>
+    <p:tnLst>
+      <p:par>
+        <p:cTn id="1" dur="indefinite" restart="never" nodeType="tmRoot"/>
+      </p:par>
+    </p:tnLst>
+  </p:timing>
 </p:sld>
 </file>
 
@@ -5688,11 +5655,7 @@
                       </a:r>
                       <a:r>
                         <a:rPr lang="en-US" baseline="0" dirty="0" smtClean="0"/>
-                        <a:t> move in both directions L &lt;-&gt; </a:t>
-                      </a:r>
-                      <a:r>
-                        <a:rPr lang="en-US" baseline="0" dirty="0" smtClean="0"/>
-                        <a:t>F to fill  holes or gaps</a:t>
+                        <a:t> move in both directions L &lt;-&gt; F to fill  holes or gaps</a:t>
                       </a:r>
                       <a:endParaRPr lang="en-US" dirty="0"/>
                     </a:p>
@@ -5896,43 +5859,23 @@
             </a:r>
             <a:r>
               <a:rPr lang="en-US" dirty="0" smtClean="0"/>
-              <a:t> once</a:t>
-            </a:r>
-            <a:r>
-              <a:rPr lang="en-US" dirty="0" smtClean="0"/>
-              <a:t>)</a:t>
-            </a:r>
-          </a:p>
-          <a:p>
-            <a:r>
-              <a:rPr lang="en-US" dirty="0" smtClean="0"/>
-              <a:t>The fact that a leader does not need to update itself from the followers reduces some degree of complexity.</a:t>
-            </a:r>
-            <a:r>
-              <a:rPr lang="en-US" dirty="0" smtClean="0"/>
-              <a:t> </a:t>
-            </a:r>
-          </a:p>
-          <a:p>
-            <a:r>
-              <a:rPr lang="en-US" dirty="0" smtClean="0">
-                <a:solidFill>
-                  <a:srgbClr val="92D050"/>
-                </a:solidFill>
-              </a:rPr>
-              <a:t>Random</a:t>
-            </a:r>
-            <a:r>
-              <a:rPr lang="en-US" dirty="0" smtClean="0"/>
-              <a:t> </a:t>
-            </a:r>
-            <a:r>
-              <a:rPr lang="en-US" dirty="0" smtClean="0">
-                <a:solidFill>
-                  <a:srgbClr val="92D050"/>
-                </a:solidFill>
-              </a:rPr>
-              <a:t>election timeouts </a:t>
+              <a:t> once)</a:t>
+            </a:r>
+          </a:p>
+          <a:p>
+            <a:r>
+              <a:rPr lang="en-US" dirty="0" smtClean="0"/>
+              <a:t>The fact that a leader does not need to update itself from the followers reduces some degree of complexity. </a:t>
+            </a:r>
+          </a:p>
+          <a:p>
+            <a:r>
+              <a:rPr lang="en-US" dirty="0" smtClean="0">
+                <a:solidFill>
+                  <a:srgbClr val="00B050"/>
+                </a:solidFill>
+              </a:rPr>
+              <a:t>Random election timeouts </a:t>
             </a:r>
             <a:r>
               <a:rPr lang="en-US" dirty="0" smtClean="0">
@@ -5942,35 +5885,27 @@
                   </a:schemeClr>
                 </a:solidFill>
               </a:rPr>
-              <a:t>are a great way to ensure that multiple candidates do not arise at the same time </a:t>
-            </a:r>
-            <a:r>
-              <a:rPr lang="en-US" i="1" dirty="0" smtClean="0">
+              <a:t>ensure </a:t>
+            </a:r>
+            <a:r>
+              <a:rPr lang="en-US" dirty="0" smtClean="0">
                 <a:solidFill>
                   <a:schemeClr val="tx2">
                     <a:lumMod val="50000"/>
                   </a:schemeClr>
                 </a:solidFill>
               </a:rPr>
-              <a:t>in practice</a:t>
-            </a:r>
-            <a:r>
-              <a:rPr lang="en-US" dirty="0" smtClean="0">
+              <a:t>that multiple candidates do not arise at the same time </a:t>
+            </a:r>
+            <a:r>
+              <a:rPr lang="en-US" i="1" dirty="0" smtClean="0">
                 <a:solidFill>
                   <a:schemeClr val="tx2">
                     <a:lumMod val="50000"/>
                   </a:schemeClr>
                 </a:solidFill>
               </a:rPr>
-              <a:t>, but is a mathematically weak logic – </a:t>
-            </a:r>
-            <a:r>
-              <a:rPr lang="en-US" dirty="0" smtClean="0">
-                <a:solidFill>
-                  <a:srgbClr val="FF0000"/>
-                </a:solidFill>
-              </a:rPr>
-              <a:t>two servers might independently choose the same random timeout again and again</a:t>
+              <a:t>in practice</a:t>
             </a:r>
             <a:r>
               <a:rPr lang="en-US" dirty="0" smtClean="0">
@@ -5980,33 +5915,84 @@
                   </a:schemeClr>
                 </a:solidFill>
               </a:rPr>
-              <a:t>, causing elections to fail repeatedly, thus </a:t>
-            </a:r>
-            <a:r>
-              <a:rPr lang="en-US" dirty="0" smtClean="0">
-                <a:solidFill>
-                  <a:srgbClr val="FF0000"/>
-                </a:solidFill>
-              </a:rPr>
-              <a:t>affecting availability</a:t>
-            </a:r>
-            <a:r>
-              <a:rPr lang="en-US" dirty="0" smtClean="0">
+              <a:t>, </a:t>
+            </a:r>
+            <a:r>
+              <a:rPr lang="en-US" smtClean="0">
                 <a:solidFill>
                   <a:schemeClr val="tx2">
                     <a:lumMod val="50000"/>
                   </a:schemeClr>
                 </a:solidFill>
               </a:rPr>
+              <a:t>but </a:t>
+            </a:r>
+            <a:r>
+              <a:rPr lang="en-US" smtClean="0">
+                <a:solidFill>
+                  <a:schemeClr val="tx2">
+                    <a:lumMod val="50000"/>
+                  </a:schemeClr>
+                </a:solidFill>
+              </a:rPr>
+              <a:t>this is </a:t>
+            </a:r>
+            <a:r>
+              <a:rPr lang="en-US" dirty="0" smtClean="0">
+                <a:solidFill>
+                  <a:schemeClr val="tx2">
+                    <a:lumMod val="50000"/>
+                  </a:schemeClr>
+                </a:solidFill>
+              </a:rPr>
+              <a:t>a </a:t>
+            </a:r>
+            <a:r>
+              <a:rPr lang="en-US" dirty="0" smtClean="0">
+                <a:solidFill>
+                  <a:schemeClr val="tx2">
+                    <a:lumMod val="50000"/>
+                  </a:schemeClr>
+                </a:solidFill>
+              </a:rPr>
+              <a:t>weak logic – </a:t>
+            </a:r>
+            <a:r>
+              <a:rPr lang="en-US" dirty="0" smtClean="0">
+                <a:solidFill>
+                  <a:srgbClr val="FF0000"/>
+                </a:solidFill>
+              </a:rPr>
+              <a:t>two servers might independently choose the same random timeout again and again</a:t>
+            </a:r>
+            <a:r>
+              <a:rPr lang="en-US" dirty="0" smtClean="0">
+                <a:solidFill>
+                  <a:schemeClr val="tx2">
+                    <a:lumMod val="50000"/>
+                  </a:schemeClr>
+                </a:solidFill>
+              </a:rPr>
+              <a:t>, causing elections to fail repeatedly, thus </a:t>
+            </a:r>
+            <a:r>
+              <a:rPr lang="en-US" dirty="0" smtClean="0">
+                <a:solidFill>
+                  <a:srgbClr val="FF0000"/>
+                </a:solidFill>
+              </a:rPr>
+              <a:t>affecting availability</a:t>
+            </a:r>
+            <a:r>
+              <a:rPr lang="en-US" dirty="0" smtClean="0">
+                <a:solidFill>
+                  <a:schemeClr val="tx2">
+                    <a:lumMod val="50000"/>
+                  </a:schemeClr>
+                </a:solidFill>
+              </a:rPr>
               <a:t>. </a:t>
             </a:r>
-            <a:endParaRPr lang="en-US" dirty="0" smtClean="0">
-              <a:solidFill>
-                <a:schemeClr val="tx2">
-                  <a:lumMod val="50000"/>
-                </a:schemeClr>
-              </a:solidFill>
-            </a:endParaRPr>
           </a:p>
         </p:txBody>
       </p:sp>
@@ -6147,13 +6133,6 @@
               </a:rPr>
               <a:t>candidates in the next term.</a:t>
             </a:r>
-            <a:endParaRPr lang="en-US" dirty="0" smtClean="0">
-              <a:solidFill>
-                <a:schemeClr val="tx2">
-                  <a:lumMod val="50000"/>
-                </a:schemeClr>
-              </a:solidFill>
-            </a:endParaRPr>
           </a:p>
         </p:txBody>
       </p:sp>
@@ -6271,15 +6250,7 @@
                   <a:srgbClr val="00B050"/>
                 </a:solidFill>
               </a:rPr>
-              <a:t>, </a:t>
-            </a:r>
-            <a:r>
-              <a:rPr lang="en-US" i="1" dirty="0" smtClean="0">
-                <a:solidFill>
-                  <a:srgbClr val="00B050"/>
-                </a:solidFill>
-              </a:rPr>
-              <a:t>all nodes are followers</a:t>
+              <a:t>, all nodes are followers</a:t>
             </a:r>
             <a:r>
               <a:rPr lang="en-US" dirty="0" smtClean="0">
@@ -6336,6 +6307,13 @@
   <p:clrMapOvr>
     <a:masterClrMapping/>
   </p:clrMapOvr>
+  <p:timing>
+    <p:tnLst>
+      <p:par>
+        <p:cTn id="1" dur="indefinite" restart="never" nodeType="tmRoot"/>
+      </p:par>
+    </p:tnLst>
+  </p:timing>
 </p:sld>
 </file>
 
@@ -6398,11 +6376,7 @@
           <a:p>
             <a:r>
               <a:rPr lang="en-US" dirty="0" smtClean="0"/>
-              <a:t>Time </a:t>
-            </a:r>
-            <a:r>
-              <a:rPr lang="en-US" dirty="0" smtClean="0"/>
-              <a:t>is divided into </a:t>
+              <a:t>Time is divided into </a:t>
             </a:r>
             <a:r>
               <a:rPr lang="en-US" dirty="0" smtClean="0">
@@ -6510,6 +6484,13 @@
   <p:clrMapOvr>
     <a:masterClrMapping/>
   </p:clrMapOvr>
+  <p:timing>
+    <p:tnLst>
+      <p:par>
+        <p:cTn id="1" dur="indefinite" restart="never" nodeType="tmRoot"/>
+      </p:par>
+    </p:tnLst>
+  </p:timing>
 </p:sld>
 </file>
 
@@ -6546,7 +6527,7 @@
         </p:blipFill>
         <p:spPr>
           <a:xfrm>
-            <a:off x="3819643" y="3870376"/>
+            <a:off x="7067940" y="909461"/>
             <a:ext cx="4697339" cy="2164131"/>
           </a:xfrm>
           <a:prstGeom prst="rect">
@@ -6652,6 +6633,59 @@
             </a:r>
           </a:p>
           <a:p>
+            <a:endParaRPr lang="en-US" dirty="0" smtClean="0"/>
+          </a:p>
+          <a:p>
+            <a:r>
+              <a:rPr lang="en-US" dirty="0" smtClean="0"/>
+              <a:t>Two types of RPCS</a:t>
+            </a:r>
+          </a:p>
+          <a:p>
+            <a:pPr lvl="1"/>
+            <a:r>
+              <a:rPr lang="en-US" dirty="0" err="1" smtClean="0">
+                <a:solidFill>
+                  <a:srgbClr val="00B0F0"/>
+                </a:solidFill>
+              </a:rPr>
+              <a:t>AppendEntries</a:t>
+            </a:r>
+            <a:r>
+              <a:rPr lang="en-US" dirty="0" smtClean="0">
+                <a:solidFill>
+                  <a:srgbClr val="00B0F0"/>
+                </a:solidFill>
+              </a:rPr>
+              <a:t> RPCs - </a:t>
+            </a:r>
+            <a:r>
+              <a:rPr lang="en-US" dirty="0" smtClean="0"/>
+              <a:t>heartbeat and log replication</a:t>
+            </a:r>
+          </a:p>
+          <a:p>
+            <a:pPr lvl="1"/>
+            <a:r>
+              <a:rPr lang="en-US" dirty="0" err="1" smtClean="0">
+                <a:solidFill>
+                  <a:srgbClr val="00B0F0"/>
+                </a:solidFill>
+              </a:rPr>
+              <a:t>RequestVote</a:t>
+            </a:r>
+            <a:r>
+              <a:rPr lang="en-US" dirty="0" smtClean="0">
+                <a:solidFill>
+                  <a:srgbClr val="00B0F0"/>
+                </a:solidFill>
+              </a:rPr>
+              <a:t> RPCs – </a:t>
+            </a:r>
+            <a:r>
+              <a:rPr lang="en-US" dirty="0" smtClean="0"/>
+              <a:t>request vote for being elected as leader</a:t>
+            </a:r>
             <a:endParaRPr lang="en-US" dirty="0" smtClean="0"/>
           </a:p>
         </p:txBody>
@@ -6666,6 +6700,13 @@
   <p:clrMapOvr>
     <a:masterClrMapping/>
   </p:clrMapOvr>
+  <p:timing>
+    <p:tnLst>
+      <p:par>
+        <p:cTn id="1" dur="indefinite" restart="never" nodeType="tmRoot"/>
+      </p:par>
+    </p:tnLst>
+  </p:timing>
 </p:sld>
 </file>
 
@@ -6728,11 +6769,7 @@
           <a:p>
             <a:r>
               <a:rPr lang="en-US" dirty="0" smtClean="0"/>
-              <a:t>Each </a:t>
-            </a:r>
-            <a:r>
-              <a:rPr lang="en-US" dirty="0" smtClean="0"/>
-              <a:t>node stores a </a:t>
+              <a:t>Each node stores a </a:t>
             </a:r>
             <a:r>
               <a:rPr lang="en-US" dirty="0" smtClean="0">
@@ -6750,11 +6787,7 @@
           <a:p>
             <a:r>
               <a:rPr lang="en-US" dirty="0" smtClean="0"/>
-              <a:t>Initially, </a:t>
-            </a:r>
-            <a:r>
-              <a:rPr lang="en-US" dirty="0" smtClean="0"/>
-              <a:t>each node is a follower and waits for a heartbeat from the leader for a duration known as </a:t>
+              <a:t>Initially, each node is a follower and waits for a heartbeat from the leader for a duration known as </a:t>
             </a:r>
             <a:r>
               <a:rPr lang="en-US" dirty="0" smtClean="0">
@@ -6815,12 +6848,16 @@
               <a:t> </a:t>
             </a:r>
             <a:r>
-              <a:rPr lang="en-US" dirty="0" smtClean="0">
-                <a:solidFill>
-                  <a:srgbClr val="00B050"/>
-                </a:solidFill>
-              </a:rPr>
-              <a:t>(</a:t>
+              <a:rPr lang="en-US" dirty="0" smtClean="0"/>
+              <a:t>, </a:t>
+            </a:r>
+            <a:r>
+              <a:rPr lang="en-US" dirty="0" smtClean="0"/>
+              <a:t>it votes for </a:t>
+            </a:r>
+            <a:r>
+              <a:rPr lang="en-US" dirty="0" smtClean="0"/>
+              <a:t>itself, increases its </a:t>
             </a:r>
             <a:r>
               <a:rPr lang="en-US" dirty="0" err="1" smtClean="0">
@@ -6828,15 +6865,23 @@
                   <a:srgbClr val="00B0F0"/>
                 </a:solidFill>
               </a:rPr>
-              <a:t>AppendEntries</a:t>
-            </a:r>
-            <a:r>
-              <a:rPr lang="en-US" dirty="0" smtClean="0">
+              <a:t>CurrentTerm</a:t>
+            </a:r>
+            <a:r>
+              <a:rPr lang="en-US" dirty="0" smtClean="0"/>
+              <a:t> </a:t>
+            </a:r>
+            <a:r>
+              <a:rPr lang="en-US" dirty="0" smtClean="0"/>
+              <a:t>and sends out a </a:t>
+            </a:r>
+            <a:r>
+              <a:rPr lang="en-US" dirty="0" err="1" smtClean="0">
                 <a:solidFill>
                   <a:srgbClr val="00B0F0"/>
                 </a:solidFill>
               </a:rPr>
-              <a:t> </a:t>
+              <a:t>RequestVote</a:t>
             </a:r>
             <a:r>
               <a:rPr lang="en-US" dirty="0" smtClean="0">
@@ -6844,27 +6889,19 @@
                   <a:srgbClr val="00B0F0"/>
                 </a:solidFill>
               </a:rPr>
-              <a:t>RPCs</a:t>
-            </a:r>
-            <a:r>
-              <a:rPr lang="en-US" dirty="0" smtClean="0">
-                <a:solidFill>
-                  <a:srgbClr val="00B050"/>
-                </a:solidFill>
-              </a:rPr>
-              <a:t>)</a:t>
-            </a:r>
-            <a:r>
-              <a:rPr lang="en-US" dirty="0" smtClean="0"/>
-              <a:t>, it votes for itself and sends out a </a:t>
-            </a:r>
-            <a:r>
-              <a:rPr lang="en-US" dirty="0" err="1" smtClean="0">
+              <a:t> RPC </a:t>
+            </a:r>
+            <a:r>
+              <a:rPr lang="en-US" dirty="0" smtClean="0"/>
+              <a:t>to all other nodes- </a:t>
+            </a:r>
+            <a:r>
+              <a:rPr lang="en-US" dirty="0" smtClean="0">
                 <a:solidFill>
                   <a:srgbClr val="00B0F0"/>
                 </a:solidFill>
               </a:rPr>
-              <a:t>RequestVote</a:t>
+              <a:t>election </a:t>
             </a:r>
             <a:r>
               <a:rPr lang="en-US" dirty="0" smtClean="0">
@@ -6872,32 +6909,9 @@
                   <a:srgbClr val="00B0F0"/>
                 </a:solidFill>
               </a:rPr>
-              <a:t> RPC </a:t>
-            </a:r>
-            <a:r>
-              <a:rPr lang="en-US" dirty="0" smtClean="0"/>
-              <a:t>to </a:t>
-            </a:r>
-            <a:r>
-              <a:rPr lang="en-US" dirty="0" smtClean="0"/>
-              <a:t>all other </a:t>
-            </a:r>
-            <a:r>
-              <a:rPr lang="en-US" dirty="0" smtClean="0"/>
-              <a:t>nodes- </a:t>
-            </a:r>
-            <a:r>
-              <a:rPr lang="en-US" dirty="0" smtClean="0">
-                <a:solidFill>
-                  <a:srgbClr val="00B0F0"/>
-                </a:solidFill>
-              </a:rPr>
-              <a:t>election initiation</a:t>
-            </a:r>
-            <a:r>
-              <a:rPr lang="en-US" dirty="0" smtClean="0"/>
-              <a:t>.</a:t>
-            </a:r>
+              <a:t>initiation</a:t>
+            </a:r>
+            <a:endParaRPr lang="en-US" dirty="0" smtClean="0"/>
           </a:p>
           <a:p>
             <a:r>
@@ -6970,6 +6984,13 @@
   <p:clrMapOvr>
     <a:masterClrMapping/>
   </p:clrMapOvr>
+  <p:timing>
+    <p:tnLst>
+      <p:par>
+        <p:cTn id="1" dur="indefinite" restart="never" nodeType="tmRoot"/>
+      </p:par>
+    </p:tnLst>
+  </p:timing>
 </p:sld>
 </file>
 
@@ -7137,7 +7158,15 @@
             </a:r>
             <a:r>
               <a:rPr lang="en-US" dirty="0" smtClean="0"/>
-              <a:t>in case term numbers are similar for Candidate and X)</a:t>
+              <a:t>in case term numbers </a:t>
+            </a:r>
+            <a:r>
+              <a:rPr lang="en-US" dirty="0" smtClean="0"/>
+              <a:t>for last entries are </a:t>
+            </a:r>
+            <a:r>
+              <a:rPr lang="en-US" dirty="0" smtClean="0"/>
+              <a:t>similar for Candidate and X)</a:t>
             </a:r>
           </a:p>
           <a:p>
@@ -7191,6 +7220,13 @@
   <p:clrMapOvr>
     <a:masterClrMapping/>
   </p:clrMapOvr>
+  <p:timing>
+    <p:tnLst>
+      <p:par>
+        <p:cTn id="1" dur="indefinite" restart="never" nodeType="tmRoot"/>
+      </p:par>
+    </p:tnLst>
+  </p:timing>
 </p:sld>
 </file>
 
@@ -7281,15 +7317,23 @@
                   <a:srgbClr val="00B050"/>
                 </a:solidFill>
               </a:rPr>
-              <a:t>greater </a:t>
-            </a:r>
-            <a:r>
-              <a:rPr lang="en-US" dirty="0" smtClean="0"/>
-              <a:t>than </a:t>
-            </a:r>
-            <a:r>
-              <a:rPr lang="en-US" dirty="0" smtClean="0"/>
-              <a:t>its own </a:t>
+              <a:t>greater than </a:t>
+            </a:r>
+            <a:r>
+              <a:rPr lang="en-US" dirty="0" smtClean="0">
+                <a:solidFill>
+                  <a:srgbClr val="00B050"/>
+                </a:solidFill>
+              </a:rPr>
+              <a:t>or equal to</a:t>
+            </a:r>
+            <a:r>
+              <a:rPr lang="en-US" dirty="0" smtClean="0"/>
+              <a:t> its </a:t>
+            </a:r>
+            <a:r>
+              <a:rPr lang="en-US" dirty="0" smtClean="0"/>
+              <a:t>own </a:t>
             </a:r>
             <a:r>
               <a:rPr lang="en-US" dirty="0" err="1" smtClean="0">
@@ -7359,11 +7403,7 @@
             </a:r>
             <a:r>
               <a:rPr lang="en-US" dirty="0" smtClean="0"/>
-              <a:t> leaders or candidates do not affect the current </a:t>
-            </a:r>
-            <a:r>
-              <a:rPr lang="en-US" dirty="0" smtClean="0"/>
-              <a:t>term</a:t>
+              <a:t> leaders or candidates do not affect the current term</a:t>
             </a:r>
           </a:p>
           <a:p>
@@ -7377,7 +7417,7 @@
             <a:r>
               <a:rPr lang="en-US" dirty="0" smtClean="0">
                 <a:solidFill>
-                  <a:srgbClr val="92D050"/>
+                  <a:srgbClr val="00B050"/>
                 </a:solidFill>
               </a:rPr>
               <a:t>follower resets its </a:t>
@@ -7418,14 +7458,42 @@
             <a:r>
               <a:rPr lang="en-US" dirty="0" smtClean="0">
                 <a:solidFill>
-                  <a:srgbClr val="92D050"/>
-                </a:solidFill>
-              </a:rPr>
-              <a:t>expires before it receives a heartbeat</a:t>
-            </a:r>
-            <a:r>
-              <a:rPr lang="en-US" dirty="0" smtClean="0"/>
-              <a:t>, it becomes a candidate and initiates an election</a:t>
+                  <a:srgbClr val="00B050"/>
+                </a:solidFill>
+              </a:rPr>
+              <a:t>expires before it receives a </a:t>
+            </a:r>
+            <a:r>
+              <a:rPr lang="en-US" dirty="0" smtClean="0">
+                <a:solidFill>
+                  <a:srgbClr val="00B050"/>
+                </a:solidFill>
+              </a:rPr>
+              <a:t>heartbeat or a </a:t>
+            </a:r>
+            <a:r>
+              <a:rPr lang="en-US" dirty="0" err="1" smtClean="0">
+                <a:solidFill>
+                  <a:srgbClr val="00B0F0"/>
+                </a:solidFill>
+              </a:rPr>
+              <a:t>RequestVote</a:t>
+            </a:r>
+            <a:r>
+              <a:rPr lang="en-US" dirty="0" smtClean="0">
+                <a:solidFill>
+                  <a:srgbClr val="00B0F0"/>
+                </a:solidFill>
+              </a:rPr>
+              <a:t> RPC</a:t>
+            </a:r>
+            <a:r>
+              <a:rPr lang="en-US" dirty="0" smtClean="0"/>
+              <a:t>, </a:t>
+            </a:r>
+            <a:r>
+              <a:rPr lang="en-US" dirty="0" smtClean="0"/>
+              <a:t>it becomes a candidate and initiates an election</a:t>
             </a:r>
             <a:endParaRPr lang="en-US" dirty="0"/>
           </a:p>
@@ -7441,6 +7509,13 @@
   <p:clrMapOvr>
     <a:masterClrMapping/>
   </p:clrMapOvr>
+  <p:timing>
+    <p:tnLst>
+      <p:par>
+        <p:cTn id="1" dur="indefinite" restart="never" nodeType="tmRoot"/>
+      </p:par>
+    </p:tnLst>
+  </p:timing>
 </p:sld>
 </file>
 
@@ -7528,13 +7603,8 @@
             </a:r>
             <a:r>
               <a:rPr lang="en-US" dirty="0" smtClean="0"/>
-              <a:t>This is ensured by the fact that a leader creates at most one entry with a given index in a given </a:t>
-            </a:r>
-            <a:r>
-              <a:rPr lang="en-US" dirty="0" smtClean="0"/>
-              <a:t>term.</a:t>
-            </a:r>
-            <a:endParaRPr lang="en-US" dirty="0" smtClean="0"/>
+              <a:t>This is ensured by the fact that a leader creates at most one entry with a given index in a given term.</a:t>
+            </a:r>
           </a:p>
           <a:p>
             <a:pPr lvl="1"/>

--- a/The Raft Consensus Algorithm.pptx
+++ b/The Raft Consensus Algorithm.pptx
@@ -3342,7 +3342,9 @@
         </p:nvSpPr>
         <p:spPr/>
         <p:txBody>
-          <a:bodyPr/>
+          <a:bodyPr>
+            <a:normAutofit lnSpcReduction="10000"/>
+          </a:bodyPr>
           <a:lstStyle/>
           <a:p>
             <a:r>
@@ -3363,7 +3365,43 @@
             </a:pPr>
             <a:r>
               <a:rPr lang="en-US" dirty="0" smtClean="0"/>
-              <a:t>After a leader is elected for a term, it can handle client requests.</a:t>
+              <a:t>On </a:t>
+            </a:r>
+            <a:r>
+              <a:rPr lang="en-US" dirty="0" smtClean="0"/>
+              <a:t>receiving a client request, the leader </a:t>
+            </a:r>
+            <a:r>
+              <a:rPr lang="en-US" dirty="0" smtClean="0">
+                <a:solidFill>
+                  <a:srgbClr val="00B050"/>
+                </a:solidFill>
+              </a:rPr>
+              <a:t>appends it to its own log </a:t>
+            </a:r>
+            <a:r>
+              <a:rPr lang="en-US" dirty="0" smtClean="0"/>
+              <a:t>and sends out an </a:t>
+            </a:r>
+            <a:r>
+              <a:rPr lang="en-US" dirty="0" err="1" smtClean="0">
+                <a:solidFill>
+                  <a:srgbClr val="00B0F0"/>
+                </a:solidFill>
+              </a:rPr>
+              <a:t>AppendEntries</a:t>
+            </a:r>
+            <a:r>
+              <a:rPr lang="en-US" dirty="0" smtClean="0">
+                <a:solidFill>
+                  <a:srgbClr val="00B0F0"/>
+                </a:solidFill>
+              </a:rPr>
+              <a:t> RPC </a:t>
+            </a:r>
+            <a:r>
+              <a:rPr lang="en-US" dirty="0" smtClean="0"/>
+              <a:t>in parallel to all other nodes.</a:t>
             </a:r>
           </a:p>
           <a:p>
@@ -3374,8 +3412,32 @@
               <a:buSzPct val="70000"/>
             </a:pPr>
             <a:r>
-              <a:rPr lang="en-US" dirty="0" smtClean="0"/>
-              <a:t>On receiving a client request, the leader </a:t>
+              <a:rPr lang="en-US" dirty="0" err="1" smtClean="0">
+                <a:solidFill>
+                  <a:srgbClr val="00B0F0"/>
+                </a:solidFill>
+              </a:rPr>
+              <a:t>AppendEntries</a:t>
+            </a:r>
+            <a:r>
+              <a:rPr lang="en-US" dirty="0" smtClean="0">
+                <a:solidFill>
+                  <a:srgbClr val="00B0F0"/>
+                </a:solidFill>
+              </a:rPr>
+              <a:t> </a:t>
+            </a:r>
+            <a:r>
+              <a:rPr lang="en-US" dirty="0" smtClean="0">
+                <a:solidFill>
+                  <a:srgbClr val="00B0F0"/>
+                </a:solidFill>
+              </a:rPr>
+              <a:t>RPCs </a:t>
+            </a:r>
+            <a:r>
+              <a:rPr lang="en-US" dirty="0" smtClean="0"/>
+              <a:t>are also used as </a:t>
             </a:r>
             <a:r>
               <a:rPr lang="en-US" dirty="0" smtClean="0">
@@ -3383,32 +3445,13 @@
                   <a:srgbClr val="00B050"/>
                 </a:solidFill>
               </a:rPr>
-              <a:t>appends it to its own log </a:t>
-            </a:r>
-            <a:r>
-              <a:rPr lang="en-US" dirty="0" smtClean="0"/>
-              <a:t>and sends out an </a:t>
-            </a:r>
-            <a:r>
-              <a:rPr lang="en-US" dirty="0" err="1" smtClean="0">
-                <a:solidFill>
-                  <a:srgbClr val="00B0F0"/>
-                </a:solidFill>
-              </a:rPr>
-              <a:t>AppendEntries</a:t>
-            </a:r>
-            <a:r>
-              <a:rPr lang="en-US" dirty="0" smtClean="0">
-                <a:solidFill>
-                  <a:srgbClr val="00B0F0"/>
-                </a:solidFill>
-              </a:rPr>
-              <a:t> RPC </a:t>
-            </a:r>
-            <a:r>
-              <a:rPr lang="en-US" dirty="0" smtClean="0"/>
-              <a:t>in parallel to all other nodes.</a:t>
-            </a:r>
+              <a:t>heartbeats</a:t>
+            </a:r>
+            <a:r>
+              <a:rPr lang="en-US" dirty="0" smtClean="0"/>
+              <a:t> when sent with no new log entries. </a:t>
+            </a:r>
+            <a:endParaRPr lang="en-US" dirty="0" smtClean="0"/>
           </a:p>
           <a:p>
             <a:pPr lvl="1">
@@ -3418,25 +3461,70 @@
               <a:buSzPct val="70000"/>
             </a:pPr>
             <a:r>
-              <a:rPr lang="en-US" dirty="0" smtClean="0"/>
-              <a:t>Once the entry is replicated on a majority of servers, the entry is </a:t>
-            </a:r>
-            <a:r>
-              <a:rPr lang="en-US" i="1" dirty="0" err="1" smtClean="0">
+              <a:rPr lang="en-US" dirty="0"/>
+              <a:t>The </a:t>
+            </a:r>
+            <a:r>
+              <a:rPr lang="en-US" dirty="0">
                 <a:solidFill>
                   <a:srgbClr val="00B0F0"/>
                 </a:solidFill>
               </a:rPr>
-              <a:t>commited</a:t>
-            </a:r>
-            <a:r>
-              <a:rPr lang="en-US" i="1" dirty="0" smtClean="0">
+              <a:t>Leader</a:t>
+            </a:r>
+            <a:r>
+              <a:rPr lang="en-US" dirty="0"/>
+              <a:t> maintains a </a:t>
+            </a:r>
+            <a:r>
+              <a:rPr lang="en-US" dirty="0" err="1">
                 <a:solidFill>
                   <a:srgbClr val="00B0F0"/>
                 </a:solidFill>
               </a:rPr>
+              <a:t>nextIndex</a:t>
+            </a:r>
+            <a:r>
+              <a:rPr lang="en-US" dirty="0">
+                <a:solidFill>
+                  <a:srgbClr val="00B0F0"/>
+                </a:solidFill>
+              </a:rPr>
+              <a:t> </a:t>
+            </a:r>
+            <a:r>
+              <a:rPr lang="en-US" dirty="0"/>
+              <a:t>for </a:t>
+            </a:r>
+            <a:r>
+              <a:rPr lang="en-US" dirty="0">
+                <a:solidFill>
+                  <a:srgbClr val="00B050"/>
+                </a:solidFill>
+              </a:rPr>
+              <a:t>each follower</a:t>
+            </a:r>
+            <a:r>
+              <a:rPr lang="en-US" dirty="0"/>
+              <a:t>, which is the</a:t>
+            </a:r>
+            <a:r>
+              <a:rPr lang="en-US" dirty="0">
+                <a:solidFill>
+                  <a:srgbClr val="00B050"/>
+                </a:solidFill>
+              </a:rPr>
+              <a:t> index of the next log entry </a:t>
+            </a:r>
+            <a:r>
+              <a:rPr lang="en-US" dirty="0"/>
+              <a:t>the leader will send to that follower</a:t>
+            </a:r>
+            <a:r>
+              <a:rPr lang="en-US" dirty="0" smtClean="0"/>
               <a:t>.</a:t>
             </a:r>
+            <a:endParaRPr lang="en-US" dirty="0" smtClean="0"/>
           </a:p>
           <a:p>
             <a:pPr lvl="1">
@@ -3446,12 +3534,36 @@
               <a:buSzPct val="70000"/>
             </a:pPr>
             <a:r>
-              <a:rPr lang="en-US" i="1" dirty="0" smtClean="0"/>
-              <a:t>A committed </a:t>
-            </a:r>
-            <a:r>
-              <a:rPr lang="en-US" dirty="0" smtClean="0"/>
-              <a:t>entry is </a:t>
+              <a:rPr lang="en-US" dirty="0" smtClean="0"/>
+              <a:t>The leader sends out the </a:t>
+            </a:r>
+            <a:r>
+              <a:rPr lang="en-US" dirty="0" smtClean="0">
+                <a:solidFill>
+                  <a:srgbClr val="00B0F0"/>
+                </a:solidFill>
+              </a:rPr>
+              <a:t>index number</a:t>
+            </a:r>
+            <a:r>
+              <a:rPr lang="en-US" dirty="0" smtClean="0"/>
+              <a:t> of the last committed entry with every </a:t>
+            </a:r>
+            <a:r>
+              <a:rPr lang="en-US" dirty="0" err="1" smtClean="0">
+                <a:solidFill>
+                  <a:srgbClr val="00B0F0"/>
+                </a:solidFill>
+              </a:rPr>
+              <a:t>AppendEntries</a:t>
+            </a:r>
+            <a:r>
+              <a:rPr lang="en-US" dirty="0" smtClean="0">
+                <a:solidFill>
+                  <a:srgbClr val="00B0F0"/>
+                </a:solidFill>
+              </a:rPr>
+              <a:t> RPC, </a:t>
             </a:r>
             <a:r>
               <a:rPr lang="en-US" dirty="0" smtClean="0">
@@ -3459,24 +3571,13 @@
                   <a:srgbClr val="00B050"/>
                 </a:solidFill>
               </a:rPr>
-              <a:t>written to </a:t>
-            </a:r>
-            <a:r>
-              <a:rPr lang="en-US" dirty="0" smtClean="0"/>
-              <a:t>the </a:t>
-            </a:r>
-            <a:r>
-              <a:rPr lang="en-US" dirty="0" smtClean="0">
-                <a:solidFill>
-                  <a:srgbClr val="00B0F0"/>
-                </a:solidFill>
-              </a:rPr>
-              <a:t>state machine</a:t>
-            </a:r>
-            <a:r>
-              <a:rPr lang="en-US" dirty="0" smtClean="0"/>
-              <a:t>.</a:t>
-            </a:r>
+              <a:t>which ensures that all followers eventually learn about the commit.</a:t>
+            </a:r>
+            <a:r>
+              <a:rPr lang="en-US" dirty="0" smtClean="0"/>
+              <a:t>  </a:t>
+            </a:r>
+            <a:endParaRPr lang="en-US" dirty="0" smtClean="0"/>
           </a:p>
           <a:p>
             <a:pPr lvl="1">
@@ -3486,36 +3587,24 @@
               <a:buSzPct val="70000"/>
             </a:pPr>
             <a:r>
-              <a:rPr lang="en-US" dirty="0" err="1" smtClean="0">
+              <a:rPr lang="en-US" dirty="0"/>
+              <a:t>Once the entry is replicated on a majority of servers, the entry is </a:t>
+            </a:r>
+            <a:r>
+              <a:rPr lang="en-US" i="1" dirty="0" err="1">
                 <a:solidFill>
                   <a:srgbClr val="00B0F0"/>
                 </a:solidFill>
               </a:rPr>
-              <a:t>AppendEntries</a:t>
-            </a:r>
-            <a:r>
-              <a:rPr lang="en-US" dirty="0" smtClean="0">
+              <a:t>commited</a:t>
+            </a:r>
+            <a:r>
+              <a:rPr lang="en-US" i="1" dirty="0">
                 <a:solidFill>
                   <a:srgbClr val="00B0F0"/>
                 </a:solidFill>
               </a:rPr>
-              <a:t> RPCs </a:t>
-            </a:r>
-            <a:r>
-              <a:rPr lang="en-US" dirty="0" smtClean="0"/>
-              <a:t>are also used as </a:t>
-            </a:r>
-            <a:r>
-              <a:rPr lang="en-US" dirty="0" smtClean="0">
-                <a:solidFill>
-                  <a:srgbClr val="00B050"/>
-                </a:solidFill>
-              </a:rPr>
-              <a:t>heartbeats</a:t>
-            </a:r>
-            <a:r>
-              <a:rPr lang="en-US" dirty="0" smtClean="0"/>
-              <a:t> when sent with no new log entries. </a:t>
+              <a:t>.</a:t>
             </a:r>
           </a:p>
           <a:p>
@@ -3526,25 +3615,61 @@
               <a:buSzPct val="70000"/>
             </a:pPr>
             <a:r>
-              <a:rPr lang="en-US" dirty="0" smtClean="0"/>
-              <a:t>The leader sends out the </a:t>
-            </a:r>
-            <a:r>
-              <a:rPr lang="en-US" dirty="0" smtClean="0">
+              <a:rPr lang="en-US" i="1" dirty="0"/>
+              <a:t>A committed </a:t>
+            </a:r>
+            <a:r>
+              <a:rPr lang="en-US" dirty="0"/>
+              <a:t>entry is </a:t>
+            </a:r>
+            <a:r>
+              <a:rPr lang="en-US" dirty="0">
+                <a:solidFill>
+                  <a:srgbClr val="00B050"/>
+                </a:solidFill>
+              </a:rPr>
+              <a:t>written to </a:t>
+            </a:r>
+            <a:r>
+              <a:rPr lang="en-US" dirty="0"/>
+              <a:t>the </a:t>
+            </a:r>
+            <a:r>
+              <a:rPr lang="en-US" dirty="0">
                 <a:solidFill>
                   <a:srgbClr val="00B0F0"/>
                 </a:solidFill>
               </a:rPr>
-              <a:t>index number</a:t>
-            </a:r>
-            <a:r>
-              <a:rPr lang="en-US" dirty="0" smtClean="0"/>
-              <a:t> of the last committed entry with every </a:t>
+              <a:t>state </a:t>
+            </a:r>
+            <a:r>
+              <a:rPr lang="en-US" dirty="0" smtClean="0">
+                <a:solidFill>
+                  <a:srgbClr val="00B0F0"/>
+                </a:solidFill>
+              </a:rPr>
+              <a:t>machine</a:t>
+            </a:r>
+            <a:r>
+              <a:rPr lang="en-US" dirty="0"/>
+              <a:t> </a:t>
+            </a:r>
+            <a:r>
+              <a:rPr lang="en-US" dirty="0" smtClean="0"/>
+              <a:t>and the index of last committed is </a:t>
+            </a:r>
+            <a:r>
+              <a:rPr lang="en-US" dirty="0" smtClean="0">
+                <a:solidFill>
+                  <a:srgbClr val="00B050"/>
+                </a:solidFill>
+              </a:rPr>
+              <a:t>sent via future </a:t>
             </a:r>
             <a:r>
               <a:rPr lang="en-US" dirty="0" err="1" smtClean="0">
                 <a:solidFill>
-                  <a:srgbClr val="00B0F0"/>
+                  <a:srgbClr val="00B050"/>
                 </a:solidFill>
               </a:rPr>
               <a:t>AppendEntries</a:t>
@@ -3552,23 +3677,16 @@
             <a:r>
               <a:rPr lang="en-US" dirty="0" smtClean="0">
                 <a:solidFill>
-                  <a:srgbClr val="00B0F0"/>
-                </a:solidFill>
-              </a:rPr>
-              <a:t> RPC, </a:t>
-            </a:r>
-            <a:r>
-              <a:rPr lang="en-US" dirty="0" smtClean="0">
-                <a:solidFill>
                   <a:srgbClr val="00B050"/>
                 </a:solidFill>
               </a:rPr>
-              <a:t>which ensures that all followers eventually learn about the commit.</a:t>
-            </a:r>
-            <a:r>
-              <a:rPr lang="en-US" dirty="0" smtClean="0"/>
-              <a:t>  </a:t>
-            </a:r>
+              <a:t> RPCs</a:t>
+            </a:r>
+            <a:endParaRPr lang="en-US" dirty="0" smtClean="0">
+              <a:solidFill>
+                <a:srgbClr val="00B050"/>
+              </a:solidFill>
+            </a:endParaRPr>
           </a:p>
           <a:p>
             <a:endParaRPr lang="en-US" dirty="0" smtClean="0"/>
@@ -4346,8 +4464,31 @@
             </a:r>
             <a:r>
               <a:rPr lang="en-US" dirty="0" smtClean="0"/>
-              <a:t>take care of maintaining consistency if logs don’t match.</a:t>
-            </a:r>
+              <a:t>take care of maintaining consistency if logs don’t match</a:t>
+            </a:r>
+            <a:r>
+              <a:rPr lang="en-US" dirty="0" smtClean="0"/>
+              <a:t>.</a:t>
+            </a:r>
+          </a:p>
+          <a:p>
+            <a:r>
+              <a:rPr lang="en-US" dirty="0" smtClean="0"/>
+              <a:t>There is</a:t>
+            </a:r>
+            <a:r>
+              <a:rPr lang="en-US" dirty="0" smtClean="0">
+                <a:solidFill>
+                  <a:srgbClr val="00B050"/>
+                </a:solidFill>
+              </a:rPr>
+              <a:t> no flow of log entries</a:t>
+            </a:r>
+            <a:r>
+              <a:rPr lang="en-US" dirty="0" smtClean="0"/>
+              <a:t> from the followers to the leader.</a:t>
+            </a:r>
+            <a:endParaRPr lang="en-US" dirty="0" smtClean="0"/>
           </a:p>
           <a:p>
             <a:pPr lvl="2">
@@ -4852,14 +4993,50 @@
             </a:r>
             <a:r>
               <a:rPr lang="en-US" sz="2400" dirty="0" smtClean="0"/>
-              <a:t> try to commit it </a:t>
+              <a:t> try to commit </a:t>
+            </a:r>
+            <a:r>
+              <a:rPr lang="en-US" sz="2400" dirty="0" smtClean="0"/>
+              <a:t>it</a:t>
             </a:r>
           </a:p>
           <a:p>
             <a:pPr lvl="2"/>
             <a:r>
               <a:rPr lang="en-US" sz="2400" dirty="0" smtClean="0"/>
-              <a:t>The client request may* not be lost and there is Consensus </a:t>
+              <a:t>If this leader fails, any next leader </a:t>
+            </a:r>
+            <a:r>
+              <a:rPr lang="en-US" sz="2400" dirty="0" smtClean="0">
+                <a:solidFill>
+                  <a:srgbClr val="00B050"/>
+                </a:solidFill>
+              </a:rPr>
+              <a:t>WILL ALSO</a:t>
+            </a:r>
+            <a:r>
+              <a:rPr lang="en-US" sz="2400" dirty="0" smtClean="0"/>
+              <a:t> have the entry in its log</a:t>
+            </a:r>
+            <a:r>
+              <a:rPr lang="en-US" sz="2400" dirty="0" smtClean="0"/>
+              <a:t> </a:t>
+            </a:r>
+            <a:endParaRPr lang="en-US" sz="2400" dirty="0" smtClean="0"/>
+          </a:p>
+          <a:p>
+            <a:pPr lvl="2"/>
+            <a:r>
+              <a:rPr lang="en-US" sz="2400" dirty="0" smtClean="0"/>
+              <a:t>The client request </a:t>
+            </a:r>
+            <a:r>
+              <a:rPr lang="en-US" sz="2400" dirty="0" smtClean="0"/>
+              <a:t>will </a:t>
+            </a:r>
+            <a:r>
+              <a:rPr lang="en-US" sz="2400" dirty="0" smtClean="0"/>
+              <a:t>not be lost and there is Consensus </a:t>
             </a:r>
           </a:p>
           <a:p>
@@ -5002,7 +5179,31 @@
                   <a:srgbClr val="00B050"/>
                 </a:solidFill>
               </a:rPr>
-              <a:t>If no leader found on starting, start an election</a:t>
+              <a:t>If no leader found on starting, </a:t>
+            </a:r>
+            <a:r>
+              <a:rPr lang="en-US" dirty="0" smtClean="0">
+                <a:solidFill>
+                  <a:srgbClr val="00B050"/>
+                </a:solidFill>
+              </a:rPr>
+              <a:t>initiate</a:t>
+            </a:r>
+            <a:r>
+              <a:rPr lang="en-US" dirty="0" smtClean="0">
+                <a:solidFill>
+                  <a:srgbClr val="00B050"/>
+                </a:solidFill>
+              </a:rPr>
+              <a:t> </a:t>
+            </a:r>
+            <a:r>
+              <a:rPr lang="en-US" dirty="0" smtClean="0">
+                <a:solidFill>
+                  <a:srgbClr val="00B050"/>
+                </a:solidFill>
+              </a:rPr>
+              <a:t>an election</a:t>
             </a:r>
             <a:r>
               <a:rPr lang="en-US" dirty="0" smtClean="0"/>
@@ -5211,9 +5412,29 @@
           <a:p>
             <a:r>
               <a:rPr lang="en-US" dirty="0" smtClean="0"/>
-              <a:t>To design a consensus algorithm that can be implemented in a practical system without too much additional engineering</a:t>
-            </a:r>
-            <a:endParaRPr lang="en-US" dirty="0"/>
+              <a:t>To design a consensus algorithm that can be implemented in a practical system </a:t>
+            </a:r>
+            <a:r>
+              <a:rPr lang="en-US" dirty="0" smtClean="0">
+                <a:solidFill>
+                  <a:srgbClr val="00B050"/>
+                </a:solidFill>
+              </a:rPr>
+              <a:t>without requiring </a:t>
+            </a:r>
+            <a:r>
+              <a:rPr lang="en-US" dirty="0" smtClean="0">
+                <a:solidFill>
+                  <a:srgbClr val="00B050"/>
+                </a:solidFill>
+              </a:rPr>
+              <a:t>too much additional engineering</a:t>
+            </a:r>
+            <a:endParaRPr lang="en-US" dirty="0">
+              <a:solidFill>
+                <a:srgbClr val="00B050"/>
+              </a:solidFill>
+            </a:endParaRPr>
           </a:p>
         </p:txBody>
       </p:sp>
@@ -5326,11 +5547,23 @@
                   <a:srgbClr val="00B050"/>
                 </a:solidFill>
               </a:rPr>
-              <a:t>additional modifications</a:t>
-            </a:r>
-            <a:r>
-              <a:rPr lang="en-US" dirty="0" smtClean="0"/>
-              <a:t>– resulting in final systems based on an </a:t>
+              <a:t>additional </a:t>
+            </a:r>
+            <a:r>
+              <a:rPr lang="en-US" dirty="0" smtClean="0">
+                <a:solidFill>
+                  <a:srgbClr val="00B050"/>
+                </a:solidFill>
+              </a:rPr>
+              <a:t>modifications </a:t>
+            </a:r>
+            <a:r>
+              <a:rPr lang="en-US" dirty="0" smtClean="0"/>
+              <a:t>– </a:t>
+            </a:r>
+            <a:r>
+              <a:rPr lang="en-US" dirty="0" smtClean="0"/>
+              <a:t>resulting in final systems based on an </a:t>
             </a:r>
             <a:r>
               <a:rPr lang="en-US" dirty="0" smtClean="0">
@@ -5825,7 +6058,7 @@
         <p:spPr/>
         <p:txBody>
           <a:bodyPr>
-            <a:normAutofit/>
+            <a:normAutofit lnSpcReduction="10000"/>
           </a:bodyPr>
           <a:lstStyle/>
           <a:p>
@@ -5885,7 +6118,7 @@
                   </a:schemeClr>
                 </a:solidFill>
               </a:rPr>
-              <a:t>ensure </a:t>
+              <a:t>ensure that multiple candidates </a:t>
             </a:r>
             <a:r>
               <a:rPr lang="en-US" dirty="0" smtClean="0">
@@ -5895,17 +6128,17 @@
                   </a:schemeClr>
                 </a:solidFill>
               </a:rPr>
-              <a:t>that multiple candidates do not arise at the same time </a:t>
-            </a:r>
-            <a:r>
-              <a:rPr lang="en-US" i="1" dirty="0" smtClean="0">
+              <a:t>rarely</a:t>
+            </a:r>
+            <a:r>
+              <a:rPr lang="en-US" dirty="0" smtClean="0">
                 <a:solidFill>
                   <a:schemeClr val="tx2">
                     <a:lumMod val="50000"/>
                   </a:schemeClr>
                 </a:solidFill>
               </a:rPr>
-              <a:t>in practice</a:t>
+              <a:t> </a:t>
             </a:r>
             <a:r>
               <a:rPr lang="en-US" dirty="0" smtClean="0">
@@ -5915,27 +6148,27 @@
                   </a:schemeClr>
                 </a:solidFill>
               </a:rPr>
-              <a:t>, </a:t>
-            </a:r>
-            <a:r>
-              <a:rPr lang="en-US" smtClean="0">
+              <a:t>arise at the same time </a:t>
+            </a:r>
+            <a:r>
+              <a:rPr lang="en-US" i="1" dirty="0" smtClean="0">
                 <a:solidFill>
                   <a:schemeClr val="tx2">
                     <a:lumMod val="50000"/>
                   </a:schemeClr>
                 </a:solidFill>
               </a:rPr>
-              <a:t>but </a:t>
-            </a:r>
-            <a:r>
-              <a:rPr lang="en-US" smtClean="0">
+              <a:t>in practice</a:t>
+            </a:r>
+            <a:r>
+              <a:rPr lang="en-US" dirty="0" smtClean="0">
                 <a:solidFill>
                   <a:schemeClr val="tx2">
                     <a:lumMod val="50000"/>
                   </a:schemeClr>
                 </a:solidFill>
               </a:rPr>
-              <a:t>this is </a:t>
+              <a:t>, but </a:t>
             </a:r>
             <a:r>
               <a:rPr lang="en-US" dirty="0" smtClean="0">
@@ -5945,7 +6178,7 @@
                   </a:schemeClr>
                 </a:solidFill>
               </a:rPr>
-              <a:t>a </a:t>
+              <a:t>there is no guarantee </a:t>
             </a:r>
             <a:r>
               <a:rPr lang="en-US" dirty="0" smtClean="0">
@@ -5955,7 +6188,7 @@
                   </a:schemeClr>
                 </a:solidFill>
               </a:rPr>
-              <a:t>weak logic – </a:t>
+              <a:t>– </a:t>
             </a:r>
             <a:r>
               <a:rPr lang="en-US" dirty="0" smtClean="0">
@@ -5993,6 +6226,50 @@
               </a:rPr>
               <a:t>. </a:t>
             </a:r>
+            <a:endParaRPr lang="en-US" dirty="0" smtClean="0">
+              <a:solidFill>
+                <a:schemeClr val="tx2">
+                  <a:lumMod val="50000"/>
+                </a:schemeClr>
+              </a:solidFill>
+            </a:endParaRPr>
+          </a:p>
+          <a:p>
+            <a:r>
+              <a:rPr lang="en-US" dirty="0" smtClean="0">
+                <a:solidFill>
+                  <a:schemeClr val="tx2">
+                    <a:lumMod val="50000"/>
+                  </a:schemeClr>
+                </a:solidFill>
+              </a:rPr>
+              <a:t>Terms with no leader are a problem when </a:t>
+            </a:r>
+            <a:r>
+              <a:rPr lang="en-US" dirty="0" smtClean="0">
+                <a:solidFill>
+                  <a:srgbClr val="00B050"/>
+                </a:solidFill>
+              </a:rPr>
+              <a:t>time is critical</a:t>
+            </a:r>
+            <a:r>
+              <a:rPr lang="en-US" dirty="0" smtClean="0">
+                <a:solidFill>
+                  <a:schemeClr val="tx2">
+                    <a:lumMod val="50000"/>
+                  </a:schemeClr>
+                </a:solidFill>
+              </a:rPr>
+              <a:t>- such as aviation emergencies.</a:t>
+            </a:r>
+            <a:endParaRPr lang="en-US" dirty="0" smtClean="0">
+              <a:solidFill>
+                <a:schemeClr val="tx2">
+                  <a:lumMod val="50000"/>
+                </a:schemeClr>
+              </a:solidFill>
+            </a:endParaRPr>
           </a:p>
         </p:txBody>
       </p:sp>
@@ -6684,9 +6961,12 @@
             </a:r>
             <a:r>
               <a:rPr lang="en-US" dirty="0" smtClean="0"/>
-              <a:t>request vote for being elected as leader</a:t>
-            </a:r>
-            <a:endParaRPr lang="en-US" dirty="0" smtClean="0"/>
+              <a:t>requesting votes </a:t>
+            </a:r>
+            <a:r>
+              <a:rPr lang="en-US" dirty="0" smtClean="0"/>
+              <a:t>for being elected as leader</a:t>
+            </a:r>
           </a:p>
         </p:txBody>
       </p:sp>
@@ -6849,15 +7129,7 @@
             </a:r>
             <a:r>
               <a:rPr lang="en-US" dirty="0" smtClean="0"/>
-              <a:t>, </a:t>
-            </a:r>
-            <a:r>
-              <a:rPr lang="en-US" dirty="0" smtClean="0"/>
-              <a:t>it votes for </a:t>
-            </a:r>
-            <a:r>
-              <a:rPr lang="en-US" dirty="0" smtClean="0"/>
-              <a:t>itself, increases its </a:t>
+              <a:t>, it votes for itself, increases its </a:t>
             </a:r>
             <a:r>
               <a:rPr lang="en-US" dirty="0" err="1" smtClean="0">
@@ -6869,66 +7141,78 @@
             </a:r>
             <a:r>
               <a:rPr lang="en-US" dirty="0" smtClean="0"/>
+              <a:t> and sends out a </a:t>
+            </a:r>
+            <a:r>
+              <a:rPr lang="en-US" dirty="0" err="1" smtClean="0">
+                <a:solidFill>
+                  <a:srgbClr val="00B0F0"/>
+                </a:solidFill>
+              </a:rPr>
+              <a:t>RequestVote</a:t>
+            </a:r>
+            <a:r>
+              <a:rPr lang="en-US" dirty="0" smtClean="0">
+                <a:solidFill>
+                  <a:srgbClr val="00B0F0"/>
+                </a:solidFill>
+              </a:rPr>
+              <a:t> RPC </a:t>
+            </a:r>
+            <a:r>
+              <a:rPr lang="en-US" dirty="0" smtClean="0"/>
+              <a:t>to all other nodes- </a:t>
+            </a:r>
+            <a:r>
+              <a:rPr lang="en-US" dirty="0" smtClean="0">
+                <a:solidFill>
+                  <a:srgbClr val="00B0F0"/>
+                </a:solidFill>
+              </a:rPr>
+              <a:t>election initiation</a:t>
+            </a:r>
+            <a:endParaRPr lang="en-US" dirty="0" smtClean="0"/>
+          </a:p>
+          <a:p>
+            <a:r>
+              <a:rPr lang="en-US" dirty="0" smtClean="0"/>
+              <a:t>If </a:t>
+            </a:r>
+            <a:r>
+              <a:rPr lang="en-US" dirty="0" smtClean="0">
+                <a:solidFill>
+                  <a:srgbClr val="00B050"/>
+                </a:solidFill>
+              </a:rPr>
+              <a:t>majority of nodes vote</a:t>
+            </a:r>
+            <a:r>
+              <a:rPr lang="en-US" dirty="0" smtClean="0"/>
+              <a:t>, then </a:t>
+            </a:r>
+            <a:r>
+              <a:rPr lang="en-US" dirty="0" smtClean="0">
+                <a:solidFill>
+                  <a:srgbClr val="00B0F0"/>
+                </a:solidFill>
+              </a:rPr>
+              <a:t>the </a:t>
+            </a:r>
+            <a:r>
+              <a:rPr lang="en-US" dirty="0" smtClean="0">
+                <a:solidFill>
+                  <a:srgbClr val="00B0F0"/>
+                </a:solidFill>
+              </a:rPr>
+              <a:t>candidate</a:t>
+            </a:r>
+            <a:r>
+              <a:rPr lang="en-US" dirty="0" smtClean="0"/>
               <a:t> </a:t>
             </a:r>
             <a:r>
               <a:rPr lang="en-US" dirty="0" smtClean="0"/>
-              <a:t>and sends out a </a:t>
-            </a:r>
-            <a:r>
-              <a:rPr lang="en-US" dirty="0" err="1" smtClean="0">
-                <a:solidFill>
-                  <a:srgbClr val="00B0F0"/>
-                </a:solidFill>
-              </a:rPr>
-              <a:t>RequestVote</a:t>
-            </a:r>
-            <a:r>
-              <a:rPr lang="en-US" dirty="0" smtClean="0">
-                <a:solidFill>
-                  <a:srgbClr val="00B0F0"/>
-                </a:solidFill>
-              </a:rPr>
-              <a:t> RPC </a:t>
-            </a:r>
-            <a:r>
-              <a:rPr lang="en-US" dirty="0" smtClean="0"/>
-              <a:t>to all other nodes- </a:t>
-            </a:r>
-            <a:r>
-              <a:rPr lang="en-US" dirty="0" smtClean="0">
-                <a:solidFill>
-                  <a:srgbClr val="00B0F0"/>
-                </a:solidFill>
-              </a:rPr>
-              <a:t>election </a:t>
-            </a:r>
-            <a:r>
-              <a:rPr lang="en-US" dirty="0" smtClean="0">
-                <a:solidFill>
-                  <a:srgbClr val="00B0F0"/>
-                </a:solidFill>
-              </a:rPr>
-              <a:t>initiation</a:t>
-            </a:r>
-            <a:endParaRPr lang="en-US" dirty="0" smtClean="0"/>
-          </a:p>
-          <a:p>
-            <a:r>
-              <a:rPr lang="en-US" dirty="0" smtClean="0"/>
-              <a:t>If </a:t>
-            </a:r>
-            <a:r>
-              <a:rPr lang="en-US" dirty="0" smtClean="0">
-                <a:solidFill>
-                  <a:srgbClr val="00B050"/>
-                </a:solidFill>
-              </a:rPr>
-              <a:t>majority of nodes vote</a:t>
-            </a:r>
-            <a:r>
-              <a:rPr lang="en-US" dirty="0" smtClean="0"/>
-              <a:t>, then the node becomes leader.</a:t>
+              <a:t>becomes leader.</a:t>
             </a:r>
           </a:p>
           <a:p>
@@ -7158,15 +7442,7 @@
             </a:r>
             <a:r>
               <a:rPr lang="en-US" dirty="0" smtClean="0"/>
-              <a:t>in case term numbers </a:t>
-            </a:r>
-            <a:r>
-              <a:rPr lang="en-US" dirty="0" smtClean="0"/>
-              <a:t>for last entries are </a:t>
-            </a:r>
-            <a:r>
-              <a:rPr lang="en-US" dirty="0" smtClean="0"/>
-              <a:t>similar for Candidate and X)</a:t>
+              <a:t>in case term numbers for last entries are similar for Candidate and X)</a:t>
             </a:r>
           </a:p>
           <a:p>
@@ -7317,23 +7593,11 @@
                   <a:srgbClr val="00B050"/>
                 </a:solidFill>
               </a:rPr>
-              <a:t>greater than </a:t>
-            </a:r>
-            <a:r>
-              <a:rPr lang="en-US" dirty="0" smtClean="0">
-                <a:solidFill>
-                  <a:srgbClr val="00B050"/>
-                </a:solidFill>
-              </a:rPr>
-              <a:t>or equal to</a:t>
-            </a:r>
-            <a:r>
-              <a:rPr lang="en-US" dirty="0" smtClean="0"/>
-              <a:t> its </a:t>
-            </a:r>
-            <a:r>
-              <a:rPr lang="en-US" dirty="0" smtClean="0"/>
-              <a:t>own </a:t>
+              <a:t>greater than or equal to</a:t>
+            </a:r>
+            <a:r>
+              <a:rPr lang="en-US" dirty="0" smtClean="0"/>
+              <a:t> its own </a:t>
             </a:r>
             <a:r>
               <a:rPr lang="en-US" dirty="0" err="1" smtClean="0">
@@ -7461,15 +7725,7 @@
                   <a:srgbClr val="00B050"/>
                 </a:solidFill>
               </a:rPr>
-              <a:t>expires before it receives a </a:t>
-            </a:r>
-            <a:r>
-              <a:rPr lang="en-US" dirty="0" smtClean="0">
-                <a:solidFill>
-                  <a:srgbClr val="00B050"/>
-                </a:solidFill>
-              </a:rPr>
-              <a:t>heartbeat or a </a:t>
+              <a:t>expires before it receives a heartbeat or a </a:t>
             </a:r>
             <a:r>
               <a:rPr lang="en-US" dirty="0" err="1" smtClean="0">
@@ -7489,11 +7745,7 @@
             </a:r>
             <a:r>
               <a:rPr lang="en-US" dirty="0" smtClean="0"/>
-              <a:t>, </a:t>
-            </a:r>
-            <a:r>
-              <a:rPr lang="en-US" dirty="0" smtClean="0"/>
-              <a:t>it becomes a candidate and initiates an election</a:t>
+              <a:t>, it becomes a candidate and initiates an election</a:t>
             </a:r>
             <a:endParaRPr lang="en-US" dirty="0"/>
           </a:p>
@@ -7603,7 +7855,19 @@
             </a:r>
             <a:r>
               <a:rPr lang="en-US" dirty="0" smtClean="0"/>
-              <a:t>This is ensured by the fact that a leader creates at most one entry with a given index in a given term.</a:t>
+              <a:t>This is ensured by the </a:t>
+            </a:r>
+            <a:r>
+              <a:rPr lang="en-US" dirty="0" smtClean="0"/>
+              <a:t>constraint</a:t>
+            </a:r>
+            <a:r>
+              <a:rPr lang="en-US" dirty="0" smtClean="0"/>
+              <a:t> </a:t>
+            </a:r>
+            <a:r>
+              <a:rPr lang="en-US" dirty="0" smtClean="0"/>
+              <a:t>that a leader creates at most one entry with a given index in a given term.</a:t>
             </a:r>
           </a:p>
           <a:p>
@@ -7652,78 +7916,6 @@
               </a:rPr>
               <a:t> RPCs.</a:t>
             </a:r>
-          </a:p>
-          <a:p>
-            <a:pPr marL="228600" lvl="1">
-              <a:spcBef>
-                <a:spcPts val="1000"/>
-              </a:spcBef>
-            </a:pPr>
-            <a:r>
-              <a:rPr lang="en-US" dirty="0" smtClean="0"/>
-              <a:t>The </a:t>
-            </a:r>
-            <a:r>
-              <a:rPr lang="en-US" dirty="0" smtClean="0">
-                <a:solidFill>
-                  <a:srgbClr val="00B0F0"/>
-                </a:solidFill>
-              </a:rPr>
-              <a:t>Leader</a:t>
-            </a:r>
-            <a:r>
-              <a:rPr lang="en-US" dirty="0" smtClean="0"/>
-              <a:t> maintains a </a:t>
-            </a:r>
-            <a:r>
-              <a:rPr lang="en-US" dirty="0" err="1" smtClean="0">
-                <a:solidFill>
-                  <a:srgbClr val="00B0F0"/>
-                </a:solidFill>
-              </a:rPr>
-              <a:t>nextIndex</a:t>
-            </a:r>
-            <a:r>
-              <a:rPr lang="en-US" dirty="0" smtClean="0">
-                <a:solidFill>
-                  <a:srgbClr val="00B0F0"/>
-                </a:solidFill>
-              </a:rPr>
-              <a:t> </a:t>
-            </a:r>
-            <a:r>
-              <a:rPr lang="en-US" dirty="0" smtClean="0"/>
-              <a:t>for </a:t>
-            </a:r>
-            <a:r>
-              <a:rPr lang="en-US" dirty="0" smtClean="0">
-                <a:solidFill>
-                  <a:srgbClr val="00B050"/>
-                </a:solidFill>
-              </a:rPr>
-              <a:t>each follower</a:t>
-            </a:r>
-            <a:r>
-              <a:rPr lang="en-US" dirty="0" smtClean="0"/>
-              <a:t>, which is the</a:t>
-            </a:r>
-            <a:r>
-              <a:rPr lang="en-US" dirty="0" smtClean="0">
-                <a:solidFill>
-                  <a:srgbClr val="00B050"/>
-                </a:solidFill>
-              </a:rPr>
-              <a:t> index of the next log entry </a:t>
-            </a:r>
-            <a:r>
-              <a:rPr lang="en-US" dirty="0" smtClean="0"/>
-              <a:t>the leader will send to that follower.</a:t>
-            </a:r>
-            <a:endParaRPr lang="en-US" dirty="0" smtClean="0">
-              <a:solidFill>
-                <a:srgbClr val="00B0F0"/>
-              </a:solidFill>
-            </a:endParaRPr>
           </a:p>
           <a:p>
             <a:endParaRPr lang="en-US" dirty="0" smtClean="0">
